--- a/javaWorks/자료/java_ppt/5장.배열(Array).pptx
+++ b/javaWorks/자료/java_ppt/5장.배열(Array).pptx
@@ -5,7 +5,7 @@
     <p:sldMasterId id="2147483648" r:id="rId1"/>
   </p:sldMasterIdLst>
   <p:notesMasterIdLst>
-    <p:notesMasterId r:id="rId39"/>
+    <p:notesMasterId r:id="rId40"/>
   </p:notesMasterIdLst>
   <p:sldIdLst>
     <p:sldId id="256" r:id="rId2"/>
@@ -18,33 +18,34 @@
     <p:sldId id="389" r:id="rId9"/>
     <p:sldId id="395" r:id="rId10"/>
     <p:sldId id="351" r:id="rId11"/>
-    <p:sldId id="326" r:id="rId12"/>
-    <p:sldId id="393" r:id="rId13"/>
-    <p:sldId id="392" r:id="rId14"/>
-    <p:sldId id="353" r:id="rId15"/>
-    <p:sldId id="396" r:id="rId16"/>
-    <p:sldId id="422" r:id="rId17"/>
-    <p:sldId id="410" r:id="rId18"/>
-    <p:sldId id="412" r:id="rId19"/>
-    <p:sldId id="413" r:id="rId20"/>
-    <p:sldId id="414" r:id="rId21"/>
-    <p:sldId id="419" r:id="rId22"/>
-    <p:sldId id="415" r:id="rId23"/>
-    <p:sldId id="416" r:id="rId24"/>
-    <p:sldId id="417" r:id="rId25"/>
-    <p:sldId id="418" r:id="rId26"/>
-    <p:sldId id="368" r:id="rId27"/>
-    <p:sldId id="370" r:id="rId28"/>
-    <p:sldId id="397" r:id="rId29"/>
-    <p:sldId id="371" r:id="rId30"/>
-    <p:sldId id="423" r:id="rId31"/>
-    <p:sldId id="409" r:id="rId32"/>
-    <p:sldId id="372" r:id="rId33"/>
-    <p:sldId id="390" r:id="rId34"/>
-    <p:sldId id="424" r:id="rId35"/>
-    <p:sldId id="404" r:id="rId36"/>
-    <p:sldId id="406" r:id="rId37"/>
-    <p:sldId id="425" r:id="rId38"/>
+    <p:sldId id="426" r:id="rId12"/>
+    <p:sldId id="326" r:id="rId13"/>
+    <p:sldId id="393" r:id="rId14"/>
+    <p:sldId id="392" r:id="rId15"/>
+    <p:sldId id="353" r:id="rId16"/>
+    <p:sldId id="396" r:id="rId17"/>
+    <p:sldId id="422" r:id="rId18"/>
+    <p:sldId id="410" r:id="rId19"/>
+    <p:sldId id="412" r:id="rId20"/>
+    <p:sldId id="413" r:id="rId21"/>
+    <p:sldId id="414" r:id="rId22"/>
+    <p:sldId id="419" r:id="rId23"/>
+    <p:sldId id="415" r:id="rId24"/>
+    <p:sldId id="416" r:id="rId25"/>
+    <p:sldId id="417" r:id="rId26"/>
+    <p:sldId id="418" r:id="rId27"/>
+    <p:sldId id="368" r:id="rId28"/>
+    <p:sldId id="370" r:id="rId29"/>
+    <p:sldId id="397" r:id="rId30"/>
+    <p:sldId id="371" r:id="rId31"/>
+    <p:sldId id="423" r:id="rId32"/>
+    <p:sldId id="409" r:id="rId33"/>
+    <p:sldId id="372" r:id="rId34"/>
+    <p:sldId id="390" r:id="rId35"/>
+    <p:sldId id="424" r:id="rId36"/>
+    <p:sldId id="404" r:id="rId37"/>
+    <p:sldId id="406" r:id="rId38"/>
+    <p:sldId id="425" r:id="rId39"/>
   </p:sldIdLst>
   <p:sldSz cx="9906000" cy="6858000" type="A4"/>
   <p:notesSz cx="6858000" cy="9144000"/>
@@ -145,7 +146,7 @@
   </p:defaultTextStyle>
   <p:extLst>
     <p:ext uri="{EFAFB233-063F-42B5-8137-9DF3F51BA10A}">
-      <p15:sldGuideLst xmlns:p15="http://schemas.microsoft.com/office/powerpoint/2012/main" xmlns="">
+      <p15:sldGuideLst xmlns:p15="http://schemas.microsoft.com/office/powerpoint/2012/main">
         <p15:guide id="1" orient="horz" pos="2160">
           <p15:clr>
             <a:srgbClr val="A4A3A4"/>
@@ -244,7 +245,7 @@
           <a:p>
             <a:fld id="{7665CDAC-D627-4E87-877A-1B781DD4CADC}" type="datetimeFigureOut">
               <a:rPr lang="ko-KR" altLang="en-US" smtClean="0"/>
-              <a:t>2022-06-30</a:t>
+              <a:t>2023-05-17</a:t>
             </a:fld>
             <a:endParaRPr lang="ko-KR" altLang="en-US"/>
           </a:p>
@@ -782,7 +783,7 @@
           <a:p>
             <a:fld id="{F4AC81B4-D91A-4578-85B3-829E63FCFE17}" type="datetime1">
               <a:rPr lang="ko-KR" altLang="en-US" smtClean="0"/>
-              <a:t>2022-06-30</a:t>
+              <a:t>2023-05-17</a:t>
             </a:fld>
             <a:endParaRPr lang="ko-KR" altLang="en-US"/>
           </a:p>
@@ -1157,7 +1158,7 @@
           <a:p>
             <a:fld id="{F5B77542-37E5-48F2-BAE7-80CC6B0EB6A3}" type="datetime1">
               <a:rPr lang="ko-KR" altLang="en-US" smtClean="0"/>
-              <a:t>2022-06-30</a:t>
+              <a:t>2023-05-17</a:t>
             </a:fld>
             <a:endParaRPr lang="ko-KR" altLang="en-US"/>
           </a:p>
@@ -1337,7 +1338,7 @@
           <a:p>
             <a:fld id="{227CF174-B5AC-4A98-B673-0BE8126D3F27}" type="datetime1">
               <a:rPr lang="ko-KR" altLang="en-US" smtClean="0"/>
-              <a:t>2022-06-30</a:t>
+              <a:t>2023-05-17</a:t>
             </a:fld>
             <a:endParaRPr lang="ko-KR" altLang="en-US"/>
           </a:p>
@@ -1511,7 +1512,7 @@
           <a:p>
             <a:fld id="{E20FDEC8-1339-42E8-9704-2977280C2FD3}" type="datetime1">
               <a:rPr lang="ko-KR" altLang="en-US" smtClean="0"/>
-              <a:t>2022-06-30</a:t>
+              <a:t>2023-05-17</a:t>
             </a:fld>
             <a:endParaRPr lang="ko-KR" altLang="en-US"/>
           </a:p>
@@ -1757,7 +1758,7 @@
           <a:p>
             <a:fld id="{4D18DC76-A282-4817-B790-197F054E1215}" type="datetime1">
               <a:rPr lang="ko-KR" altLang="en-US" smtClean="0"/>
-              <a:t>2022-06-30</a:t>
+              <a:t>2023-05-17</a:t>
             </a:fld>
             <a:endParaRPr lang="ko-KR" altLang="en-US"/>
           </a:p>
@@ -2045,7 +2046,7 @@
           <a:p>
             <a:fld id="{6680AA6C-13D8-43E4-90F0-E6C88A2B9F16}" type="datetime1">
               <a:rPr lang="ko-KR" altLang="en-US" smtClean="0"/>
-              <a:t>2022-06-30</a:t>
+              <a:t>2023-05-17</a:t>
             </a:fld>
             <a:endParaRPr lang="ko-KR" altLang="en-US"/>
           </a:p>
@@ -2467,7 +2468,7 @@
           <a:p>
             <a:fld id="{3EF5B03B-20CC-436E-8601-C933C6C1F4A6}" type="datetime1">
               <a:rPr lang="ko-KR" altLang="en-US" smtClean="0"/>
-              <a:t>2022-06-30</a:t>
+              <a:t>2023-05-17</a:t>
             </a:fld>
             <a:endParaRPr lang="ko-KR" altLang="en-US"/>
           </a:p>
@@ -2585,7 +2586,7 @@
           <a:p>
             <a:fld id="{87B5A15D-8B08-482F-AB47-E416EC355EB6}" type="datetime1">
               <a:rPr lang="ko-KR" altLang="en-US" smtClean="0"/>
-              <a:t>2022-06-30</a:t>
+              <a:t>2023-05-17</a:t>
             </a:fld>
             <a:endParaRPr lang="ko-KR" altLang="en-US"/>
           </a:p>
@@ -2680,7 +2681,7 @@
           <a:p>
             <a:fld id="{A877D7F8-7B64-44F8-A411-CBD22F28CBFF}" type="datetime1">
               <a:rPr lang="ko-KR" altLang="en-US" smtClean="0"/>
-              <a:t>2022-06-30</a:t>
+              <a:t>2023-05-17</a:t>
             </a:fld>
             <a:endParaRPr lang="ko-KR" altLang="en-US"/>
           </a:p>
@@ -2957,7 +2958,7 @@
           <a:p>
             <a:fld id="{E12DBD9B-2BB6-4D1F-BCB4-1E48829C93C3}" type="datetime1">
               <a:rPr lang="ko-KR" altLang="en-US" smtClean="0"/>
-              <a:t>2022-06-30</a:t>
+              <a:t>2023-05-17</a:t>
             </a:fld>
             <a:endParaRPr lang="ko-KR" altLang="en-US"/>
           </a:p>
@@ -3210,7 +3211,7 @@
           <a:p>
             <a:fld id="{17564C48-0CD7-40EB-BE64-BBF4DB8C56AF}" type="datetime1">
               <a:rPr lang="ko-KR" altLang="en-US" smtClean="0"/>
-              <a:t>2022-06-30</a:t>
+              <a:t>2023-05-17</a:t>
             </a:fld>
             <a:endParaRPr lang="ko-KR" altLang="en-US"/>
           </a:p>
@@ -3390,7 +3391,7 @@
           <a:p>
             <a:fld id="{C116BCB4-B68B-4638-8167-F4BDC0A30DA1}" type="datetime1">
               <a:rPr lang="ko-KR" altLang="en-US" smtClean="0"/>
-              <a:t>2022-06-30</a:t>
+              <a:t>2023-05-17</a:t>
             </a:fld>
             <a:endParaRPr lang="ko-KR" altLang="en-US"/>
           </a:p>
@@ -4244,7 +4245,7 @@
           <p:cNvPr id="7" name="내용 개체 틀 2">
             <a:extLst>
               <a:ext uri="{FF2B5EF4-FFF2-40B4-BE49-F238E27FC236}">
-                <a16:creationId xmlns="" xmlns:a16="http://schemas.microsoft.com/office/drawing/2014/main" id="{98AF3A4E-7D90-4241-89FE-799D6F9D5A94}"/>
+                <a16:creationId xmlns:a16="http://schemas.microsoft.com/office/drawing/2014/main" id="{98AF3A4E-7D90-4241-89FE-799D6F9D5A94}"/>
               </a:ext>
             </a:extLst>
           </p:cNvPr>
@@ -4638,7 +4639,401 @@
           <p:cNvPr id="7" name="내용 개체 틀 2">
             <a:extLst>
               <a:ext uri="{FF2B5EF4-FFF2-40B4-BE49-F238E27FC236}">
-                <a16:creationId xmlns="" xmlns:a16="http://schemas.microsoft.com/office/drawing/2014/main" id="{98AF3A4E-7D90-4241-89FE-799D6F9D5A94}"/>
+                <a16:creationId xmlns:a16="http://schemas.microsoft.com/office/drawing/2014/main" id="{98AF3A4E-7D90-4241-89FE-799D6F9D5A94}"/>
+              </a:ext>
+            </a:extLst>
+          </p:cNvPr>
+          <p:cNvSpPr txBox="1">
+            <a:spLocks/>
+          </p:cNvSpPr>
+          <p:nvPr/>
+        </p:nvSpPr>
+        <p:spPr>
+          <a:xfrm>
+            <a:off x="1136575" y="1124744"/>
+            <a:ext cx="5294379" cy="648072"/>
+          </a:xfrm>
+          <a:prstGeom prst="rect">
+            <a:avLst/>
+          </a:prstGeom>
+        </p:spPr>
+        <p:txBody>
+          <a:bodyPr/>
+          <a:lstStyle>
+            <a:lvl1pPr marL="228600" indent="-228600" algn="l" defTabSz="914400" rtl="0" eaLnBrk="1" latinLnBrk="1" hangingPunct="1">
+              <a:lnSpc>
+                <a:spcPct val="90000"/>
+              </a:lnSpc>
+              <a:spcBef>
+                <a:spcPts val="1000"/>
+              </a:spcBef>
+              <a:buFont typeface="Arial" panose="020B0604020202020204" pitchFamily="34" charset="0"/>
+              <a:buChar char="•"/>
+              <a:defRPr sz="2800" kern="1200">
+                <a:solidFill>
+                  <a:schemeClr val="tx1"/>
+                </a:solidFill>
+                <a:latin typeface="+mn-lt"/>
+                <a:ea typeface="+mn-ea"/>
+                <a:cs typeface="+mn-cs"/>
+              </a:defRPr>
+            </a:lvl1pPr>
+            <a:lvl2pPr marL="685800" indent="-228600" algn="l" defTabSz="914400" rtl="0" eaLnBrk="1" latinLnBrk="1" hangingPunct="1">
+              <a:lnSpc>
+                <a:spcPct val="90000"/>
+              </a:lnSpc>
+              <a:spcBef>
+                <a:spcPts val="500"/>
+              </a:spcBef>
+              <a:buFont typeface="Arial" panose="020B0604020202020204" pitchFamily="34" charset="0"/>
+              <a:buChar char="•"/>
+              <a:defRPr sz="2400" kern="1200">
+                <a:solidFill>
+                  <a:schemeClr val="tx1"/>
+                </a:solidFill>
+                <a:latin typeface="+mn-lt"/>
+                <a:ea typeface="+mn-ea"/>
+                <a:cs typeface="+mn-cs"/>
+              </a:defRPr>
+            </a:lvl2pPr>
+            <a:lvl3pPr marL="1143000" indent="-228600" algn="l" defTabSz="914400" rtl="0" eaLnBrk="1" latinLnBrk="1" hangingPunct="1">
+              <a:lnSpc>
+                <a:spcPct val="90000"/>
+              </a:lnSpc>
+              <a:spcBef>
+                <a:spcPts val="500"/>
+              </a:spcBef>
+              <a:buFont typeface="Arial" panose="020B0604020202020204" pitchFamily="34" charset="0"/>
+              <a:buChar char="•"/>
+              <a:defRPr sz="2000" kern="1200">
+                <a:solidFill>
+                  <a:schemeClr val="tx1"/>
+                </a:solidFill>
+                <a:latin typeface="+mn-lt"/>
+                <a:ea typeface="+mn-ea"/>
+                <a:cs typeface="+mn-cs"/>
+              </a:defRPr>
+            </a:lvl3pPr>
+            <a:lvl4pPr marL="1600200" indent="-228600" algn="l" defTabSz="914400" rtl="0" eaLnBrk="1" latinLnBrk="1" hangingPunct="1">
+              <a:lnSpc>
+                <a:spcPct val="90000"/>
+              </a:lnSpc>
+              <a:spcBef>
+                <a:spcPts val="500"/>
+              </a:spcBef>
+              <a:buFont typeface="Arial" panose="020B0604020202020204" pitchFamily="34" charset="0"/>
+              <a:buChar char="•"/>
+              <a:defRPr sz="1800" kern="1200">
+                <a:solidFill>
+                  <a:schemeClr val="tx1"/>
+                </a:solidFill>
+                <a:latin typeface="+mn-lt"/>
+                <a:ea typeface="+mn-ea"/>
+                <a:cs typeface="+mn-cs"/>
+              </a:defRPr>
+            </a:lvl4pPr>
+            <a:lvl5pPr marL="2057400" indent="-228600" algn="l" defTabSz="914400" rtl="0" eaLnBrk="1" latinLnBrk="1" hangingPunct="1">
+              <a:lnSpc>
+                <a:spcPct val="90000"/>
+              </a:lnSpc>
+              <a:spcBef>
+                <a:spcPts val="500"/>
+              </a:spcBef>
+              <a:buFont typeface="Arial" panose="020B0604020202020204" pitchFamily="34" charset="0"/>
+              <a:buChar char="•"/>
+              <a:defRPr sz="1800" kern="1200">
+                <a:solidFill>
+                  <a:schemeClr val="tx1"/>
+                </a:solidFill>
+                <a:latin typeface="+mn-lt"/>
+                <a:ea typeface="+mn-ea"/>
+                <a:cs typeface="+mn-cs"/>
+              </a:defRPr>
+            </a:lvl5pPr>
+            <a:lvl6pPr marL="2514600" indent="-228600" algn="l" defTabSz="914400" rtl="0" eaLnBrk="1" latinLnBrk="1" hangingPunct="1">
+              <a:lnSpc>
+                <a:spcPct val="90000"/>
+              </a:lnSpc>
+              <a:spcBef>
+                <a:spcPts val="500"/>
+              </a:spcBef>
+              <a:buFont typeface="Arial" panose="020B0604020202020204" pitchFamily="34" charset="0"/>
+              <a:buChar char="•"/>
+              <a:defRPr sz="1800" kern="1200">
+                <a:solidFill>
+                  <a:schemeClr val="tx1"/>
+                </a:solidFill>
+                <a:latin typeface="+mn-lt"/>
+                <a:ea typeface="+mn-ea"/>
+                <a:cs typeface="+mn-cs"/>
+              </a:defRPr>
+            </a:lvl6pPr>
+            <a:lvl7pPr marL="2971800" indent="-228600" algn="l" defTabSz="914400" rtl="0" eaLnBrk="1" latinLnBrk="1" hangingPunct="1">
+              <a:lnSpc>
+                <a:spcPct val="90000"/>
+              </a:lnSpc>
+              <a:spcBef>
+                <a:spcPts val="500"/>
+              </a:spcBef>
+              <a:buFont typeface="Arial" panose="020B0604020202020204" pitchFamily="34" charset="0"/>
+              <a:buChar char="•"/>
+              <a:defRPr sz="1800" kern="1200">
+                <a:solidFill>
+                  <a:schemeClr val="tx1"/>
+                </a:solidFill>
+                <a:latin typeface="+mn-lt"/>
+                <a:ea typeface="+mn-ea"/>
+                <a:cs typeface="+mn-cs"/>
+              </a:defRPr>
+            </a:lvl7pPr>
+            <a:lvl8pPr marL="3429000" indent="-228600" algn="l" defTabSz="914400" rtl="0" eaLnBrk="1" latinLnBrk="1" hangingPunct="1">
+              <a:lnSpc>
+                <a:spcPct val="90000"/>
+              </a:lnSpc>
+              <a:spcBef>
+                <a:spcPts val="500"/>
+              </a:spcBef>
+              <a:buFont typeface="Arial" panose="020B0604020202020204" pitchFamily="34" charset="0"/>
+              <a:buChar char="•"/>
+              <a:defRPr sz="1800" kern="1200">
+                <a:solidFill>
+                  <a:schemeClr val="tx1"/>
+                </a:solidFill>
+                <a:latin typeface="+mn-lt"/>
+                <a:ea typeface="+mn-ea"/>
+                <a:cs typeface="+mn-cs"/>
+              </a:defRPr>
+            </a:lvl8pPr>
+            <a:lvl9pPr marL="3886200" indent="-228600" algn="l" defTabSz="914400" rtl="0" eaLnBrk="1" latinLnBrk="1" hangingPunct="1">
+              <a:lnSpc>
+                <a:spcPct val="90000"/>
+              </a:lnSpc>
+              <a:spcBef>
+                <a:spcPts val="500"/>
+              </a:spcBef>
+              <a:buFont typeface="Arial" panose="020B0604020202020204" pitchFamily="34" charset="0"/>
+              <a:buChar char="•"/>
+              <a:defRPr sz="1800" kern="1200">
+                <a:solidFill>
+                  <a:schemeClr val="tx1"/>
+                </a:solidFill>
+                <a:latin typeface="+mn-lt"/>
+                <a:ea typeface="+mn-ea"/>
+                <a:cs typeface="+mn-cs"/>
+              </a:defRPr>
+            </a:lvl9pPr>
+          </a:lstStyle>
+          <a:p>
+            <a:pPr>
+              <a:lnSpc>
+                <a:spcPct val="150000"/>
+              </a:lnSpc>
+              <a:buFont typeface="Wingdings" panose="05000000000000000000" pitchFamily="2" charset="2"/>
+              <a:buChar char="§"/>
+            </a:pPr>
+            <a:r>
+              <a:rPr lang="ko-KR" altLang="en-US" sz="2000" b="1" dirty="0" smtClean="0">
+                <a:solidFill>
+                  <a:srgbClr val="C00000"/>
+                </a:solidFill>
+              </a:rPr>
+              <a:t>배열의 유효한 </a:t>
+            </a:r>
+            <a:r>
+              <a:rPr lang="ko-KR" altLang="en-US" sz="2000" b="1" dirty="0" err="1" smtClean="0">
+                <a:solidFill>
+                  <a:srgbClr val="C00000"/>
+                </a:solidFill>
+              </a:rPr>
+              <a:t>요소값</a:t>
+            </a:r>
+            <a:r>
+              <a:rPr lang="ko-KR" altLang="en-US" sz="2000" b="1" dirty="0" smtClean="0">
+                <a:solidFill>
+                  <a:srgbClr val="C00000"/>
+                </a:solidFill>
+              </a:rPr>
+              <a:t> 출력하기 </a:t>
+            </a:r>
+            <a:endParaRPr lang="en-US" altLang="ko-KR" sz="2000" b="1" dirty="0">
+              <a:solidFill>
+                <a:srgbClr val="C00000"/>
+              </a:solidFill>
+            </a:endParaRPr>
+          </a:p>
+        </p:txBody>
+      </p:sp>
+      <p:pic>
+        <p:nvPicPr>
+          <p:cNvPr id="4" name="그림 3"/>
+          <p:cNvPicPr>
+            <a:picLocks noChangeAspect="1"/>
+          </p:cNvPicPr>
+          <p:nvPr/>
+        </p:nvPicPr>
+        <p:blipFill>
+          <a:blip r:embed="rId2">
+            <a:extLst>
+              <a:ext uri="{28A0092B-C50C-407E-A947-70E740481C1C}">
+                <a14:useLocalDpi xmlns:a14="http://schemas.microsoft.com/office/drawing/2010/main" val="0"/>
+              </a:ext>
+            </a:extLst>
+          </a:blip>
+          <a:stretch>
+            <a:fillRect/>
+          </a:stretch>
+        </p:blipFill>
+        <p:spPr>
+          <a:xfrm>
+            <a:off x="1657599" y="1772816"/>
+            <a:ext cx="4252329" cy="3901778"/>
+          </a:xfrm>
+          <a:prstGeom prst="rect">
+            <a:avLst/>
+          </a:prstGeom>
+          <a:ln>
+            <a:solidFill>
+              <a:schemeClr val="bg1">
+                <a:lumMod val="85000"/>
+              </a:schemeClr>
+            </a:solidFill>
+          </a:ln>
+        </p:spPr>
+      </p:pic>
+      <p:pic>
+        <p:nvPicPr>
+          <p:cNvPr id="8" name="그림 7"/>
+          <p:cNvPicPr>
+            <a:picLocks noChangeAspect="1"/>
+          </p:cNvPicPr>
+          <p:nvPr/>
+        </p:nvPicPr>
+        <p:blipFill>
+          <a:blip r:embed="rId3">
+            <a:extLst>
+              <a:ext uri="{28A0092B-C50C-407E-A947-70E740481C1C}">
+                <a14:useLocalDpi xmlns:a14="http://schemas.microsoft.com/office/drawing/2010/main" val="0"/>
+              </a:ext>
+            </a:extLst>
+          </a:blip>
+          <a:stretch>
+            <a:fillRect/>
+          </a:stretch>
+        </p:blipFill>
+        <p:spPr>
+          <a:xfrm>
+            <a:off x="6609184" y="4581128"/>
+            <a:ext cx="693480" cy="754445"/>
+          </a:xfrm>
+          <a:prstGeom prst="rect">
+            <a:avLst/>
+          </a:prstGeom>
+          <a:ln>
+            <a:solidFill>
+              <a:schemeClr val="bg1">
+                <a:lumMod val="85000"/>
+              </a:schemeClr>
+            </a:solidFill>
+          </a:ln>
+        </p:spPr>
+      </p:pic>
+    </p:spTree>
+    <p:extLst>
+      <p:ext uri="{BB962C8B-B14F-4D97-AF65-F5344CB8AC3E}">
+        <p14:creationId xmlns:p14="http://schemas.microsoft.com/office/powerpoint/2010/main" val="3721623233"/>
+      </p:ext>
+    </p:extLst>
+  </p:cSld>
+  <p:clrMapOvr>
+    <a:masterClrMapping/>
+  </p:clrMapOvr>
+  <p:timing>
+    <p:tnLst>
+      <p:par>
+        <p:cTn id="1" dur="indefinite" restart="never" nodeType="tmRoot"/>
+      </p:par>
+    </p:tnLst>
+  </p:timing>
+</p:sld>
+</file>
+
+<file path=ppt/slides/slide12.xml><?xml version="1.0" encoding="utf-8"?>
+<p:sld xmlns:a="http://schemas.openxmlformats.org/drawingml/2006/main" xmlns:r="http://schemas.openxmlformats.org/officeDocument/2006/relationships" xmlns:p="http://schemas.openxmlformats.org/presentationml/2006/main">
+  <p:cSld>
+    <p:spTree>
+      <p:nvGrpSpPr>
+        <p:cNvPr id="1" name=""/>
+        <p:cNvGrpSpPr/>
+        <p:nvPr/>
+      </p:nvGrpSpPr>
+      <p:grpSpPr>
+        <a:xfrm>
+          <a:off x="0" y="0"/>
+          <a:ext cx="0" cy="0"/>
+          <a:chOff x="0" y="0"/>
+          <a:chExt cx="0" cy="0"/>
+        </a:xfrm>
+      </p:grpSpPr>
+      <p:sp>
+        <p:nvSpPr>
+          <p:cNvPr id="6" name="제목 5"/>
+          <p:cNvSpPr>
+            <a:spLocks noGrp="1"/>
+          </p:cNvSpPr>
+          <p:nvPr>
+            <p:ph type="title"/>
+          </p:nvPr>
+        </p:nvSpPr>
+        <p:spPr/>
+        <p:txBody>
+          <a:bodyPr/>
+          <a:lstStyle/>
+          <a:p>
+            <a:r>
+              <a:rPr lang="en-US" altLang="ko-KR" dirty="0" smtClean="0"/>
+              <a:t> </a:t>
+            </a:r>
+            <a:r>
+              <a:rPr lang="ko-KR" altLang="en-US" dirty="0" smtClean="0"/>
+              <a:t>배열</a:t>
+            </a:r>
+            <a:r>
+              <a:rPr lang="en-US" altLang="ko-KR" dirty="0"/>
+              <a:t>(Array]</a:t>
+            </a:r>
+            <a:endParaRPr lang="ko-KR" altLang="en-US" dirty="0"/>
+          </a:p>
+        </p:txBody>
+      </p:sp>
+      <p:sp>
+        <p:nvSpPr>
+          <p:cNvPr id="5" name="슬라이드 번호 개체 틀 4"/>
+          <p:cNvSpPr>
+            <a:spLocks noGrp="1"/>
+          </p:cNvSpPr>
+          <p:nvPr>
+            <p:ph type="sldNum" sz="quarter" idx="12"/>
+          </p:nvPr>
+        </p:nvSpPr>
+        <p:spPr/>
+        <p:txBody>
+          <a:bodyPr/>
+          <a:lstStyle/>
+          <a:p>
+            <a:fld id="{1BDE3FE7-3AEA-4B05-AC5A-802D1816ACF0}" type="slidenum">
+              <a:rPr lang="ko-KR" altLang="en-US" smtClean="0"/>
+              <a:t>12</a:t>
+            </a:fld>
+            <a:endParaRPr lang="ko-KR" altLang="en-US"/>
+          </a:p>
+        </p:txBody>
+      </p:sp>
+      <p:sp>
+        <p:nvSpPr>
+          <p:cNvPr id="7" name="내용 개체 틀 2">
+            <a:extLst>
+              <a:ext uri="{FF2B5EF4-FFF2-40B4-BE49-F238E27FC236}">
+                <a16:creationId xmlns:a16="http://schemas.microsoft.com/office/drawing/2014/main" id="{98AF3A4E-7D90-4241-89FE-799D6F9D5A94}"/>
               </a:ext>
             </a:extLst>
           </p:cNvPr>
@@ -4884,7 +5279,7 @@
         </p:blipFill>
         <p:spPr>
           <a:xfrm>
-            <a:off x="8409384" y="1829007"/>
+            <a:off x="8697416" y="1728903"/>
             <a:ext cx="552144" cy="4350893"/>
           </a:xfrm>
           <a:prstGeom prst="rect">
@@ -4901,7 +5296,7 @@
       </p:pic>
       <p:pic>
         <p:nvPicPr>
-          <p:cNvPr id="3" name="그림 2"/>
+          <p:cNvPr id="2" name="그림 1"/>
           <p:cNvPicPr>
             <a:picLocks noChangeAspect="1"/>
           </p:cNvPicPr>
@@ -4921,8 +5316,8 @@
         </p:blipFill>
         <p:spPr>
           <a:xfrm>
-            <a:off x="1568623" y="1484784"/>
-            <a:ext cx="5783235" cy="5040560"/>
+            <a:off x="1280592" y="1628800"/>
+            <a:ext cx="6993309" cy="4551100"/>
           </a:xfrm>
           <a:prstGeom prst="rect">
             <a:avLst/>
@@ -5070,7 +5465,7 @@
 </p:sld>
 </file>
 
-<file path=ppt/slides/slide12.xml><?xml version="1.0" encoding="utf-8"?>
+<file path=ppt/slides/slide13.xml><?xml version="1.0" encoding="utf-8"?>
 <p:sld xmlns:a="http://schemas.openxmlformats.org/drawingml/2006/main" xmlns:r="http://schemas.openxmlformats.org/officeDocument/2006/relationships" xmlns:p="http://schemas.openxmlformats.org/presentationml/2006/main">
   <p:cSld>
     <p:spTree>
@@ -5131,7 +5526,7 @@
           <a:p>
             <a:fld id="{1BDE3FE7-3AEA-4B05-AC5A-802D1816ACF0}" type="slidenum">
               <a:rPr lang="ko-KR" altLang="en-US" smtClean="0"/>
-              <a:t>12</a:t>
+              <a:t>13</a:t>
             </a:fld>
             <a:endParaRPr lang="ko-KR" altLang="en-US"/>
           </a:p>
@@ -5142,7 +5537,7 @@
           <p:cNvPr id="8" name="내용 개체 틀 2">
             <a:extLst>
               <a:ext uri="{FF2B5EF4-FFF2-40B4-BE49-F238E27FC236}">
-                <a16:creationId xmlns:a16="http://schemas.microsoft.com/office/drawing/2014/main" xmlns="" id="{98AF3A4E-7D90-4241-89FE-799D6F9D5A94}"/>
+                <a16:creationId xmlns:a16="http://schemas.microsoft.com/office/drawing/2014/main" id="{98AF3A4E-7D90-4241-89FE-799D6F9D5A94}"/>
               </a:ext>
             </a:extLst>
           </p:cNvPr>
@@ -5482,6 +5877,43 @@
           </a:p>
         </p:txBody>
       </p:sp>
+      <p:pic>
+        <p:nvPicPr>
+          <p:cNvPr id="2" name="그림 1"/>
+          <p:cNvPicPr>
+            <a:picLocks noChangeAspect="1"/>
+          </p:cNvPicPr>
+          <p:nvPr/>
+        </p:nvPicPr>
+        <p:blipFill>
+          <a:blip r:embed="rId2">
+            <a:extLst>
+              <a:ext uri="{28A0092B-C50C-407E-A947-70E740481C1C}">
+                <a14:useLocalDpi xmlns:a14="http://schemas.microsoft.com/office/drawing/2010/main" val="0"/>
+              </a:ext>
+            </a:extLst>
+          </a:blip>
+          <a:stretch>
+            <a:fillRect/>
+          </a:stretch>
+        </p:blipFill>
+        <p:spPr>
+          <a:xfrm>
+            <a:off x="3728864" y="3190910"/>
+            <a:ext cx="4634926" cy="1606242"/>
+          </a:xfrm>
+          <a:prstGeom prst="rect">
+            <a:avLst/>
+          </a:prstGeom>
+          <a:ln>
+            <a:solidFill>
+              <a:schemeClr val="bg1">
+                <a:lumMod val="85000"/>
+              </a:schemeClr>
+            </a:solidFill>
+          </a:ln>
+        </p:spPr>
+      </p:pic>
     </p:spTree>
     <p:extLst>
       <p:ext uri="{BB962C8B-B14F-4D97-AF65-F5344CB8AC3E}">
@@ -5502,7 +5934,7 @@
 </p:sld>
 </file>
 
-<file path=ppt/slides/slide13.xml><?xml version="1.0" encoding="utf-8"?>
+<file path=ppt/slides/slide14.xml><?xml version="1.0" encoding="utf-8"?>
 <p:sld xmlns:a="http://schemas.openxmlformats.org/drawingml/2006/main" xmlns:r="http://schemas.openxmlformats.org/officeDocument/2006/relationships" xmlns:p="http://schemas.openxmlformats.org/presentationml/2006/main">
   <p:cSld>
     <p:spTree>
@@ -5563,7 +5995,7 @@
           <a:p>
             <a:fld id="{1BDE3FE7-3AEA-4B05-AC5A-802D1816ACF0}" type="slidenum">
               <a:rPr lang="ko-KR" altLang="en-US" smtClean="0"/>
-              <a:t>13</a:t>
+              <a:t>14</a:t>
             </a:fld>
             <a:endParaRPr lang="ko-KR" altLang="en-US"/>
           </a:p>
@@ -5574,7 +6006,7 @@
           <p:cNvPr id="7" name="내용 개체 틀 2">
             <a:extLst>
               <a:ext uri="{FF2B5EF4-FFF2-40B4-BE49-F238E27FC236}">
-                <a16:creationId xmlns="" xmlns:a16="http://schemas.microsoft.com/office/drawing/2014/main" id="{98AF3A4E-7D90-4241-89FE-799D6F9D5A94}"/>
+                <a16:creationId xmlns:a16="http://schemas.microsoft.com/office/drawing/2014/main" id="{98AF3A4E-7D90-4241-89FE-799D6F9D5A94}"/>
               </a:ext>
             </a:extLst>
           </p:cNvPr>
@@ -6193,7 +6625,7 @@
 </p:sld>
 </file>
 
-<file path=ppt/slides/slide14.xml><?xml version="1.0" encoding="utf-8"?>
+<file path=ppt/slides/slide15.xml><?xml version="1.0" encoding="utf-8"?>
 <p:sld xmlns:a="http://schemas.openxmlformats.org/drawingml/2006/main" xmlns:r="http://schemas.openxmlformats.org/officeDocument/2006/relationships" xmlns:p="http://schemas.openxmlformats.org/presentationml/2006/main">
   <p:cSld>
     <p:spTree>
@@ -6254,7 +6686,7 @@
           <a:p>
             <a:fld id="{1BDE3FE7-3AEA-4B05-AC5A-802D1816ACF0}" type="slidenum">
               <a:rPr lang="ko-KR" altLang="en-US" smtClean="0"/>
-              <a:t>14</a:t>
+              <a:t>15</a:t>
             </a:fld>
             <a:endParaRPr lang="ko-KR" altLang="en-US"/>
           </a:p>
@@ -6265,7 +6697,7 @@
           <p:cNvPr id="7" name="내용 개체 틀 2">
             <a:extLst>
               <a:ext uri="{FF2B5EF4-FFF2-40B4-BE49-F238E27FC236}">
-                <a16:creationId xmlns="" xmlns:a16="http://schemas.microsoft.com/office/drawing/2014/main" id="{98AF3A4E-7D90-4241-89FE-799D6F9D5A94}"/>
+                <a16:creationId xmlns:a16="http://schemas.microsoft.com/office/drawing/2014/main" id="{98AF3A4E-7D90-4241-89FE-799D6F9D5A94}"/>
               </a:ext>
             </a:extLst>
           </p:cNvPr>
@@ -6955,7 +7387,7 @@
 </p:sld>
 </file>
 
-<file path=ppt/slides/slide15.xml><?xml version="1.0" encoding="utf-8"?>
+<file path=ppt/slides/slide16.xml><?xml version="1.0" encoding="utf-8"?>
 <p:sld xmlns:a="http://schemas.openxmlformats.org/drawingml/2006/main" xmlns:r="http://schemas.openxmlformats.org/officeDocument/2006/relationships" xmlns:p="http://schemas.openxmlformats.org/presentationml/2006/main">
   <p:cSld>
     <p:spTree>
@@ -7016,7 +7448,7 @@
           <a:p>
             <a:fld id="{1BDE3FE7-3AEA-4B05-AC5A-802D1816ACF0}" type="slidenum">
               <a:rPr lang="ko-KR" altLang="en-US" smtClean="0"/>
-              <a:t>15</a:t>
+              <a:t>16</a:t>
             </a:fld>
             <a:endParaRPr lang="ko-KR" altLang="en-US"/>
           </a:p>
@@ -7027,7 +7459,7 @@
           <p:cNvPr id="7" name="내용 개체 틀 2">
             <a:extLst>
               <a:ext uri="{FF2B5EF4-FFF2-40B4-BE49-F238E27FC236}">
-                <a16:creationId xmlns="" xmlns:a16="http://schemas.microsoft.com/office/drawing/2014/main" id="{98AF3A4E-7D90-4241-89FE-799D6F9D5A94}"/>
+                <a16:creationId xmlns:a16="http://schemas.microsoft.com/office/drawing/2014/main" id="{98AF3A4E-7D90-4241-89FE-799D6F9D5A94}"/>
               </a:ext>
             </a:extLst>
           </p:cNvPr>
@@ -7350,7 +7782,7 @@
 </p:sld>
 </file>
 
-<file path=ppt/slides/slide16.xml><?xml version="1.0" encoding="utf-8"?>
+<file path=ppt/slides/slide17.xml><?xml version="1.0" encoding="utf-8"?>
 <p:sld xmlns:a="http://schemas.openxmlformats.org/drawingml/2006/main" xmlns:r="http://schemas.openxmlformats.org/officeDocument/2006/relationships" xmlns:p="http://schemas.openxmlformats.org/presentationml/2006/main">
   <p:cSld>
     <p:spTree>
@@ -7456,7 +7888,7 @@
           <a:p>
             <a:fld id="{1BDE3FE7-3AEA-4B05-AC5A-802D1816ACF0}" type="slidenum">
               <a:rPr lang="ko-KR" altLang="en-US" smtClean="0"/>
-              <a:t>16</a:t>
+              <a:t>17</a:t>
             </a:fld>
             <a:endParaRPr lang="ko-KR" altLang="en-US"/>
           </a:p>
@@ -7467,7 +7899,7 @@
           <p:cNvPr id="7" name="내용 개체 틀 2">
             <a:extLst>
               <a:ext uri="{FF2B5EF4-FFF2-40B4-BE49-F238E27FC236}">
-                <a16:creationId xmlns="" xmlns:a16="http://schemas.microsoft.com/office/drawing/2014/main" id="{98AF3A4E-7D90-4241-89FE-799D6F9D5A94}"/>
+                <a16:creationId xmlns:a16="http://schemas.microsoft.com/office/drawing/2014/main" id="{98AF3A4E-7D90-4241-89FE-799D6F9D5A94}"/>
               </a:ext>
             </a:extLst>
           </p:cNvPr>
@@ -7671,7 +8103,7 @@
           <p:cNvPr id="8" name="내용 개체 틀 2">
             <a:extLst>
               <a:ext uri="{FF2B5EF4-FFF2-40B4-BE49-F238E27FC236}">
-                <a16:creationId xmlns="" xmlns:a16="http://schemas.microsoft.com/office/drawing/2014/main" id="{98AF3A4E-7D90-4241-89FE-799D6F9D5A94}"/>
+                <a16:creationId xmlns:a16="http://schemas.microsoft.com/office/drawing/2014/main" id="{98AF3A4E-7D90-4241-89FE-799D6F9D5A94}"/>
               </a:ext>
             </a:extLst>
           </p:cNvPr>
@@ -7988,7 +8420,7 @@
 </p:sld>
 </file>
 
-<file path=ppt/slides/slide17.xml><?xml version="1.0" encoding="utf-8"?>
+<file path=ppt/slides/slide18.xml><?xml version="1.0" encoding="utf-8"?>
 <p:sld xmlns:a="http://schemas.openxmlformats.org/drawingml/2006/main" xmlns:r="http://schemas.openxmlformats.org/officeDocument/2006/relationships" xmlns:p="http://schemas.openxmlformats.org/presentationml/2006/main">
   <p:cSld>
     <p:spTree>
@@ -8049,7 +8481,7 @@
           <a:p>
             <a:fld id="{1BDE3FE7-3AEA-4B05-AC5A-802D1816ACF0}" type="slidenum">
               <a:rPr lang="ko-KR" altLang="en-US" smtClean="0"/>
-              <a:t>17</a:t>
+              <a:t>18</a:t>
             </a:fld>
             <a:endParaRPr lang="ko-KR" altLang="en-US"/>
           </a:p>
@@ -8060,7 +8492,7 @@
           <p:cNvPr id="7" name="내용 개체 틀 2">
             <a:extLst>
               <a:ext uri="{FF2B5EF4-FFF2-40B4-BE49-F238E27FC236}">
-                <a16:creationId xmlns:a16="http://schemas.microsoft.com/office/drawing/2014/main" xmlns="" id="{98AF3A4E-7D90-4241-89FE-799D6F9D5A94}"/>
+                <a16:creationId xmlns:a16="http://schemas.microsoft.com/office/drawing/2014/main" id="{98AF3A4E-7D90-4241-89FE-799D6F9D5A94}"/>
               </a:ext>
             </a:extLst>
           </p:cNvPr>
@@ -8261,7 +8693,7 @@
           <p:cNvPr id="8" name="내용 개체 틀 2">
             <a:extLst>
               <a:ext uri="{FF2B5EF4-FFF2-40B4-BE49-F238E27FC236}">
-                <a16:creationId xmlns:a16="http://schemas.microsoft.com/office/drawing/2014/main" xmlns="" id="{98AF3A4E-7D90-4241-89FE-799D6F9D5A94}"/>
+                <a16:creationId xmlns:a16="http://schemas.microsoft.com/office/drawing/2014/main" id="{98AF3A4E-7D90-4241-89FE-799D6F9D5A94}"/>
               </a:ext>
             </a:extLst>
           </p:cNvPr>
@@ -8587,7 +9019,7 @@
 </p:sld>
 </file>
 
-<file path=ppt/slides/slide18.xml><?xml version="1.0" encoding="utf-8"?>
+<file path=ppt/slides/slide19.xml><?xml version="1.0" encoding="utf-8"?>
 <p:sld xmlns:a="http://schemas.openxmlformats.org/drawingml/2006/main" xmlns:r="http://schemas.openxmlformats.org/officeDocument/2006/relationships" xmlns:p="http://schemas.openxmlformats.org/presentationml/2006/main">
   <p:cSld>
     <p:spTree>
@@ -8650,7 +9082,7 @@
           <a:p>
             <a:fld id="{1BDE3FE7-3AEA-4B05-AC5A-802D1816ACF0}" type="slidenum">
               <a:rPr lang="ko-KR" altLang="en-US" smtClean="0"/>
-              <a:t>18</a:t>
+              <a:t>19</a:t>
             </a:fld>
             <a:endParaRPr lang="ko-KR" altLang="en-US"/>
           </a:p>
@@ -8661,7 +9093,7 @@
           <p:cNvPr id="7" name="내용 개체 틀 2">
             <a:extLst>
               <a:ext uri="{FF2B5EF4-FFF2-40B4-BE49-F238E27FC236}">
-                <a16:creationId xmlns:a16="http://schemas.microsoft.com/office/drawing/2014/main" xmlns="" id="{98AF3A4E-7D90-4241-89FE-799D6F9D5A94}"/>
+                <a16:creationId xmlns:a16="http://schemas.microsoft.com/office/drawing/2014/main" id="{98AF3A4E-7D90-4241-89FE-799D6F9D5A94}"/>
               </a:ext>
             </a:extLst>
           </p:cNvPr>
@@ -8862,7 +9294,7 @@
           <p:cNvPr id="8" name="내용 개체 틀 2">
             <a:extLst>
               <a:ext uri="{FF2B5EF4-FFF2-40B4-BE49-F238E27FC236}">
-                <a16:creationId xmlns:a16="http://schemas.microsoft.com/office/drawing/2014/main" xmlns="" id="{98AF3A4E-7D90-4241-89FE-799D6F9D5A94}"/>
+                <a16:creationId xmlns:a16="http://schemas.microsoft.com/office/drawing/2014/main" id="{98AF3A4E-7D90-4241-89FE-799D6F9D5A94}"/>
               </a:ext>
             </a:extLst>
           </p:cNvPr>
@@ -9194,333 +9626,6 @@
 </p:sld>
 </file>
 
-<file path=ppt/slides/slide19.xml><?xml version="1.0" encoding="utf-8"?>
-<p:sld xmlns:a="http://schemas.openxmlformats.org/drawingml/2006/main" xmlns:r="http://schemas.openxmlformats.org/officeDocument/2006/relationships" xmlns:p="http://schemas.openxmlformats.org/presentationml/2006/main">
-  <p:cSld>
-    <p:spTree>
-      <p:nvGrpSpPr>
-        <p:cNvPr id="1" name=""/>
-        <p:cNvGrpSpPr/>
-        <p:nvPr/>
-      </p:nvGrpSpPr>
-      <p:grpSpPr>
-        <a:xfrm>
-          <a:off x="0" y="0"/>
-          <a:ext cx="0" cy="0"/>
-          <a:chOff x="0" y="0"/>
-          <a:chExt cx="0" cy="0"/>
-        </a:xfrm>
-      </p:grpSpPr>
-      <p:sp>
-        <p:nvSpPr>
-          <p:cNvPr id="6" name="제목 5"/>
-          <p:cNvSpPr>
-            <a:spLocks noGrp="1"/>
-          </p:cNvSpPr>
-          <p:nvPr>
-            <p:ph type="title"/>
-          </p:nvPr>
-        </p:nvSpPr>
-        <p:spPr/>
-        <p:txBody>
-          <a:bodyPr>
-            <a:normAutofit fontScale="90000"/>
-          </a:bodyPr>
-          <a:lstStyle/>
-          <a:p>
-            <a:r>
-              <a:rPr lang="en-US" altLang="ko-KR" dirty="0" smtClean="0"/>
-              <a:t>  </a:t>
-            </a:r>
-            <a:r>
-              <a:rPr lang="ko-KR" altLang="en-US" dirty="0" smtClean="0"/>
-              <a:t>배열을 이용한 성적 처리 프로그램</a:t>
-            </a:r>
-            <a:endParaRPr lang="ko-KR" altLang="en-US" dirty="0"/>
-          </a:p>
-        </p:txBody>
-      </p:sp>
-      <p:sp>
-        <p:nvSpPr>
-          <p:cNvPr id="5" name="슬라이드 번호 개체 틀 4"/>
-          <p:cNvSpPr>
-            <a:spLocks noGrp="1"/>
-          </p:cNvSpPr>
-          <p:nvPr>
-            <p:ph type="sldNum" sz="quarter" idx="12"/>
-          </p:nvPr>
-        </p:nvSpPr>
-        <p:spPr/>
-        <p:txBody>
-          <a:bodyPr/>
-          <a:lstStyle/>
-          <a:p>
-            <a:fld id="{1BDE3FE7-3AEA-4B05-AC5A-802D1816ACF0}" type="slidenum">
-              <a:rPr lang="ko-KR" altLang="en-US" smtClean="0"/>
-              <a:t>19</a:t>
-            </a:fld>
-            <a:endParaRPr lang="ko-KR" altLang="en-US"/>
-          </a:p>
-        </p:txBody>
-      </p:sp>
-      <p:sp>
-        <p:nvSpPr>
-          <p:cNvPr id="7" name="내용 개체 틀 2">
-            <a:extLst>
-              <a:ext uri="{FF2B5EF4-FFF2-40B4-BE49-F238E27FC236}">
-                <a16:creationId xmlns:a16="http://schemas.microsoft.com/office/drawing/2014/main" xmlns="" id="{98AF3A4E-7D90-4241-89FE-799D6F9D5A94}"/>
-              </a:ext>
-            </a:extLst>
-          </p:cNvPr>
-          <p:cNvSpPr txBox="1">
-            <a:spLocks/>
-          </p:cNvSpPr>
-          <p:nvPr/>
-        </p:nvSpPr>
-        <p:spPr>
-          <a:xfrm>
-            <a:off x="344488" y="1772816"/>
-            <a:ext cx="4248472" cy="419274"/>
-          </a:xfrm>
-          <a:prstGeom prst="rect">
-            <a:avLst/>
-          </a:prstGeom>
-        </p:spPr>
-        <p:txBody>
-          <a:bodyPr/>
-          <a:lstStyle>
-            <a:lvl1pPr marL="228600" indent="-228600" algn="l" defTabSz="914400" rtl="0" eaLnBrk="1" latinLnBrk="1" hangingPunct="1">
-              <a:lnSpc>
-                <a:spcPct val="90000"/>
-              </a:lnSpc>
-              <a:spcBef>
-                <a:spcPts val="1000"/>
-              </a:spcBef>
-              <a:buFont typeface="Arial" panose="020B0604020202020204" pitchFamily="34" charset="0"/>
-              <a:buChar char="•"/>
-              <a:defRPr sz="2800" kern="1200">
-                <a:solidFill>
-                  <a:schemeClr val="tx1"/>
-                </a:solidFill>
-                <a:latin typeface="+mn-lt"/>
-                <a:ea typeface="+mn-ea"/>
-                <a:cs typeface="+mn-cs"/>
-              </a:defRPr>
-            </a:lvl1pPr>
-            <a:lvl2pPr marL="685800" indent="-228600" algn="l" defTabSz="914400" rtl="0" eaLnBrk="1" latinLnBrk="1" hangingPunct="1">
-              <a:lnSpc>
-                <a:spcPct val="90000"/>
-              </a:lnSpc>
-              <a:spcBef>
-                <a:spcPts val="500"/>
-              </a:spcBef>
-              <a:buFont typeface="Arial" panose="020B0604020202020204" pitchFamily="34" charset="0"/>
-              <a:buChar char="•"/>
-              <a:defRPr sz="2400" kern="1200">
-                <a:solidFill>
-                  <a:schemeClr val="tx1"/>
-                </a:solidFill>
-                <a:latin typeface="+mn-lt"/>
-                <a:ea typeface="+mn-ea"/>
-                <a:cs typeface="+mn-cs"/>
-              </a:defRPr>
-            </a:lvl2pPr>
-            <a:lvl3pPr marL="1143000" indent="-228600" algn="l" defTabSz="914400" rtl="0" eaLnBrk="1" latinLnBrk="1" hangingPunct="1">
-              <a:lnSpc>
-                <a:spcPct val="90000"/>
-              </a:lnSpc>
-              <a:spcBef>
-                <a:spcPts val="500"/>
-              </a:spcBef>
-              <a:buFont typeface="Arial" panose="020B0604020202020204" pitchFamily="34" charset="0"/>
-              <a:buChar char="•"/>
-              <a:defRPr sz="2000" kern="1200">
-                <a:solidFill>
-                  <a:schemeClr val="tx1"/>
-                </a:solidFill>
-                <a:latin typeface="+mn-lt"/>
-                <a:ea typeface="+mn-ea"/>
-                <a:cs typeface="+mn-cs"/>
-              </a:defRPr>
-            </a:lvl3pPr>
-            <a:lvl4pPr marL="1600200" indent="-228600" algn="l" defTabSz="914400" rtl="0" eaLnBrk="1" latinLnBrk="1" hangingPunct="1">
-              <a:lnSpc>
-                <a:spcPct val="90000"/>
-              </a:lnSpc>
-              <a:spcBef>
-                <a:spcPts val="500"/>
-              </a:spcBef>
-              <a:buFont typeface="Arial" panose="020B0604020202020204" pitchFamily="34" charset="0"/>
-              <a:buChar char="•"/>
-              <a:defRPr sz="1800" kern="1200">
-                <a:solidFill>
-                  <a:schemeClr val="tx1"/>
-                </a:solidFill>
-                <a:latin typeface="+mn-lt"/>
-                <a:ea typeface="+mn-ea"/>
-                <a:cs typeface="+mn-cs"/>
-              </a:defRPr>
-            </a:lvl4pPr>
-            <a:lvl5pPr marL="2057400" indent="-228600" algn="l" defTabSz="914400" rtl="0" eaLnBrk="1" latinLnBrk="1" hangingPunct="1">
-              <a:lnSpc>
-                <a:spcPct val="90000"/>
-              </a:lnSpc>
-              <a:spcBef>
-                <a:spcPts val="500"/>
-              </a:spcBef>
-              <a:buFont typeface="Arial" panose="020B0604020202020204" pitchFamily="34" charset="0"/>
-              <a:buChar char="•"/>
-              <a:defRPr sz="1800" kern="1200">
-                <a:solidFill>
-                  <a:schemeClr val="tx1"/>
-                </a:solidFill>
-                <a:latin typeface="+mn-lt"/>
-                <a:ea typeface="+mn-ea"/>
-                <a:cs typeface="+mn-cs"/>
-              </a:defRPr>
-            </a:lvl5pPr>
-            <a:lvl6pPr marL="2514600" indent="-228600" algn="l" defTabSz="914400" rtl="0" eaLnBrk="1" latinLnBrk="1" hangingPunct="1">
-              <a:lnSpc>
-                <a:spcPct val="90000"/>
-              </a:lnSpc>
-              <a:spcBef>
-                <a:spcPts val="500"/>
-              </a:spcBef>
-              <a:buFont typeface="Arial" panose="020B0604020202020204" pitchFamily="34" charset="0"/>
-              <a:buChar char="•"/>
-              <a:defRPr sz="1800" kern="1200">
-                <a:solidFill>
-                  <a:schemeClr val="tx1"/>
-                </a:solidFill>
-                <a:latin typeface="+mn-lt"/>
-                <a:ea typeface="+mn-ea"/>
-                <a:cs typeface="+mn-cs"/>
-              </a:defRPr>
-            </a:lvl6pPr>
-            <a:lvl7pPr marL="2971800" indent="-228600" algn="l" defTabSz="914400" rtl="0" eaLnBrk="1" latinLnBrk="1" hangingPunct="1">
-              <a:lnSpc>
-                <a:spcPct val="90000"/>
-              </a:lnSpc>
-              <a:spcBef>
-                <a:spcPts val="500"/>
-              </a:spcBef>
-              <a:buFont typeface="Arial" panose="020B0604020202020204" pitchFamily="34" charset="0"/>
-              <a:buChar char="•"/>
-              <a:defRPr sz="1800" kern="1200">
-                <a:solidFill>
-                  <a:schemeClr val="tx1"/>
-                </a:solidFill>
-                <a:latin typeface="+mn-lt"/>
-                <a:ea typeface="+mn-ea"/>
-                <a:cs typeface="+mn-cs"/>
-              </a:defRPr>
-            </a:lvl7pPr>
-            <a:lvl8pPr marL="3429000" indent="-228600" algn="l" defTabSz="914400" rtl="0" eaLnBrk="1" latinLnBrk="1" hangingPunct="1">
-              <a:lnSpc>
-                <a:spcPct val="90000"/>
-              </a:lnSpc>
-              <a:spcBef>
-                <a:spcPts val="500"/>
-              </a:spcBef>
-              <a:buFont typeface="Arial" panose="020B0604020202020204" pitchFamily="34" charset="0"/>
-              <a:buChar char="•"/>
-              <a:defRPr sz="1800" kern="1200">
-                <a:solidFill>
-                  <a:schemeClr val="tx1"/>
-                </a:solidFill>
-                <a:latin typeface="+mn-lt"/>
-                <a:ea typeface="+mn-ea"/>
-                <a:cs typeface="+mn-cs"/>
-              </a:defRPr>
-            </a:lvl8pPr>
-            <a:lvl9pPr marL="3886200" indent="-228600" algn="l" defTabSz="914400" rtl="0" eaLnBrk="1" latinLnBrk="1" hangingPunct="1">
-              <a:lnSpc>
-                <a:spcPct val="90000"/>
-              </a:lnSpc>
-              <a:spcBef>
-                <a:spcPts val="500"/>
-              </a:spcBef>
-              <a:buFont typeface="Arial" panose="020B0604020202020204" pitchFamily="34" charset="0"/>
-              <a:buChar char="•"/>
-              <a:defRPr sz="1800" kern="1200">
-                <a:solidFill>
-                  <a:schemeClr val="tx1"/>
-                </a:solidFill>
-                <a:latin typeface="+mn-lt"/>
-                <a:ea typeface="+mn-ea"/>
-                <a:cs typeface="+mn-cs"/>
-              </a:defRPr>
-            </a:lvl9pPr>
-          </a:lstStyle>
-          <a:p>
-            <a:pPr marL="0" indent="0">
-              <a:buNone/>
-            </a:pPr>
-            <a:r>
-              <a:rPr lang="ko-KR" altLang="en-US" sz="1800" dirty="0" smtClean="0"/>
-              <a:t>       </a:t>
-            </a:r>
-            <a:endParaRPr lang="en-US" altLang="ko-KR" sz="1800" dirty="0"/>
-          </a:p>
-        </p:txBody>
-      </p:sp>
-      <p:pic>
-        <p:nvPicPr>
-          <p:cNvPr id="4" name="그림 3"/>
-          <p:cNvPicPr>
-            <a:picLocks noChangeAspect="1"/>
-          </p:cNvPicPr>
-          <p:nvPr/>
-        </p:nvPicPr>
-        <p:blipFill>
-          <a:blip r:embed="rId2">
-            <a:extLst>
-              <a:ext uri="{28A0092B-C50C-407E-A947-70E740481C1C}">
-                <a14:useLocalDpi xmlns:a14="http://schemas.microsoft.com/office/drawing/2010/main" val="0"/>
-              </a:ext>
-            </a:extLst>
-          </a:blip>
-          <a:stretch>
-            <a:fillRect/>
-          </a:stretch>
-        </p:blipFill>
-        <p:spPr>
-          <a:xfrm>
-            <a:off x="1136576" y="980728"/>
-            <a:ext cx="7124912" cy="5277479"/>
-          </a:xfrm>
-          <a:prstGeom prst="rect">
-            <a:avLst/>
-          </a:prstGeom>
-          <a:ln>
-            <a:solidFill>
-              <a:schemeClr val="bg1">
-                <a:lumMod val="85000"/>
-              </a:schemeClr>
-            </a:solidFill>
-          </a:ln>
-        </p:spPr>
-      </p:pic>
-    </p:spTree>
-    <p:extLst>
-      <p:ext uri="{BB962C8B-B14F-4D97-AF65-F5344CB8AC3E}">
-        <p14:creationId xmlns:p14="http://schemas.microsoft.com/office/powerpoint/2010/main" val="4033488185"/>
-      </p:ext>
-    </p:extLst>
-  </p:cSld>
-  <p:clrMapOvr>
-    <a:masterClrMapping/>
-  </p:clrMapOvr>
-  <p:timing>
-    <p:tnLst>
-      <p:par>
-        <p:cTn id="1" dur="indefinite" restart="never" nodeType="tmRoot"/>
-      </p:par>
-    </p:tnLst>
-  </p:timing>
-</p:sld>
-</file>
-
 <file path=ppt/slides/slide2.xml><?xml version="1.0" encoding="utf-8"?>
 <p:sld xmlns:a="http://schemas.openxmlformats.org/drawingml/2006/main" xmlns:r="http://schemas.openxmlformats.org/officeDocument/2006/relationships" xmlns:p="http://schemas.openxmlformats.org/presentationml/2006/main">
   <p:cSld>
@@ -9597,7 +9702,7 @@
           <p:cNvPr id="7" name="내용 개체 틀 2">
             <a:extLst>
               <a:ext uri="{FF2B5EF4-FFF2-40B4-BE49-F238E27FC236}">
-                <a16:creationId xmlns="" xmlns:a16="http://schemas.microsoft.com/office/drawing/2014/main" id="{98AF3A4E-7D90-4241-89FE-799D6F9D5A94}"/>
+                <a16:creationId xmlns:a16="http://schemas.microsoft.com/office/drawing/2014/main" id="{98AF3A4E-7D90-4241-89FE-799D6F9D5A94}"/>
               </a:ext>
             </a:extLst>
           </p:cNvPr>
@@ -10225,16 +10330,76 @@
                 <a:tableStyleId>{5940675A-B579-460E-94D1-54222C63F5DA}</a:tableStyleId>
               </a:tblPr>
               <a:tblGrid>
-                <a:gridCol w="551121"/>
-                <a:gridCol w="551121"/>
-                <a:gridCol w="551121"/>
-                <a:gridCol w="551121"/>
-                <a:gridCol w="551121"/>
-                <a:gridCol w="551121"/>
-                <a:gridCol w="551121"/>
-                <a:gridCol w="551121"/>
-                <a:gridCol w="551121"/>
-                <a:gridCol w="551121"/>
+                <a:gridCol w="551121">
+                  <a:extLst>
+                    <a:ext uri="{9D8B030D-6E8A-4147-A177-3AD203B41FA5}">
+                      <a16:colId xmlns:a16="http://schemas.microsoft.com/office/drawing/2014/main" val="20000"/>
+                    </a:ext>
+                  </a:extLst>
+                </a:gridCol>
+                <a:gridCol w="551121">
+                  <a:extLst>
+                    <a:ext uri="{9D8B030D-6E8A-4147-A177-3AD203B41FA5}">
+                      <a16:colId xmlns:a16="http://schemas.microsoft.com/office/drawing/2014/main" val="20001"/>
+                    </a:ext>
+                  </a:extLst>
+                </a:gridCol>
+                <a:gridCol w="551121">
+                  <a:extLst>
+                    <a:ext uri="{9D8B030D-6E8A-4147-A177-3AD203B41FA5}">
+                      <a16:colId xmlns:a16="http://schemas.microsoft.com/office/drawing/2014/main" val="20002"/>
+                    </a:ext>
+                  </a:extLst>
+                </a:gridCol>
+                <a:gridCol w="551121">
+                  <a:extLst>
+                    <a:ext uri="{9D8B030D-6E8A-4147-A177-3AD203B41FA5}">
+                      <a16:colId xmlns:a16="http://schemas.microsoft.com/office/drawing/2014/main" val="20003"/>
+                    </a:ext>
+                  </a:extLst>
+                </a:gridCol>
+                <a:gridCol w="551121">
+                  <a:extLst>
+                    <a:ext uri="{9D8B030D-6E8A-4147-A177-3AD203B41FA5}">
+                      <a16:colId xmlns:a16="http://schemas.microsoft.com/office/drawing/2014/main" val="20004"/>
+                    </a:ext>
+                  </a:extLst>
+                </a:gridCol>
+                <a:gridCol w="551121">
+                  <a:extLst>
+                    <a:ext uri="{9D8B030D-6E8A-4147-A177-3AD203B41FA5}">
+                      <a16:colId xmlns:a16="http://schemas.microsoft.com/office/drawing/2014/main" val="20005"/>
+                    </a:ext>
+                  </a:extLst>
+                </a:gridCol>
+                <a:gridCol w="551121">
+                  <a:extLst>
+                    <a:ext uri="{9D8B030D-6E8A-4147-A177-3AD203B41FA5}">
+                      <a16:colId xmlns:a16="http://schemas.microsoft.com/office/drawing/2014/main" val="20006"/>
+                    </a:ext>
+                  </a:extLst>
+                </a:gridCol>
+                <a:gridCol w="551121">
+                  <a:extLst>
+                    <a:ext uri="{9D8B030D-6E8A-4147-A177-3AD203B41FA5}">
+                      <a16:colId xmlns:a16="http://schemas.microsoft.com/office/drawing/2014/main" val="20007"/>
+                    </a:ext>
+                  </a:extLst>
+                </a:gridCol>
+                <a:gridCol w="551121">
+                  <a:extLst>
+                    <a:ext uri="{9D8B030D-6E8A-4147-A177-3AD203B41FA5}">
+                      <a16:colId xmlns:a16="http://schemas.microsoft.com/office/drawing/2014/main" val="20008"/>
+                    </a:ext>
+                  </a:extLst>
+                </a:gridCol>
+                <a:gridCol w="551121">
+                  <a:extLst>
+                    <a:ext uri="{9D8B030D-6E8A-4147-A177-3AD203B41FA5}">
+                      <a16:colId xmlns:a16="http://schemas.microsoft.com/office/drawing/2014/main" val="20009"/>
+                    </a:ext>
+                  </a:extLst>
+                </a:gridCol>
               </a:tblGrid>
               <a:tr h="396912">
                 <a:tc>
@@ -10355,6 +10520,11 @@
                   </a:txBody>
                   <a:tcPr anchor="ctr"/>
                 </a:tc>
+                <a:extLst>
+                  <a:ext uri="{0D108BD9-81ED-4DB2-BD59-A6C34878D82A}">
+                    <a16:rowId xmlns:a16="http://schemas.microsoft.com/office/drawing/2014/main" val="10000"/>
+                  </a:ext>
+                </a:extLst>
               </a:tr>
             </a:tbl>
           </a:graphicData>
@@ -10852,7 +11022,334 @@
           <p:cNvPr id="7" name="내용 개체 틀 2">
             <a:extLst>
               <a:ext uri="{FF2B5EF4-FFF2-40B4-BE49-F238E27FC236}">
-                <a16:creationId xmlns:a16="http://schemas.microsoft.com/office/drawing/2014/main" xmlns="" id="{98AF3A4E-7D90-4241-89FE-799D6F9D5A94}"/>
+                <a16:creationId xmlns:a16="http://schemas.microsoft.com/office/drawing/2014/main" id="{98AF3A4E-7D90-4241-89FE-799D6F9D5A94}"/>
+              </a:ext>
+            </a:extLst>
+          </p:cNvPr>
+          <p:cNvSpPr txBox="1">
+            <a:spLocks/>
+          </p:cNvSpPr>
+          <p:nvPr/>
+        </p:nvSpPr>
+        <p:spPr>
+          <a:xfrm>
+            <a:off x="344488" y="1772816"/>
+            <a:ext cx="4248472" cy="419274"/>
+          </a:xfrm>
+          <a:prstGeom prst="rect">
+            <a:avLst/>
+          </a:prstGeom>
+        </p:spPr>
+        <p:txBody>
+          <a:bodyPr/>
+          <a:lstStyle>
+            <a:lvl1pPr marL="228600" indent="-228600" algn="l" defTabSz="914400" rtl="0" eaLnBrk="1" latinLnBrk="1" hangingPunct="1">
+              <a:lnSpc>
+                <a:spcPct val="90000"/>
+              </a:lnSpc>
+              <a:spcBef>
+                <a:spcPts val="1000"/>
+              </a:spcBef>
+              <a:buFont typeface="Arial" panose="020B0604020202020204" pitchFamily="34" charset="0"/>
+              <a:buChar char="•"/>
+              <a:defRPr sz="2800" kern="1200">
+                <a:solidFill>
+                  <a:schemeClr val="tx1"/>
+                </a:solidFill>
+                <a:latin typeface="+mn-lt"/>
+                <a:ea typeface="+mn-ea"/>
+                <a:cs typeface="+mn-cs"/>
+              </a:defRPr>
+            </a:lvl1pPr>
+            <a:lvl2pPr marL="685800" indent="-228600" algn="l" defTabSz="914400" rtl="0" eaLnBrk="1" latinLnBrk="1" hangingPunct="1">
+              <a:lnSpc>
+                <a:spcPct val="90000"/>
+              </a:lnSpc>
+              <a:spcBef>
+                <a:spcPts val="500"/>
+              </a:spcBef>
+              <a:buFont typeface="Arial" panose="020B0604020202020204" pitchFamily="34" charset="0"/>
+              <a:buChar char="•"/>
+              <a:defRPr sz="2400" kern="1200">
+                <a:solidFill>
+                  <a:schemeClr val="tx1"/>
+                </a:solidFill>
+                <a:latin typeface="+mn-lt"/>
+                <a:ea typeface="+mn-ea"/>
+                <a:cs typeface="+mn-cs"/>
+              </a:defRPr>
+            </a:lvl2pPr>
+            <a:lvl3pPr marL="1143000" indent="-228600" algn="l" defTabSz="914400" rtl="0" eaLnBrk="1" latinLnBrk="1" hangingPunct="1">
+              <a:lnSpc>
+                <a:spcPct val="90000"/>
+              </a:lnSpc>
+              <a:spcBef>
+                <a:spcPts val="500"/>
+              </a:spcBef>
+              <a:buFont typeface="Arial" panose="020B0604020202020204" pitchFamily="34" charset="0"/>
+              <a:buChar char="•"/>
+              <a:defRPr sz="2000" kern="1200">
+                <a:solidFill>
+                  <a:schemeClr val="tx1"/>
+                </a:solidFill>
+                <a:latin typeface="+mn-lt"/>
+                <a:ea typeface="+mn-ea"/>
+                <a:cs typeface="+mn-cs"/>
+              </a:defRPr>
+            </a:lvl3pPr>
+            <a:lvl4pPr marL="1600200" indent="-228600" algn="l" defTabSz="914400" rtl="0" eaLnBrk="1" latinLnBrk="1" hangingPunct="1">
+              <a:lnSpc>
+                <a:spcPct val="90000"/>
+              </a:lnSpc>
+              <a:spcBef>
+                <a:spcPts val="500"/>
+              </a:spcBef>
+              <a:buFont typeface="Arial" panose="020B0604020202020204" pitchFamily="34" charset="0"/>
+              <a:buChar char="•"/>
+              <a:defRPr sz="1800" kern="1200">
+                <a:solidFill>
+                  <a:schemeClr val="tx1"/>
+                </a:solidFill>
+                <a:latin typeface="+mn-lt"/>
+                <a:ea typeface="+mn-ea"/>
+                <a:cs typeface="+mn-cs"/>
+              </a:defRPr>
+            </a:lvl4pPr>
+            <a:lvl5pPr marL="2057400" indent="-228600" algn="l" defTabSz="914400" rtl="0" eaLnBrk="1" latinLnBrk="1" hangingPunct="1">
+              <a:lnSpc>
+                <a:spcPct val="90000"/>
+              </a:lnSpc>
+              <a:spcBef>
+                <a:spcPts val="500"/>
+              </a:spcBef>
+              <a:buFont typeface="Arial" panose="020B0604020202020204" pitchFamily="34" charset="0"/>
+              <a:buChar char="•"/>
+              <a:defRPr sz="1800" kern="1200">
+                <a:solidFill>
+                  <a:schemeClr val="tx1"/>
+                </a:solidFill>
+                <a:latin typeface="+mn-lt"/>
+                <a:ea typeface="+mn-ea"/>
+                <a:cs typeface="+mn-cs"/>
+              </a:defRPr>
+            </a:lvl5pPr>
+            <a:lvl6pPr marL="2514600" indent="-228600" algn="l" defTabSz="914400" rtl="0" eaLnBrk="1" latinLnBrk="1" hangingPunct="1">
+              <a:lnSpc>
+                <a:spcPct val="90000"/>
+              </a:lnSpc>
+              <a:spcBef>
+                <a:spcPts val="500"/>
+              </a:spcBef>
+              <a:buFont typeface="Arial" panose="020B0604020202020204" pitchFamily="34" charset="0"/>
+              <a:buChar char="•"/>
+              <a:defRPr sz="1800" kern="1200">
+                <a:solidFill>
+                  <a:schemeClr val="tx1"/>
+                </a:solidFill>
+                <a:latin typeface="+mn-lt"/>
+                <a:ea typeface="+mn-ea"/>
+                <a:cs typeface="+mn-cs"/>
+              </a:defRPr>
+            </a:lvl6pPr>
+            <a:lvl7pPr marL="2971800" indent="-228600" algn="l" defTabSz="914400" rtl="0" eaLnBrk="1" latinLnBrk="1" hangingPunct="1">
+              <a:lnSpc>
+                <a:spcPct val="90000"/>
+              </a:lnSpc>
+              <a:spcBef>
+                <a:spcPts val="500"/>
+              </a:spcBef>
+              <a:buFont typeface="Arial" panose="020B0604020202020204" pitchFamily="34" charset="0"/>
+              <a:buChar char="•"/>
+              <a:defRPr sz="1800" kern="1200">
+                <a:solidFill>
+                  <a:schemeClr val="tx1"/>
+                </a:solidFill>
+                <a:latin typeface="+mn-lt"/>
+                <a:ea typeface="+mn-ea"/>
+                <a:cs typeface="+mn-cs"/>
+              </a:defRPr>
+            </a:lvl7pPr>
+            <a:lvl8pPr marL="3429000" indent="-228600" algn="l" defTabSz="914400" rtl="0" eaLnBrk="1" latinLnBrk="1" hangingPunct="1">
+              <a:lnSpc>
+                <a:spcPct val="90000"/>
+              </a:lnSpc>
+              <a:spcBef>
+                <a:spcPts val="500"/>
+              </a:spcBef>
+              <a:buFont typeface="Arial" panose="020B0604020202020204" pitchFamily="34" charset="0"/>
+              <a:buChar char="•"/>
+              <a:defRPr sz="1800" kern="1200">
+                <a:solidFill>
+                  <a:schemeClr val="tx1"/>
+                </a:solidFill>
+                <a:latin typeface="+mn-lt"/>
+                <a:ea typeface="+mn-ea"/>
+                <a:cs typeface="+mn-cs"/>
+              </a:defRPr>
+            </a:lvl8pPr>
+            <a:lvl9pPr marL="3886200" indent="-228600" algn="l" defTabSz="914400" rtl="0" eaLnBrk="1" latinLnBrk="1" hangingPunct="1">
+              <a:lnSpc>
+                <a:spcPct val="90000"/>
+              </a:lnSpc>
+              <a:spcBef>
+                <a:spcPts val="500"/>
+              </a:spcBef>
+              <a:buFont typeface="Arial" panose="020B0604020202020204" pitchFamily="34" charset="0"/>
+              <a:buChar char="•"/>
+              <a:defRPr sz="1800" kern="1200">
+                <a:solidFill>
+                  <a:schemeClr val="tx1"/>
+                </a:solidFill>
+                <a:latin typeface="+mn-lt"/>
+                <a:ea typeface="+mn-ea"/>
+                <a:cs typeface="+mn-cs"/>
+              </a:defRPr>
+            </a:lvl9pPr>
+          </a:lstStyle>
+          <a:p>
+            <a:pPr marL="0" indent="0">
+              <a:buNone/>
+            </a:pPr>
+            <a:r>
+              <a:rPr lang="ko-KR" altLang="en-US" sz="1800" dirty="0" smtClean="0"/>
+              <a:t>       </a:t>
+            </a:r>
+            <a:endParaRPr lang="en-US" altLang="ko-KR" sz="1800" dirty="0"/>
+          </a:p>
+        </p:txBody>
+      </p:sp>
+      <p:pic>
+        <p:nvPicPr>
+          <p:cNvPr id="4" name="그림 3"/>
+          <p:cNvPicPr>
+            <a:picLocks noChangeAspect="1"/>
+          </p:cNvPicPr>
+          <p:nvPr/>
+        </p:nvPicPr>
+        <p:blipFill>
+          <a:blip r:embed="rId2">
+            <a:extLst>
+              <a:ext uri="{28A0092B-C50C-407E-A947-70E740481C1C}">
+                <a14:useLocalDpi xmlns:a14="http://schemas.microsoft.com/office/drawing/2010/main" val="0"/>
+              </a:ext>
+            </a:extLst>
+          </a:blip>
+          <a:stretch>
+            <a:fillRect/>
+          </a:stretch>
+        </p:blipFill>
+        <p:spPr>
+          <a:xfrm>
+            <a:off x="1136576" y="980728"/>
+            <a:ext cx="7124912" cy="5277479"/>
+          </a:xfrm>
+          <a:prstGeom prst="rect">
+            <a:avLst/>
+          </a:prstGeom>
+          <a:ln>
+            <a:solidFill>
+              <a:schemeClr val="bg1">
+                <a:lumMod val="85000"/>
+              </a:schemeClr>
+            </a:solidFill>
+          </a:ln>
+        </p:spPr>
+      </p:pic>
+    </p:spTree>
+    <p:extLst>
+      <p:ext uri="{BB962C8B-B14F-4D97-AF65-F5344CB8AC3E}">
+        <p14:creationId xmlns:p14="http://schemas.microsoft.com/office/powerpoint/2010/main" val="4033488185"/>
+      </p:ext>
+    </p:extLst>
+  </p:cSld>
+  <p:clrMapOvr>
+    <a:masterClrMapping/>
+  </p:clrMapOvr>
+  <p:timing>
+    <p:tnLst>
+      <p:par>
+        <p:cTn id="1" dur="indefinite" restart="never" nodeType="tmRoot"/>
+      </p:par>
+    </p:tnLst>
+  </p:timing>
+</p:sld>
+</file>
+
+<file path=ppt/slides/slide21.xml><?xml version="1.0" encoding="utf-8"?>
+<p:sld xmlns:a="http://schemas.openxmlformats.org/drawingml/2006/main" xmlns:r="http://schemas.openxmlformats.org/officeDocument/2006/relationships" xmlns:p="http://schemas.openxmlformats.org/presentationml/2006/main">
+  <p:cSld>
+    <p:spTree>
+      <p:nvGrpSpPr>
+        <p:cNvPr id="1" name=""/>
+        <p:cNvGrpSpPr/>
+        <p:nvPr/>
+      </p:nvGrpSpPr>
+      <p:grpSpPr>
+        <a:xfrm>
+          <a:off x="0" y="0"/>
+          <a:ext cx="0" cy="0"/>
+          <a:chOff x="0" y="0"/>
+          <a:chExt cx="0" cy="0"/>
+        </a:xfrm>
+      </p:grpSpPr>
+      <p:sp>
+        <p:nvSpPr>
+          <p:cNvPr id="6" name="제목 5"/>
+          <p:cNvSpPr>
+            <a:spLocks noGrp="1"/>
+          </p:cNvSpPr>
+          <p:nvPr>
+            <p:ph type="title"/>
+          </p:nvPr>
+        </p:nvSpPr>
+        <p:spPr/>
+        <p:txBody>
+          <a:bodyPr>
+            <a:normAutofit fontScale="90000"/>
+          </a:bodyPr>
+          <a:lstStyle/>
+          <a:p>
+            <a:r>
+              <a:rPr lang="en-US" altLang="ko-KR" dirty="0" smtClean="0"/>
+              <a:t>  </a:t>
+            </a:r>
+            <a:r>
+              <a:rPr lang="ko-KR" altLang="en-US" dirty="0" smtClean="0"/>
+              <a:t>배열을 이용한 성적 처리 프로그램</a:t>
+            </a:r>
+            <a:endParaRPr lang="ko-KR" altLang="en-US" dirty="0"/>
+          </a:p>
+        </p:txBody>
+      </p:sp>
+      <p:sp>
+        <p:nvSpPr>
+          <p:cNvPr id="5" name="슬라이드 번호 개체 틀 4"/>
+          <p:cNvSpPr>
+            <a:spLocks noGrp="1"/>
+          </p:cNvSpPr>
+          <p:nvPr>
+            <p:ph type="sldNum" sz="quarter" idx="12"/>
+          </p:nvPr>
+        </p:nvSpPr>
+        <p:spPr/>
+        <p:txBody>
+          <a:bodyPr/>
+          <a:lstStyle/>
+          <a:p>
+            <a:fld id="{1BDE3FE7-3AEA-4B05-AC5A-802D1816ACF0}" type="slidenum">
+              <a:rPr lang="ko-KR" altLang="en-US" smtClean="0"/>
+              <a:t>21</a:t>
+            </a:fld>
+            <a:endParaRPr lang="ko-KR" altLang="en-US"/>
+          </a:p>
+        </p:txBody>
+      </p:sp>
+      <p:sp>
+        <p:nvSpPr>
+          <p:cNvPr id="7" name="내용 개체 틀 2">
+            <a:extLst>
+              <a:ext uri="{FF2B5EF4-FFF2-40B4-BE49-F238E27FC236}">
+                <a16:creationId xmlns:a16="http://schemas.microsoft.com/office/drawing/2014/main" id="{98AF3A4E-7D90-4241-89FE-799D6F9D5A94}"/>
               </a:ext>
             </a:extLst>
           </p:cNvPr>
@@ -11105,7 +11602,7 @@
 </p:sld>
 </file>
 
-<file path=ppt/slides/slide21.xml><?xml version="1.0" encoding="utf-8"?>
+<file path=ppt/slides/slide22.xml><?xml version="1.0" encoding="utf-8"?>
 <p:sld xmlns:a="http://schemas.openxmlformats.org/drawingml/2006/main" xmlns:r="http://schemas.openxmlformats.org/officeDocument/2006/relationships" xmlns:p="http://schemas.openxmlformats.org/presentationml/2006/main">
   <p:cSld>
     <p:spTree>
@@ -11174,7 +11671,7 @@
           <a:p>
             <a:fld id="{1BDE3FE7-3AEA-4B05-AC5A-802D1816ACF0}" type="slidenum">
               <a:rPr lang="ko-KR" altLang="en-US" smtClean="0"/>
-              <a:t>21</a:t>
+              <a:t>22</a:t>
             </a:fld>
             <a:endParaRPr lang="ko-KR" altLang="en-US"/>
           </a:p>
@@ -11185,7 +11682,7 @@
           <p:cNvPr id="7" name="내용 개체 틀 2">
             <a:extLst>
               <a:ext uri="{FF2B5EF4-FFF2-40B4-BE49-F238E27FC236}">
-                <a16:creationId xmlns:a16="http://schemas.microsoft.com/office/drawing/2014/main" xmlns="" id="{98AF3A4E-7D90-4241-89FE-799D6F9D5A94}"/>
+                <a16:creationId xmlns:a16="http://schemas.microsoft.com/office/drawing/2014/main" id="{98AF3A4E-7D90-4241-89FE-799D6F9D5A94}"/>
               </a:ext>
             </a:extLst>
           </p:cNvPr>
@@ -11423,7 +11920,7 @@
           <p:cNvPr id="8" name="내용 개체 틀 2">
             <a:extLst>
               <a:ext uri="{FF2B5EF4-FFF2-40B4-BE49-F238E27FC236}">
-                <a16:creationId xmlns:a16="http://schemas.microsoft.com/office/drawing/2014/main" xmlns="" id="{98AF3A4E-7D90-4241-89FE-799D6F9D5A94}"/>
+                <a16:creationId xmlns:a16="http://schemas.microsoft.com/office/drawing/2014/main" id="{98AF3A4E-7D90-4241-89FE-799D6F9D5A94}"/>
               </a:ext>
             </a:extLst>
           </p:cNvPr>
@@ -11757,7 +12254,7 @@
 </p:sld>
 </file>
 
-<file path=ppt/slides/slide22.xml><?xml version="1.0" encoding="utf-8"?>
+<file path=ppt/slides/slide23.xml><?xml version="1.0" encoding="utf-8"?>
 <p:sld xmlns:a="http://schemas.openxmlformats.org/drawingml/2006/main" xmlns:r="http://schemas.openxmlformats.org/officeDocument/2006/relationships" xmlns:p="http://schemas.openxmlformats.org/presentationml/2006/main">
   <p:cSld>
     <p:spTree>
@@ -11859,7 +12356,7 @@
           <a:p>
             <a:fld id="{1BDE3FE7-3AEA-4B05-AC5A-802D1816ACF0}" type="slidenum">
               <a:rPr lang="ko-KR" altLang="en-US" smtClean="0"/>
-              <a:t>22</a:t>
+              <a:t>23</a:t>
             </a:fld>
             <a:endParaRPr lang="ko-KR" altLang="en-US"/>
           </a:p>
@@ -11870,7 +12367,7 @@
           <p:cNvPr id="7" name="내용 개체 틀 2">
             <a:extLst>
               <a:ext uri="{FF2B5EF4-FFF2-40B4-BE49-F238E27FC236}">
-                <a16:creationId xmlns:a16="http://schemas.microsoft.com/office/drawing/2014/main" xmlns="" id="{98AF3A4E-7D90-4241-89FE-799D6F9D5A94}"/>
+                <a16:creationId xmlns:a16="http://schemas.microsoft.com/office/drawing/2014/main" id="{98AF3A4E-7D90-4241-89FE-799D6F9D5A94}"/>
               </a:ext>
             </a:extLst>
           </p:cNvPr>
@@ -12071,7 +12568,7 @@
           <p:cNvPr id="8" name="내용 개체 틀 2">
             <a:extLst>
               <a:ext uri="{FF2B5EF4-FFF2-40B4-BE49-F238E27FC236}">
-                <a16:creationId xmlns:a16="http://schemas.microsoft.com/office/drawing/2014/main" xmlns="" id="{98AF3A4E-7D90-4241-89FE-799D6F9D5A94}"/>
+                <a16:creationId xmlns:a16="http://schemas.microsoft.com/office/drawing/2014/main" id="{98AF3A4E-7D90-4241-89FE-799D6F9D5A94}"/>
               </a:ext>
             </a:extLst>
           </p:cNvPr>
@@ -12459,7 +12956,7 @@
 </p:sld>
 </file>
 
-<file path=ppt/slides/slide23.xml><?xml version="1.0" encoding="utf-8"?>
+<file path=ppt/slides/slide24.xml><?xml version="1.0" encoding="utf-8"?>
 <p:sld xmlns:a="http://schemas.openxmlformats.org/drawingml/2006/main" xmlns:r="http://schemas.openxmlformats.org/officeDocument/2006/relationships" xmlns:p="http://schemas.openxmlformats.org/presentationml/2006/main">
   <p:cSld>
     <p:spTree>
@@ -12524,7 +13021,7 @@
           <a:p>
             <a:fld id="{1BDE3FE7-3AEA-4B05-AC5A-802D1816ACF0}" type="slidenum">
               <a:rPr lang="ko-KR" altLang="en-US" smtClean="0"/>
-              <a:t>23</a:t>
+              <a:t>24</a:t>
             </a:fld>
             <a:endParaRPr lang="ko-KR" altLang="en-US"/>
           </a:p>
@@ -12535,7 +13032,7 @@
           <p:cNvPr id="7" name="내용 개체 틀 2">
             <a:extLst>
               <a:ext uri="{FF2B5EF4-FFF2-40B4-BE49-F238E27FC236}">
-                <a16:creationId xmlns:a16="http://schemas.microsoft.com/office/drawing/2014/main" xmlns="" id="{98AF3A4E-7D90-4241-89FE-799D6F9D5A94}"/>
+                <a16:creationId xmlns:a16="http://schemas.microsoft.com/office/drawing/2014/main" id="{98AF3A4E-7D90-4241-89FE-799D6F9D5A94}"/>
               </a:ext>
             </a:extLst>
           </p:cNvPr>
@@ -12943,7 +13440,7 @@
 </p:sld>
 </file>
 
-<file path=ppt/slides/slide24.xml><?xml version="1.0" encoding="utf-8"?>
+<file path=ppt/slides/slide25.xml><?xml version="1.0" encoding="utf-8"?>
 <p:sld xmlns:a="http://schemas.openxmlformats.org/drawingml/2006/main" xmlns:r="http://schemas.openxmlformats.org/officeDocument/2006/relationships" xmlns:p="http://schemas.openxmlformats.org/presentationml/2006/main">
   <p:cSld>
     <p:spTree>
@@ -13008,7 +13505,7 @@
           <a:p>
             <a:fld id="{1BDE3FE7-3AEA-4B05-AC5A-802D1816ACF0}" type="slidenum">
               <a:rPr lang="ko-KR" altLang="en-US" smtClean="0"/>
-              <a:t>24</a:t>
+              <a:t>25</a:t>
             </a:fld>
             <a:endParaRPr lang="ko-KR" altLang="en-US"/>
           </a:p>
@@ -13019,7 +13516,7 @@
           <p:cNvPr id="7" name="내용 개체 틀 2">
             <a:extLst>
               <a:ext uri="{FF2B5EF4-FFF2-40B4-BE49-F238E27FC236}">
-                <a16:creationId xmlns:a16="http://schemas.microsoft.com/office/drawing/2014/main" xmlns="" id="{98AF3A4E-7D90-4241-89FE-799D6F9D5A94}"/>
+                <a16:creationId xmlns:a16="http://schemas.microsoft.com/office/drawing/2014/main" id="{98AF3A4E-7D90-4241-89FE-799D6F9D5A94}"/>
               </a:ext>
             </a:extLst>
           </p:cNvPr>
@@ -13431,7 +13928,7 @@
 </p:sld>
 </file>
 
-<file path=ppt/slides/slide25.xml><?xml version="1.0" encoding="utf-8"?>
+<file path=ppt/slides/slide26.xml><?xml version="1.0" encoding="utf-8"?>
 <p:sld xmlns:a="http://schemas.openxmlformats.org/drawingml/2006/main" xmlns:r="http://schemas.openxmlformats.org/officeDocument/2006/relationships" xmlns:p="http://schemas.openxmlformats.org/presentationml/2006/main">
   <p:cSld>
     <p:spTree>
@@ -13496,7 +13993,7 @@
           <a:p>
             <a:fld id="{1BDE3FE7-3AEA-4B05-AC5A-802D1816ACF0}" type="slidenum">
               <a:rPr lang="ko-KR" altLang="en-US" smtClean="0"/>
-              <a:t>25</a:t>
+              <a:t>26</a:t>
             </a:fld>
             <a:endParaRPr lang="ko-KR" altLang="en-US"/>
           </a:p>
@@ -13507,7 +14004,7 @@
           <p:cNvPr id="7" name="내용 개체 틀 2">
             <a:extLst>
               <a:ext uri="{FF2B5EF4-FFF2-40B4-BE49-F238E27FC236}">
-                <a16:creationId xmlns:a16="http://schemas.microsoft.com/office/drawing/2014/main" xmlns="" id="{98AF3A4E-7D90-4241-89FE-799D6F9D5A94}"/>
+                <a16:creationId xmlns:a16="http://schemas.microsoft.com/office/drawing/2014/main" id="{98AF3A4E-7D90-4241-89FE-799D6F9D5A94}"/>
               </a:ext>
             </a:extLst>
           </p:cNvPr>
@@ -13916,7 +14413,7 @@
 </p:sld>
 </file>
 
-<file path=ppt/slides/slide26.xml><?xml version="1.0" encoding="utf-8"?>
+<file path=ppt/slides/slide27.xml><?xml version="1.0" encoding="utf-8"?>
 <p:sld xmlns:a="http://schemas.openxmlformats.org/drawingml/2006/main" xmlns:r="http://schemas.openxmlformats.org/officeDocument/2006/relationships" xmlns:p="http://schemas.openxmlformats.org/presentationml/2006/main">
   <p:cSld>
     <p:spTree>
@@ -13977,7 +14474,7 @@
           <a:p>
             <a:fld id="{1BDE3FE7-3AEA-4B05-AC5A-802D1816ACF0}" type="slidenum">
               <a:rPr lang="ko-KR" altLang="en-US" smtClean="0"/>
-              <a:t>26</a:t>
+              <a:t>27</a:t>
             </a:fld>
             <a:endParaRPr lang="ko-KR" altLang="en-US"/>
           </a:p>
@@ -13988,7 +14485,7 @@
           <p:cNvPr id="7" name="내용 개체 틀 2">
             <a:extLst>
               <a:ext uri="{FF2B5EF4-FFF2-40B4-BE49-F238E27FC236}">
-                <a16:creationId xmlns:a16="http://schemas.microsoft.com/office/drawing/2014/main" xmlns="" id="{98AF3A4E-7D90-4241-89FE-799D6F9D5A94}"/>
+                <a16:creationId xmlns:a16="http://schemas.microsoft.com/office/drawing/2014/main" id="{98AF3A4E-7D90-4241-89FE-799D6F9D5A94}"/>
               </a:ext>
             </a:extLst>
           </p:cNvPr>
@@ -14477,9 +14974,27 @@
                 <a:tableStyleId>{5940675A-B579-460E-94D1-54222C63F5DA}</a:tableStyleId>
               </a:tblPr>
               <a:tblGrid>
-                <a:gridCol w="960107"/>
-                <a:gridCol w="960107"/>
-                <a:gridCol w="960107"/>
+                <a:gridCol w="960107">
+                  <a:extLst>
+                    <a:ext uri="{9D8B030D-6E8A-4147-A177-3AD203B41FA5}">
+                      <a16:colId xmlns:a16="http://schemas.microsoft.com/office/drawing/2014/main" val="20000"/>
+                    </a:ext>
+                  </a:extLst>
+                </a:gridCol>
+                <a:gridCol w="960107">
+                  <a:extLst>
+                    <a:ext uri="{9D8B030D-6E8A-4147-A177-3AD203B41FA5}">
+                      <a16:colId xmlns:a16="http://schemas.microsoft.com/office/drawing/2014/main" val="20001"/>
+                    </a:ext>
+                  </a:extLst>
+                </a:gridCol>
+                <a:gridCol w="960107">
+                  <a:extLst>
+                    <a:ext uri="{9D8B030D-6E8A-4147-A177-3AD203B41FA5}">
+                      <a16:colId xmlns:a16="http://schemas.microsoft.com/office/drawing/2014/main" val="20002"/>
+                    </a:ext>
+                  </a:extLst>
+                </a:gridCol>
               </a:tblGrid>
               <a:tr h="365577">
                 <a:tc>
@@ -14519,6 +15034,11 @@
                   </a:txBody>
                   <a:tcPr anchor="ctr"/>
                 </a:tc>
+                <a:extLst>
+                  <a:ext uri="{0D108BD9-81ED-4DB2-BD59-A6C34878D82A}">
+                    <a16:rowId xmlns:a16="http://schemas.microsoft.com/office/drawing/2014/main" val="10000"/>
+                  </a:ext>
+                </a:extLst>
               </a:tr>
               <a:tr h="365577">
                 <a:tc>
@@ -14558,6 +15078,11 @@
                   </a:txBody>
                   <a:tcPr anchor="ctr"/>
                 </a:tc>
+                <a:extLst>
+                  <a:ext uri="{0D108BD9-81ED-4DB2-BD59-A6C34878D82A}">
+                    <a16:rowId xmlns:a16="http://schemas.microsoft.com/office/drawing/2014/main" val="10001"/>
+                  </a:ext>
+                </a:extLst>
               </a:tr>
             </a:tbl>
           </a:graphicData>
@@ -14798,9 +15323,27 @@
                 <a:tableStyleId>{5940675A-B579-460E-94D1-54222C63F5DA}</a:tableStyleId>
               </a:tblPr>
               <a:tblGrid>
-                <a:gridCol w="960107"/>
-                <a:gridCol w="960107"/>
-                <a:gridCol w="960107"/>
+                <a:gridCol w="960107">
+                  <a:extLst>
+                    <a:ext uri="{9D8B030D-6E8A-4147-A177-3AD203B41FA5}">
+                      <a16:colId xmlns:a16="http://schemas.microsoft.com/office/drawing/2014/main" val="20000"/>
+                    </a:ext>
+                  </a:extLst>
+                </a:gridCol>
+                <a:gridCol w="960107">
+                  <a:extLst>
+                    <a:ext uri="{9D8B030D-6E8A-4147-A177-3AD203B41FA5}">
+                      <a16:colId xmlns:a16="http://schemas.microsoft.com/office/drawing/2014/main" val="20001"/>
+                    </a:ext>
+                  </a:extLst>
+                </a:gridCol>
+                <a:gridCol w="960107">
+                  <a:extLst>
+                    <a:ext uri="{9D8B030D-6E8A-4147-A177-3AD203B41FA5}">
+                      <a16:colId xmlns:a16="http://schemas.microsoft.com/office/drawing/2014/main" val="20002"/>
+                    </a:ext>
+                  </a:extLst>
+                </a:gridCol>
               </a:tblGrid>
               <a:tr h="365577">
                 <a:tc>
@@ -14856,6 +15399,11 @@
                   </a:txBody>
                   <a:tcPr anchor="ctr"/>
                 </a:tc>
+                <a:extLst>
+                  <a:ext uri="{0D108BD9-81ED-4DB2-BD59-A6C34878D82A}">
+                    <a16:rowId xmlns:a16="http://schemas.microsoft.com/office/drawing/2014/main" val="10000"/>
+                  </a:ext>
+                </a:extLst>
               </a:tr>
               <a:tr h="365577">
                 <a:tc>
@@ -14911,6 +15459,11 @@
                   </a:txBody>
                   <a:tcPr anchor="ctr"/>
                 </a:tc>
+                <a:extLst>
+                  <a:ext uri="{0D108BD9-81ED-4DB2-BD59-A6C34878D82A}">
+                    <a16:rowId xmlns:a16="http://schemas.microsoft.com/office/drawing/2014/main" val="10001"/>
+                  </a:ext>
+                </a:extLst>
               </a:tr>
             </a:tbl>
           </a:graphicData>
@@ -15273,7 +15826,7 @@
 </p:sld>
 </file>
 
-<file path=ppt/slides/slide27.xml><?xml version="1.0" encoding="utf-8"?>
+<file path=ppt/slides/slide28.xml><?xml version="1.0" encoding="utf-8"?>
 <p:sld xmlns:a="http://schemas.openxmlformats.org/drawingml/2006/main" xmlns:r="http://schemas.openxmlformats.org/officeDocument/2006/relationships" xmlns:p="http://schemas.openxmlformats.org/presentationml/2006/main">
   <p:cSld>
     <p:spTree>
@@ -15334,7 +15887,7 @@
           <a:p>
             <a:fld id="{1BDE3FE7-3AEA-4B05-AC5A-802D1816ACF0}" type="slidenum">
               <a:rPr lang="ko-KR" altLang="en-US" smtClean="0"/>
-              <a:t>27</a:t>
+              <a:t>28</a:t>
             </a:fld>
             <a:endParaRPr lang="ko-KR" altLang="en-US"/>
           </a:p>
@@ -15345,7 +15898,7 @@
           <p:cNvPr id="7" name="내용 개체 틀 2">
             <a:extLst>
               <a:ext uri="{FF2B5EF4-FFF2-40B4-BE49-F238E27FC236}">
-                <a16:creationId xmlns:a16="http://schemas.microsoft.com/office/drawing/2014/main" xmlns="" id="{98AF3A4E-7D90-4241-89FE-799D6F9D5A94}"/>
+                <a16:creationId xmlns:a16="http://schemas.microsoft.com/office/drawing/2014/main" id="{98AF3A4E-7D90-4241-89FE-799D6F9D5A94}"/>
               </a:ext>
             </a:extLst>
           </p:cNvPr>
@@ -15653,7 +16206,7 @@
 </p:sld>
 </file>
 
-<file path=ppt/slides/slide28.xml><?xml version="1.0" encoding="utf-8"?>
+<file path=ppt/slides/slide29.xml><?xml version="1.0" encoding="utf-8"?>
 <p:sld xmlns:a="http://schemas.openxmlformats.org/drawingml/2006/main" xmlns:r="http://schemas.openxmlformats.org/officeDocument/2006/relationships" xmlns:p="http://schemas.openxmlformats.org/presentationml/2006/main">
   <p:cSld>
     <p:spTree>
@@ -15714,7 +16267,7 @@
           <a:p>
             <a:fld id="{1BDE3FE7-3AEA-4B05-AC5A-802D1816ACF0}" type="slidenum">
               <a:rPr lang="ko-KR" altLang="en-US" smtClean="0"/>
-              <a:t>28</a:t>
+              <a:t>29</a:t>
             </a:fld>
             <a:endParaRPr lang="ko-KR" altLang="en-US"/>
           </a:p>
@@ -15725,7 +16278,7 @@
           <p:cNvPr id="7" name="내용 개체 틀 2">
             <a:extLst>
               <a:ext uri="{FF2B5EF4-FFF2-40B4-BE49-F238E27FC236}">
-                <a16:creationId xmlns:a16="http://schemas.microsoft.com/office/drawing/2014/main" xmlns="" id="{98AF3A4E-7D90-4241-89FE-799D6F9D5A94}"/>
+                <a16:creationId xmlns:a16="http://schemas.microsoft.com/office/drawing/2014/main" id="{98AF3A4E-7D90-4241-89FE-799D6F9D5A94}"/>
               </a:ext>
             </a:extLst>
           </p:cNvPr>
@@ -16030,7 +16583,7 @@
 </p:sld>
 </file>
 
-<file path=ppt/slides/slide29.xml><?xml version="1.0" encoding="utf-8"?>
+<file path=ppt/slides/slide3.xml><?xml version="1.0" encoding="utf-8"?>
 <p:sld xmlns:a="http://schemas.openxmlformats.org/drawingml/2006/main" xmlns:r="http://schemas.openxmlformats.org/officeDocument/2006/relationships" xmlns:p="http://schemas.openxmlformats.org/presentationml/2006/main">
   <p:cSld>
     <p:spTree>
@@ -16068,7 +16621,7 @@
             </a:r>
             <a:r>
               <a:rPr lang="ko-KR" altLang="en-US" dirty="0" smtClean="0"/>
-              <a:t>다차원 배열</a:t>
+              <a:t>배열 사용하기</a:t>
             </a:r>
             <a:endParaRPr lang="ko-KR" altLang="en-US" dirty="0"/>
           </a:p>
@@ -16091,7 +16644,7 @@
           <a:p>
             <a:fld id="{1BDE3FE7-3AEA-4B05-AC5A-802D1816ACF0}" type="slidenum">
               <a:rPr lang="ko-KR" altLang="en-US" smtClean="0"/>
-              <a:t>29</a:t>
+              <a:t>3</a:t>
             </a:fld>
             <a:endParaRPr lang="ko-KR" altLang="en-US"/>
           </a:p>
@@ -16102,7 +16655,1283 @@
           <p:cNvPr id="7" name="내용 개체 틀 2">
             <a:extLst>
               <a:ext uri="{FF2B5EF4-FFF2-40B4-BE49-F238E27FC236}">
-                <a16:creationId xmlns:a16="http://schemas.microsoft.com/office/drawing/2014/main" xmlns="" id="{98AF3A4E-7D90-4241-89FE-799D6F9D5A94}"/>
+                <a16:creationId xmlns:a16="http://schemas.microsoft.com/office/drawing/2014/main" id="{98AF3A4E-7D90-4241-89FE-799D6F9D5A94}"/>
+              </a:ext>
+            </a:extLst>
+          </p:cNvPr>
+          <p:cNvSpPr txBox="1">
+            <a:spLocks/>
+          </p:cNvSpPr>
+          <p:nvPr/>
+        </p:nvSpPr>
+        <p:spPr>
+          <a:xfrm>
+            <a:off x="945480" y="1127064"/>
+            <a:ext cx="6239768" cy="573744"/>
+          </a:xfrm>
+          <a:prstGeom prst="rect">
+            <a:avLst/>
+          </a:prstGeom>
+        </p:spPr>
+        <p:txBody>
+          <a:bodyPr/>
+          <a:lstStyle>
+            <a:lvl1pPr marL="228600" indent="-228600" algn="l" defTabSz="914400" rtl="0" eaLnBrk="1" latinLnBrk="1" hangingPunct="1">
+              <a:lnSpc>
+                <a:spcPct val="90000"/>
+              </a:lnSpc>
+              <a:spcBef>
+                <a:spcPts val="1000"/>
+              </a:spcBef>
+              <a:buFont typeface="Arial" panose="020B0604020202020204" pitchFamily="34" charset="0"/>
+              <a:buChar char="•"/>
+              <a:defRPr sz="2800" kern="1200">
+                <a:solidFill>
+                  <a:schemeClr val="tx1"/>
+                </a:solidFill>
+                <a:latin typeface="+mn-lt"/>
+                <a:ea typeface="+mn-ea"/>
+                <a:cs typeface="+mn-cs"/>
+              </a:defRPr>
+            </a:lvl1pPr>
+            <a:lvl2pPr marL="685800" indent="-228600" algn="l" defTabSz="914400" rtl="0" eaLnBrk="1" latinLnBrk="1" hangingPunct="1">
+              <a:lnSpc>
+                <a:spcPct val="90000"/>
+              </a:lnSpc>
+              <a:spcBef>
+                <a:spcPts val="500"/>
+              </a:spcBef>
+              <a:buFont typeface="Arial" panose="020B0604020202020204" pitchFamily="34" charset="0"/>
+              <a:buChar char="•"/>
+              <a:defRPr sz="2400" kern="1200">
+                <a:solidFill>
+                  <a:schemeClr val="tx1"/>
+                </a:solidFill>
+                <a:latin typeface="+mn-lt"/>
+                <a:ea typeface="+mn-ea"/>
+                <a:cs typeface="+mn-cs"/>
+              </a:defRPr>
+            </a:lvl2pPr>
+            <a:lvl3pPr marL="1143000" indent="-228600" algn="l" defTabSz="914400" rtl="0" eaLnBrk="1" latinLnBrk="1" hangingPunct="1">
+              <a:lnSpc>
+                <a:spcPct val="90000"/>
+              </a:lnSpc>
+              <a:spcBef>
+                <a:spcPts val="500"/>
+              </a:spcBef>
+              <a:buFont typeface="Arial" panose="020B0604020202020204" pitchFamily="34" charset="0"/>
+              <a:buChar char="•"/>
+              <a:defRPr sz="2000" kern="1200">
+                <a:solidFill>
+                  <a:schemeClr val="tx1"/>
+                </a:solidFill>
+                <a:latin typeface="+mn-lt"/>
+                <a:ea typeface="+mn-ea"/>
+                <a:cs typeface="+mn-cs"/>
+              </a:defRPr>
+            </a:lvl3pPr>
+            <a:lvl4pPr marL="1600200" indent="-228600" algn="l" defTabSz="914400" rtl="0" eaLnBrk="1" latinLnBrk="1" hangingPunct="1">
+              <a:lnSpc>
+                <a:spcPct val="90000"/>
+              </a:lnSpc>
+              <a:spcBef>
+                <a:spcPts val="500"/>
+              </a:spcBef>
+              <a:buFont typeface="Arial" panose="020B0604020202020204" pitchFamily="34" charset="0"/>
+              <a:buChar char="•"/>
+              <a:defRPr sz="1800" kern="1200">
+                <a:solidFill>
+                  <a:schemeClr val="tx1"/>
+                </a:solidFill>
+                <a:latin typeface="+mn-lt"/>
+                <a:ea typeface="+mn-ea"/>
+                <a:cs typeface="+mn-cs"/>
+              </a:defRPr>
+            </a:lvl4pPr>
+            <a:lvl5pPr marL="2057400" indent="-228600" algn="l" defTabSz="914400" rtl="0" eaLnBrk="1" latinLnBrk="1" hangingPunct="1">
+              <a:lnSpc>
+                <a:spcPct val="90000"/>
+              </a:lnSpc>
+              <a:spcBef>
+                <a:spcPts val="500"/>
+              </a:spcBef>
+              <a:buFont typeface="Arial" panose="020B0604020202020204" pitchFamily="34" charset="0"/>
+              <a:buChar char="•"/>
+              <a:defRPr sz="1800" kern="1200">
+                <a:solidFill>
+                  <a:schemeClr val="tx1"/>
+                </a:solidFill>
+                <a:latin typeface="+mn-lt"/>
+                <a:ea typeface="+mn-ea"/>
+                <a:cs typeface="+mn-cs"/>
+              </a:defRPr>
+            </a:lvl5pPr>
+            <a:lvl6pPr marL="2514600" indent="-228600" algn="l" defTabSz="914400" rtl="0" eaLnBrk="1" latinLnBrk="1" hangingPunct="1">
+              <a:lnSpc>
+                <a:spcPct val="90000"/>
+              </a:lnSpc>
+              <a:spcBef>
+                <a:spcPts val="500"/>
+              </a:spcBef>
+              <a:buFont typeface="Arial" panose="020B0604020202020204" pitchFamily="34" charset="0"/>
+              <a:buChar char="•"/>
+              <a:defRPr sz="1800" kern="1200">
+                <a:solidFill>
+                  <a:schemeClr val="tx1"/>
+                </a:solidFill>
+                <a:latin typeface="+mn-lt"/>
+                <a:ea typeface="+mn-ea"/>
+                <a:cs typeface="+mn-cs"/>
+              </a:defRPr>
+            </a:lvl6pPr>
+            <a:lvl7pPr marL="2971800" indent="-228600" algn="l" defTabSz="914400" rtl="0" eaLnBrk="1" latinLnBrk="1" hangingPunct="1">
+              <a:lnSpc>
+                <a:spcPct val="90000"/>
+              </a:lnSpc>
+              <a:spcBef>
+                <a:spcPts val="500"/>
+              </a:spcBef>
+              <a:buFont typeface="Arial" panose="020B0604020202020204" pitchFamily="34" charset="0"/>
+              <a:buChar char="•"/>
+              <a:defRPr sz="1800" kern="1200">
+                <a:solidFill>
+                  <a:schemeClr val="tx1"/>
+                </a:solidFill>
+                <a:latin typeface="+mn-lt"/>
+                <a:ea typeface="+mn-ea"/>
+                <a:cs typeface="+mn-cs"/>
+              </a:defRPr>
+            </a:lvl7pPr>
+            <a:lvl8pPr marL="3429000" indent="-228600" algn="l" defTabSz="914400" rtl="0" eaLnBrk="1" latinLnBrk="1" hangingPunct="1">
+              <a:lnSpc>
+                <a:spcPct val="90000"/>
+              </a:lnSpc>
+              <a:spcBef>
+                <a:spcPts val="500"/>
+              </a:spcBef>
+              <a:buFont typeface="Arial" panose="020B0604020202020204" pitchFamily="34" charset="0"/>
+              <a:buChar char="•"/>
+              <a:defRPr sz="1800" kern="1200">
+                <a:solidFill>
+                  <a:schemeClr val="tx1"/>
+                </a:solidFill>
+                <a:latin typeface="+mn-lt"/>
+                <a:ea typeface="+mn-ea"/>
+                <a:cs typeface="+mn-cs"/>
+              </a:defRPr>
+            </a:lvl8pPr>
+            <a:lvl9pPr marL="3886200" indent="-228600" algn="l" defTabSz="914400" rtl="0" eaLnBrk="1" latinLnBrk="1" hangingPunct="1">
+              <a:lnSpc>
+                <a:spcPct val="90000"/>
+              </a:lnSpc>
+              <a:spcBef>
+                <a:spcPts val="500"/>
+              </a:spcBef>
+              <a:buFont typeface="Arial" panose="020B0604020202020204" pitchFamily="34" charset="0"/>
+              <a:buChar char="•"/>
+              <a:defRPr sz="1800" kern="1200">
+                <a:solidFill>
+                  <a:schemeClr val="tx1"/>
+                </a:solidFill>
+                <a:latin typeface="+mn-lt"/>
+                <a:ea typeface="+mn-ea"/>
+                <a:cs typeface="+mn-cs"/>
+              </a:defRPr>
+            </a:lvl9pPr>
+          </a:lstStyle>
+          <a:p>
+            <a:pPr>
+              <a:lnSpc>
+                <a:spcPct val="150000"/>
+              </a:lnSpc>
+              <a:buFont typeface="Wingdings" panose="05000000000000000000" pitchFamily="2" charset="2"/>
+              <a:buChar char="l"/>
+            </a:pPr>
+            <a:r>
+              <a:rPr lang="ko-KR" altLang="en-US" sz="2000" b="1" dirty="0" smtClean="0">
+                <a:solidFill>
+                  <a:srgbClr val="C00000"/>
+                </a:solidFill>
+              </a:rPr>
+              <a:t> 배열 선언 및 자료 저장</a:t>
+            </a:r>
+            <a:endParaRPr lang="en-US" altLang="ko-KR" sz="2000" b="1" dirty="0">
+              <a:solidFill>
+                <a:srgbClr val="C00000"/>
+              </a:solidFill>
+            </a:endParaRPr>
+          </a:p>
+          <a:p>
+            <a:pPr marL="457200" lvl="1" indent="0">
+              <a:lnSpc>
+                <a:spcPct val="150000"/>
+              </a:lnSpc>
+              <a:buNone/>
+            </a:pPr>
+            <a:r>
+              <a:rPr lang="ko-KR" altLang="en-US" sz="1800" b="1" dirty="0" smtClean="0">
+                <a:solidFill>
+                  <a:srgbClr val="002060"/>
+                </a:solidFill>
+              </a:rPr>
+              <a:t> ① </a:t>
+            </a:r>
+            <a:r>
+              <a:rPr lang="ko-KR" altLang="en-US" sz="1800" b="1" dirty="0" err="1" smtClean="0">
+                <a:solidFill>
+                  <a:srgbClr val="002060"/>
+                </a:solidFill>
+              </a:rPr>
+              <a:t>자료형</a:t>
+            </a:r>
+            <a:r>
+              <a:rPr lang="en-US" altLang="ko-KR" sz="1800" b="1" dirty="0" smtClean="0">
+                <a:solidFill>
+                  <a:srgbClr val="002060"/>
+                </a:solidFill>
+              </a:rPr>
+              <a:t>[ ] </a:t>
+            </a:r>
+            <a:r>
+              <a:rPr lang="ko-KR" altLang="en-US" sz="1800" dirty="0" smtClean="0">
+                <a:solidFill>
+                  <a:srgbClr val="002060"/>
+                </a:solidFill>
+              </a:rPr>
+              <a:t>배열 이름 </a:t>
+            </a:r>
+            <a:r>
+              <a:rPr lang="en-US" altLang="ko-KR" sz="1800" dirty="0" smtClean="0">
+                <a:solidFill>
+                  <a:srgbClr val="002060"/>
+                </a:solidFill>
+              </a:rPr>
+              <a:t>= </a:t>
+            </a:r>
+            <a:r>
+              <a:rPr lang="en-US" altLang="ko-KR" sz="1800" b="1" dirty="0" smtClean="0">
+                <a:solidFill>
+                  <a:srgbClr val="C00000"/>
+                </a:solidFill>
+              </a:rPr>
+              <a:t>new</a:t>
+            </a:r>
+            <a:r>
+              <a:rPr lang="en-US" altLang="ko-KR" sz="1800" dirty="0">
+                <a:solidFill>
+                  <a:srgbClr val="002060"/>
+                </a:solidFill>
+              </a:rPr>
+              <a:t> </a:t>
+            </a:r>
+            <a:r>
+              <a:rPr lang="ko-KR" altLang="en-US" sz="1800" b="1" dirty="0" err="1" smtClean="0">
+                <a:solidFill>
+                  <a:srgbClr val="002060"/>
+                </a:solidFill>
+              </a:rPr>
+              <a:t>자료형</a:t>
+            </a:r>
+            <a:r>
+              <a:rPr lang="en-US" altLang="ko-KR" sz="1800" b="1" dirty="0" smtClean="0">
+                <a:solidFill>
+                  <a:srgbClr val="002060"/>
+                </a:solidFill>
+              </a:rPr>
+              <a:t>[</a:t>
+            </a:r>
+            <a:r>
+              <a:rPr lang="ko-KR" altLang="en-US" sz="1800" b="1" dirty="0" smtClean="0">
+                <a:solidFill>
+                  <a:srgbClr val="002060"/>
+                </a:solidFill>
+              </a:rPr>
+              <a:t>개수</a:t>
+            </a:r>
+            <a:r>
+              <a:rPr lang="en-US" altLang="ko-KR" sz="1800" b="1" dirty="0" smtClean="0">
+                <a:solidFill>
+                  <a:srgbClr val="002060"/>
+                </a:solidFill>
+              </a:rPr>
+              <a:t>]</a:t>
+            </a:r>
+          </a:p>
+          <a:p>
+            <a:pPr marL="457200" lvl="1" indent="0">
+              <a:lnSpc>
+                <a:spcPct val="150000"/>
+              </a:lnSpc>
+              <a:buNone/>
+            </a:pPr>
+            <a:r>
+              <a:rPr lang="en-US" altLang="ko-KR" sz="1800" dirty="0" smtClean="0">
+                <a:solidFill>
+                  <a:srgbClr val="002060"/>
+                </a:solidFill>
+              </a:rPr>
+              <a:t> </a:t>
+            </a:r>
+            <a:r>
+              <a:rPr lang="ko-KR" altLang="en-US" sz="1800" b="1" dirty="0" smtClean="0">
+                <a:solidFill>
+                  <a:srgbClr val="002060"/>
+                </a:solidFill>
+              </a:rPr>
+              <a:t>②</a:t>
+            </a:r>
+            <a:r>
+              <a:rPr lang="ko-KR" altLang="en-US" sz="1800" dirty="0" smtClean="0">
+                <a:solidFill>
+                  <a:srgbClr val="002060"/>
+                </a:solidFill>
+              </a:rPr>
+              <a:t> </a:t>
+            </a:r>
+            <a:r>
+              <a:rPr lang="ko-KR" altLang="en-US" sz="1800" b="1" dirty="0" err="1" smtClean="0">
+                <a:solidFill>
+                  <a:srgbClr val="002060"/>
+                </a:solidFill>
+              </a:rPr>
+              <a:t>자료형</a:t>
+            </a:r>
+            <a:r>
+              <a:rPr lang="en-US" altLang="ko-KR" sz="1800" b="1" dirty="0" smtClean="0">
+                <a:solidFill>
+                  <a:srgbClr val="002060"/>
+                </a:solidFill>
+              </a:rPr>
+              <a:t>  </a:t>
+            </a:r>
+            <a:r>
+              <a:rPr lang="ko-KR" altLang="en-US" sz="1800" dirty="0" smtClean="0">
+                <a:solidFill>
+                  <a:srgbClr val="002060"/>
+                </a:solidFill>
+              </a:rPr>
+              <a:t>배열 이름</a:t>
+            </a:r>
+            <a:r>
+              <a:rPr lang="en-US" altLang="ko-KR" sz="1800" dirty="0" smtClean="0">
+                <a:solidFill>
+                  <a:srgbClr val="002060"/>
+                </a:solidFill>
+              </a:rPr>
+              <a:t>[ ]</a:t>
+            </a:r>
+            <a:r>
+              <a:rPr lang="ko-KR" altLang="en-US" sz="1800" dirty="0" smtClean="0">
+                <a:solidFill>
+                  <a:srgbClr val="002060"/>
+                </a:solidFill>
+              </a:rPr>
+              <a:t> </a:t>
+            </a:r>
+            <a:r>
+              <a:rPr lang="en-US" altLang="ko-KR" sz="1800" dirty="0">
+                <a:solidFill>
+                  <a:srgbClr val="002060"/>
+                </a:solidFill>
+              </a:rPr>
+              <a:t>= </a:t>
+            </a:r>
+            <a:r>
+              <a:rPr lang="en-US" altLang="ko-KR" sz="1800" b="1" dirty="0">
+                <a:solidFill>
+                  <a:srgbClr val="C00000"/>
+                </a:solidFill>
+              </a:rPr>
+              <a:t>new</a:t>
+            </a:r>
+            <a:r>
+              <a:rPr lang="en-US" altLang="ko-KR" sz="1800" dirty="0">
+                <a:solidFill>
+                  <a:srgbClr val="002060"/>
+                </a:solidFill>
+              </a:rPr>
+              <a:t> </a:t>
+            </a:r>
+            <a:r>
+              <a:rPr lang="ko-KR" altLang="en-US" sz="1800" b="1" dirty="0" err="1">
+                <a:solidFill>
+                  <a:srgbClr val="002060"/>
+                </a:solidFill>
+              </a:rPr>
+              <a:t>자료형</a:t>
+            </a:r>
+            <a:r>
+              <a:rPr lang="en-US" altLang="ko-KR" sz="1800" b="1" dirty="0">
+                <a:solidFill>
+                  <a:srgbClr val="002060"/>
+                </a:solidFill>
+              </a:rPr>
+              <a:t>[</a:t>
+            </a:r>
+            <a:r>
+              <a:rPr lang="ko-KR" altLang="en-US" sz="1800" b="1" dirty="0">
+                <a:solidFill>
+                  <a:srgbClr val="002060"/>
+                </a:solidFill>
+              </a:rPr>
+              <a:t>개수</a:t>
+            </a:r>
+            <a:r>
+              <a:rPr lang="en-US" altLang="ko-KR" sz="1800" b="1" dirty="0">
+                <a:solidFill>
+                  <a:srgbClr val="002060"/>
+                </a:solidFill>
+              </a:rPr>
+              <a:t>]</a:t>
+            </a:r>
+            <a:r>
+              <a:rPr lang="en-US" altLang="ko-KR" sz="1800" dirty="0" smtClean="0">
+                <a:solidFill>
+                  <a:srgbClr val="002060"/>
+                </a:solidFill>
+              </a:rPr>
+              <a:t> </a:t>
+            </a:r>
+            <a:endParaRPr lang="en-US" altLang="ko-KR" sz="1800" dirty="0">
+              <a:solidFill>
+                <a:srgbClr val="002060"/>
+              </a:solidFill>
+            </a:endParaRPr>
+          </a:p>
+          <a:p>
+            <a:pPr marL="457200" lvl="1" indent="0">
+              <a:lnSpc>
+                <a:spcPct val="150000"/>
+              </a:lnSpc>
+              <a:buNone/>
+            </a:pPr>
+            <a:endParaRPr lang="en-US" altLang="ko-KR" sz="1800" dirty="0">
+              <a:solidFill>
+                <a:srgbClr val="002060"/>
+              </a:solidFill>
+            </a:endParaRPr>
+          </a:p>
+          <a:p>
+            <a:pPr marL="457200" lvl="1" indent="0">
+              <a:lnSpc>
+                <a:spcPct val="150000"/>
+              </a:lnSpc>
+              <a:buNone/>
+            </a:pPr>
+            <a:endParaRPr lang="en-US" altLang="ko-KR" sz="1800" dirty="0" smtClean="0">
+              <a:solidFill>
+                <a:srgbClr val="002060"/>
+              </a:solidFill>
+            </a:endParaRPr>
+          </a:p>
+          <a:p>
+            <a:pPr lvl="1">
+              <a:lnSpc>
+                <a:spcPct val="150000"/>
+              </a:lnSpc>
+              <a:buFont typeface="Wingdings" panose="05000000000000000000" pitchFamily="2" charset="2"/>
+              <a:buChar char="§"/>
+            </a:pPr>
+            <a:r>
+              <a:rPr lang="ko-KR" altLang="en-US" sz="1800" dirty="0"/>
+              <a:t>배열 길이</a:t>
+            </a:r>
+            <a:r>
+              <a:rPr lang="en-US" altLang="ko-KR" sz="1800" dirty="0"/>
+              <a:t>(length</a:t>
+            </a:r>
+            <a:r>
+              <a:rPr lang="en-US" altLang="ko-KR" sz="1800" dirty="0" smtClean="0"/>
+              <a:t>) - 10</a:t>
+            </a:r>
+            <a:r>
+              <a:rPr lang="ko-KR" altLang="en-US" sz="1800" dirty="0" smtClean="0"/>
+              <a:t>개</a:t>
+            </a:r>
+            <a:endParaRPr lang="en-US" altLang="ko-KR" sz="1800" dirty="0" smtClean="0">
+              <a:solidFill>
+                <a:srgbClr val="002060"/>
+              </a:solidFill>
+            </a:endParaRPr>
+          </a:p>
+          <a:p>
+            <a:pPr lvl="1">
+              <a:lnSpc>
+                <a:spcPct val="150000"/>
+              </a:lnSpc>
+              <a:buFont typeface="Wingdings" panose="05000000000000000000" pitchFamily="2" charset="2"/>
+              <a:buChar char="§"/>
+            </a:pPr>
+            <a:endParaRPr lang="en-US" altLang="ko-KR" sz="1800" dirty="0">
+              <a:solidFill>
+                <a:srgbClr val="002060"/>
+              </a:solidFill>
+            </a:endParaRPr>
+          </a:p>
+          <a:p>
+            <a:pPr marL="457200" lvl="1" indent="0">
+              <a:lnSpc>
+                <a:spcPct val="150000"/>
+              </a:lnSpc>
+              <a:buNone/>
+            </a:pPr>
+            <a:endParaRPr lang="en-US" altLang="ko-KR" sz="1800" dirty="0" smtClean="0">
+              <a:solidFill>
+                <a:srgbClr val="002060"/>
+              </a:solidFill>
+            </a:endParaRPr>
+          </a:p>
+          <a:p>
+            <a:pPr lvl="1">
+              <a:lnSpc>
+                <a:spcPct val="150000"/>
+              </a:lnSpc>
+              <a:buFont typeface="Wingdings" panose="05000000000000000000" pitchFamily="2" charset="2"/>
+              <a:buChar char="§"/>
+            </a:pPr>
+            <a:endParaRPr lang="en-US" altLang="ko-KR" sz="1800" dirty="0" smtClean="0">
+              <a:solidFill>
+                <a:srgbClr val="002060"/>
+              </a:solidFill>
+            </a:endParaRPr>
+          </a:p>
+          <a:p>
+            <a:pPr lvl="1">
+              <a:lnSpc>
+                <a:spcPct val="150000"/>
+              </a:lnSpc>
+              <a:buFont typeface="Wingdings" panose="05000000000000000000" pitchFamily="2" charset="2"/>
+              <a:buChar char="§"/>
+            </a:pPr>
+            <a:r>
+              <a:rPr lang="ko-KR" altLang="en-US" sz="1800" dirty="0" smtClean="0">
+                <a:solidFill>
+                  <a:srgbClr val="002060"/>
+                </a:solidFill>
+              </a:rPr>
+              <a:t>배열의 길이 </a:t>
+            </a:r>
+            <a:r>
+              <a:rPr lang="en-US" altLang="ko-KR" sz="1800" dirty="0" smtClean="0">
+                <a:solidFill>
+                  <a:srgbClr val="002060"/>
+                </a:solidFill>
+              </a:rPr>
+              <a:t>- </a:t>
+            </a:r>
+            <a:r>
+              <a:rPr lang="en-US" altLang="ko-KR" sz="1800" b="1" dirty="0" err="1" smtClean="0">
+                <a:solidFill>
+                  <a:srgbClr val="002060"/>
+                </a:solidFill>
+              </a:rPr>
+              <a:t>numbers.length</a:t>
+            </a:r>
+            <a:endParaRPr lang="en-US" altLang="ko-KR" sz="1800" dirty="0" smtClean="0">
+              <a:solidFill>
+                <a:srgbClr val="002060"/>
+              </a:solidFill>
+            </a:endParaRPr>
+          </a:p>
+          <a:p>
+            <a:pPr marL="457200" lvl="1" indent="0">
+              <a:lnSpc>
+                <a:spcPct val="150000"/>
+              </a:lnSpc>
+              <a:buNone/>
+            </a:pPr>
+            <a:r>
+              <a:rPr lang="en-US" altLang="ko-KR" sz="1800" b="1" dirty="0">
+                <a:solidFill>
+                  <a:srgbClr val="002060"/>
+                </a:solidFill>
+              </a:rPr>
+              <a:t> </a:t>
+            </a:r>
+            <a:r>
+              <a:rPr lang="en-US" altLang="ko-KR" sz="1800" b="1" dirty="0" smtClean="0">
+                <a:solidFill>
+                  <a:srgbClr val="002060"/>
+                </a:solidFill>
+              </a:rPr>
+              <a:t>  </a:t>
+            </a:r>
+            <a:endParaRPr lang="en-US" altLang="ko-KR" sz="1800" b="1" dirty="0">
+              <a:solidFill>
+                <a:srgbClr val="002060"/>
+              </a:solidFill>
+            </a:endParaRPr>
+          </a:p>
+        </p:txBody>
+      </p:sp>
+      <p:graphicFrame>
+        <p:nvGraphicFramePr>
+          <p:cNvPr id="19" name="표 18"/>
+          <p:cNvGraphicFramePr>
+            <a:graphicFrameLocks noGrp="1"/>
+          </p:cNvGraphicFramePr>
+          <p:nvPr>
+            <p:extLst>
+              <p:ext uri="{D42A27DB-BD31-4B8C-83A1-F6EECF244321}">
+                <p14:modId xmlns:p14="http://schemas.microsoft.com/office/powerpoint/2010/main" val="550507317"/>
+              </p:ext>
+            </p:extLst>
+          </p:nvPr>
+        </p:nvGraphicFramePr>
+        <p:xfrm>
+          <a:off x="1934727" y="4149080"/>
+          <a:ext cx="5511210" cy="396912"/>
+        </p:xfrm>
+        <a:graphic>
+          <a:graphicData uri="http://schemas.openxmlformats.org/drawingml/2006/table">
+            <a:tbl>
+              <a:tblPr firstRow="1" bandRow="1">
+                <a:tableStyleId>{5940675A-B579-460E-94D1-54222C63F5DA}</a:tableStyleId>
+              </a:tblPr>
+              <a:tblGrid>
+                <a:gridCol w="551121">
+                  <a:extLst>
+                    <a:ext uri="{9D8B030D-6E8A-4147-A177-3AD203B41FA5}">
+                      <a16:colId xmlns:a16="http://schemas.microsoft.com/office/drawing/2014/main" val="20000"/>
+                    </a:ext>
+                  </a:extLst>
+                </a:gridCol>
+                <a:gridCol w="551121">
+                  <a:extLst>
+                    <a:ext uri="{9D8B030D-6E8A-4147-A177-3AD203B41FA5}">
+                      <a16:colId xmlns:a16="http://schemas.microsoft.com/office/drawing/2014/main" val="20001"/>
+                    </a:ext>
+                  </a:extLst>
+                </a:gridCol>
+                <a:gridCol w="551121">
+                  <a:extLst>
+                    <a:ext uri="{9D8B030D-6E8A-4147-A177-3AD203B41FA5}">
+                      <a16:colId xmlns:a16="http://schemas.microsoft.com/office/drawing/2014/main" val="20002"/>
+                    </a:ext>
+                  </a:extLst>
+                </a:gridCol>
+                <a:gridCol w="551121">
+                  <a:extLst>
+                    <a:ext uri="{9D8B030D-6E8A-4147-A177-3AD203B41FA5}">
+                      <a16:colId xmlns:a16="http://schemas.microsoft.com/office/drawing/2014/main" val="20003"/>
+                    </a:ext>
+                  </a:extLst>
+                </a:gridCol>
+                <a:gridCol w="551121">
+                  <a:extLst>
+                    <a:ext uri="{9D8B030D-6E8A-4147-A177-3AD203B41FA5}">
+                      <a16:colId xmlns:a16="http://schemas.microsoft.com/office/drawing/2014/main" val="20004"/>
+                    </a:ext>
+                  </a:extLst>
+                </a:gridCol>
+                <a:gridCol w="551121">
+                  <a:extLst>
+                    <a:ext uri="{9D8B030D-6E8A-4147-A177-3AD203B41FA5}">
+                      <a16:colId xmlns:a16="http://schemas.microsoft.com/office/drawing/2014/main" val="20005"/>
+                    </a:ext>
+                  </a:extLst>
+                </a:gridCol>
+                <a:gridCol w="551121">
+                  <a:extLst>
+                    <a:ext uri="{9D8B030D-6E8A-4147-A177-3AD203B41FA5}">
+                      <a16:colId xmlns:a16="http://schemas.microsoft.com/office/drawing/2014/main" val="20006"/>
+                    </a:ext>
+                  </a:extLst>
+                </a:gridCol>
+                <a:gridCol w="551121">
+                  <a:extLst>
+                    <a:ext uri="{9D8B030D-6E8A-4147-A177-3AD203B41FA5}">
+                      <a16:colId xmlns:a16="http://schemas.microsoft.com/office/drawing/2014/main" val="20007"/>
+                    </a:ext>
+                  </a:extLst>
+                </a:gridCol>
+                <a:gridCol w="551121">
+                  <a:extLst>
+                    <a:ext uri="{9D8B030D-6E8A-4147-A177-3AD203B41FA5}">
+                      <a16:colId xmlns:a16="http://schemas.microsoft.com/office/drawing/2014/main" val="20008"/>
+                    </a:ext>
+                  </a:extLst>
+                </a:gridCol>
+                <a:gridCol w="551121">
+                  <a:extLst>
+                    <a:ext uri="{9D8B030D-6E8A-4147-A177-3AD203B41FA5}">
+                      <a16:colId xmlns:a16="http://schemas.microsoft.com/office/drawing/2014/main" val="20009"/>
+                    </a:ext>
+                  </a:extLst>
+                </a:gridCol>
+              </a:tblGrid>
+              <a:tr h="396912">
+                <a:tc>
+                  <a:txBody>
+                    <a:bodyPr/>
+                    <a:lstStyle/>
+                    <a:p>
+                      <a:pPr algn="ctr" latinLnBrk="1"/>
+                      <a:endParaRPr lang="ko-KR" altLang="en-US" dirty="0">
+                        <a:solidFill>
+                          <a:srgbClr val="C00000"/>
+                        </a:solidFill>
+                      </a:endParaRPr>
+                    </a:p>
+                  </a:txBody>
+                  <a:tcPr anchor="ctr"/>
+                </a:tc>
+                <a:tc>
+                  <a:txBody>
+                    <a:bodyPr/>
+                    <a:lstStyle/>
+                    <a:p>
+                      <a:pPr algn="ctr" latinLnBrk="1"/>
+                      <a:endParaRPr lang="ko-KR" altLang="en-US" dirty="0">
+                        <a:solidFill>
+                          <a:srgbClr val="C00000"/>
+                        </a:solidFill>
+                      </a:endParaRPr>
+                    </a:p>
+                  </a:txBody>
+                  <a:tcPr anchor="ctr"/>
+                </a:tc>
+                <a:tc>
+                  <a:txBody>
+                    <a:bodyPr/>
+                    <a:lstStyle/>
+                    <a:p>
+                      <a:pPr algn="ctr" latinLnBrk="1"/>
+                      <a:endParaRPr lang="ko-KR" altLang="en-US" dirty="0"/>
+                    </a:p>
+                  </a:txBody>
+                  <a:tcPr anchor="ctr"/>
+                </a:tc>
+                <a:tc>
+                  <a:txBody>
+                    <a:bodyPr/>
+                    <a:lstStyle/>
+                    <a:p>
+                      <a:pPr algn="ctr" latinLnBrk="1"/>
+                      <a:endParaRPr lang="ko-KR" altLang="en-US" dirty="0"/>
+                    </a:p>
+                  </a:txBody>
+                  <a:tcPr anchor="ctr"/>
+                </a:tc>
+                <a:tc>
+                  <a:txBody>
+                    <a:bodyPr/>
+                    <a:lstStyle/>
+                    <a:p>
+                      <a:pPr algn="ctr" latinLnBrk="1"/>
+                      <a:endParaRPr lang="ko-KR" altLang="en-US" dirty="0"/>
+                    </a:p>
+                  </a:txBody>
+                  <a:tcPr anchor="ctr"/>
+                </a:tc>
+                <a:tc>
+                  <a:txBody>
+                    <a:bodyPr/>
+                    <a:lstStyle/>
+                    <a:p>
+                      <a:pPr algn="ctr" latinLnBrk="1"/>
+                      <a:endParaRPr lang="ko-KR" altLang="en-US" dirty="0"/>
+                    </a:p>
+                  </a:txBody>
+                  <a:tcPr anchor="ctr"/>
+                </a:tc>
+                <a:tc>
+                  <a:txBody>
+                    <a:bodyPr/>
+                    <a:lstStyle/>
+                    <a:p>
+                      <a:pPr algn="ctr" latinLnBrk="1"/>
+                      <a:endParaRPr lang="ko-KR" altLang="en-US" dirty="0"/>
+                    </a:p>
+                  </a:txBody>
+                  <a:tcPr anchor="ctr"/>
+                </a:tc>
+                <a:tc>
+                  <a:txBody>
+                    <a:bodyPr/>
+                    <a:lstStyle/>
+                    <a:p>
+                      <a:pPr algn="ctr" latinLnBrk="1"/>
+                      <a:endParaRPr lang="ko-KR" altLang="en-US" dirty="0"/>
+                    </a:p>
+                  </a:txBody>
+                  <a:tcPr anchor="ctr"/>
+                </a:tc>
+                <a:tc>
+                  <a:txBody>
+                    <a:bodyPr/>
+                    <a:lstStyle/>
+                    <a:p>
+                      <a:pPr algn="ctr" latinLnBrk="1"/>
+                      <a:endParaRPr lang="ko-KR" altLang="en-US" dirty="0"/>
+                    </a:p>
+                  </a:txBody>
+                  <a:tcPr anchor="ctr"/>
+                </a:tc>
+                <a:tc>
+                  <a:txBody>
+                    <a:bodyPr/>
+                    <a:lstStyle/>
+                    <a:p>
+                      <a:pPr algn="ctr" latinLnBrk="1"/>
+                      <a:endParaRPr lang="ko-KR" altLang="en-US" dirty="0"/>
+                    </a:p>
+                  </a:txBody>
+                  <a:tcPr anchor="ctr"/>
+                </a:tc>
+                <a:extLst>
+                  <a:ext uri="{0D108BD9-81ED-4DB2-BD59-A6C34878D82A}">
+                    <a16:rowId xmlns:a16="http://schemas.microsoft.com/office/drawing/2014/main" val="10000"/>
+                  </a:ext>
+                </a:extLst>
+              </a:tr>
+            </a:tbl>
+          </a:graphicData>
+        </a:graphic>
+      </p:graphicFrame>
+      <p:cxnSp>
+        <p:nvCxnSpPr>
+          <p:cNvPr id="8" name="직선 연결선 7"/>
+          <p:cNvCxnSpPr/>
+          <p:nvPr/>
+        </p:nvCxnSpPr>
+        <p:spPr>
+          <a:xfrm>
+            <a:off x="1934727" y="4581128"/>
+            <a:ext cx="0" cy="648072"/>
+          </a:xfrm>
+          <a:prstGeom prst="line">
+            <a:avLst/>
+          </a:prstGeom>
+        </p:spPr>
+        <p:style>
+          <a:lnRef idx="1">
+            <a:schemeClr val="accent1"/>
+          </a:lnRef>
+          <a:fillRef idx="0">
+            <a:schemeClr val="accent1"/>
+          </a:fillRef>
+          <a:effectRef idx="0">
+            <a:schemeClr val="accent1"/>
+          </a:effectRef>
+          <a:fontRef idx="minor">
+            <a:schemeClr val="tx1"/>
+          </a:fontRef>
+        </p:style>
+      </p:cxnSp>
+      <p:cxnSp>
+        <p:nvCxnSpPr>
+          <p:cNvPr id="21" name="직선 연결선 20"/>
+          <p:cNvCxnSpPr/>
+          <p:nvPr/>
+        </p:nvCxnSpPr>
+        <p:spPr>
+          <a:xfrm>
+            <a:off x="7445937" y="4581128"/>
+            <a:ext cx="0" cy="648072"/>
+          </a:xfrm>
+          <a:prstGeom prst="line">
+            <a:avLst/>
+          </a:prstGeom>
+        </p:spPr>
+        <p:style>
+          <a:lnRef idx="1">
+            <a:schemeClr val="accent1"/>
+          </a:lnRef>
+          <a:fillRef idx="0">
+            <a:schemeClr val="accent1"/>
+          </a:fillRef>
+          <a:effectRef idx="0">
+            <a:schemeClr val="accent1"/>
+          </a:effectRef>
+          <a:fontRef idx="minor">
+            <a:schemeClr val="tx1"/>
+          </a:fontRef>
+        </p:style>
+      </p:cxnSp>
+      <p:cxnSp>
+        <p:nvCxnSpPr>
+          <p:cNvPr id="10" name="직선 연결선 9"/>
+          <p:cNvCxnSpPr/>
+          <p:nvPr/>
+        </p:nvCxnSpPr>
+        <p:spPr>
+          <a:xfrm>
+            <a:off x="1934727" y="5013176"/>
+            <a:ext cx="5511210" cy="0"/>
+          </a:xfrm>
+          <a:prstGeom prst="line">
+            <a:avLst/>
+          </a:prstGeom>
+          <a:ln>
+            <a:headEnd type="triangle" w="med" len="med"/>
+            <a:tailEnd type="triangle" w="med" len="med"/>
+          </a:ln>
+        </p:spPr>
+        <p:style>
+          <a:lnRef idx="1">
+            <a:schemeClr val="accent1"/>
+          </a:lnRef>
+          <a:fillRef idx="0">
+            <a:schemeClr val="accent1"/>
+          </a:fillRef>
+          <a:effectRef idx="0">
+            <a:schemeClr val="accent1"/>
+          </a:effectRef>
+          <a:fontRef idx="minor">
+            <a:schemeClr val="tx1"/>
+          </a:fontRef>
+        </p:style>
+      </p:cxnSp>
+      <p:sp>
+        <p:nvSpPr>
+          <p:cNvPr id="23" name="TextBox 22"/>
+          <p:cNvSpPr txBox="1"/>
+          <p:nvPr/>
+        </p:nvSpPr>
+        <p:spPr>
+          <a:xfrm>
+            <a:off x="4168178" y="4687900"/>
+            <a:ext cx="1006909" cy="307777"/>
+          </a:xfrm>
+          <a:prstGeom prst="rect">
+            <a:avLst/>
+          </a:prstGeom>
+          <a:noFill/>
+        </p:spPr>
+        <p:txBody>
+          <a:bodyPr wrap="square" rtlCol="0">
+            <a:spAutoFit/>
+          </a:bodyPr>
+          <a:lstStyle/>
+          <a:p>
+            <a:pPr algn="ctr"/>
+            <a:r>
+              <a:rPr lang="en-US" altLang="ko-KR" sz="1400" dirty="0" smtClean="0"/>
+              <a:t>40 </a:t>
+            </a:r>
+            <a:r>
+              <a:rPr lang="ko-KR" altLang="en-US" sz="1400" dirty="0" smtClean="0"/>
+              <a:t>바이트</a:t>
+            </a:r>
+            <a:endParaRPr lang="ko-KR" altLang="en-US" sz="1400" dirty="0"/>
+          </a:p>
+        </p:txBody>
+      </p:sp>
+      <p:cxnSp>
+        <p:nvCxnSpPr>
+          <p:cNvPr id="12" name="직선 연결선 11"/>
+          <p:cNvCxnSpPr/>
+          <p:nvPr/>
+        </p:nvCxnSpPr>
+        <p:spPr>
+          <a:xfrm>
+            <a:off x="2493373" y="4581128"/>
+            <a:ext cx="0" cy="260660"/>
+          </a:xfrm>
+          <a:prstGeom prst="line">
+            <a:avLst/>
+          </a:prstGeom>
+        </p:spPr>
+        <p:style>
+          <a:lnRef idx="1">
+            <a:schemeClr val="accent1"/>
+          </a:lnRef>
+          <a:fillRef idx="0">
+            <a:schemeClr val="accent1"/>
+          </a:fillRef>
+          <a:effectRef idx="0">
+            <a:schemeClr val="accent1"/>
+          </a:effectRef>
+          <a:fontRef idx="minor">
+            <a:schemeClr val="tx1"/>
+          </a:fontRef>
+        </p:style>
+      </p:cxnSp>
+      <p:sp>
+        <p:nvSpPr>
+          <p:cNvPr id="30" name="TextBox 29"/>
+          <p:cNvSpPr txBox="1"/>
+          <p:nvPr/>
+        </p:nvSpPr>
+        <p:spPr>
+          <a:xfrm>
+            <a:off x="1790711" y="4659523"/>
+            <a:ext cx="883103" cy="307777"/>
+          </a:xfrm>
+          <a:prstGeom prst="rect">
+            <a:avLst/>
+          </a:prstGeom>
+          <a:noFill/>
+        </p:spPr>
+        <p:txBody>
+          <a:bodyPr wrap="square" rtlCol="0">
+            <a:spAutoFit/>
+          </a:bodyPr>
+          <a:lstStyle/>
+          <a:p>
+            <a:pPr algn="ctr"/>
+            <a:r>
+              <a:rPr lang="en-US" altLang="ko-KR" sz="1400" dirty="0" smtClean="0"/>
+              <a:t>4</a:t>
+            </a:r>
+            <a:r>
+              <a:rPr lang="ko-KR" altLang="en-US" sz="1400" dirty="0" smtClean="0"/>
+              <a:t>바이트</a:t>
+            </a:r>
+            <a:endParaRPr lang="ko-KR" altLang="en-US" sz="1400" dirty="0"/>
+          </a:p>
+        </p:txBody>
+      </p:sp>
+      <p:sp>
+        <p:nvSpPr>
+          <p:cNvPr id="2" name="모서리가 둥근 직사각형 1"/>
+          <p:cNvSpPr/>
+          <p:nvPr/>
+        </p:nvSpPr>
+        <p:spPr>
+          <a:xfrm>
+            <a:off x="1934727" y="2708920"/>
+            <a:ext cx="4386425" cy="576064"/>
+          </a:xfrm>
+          <a:prstGeom prst="roundRect">
+            <a:avLst/>
+          </a:prstGeom>
+          <a:ln w="19050"/>
+        </p:spPr>
+        <p:style>
+          <a:lnRef idx="2">
+            <a:schemeClr val="accent5"/>
+          </a:lnRef>
+          <a:fillRef idx="1">
+            <a:schemeClr val="lt1"/>
+          </a:fillRef>
+          <a:effectRef idx="0">
+            <a:schemeClr val="accent5"/>
+          </a:effectRef>
+          <a:fontRef idx="minor">
+            <a:schemeClr val="dk1"/>
+          </a:fontRef>
+        </p:style>
+        <p:txBody>
+          <a:bodyPr rtlCol="0" anchor="ctr"/>
+          <a:lstStyle/>
+          <a:p>
+            <a:pPr lvl="1">
+              <a:lnSpc>
+                <a:spcPct val="150000"/>
+              </a:lnSpc>
+            </a:pPr>
+            <a:r>
+              <a:rPr lang="en-US" altLang="ko-KR" b="1" dirty="0" err="1">
+                <a:solidFill>
+                  <a:srgbClr val="002060"/>
+                </a:solidFill>
+              </a:rPr>
+              <a:t>int</a:t>
+            </a:r>
+            <a:r>
+              <a:rPr lang="en-US" altLang="ko-KR" b="1" dirty="0">
+                <a:solidFill>
+                  <a:srgbClr val="002060"/>
+                </a:solidFill>
+              </a:rPr>
+              <a:t>[ ] </a:t>
+            </a:r>
+            <a:r>
+              <a:rPr lang="en-US" altLang="ko-KR" b="1" dirty="0" smtClean="0">
+                <a:solidFill>
+                  <a:srgbClr val="002060"/>
+                </a:solidFill>
+              </a:rPr>
+              <a:t>numbers </a:t>
+            </a:r>
+            <a:r>
+              <a:rPr lang="en-US" altLang="ko-KR" b="1" dirty="0">
+                <a:solidFill>
+                  <a:srgbClr val="002060"/>
+                </a:solidFill>
+              </a:rPr>
+              <a:t>= </a:t>
+            </a:r>
+            <a:r>
+              <a:rPr lang="en-US" altLang="ko-KR" b="1" dirty="0">
+                <a:solidFill>
+                  <a:srgbClr val="C00000"/>
+                </a:solidFill>
+              </a:rPr>
+              <a:t>new</a:t>
+            </a:r>
+            <a:r>
+              <a:rPr lang="en-US" altLang="ko-KR" b="1" dirty="0">
+                <a:solidFill>
+                  <a:srgbClr val="002060"/>
+                </a:solidFill>
+              </a:rPr>
+              <a:t> </a:t>
+            </a:r>
+            <a:r>
+              <a:rPr lang="en-US" altLang="ko-KR" b="1" dirty="0" err="1" smtClean="0">
+                <a:solidFill>
+                  <a:srgbClr val="002060"/>
+                </a:solidFill>
+              </a:rPr>
+              <a:t>int</a:t>
+            </a:r>
+            <a:r>
+              <a:rPr lang="en-US" altLang="ko-KR" b="1" dirty="0" smtClean="0">
+                <a:solidFill>
+                  <a:srgbClr val="002060"/>
+                </a:solidFill>
+              </a:rPr>
+              <a:t>[10]</a:t>
+            </a:r>
+          </a:p>
+        </p:txBody>
+      </p:sp>
+      <p:sp>
+        <p:nvSpPr>
+          <p:cNvPr id="22" name="TextBox 21"/>
+          <p:cNvSpPr txBox="1"/>
+          <p:nvPr/>
+        </p:nvSpPr>
+        <p:spPr>
+          <a:xfrm>
+            <a:off x="6268019" y="3668449"/>
+            <a:ext cx="1205261" cy="408623"/>
+          </a:xfrm>
+          <a:prstGeom prst="roundRect">
+            <a:avLst/>
+          </a:prstGeom>
+          <a:ln>
+            <a:noFill/>
+          </a:ln>
+        </p:spPr>
+        <p:style>
+          <a:lnRef idx="2">
+            <a:schemeClr val="accent5"/>
+          </a:lnRef>
+          <a:fillRef idx="1">
+            <a:schemeClr val="lt1"/>
+          </a:fillRef>
+          <a:effectRef idx="0">
+            <a:schemeClr val="accent5"/>
+          </a:effectRef>
+          <a:fontRef idx="minor">
+            <a:schemeClr val="dk1"/>
+          </a:fontRef>
+        </p:style>
+        <p:txBody>
+          <a:bodyPr wrap="square" rtlCol="0">
+            <a:spAutoFit/>
+          </a:bodyPr>
+          <a:lstStyle/>
+          <a:p>
+            <a:r>
+              <a:rPr lang="en-US" altLang="ko-KR" b="1" dirty="0" smtClean="0">
+                <a:solidFill>
+                  <a:srgbClr val="002060"/>
+                </a:solidFill>
+              </a:rPr>
+              <a:t>numbers</a:t>
+            </a:r>
+            <a:endParaRPr lang="ko-KR" altLang="en-US" dirty="0"/>
+          </a:p>
+        </p:txBody>
+      </p:sp>
+    </p:spTree>
+    <p:extLst>
+      <p:ext uri="{BB962C8B-B14F-4D97-AF65-F5344CB8AC3E}">
+        <p14:creationId xmlns:p14="http://schemas.microsoft.com/office/powerpoint/2010/main" val="1624335099"/>
+      </p:ext>
+    </p:extLst>
+  </p:cSld>
+  <p:clrMapOvr>
+    <a:masterClrMapping/>
+  </p:clrMapOvr>
+  <p:timing>
+    <p:tnLst>
+      <p:par>
+        <p:cTn id="1" dur="indefinite" restart="never" nodeType="tmRoot"/>
+      </p:par>
+    </p:tnLst>
+  </p:timing>
+</p:sld>
+</file>
+
+<file path=ppt/slides/slide30.xml><?xml version="1.0" encoding="utf-8"?>
+<p:sld xmlns:a="http://schemas.openxmlformats.org/drawingml/2006/main" xmlns:r="http://schemas.openxmlformats.org/officeDocument/2006/relationships" xmlns:p="http://schemas.openxmlformats.org/presentationml/2006/main">
+  <p:cSld>
+    <p:spTree>
+      <p:nvGrpSpPr>
+        <p:cNvPr id="1" name=""/>
+        <p:cNvGrpSpPr/>
+        <p:nvPr/>
+      </p:nvGrpSpPr>
+      <p:grpSpPr>
+        <a:xfrm>
+          <a:off x="0" y="0"/>
+          <a:ext cx="0" cy="0"/>
+          <a:chOff x="0" y="0"/>
+          <a:chExt cx="0" cy="0"/>
+        </a:xfrm>
+      </p:grpSpPr>
+      <p:sp>
+        <p:nvSpPr>
+          <p:cNvPr id="6" name="제목 5"/>
+          <p:cNvSpPr>
+            <a:spLocks noGrp="1"/>
+          </p:cNvSpPr>
+          <p:nvPr>
+            <p:ph type="title"/>
+          </p:nvPr>
+        </p:nvSpPr>
+        <p:spPr/>
+        <p:txBody>
+          <a:bodyPr/>
+          <a:lstStyle/>
+          <a:p>
+            <a:r>
+              <a:rPr lang="en-US" altLang="ko-KR" dirty="0" smtClean="0"/>
+              <a:t> </a:t>
+            </a:r>
+            <a:r>
+              <a:rPr lang="ko-KR" altLang="en-US" dirty="0" smtClean="0"/>
+              <a:t>다차원 배열</a:t>
+            </a:r>
+            <a:endParaRPr lang="ko-KR" altLang="en-US" dirty="0"/>
+          </a:p>
+        </p:txBody>
+      </p:sp>
+      <p:sp>
+        <p:nvSpPr>
+          <p:cNvPr id="5" name="슬라이드 번호 개체 틀 4"/>
+          <p:cNvSpPr>
+            <a:spLocks noGrp="1"/>
+          </p:cNvSpPr>
+          <p:nvPr>
+            <p:ph type="sldNum" sz="quarter" idx="12"/>
+          </p:nvPr>
+        </p:nvSpPr>
+        <p:spPr/>
+        <p:txBody>
+          <a:bodyPr/>
+          <a:lstStyle/>
+          <a:p>
+            <a:fld id="{1BDE3FE7-3AEA-4B05-AC5A-802D1816ACF0}" type="slidenum">
+              <a:rPr lang="ko-KR" altLang="en-US" smtClean="0"/>
+              <a:t>30</a:t>
+            </a:fld>
+            <a:endParaRPr lang="ko-KR" altLang="en-US"/>
+          </a:p>
+        </p:txBody>
+      </p:sp>
+      <p:sp>
+        <p:nvSpPr>
+          <p:cNvPr id="7" name="내용 개체 틀 2">
+            <a:extLst>
+              <a:ext uri="{FF2B5EF4-FFF2-40B4-BE49-F238E27FC236}">
+                <a16:creationId xmlns:a16="http://schemas.microsoft.com/office/drawing/2014/main" id="{98AF3A4E-7D90-4241-89FE-799D6F9D5A94}"/>
               </a:ext>
             </a:extLst>
           </p:cNvPr>
@@ -16335,9 +18164,27 @@
                 <a:tableStyleId>{5940675A-B579-460E-94D1-54222C63F5DA}</a:tableStyleId>
               </a:tblPr>
               <a:tblGrid>
-                <a:gridCol w="960107"/>
-                <a:gridCol w="960107"/>
-                <a:gridCol w="960107"/>
+                <a:gridCol w="960107">
+                  <a:extLst>
+                    <a:ext uri="{9D8B030D-6E8A-4147-A177-3AD203B41FA5}">
+                      <a16:colId xmlns:a16="http://schemas.microsoft.com/office/drawing/2014/main" val="20000"/>
+                    </a:ext>
+                  </a:extLst>
+                </a:gridCol>
+                <a:gridCol w="960107">
+                  <a:extLst>
+                    <a:ext uri="{9D8B030D-6E8A-4147-A177-3AD203B41FA5}">
+                      <a16:colId xmlns:a16="http://schemas.microsoft.com/office/drawing/2014/main" val="20001"/>
+                    </a:ext>
+                  </a:extLst>
+                </a:gridCol>
+                <a:gridCol w="960107">
+                  <a:extLst>
+                    <a:ext uri="{9D8B030D-6E8A-4147-A177-3AD203B41FA5}">
+                      <a16:colId xmlns:a16="http://schemas.microsoft.com/office/drawing/2014/main" val="20002"/>
+                    </a:ext>
+                  </a:extLst>
+                </a:gridCol>
               </a:tblGrid>
               <a:tr h="351821">
                 <a:tc>
@@ -16352,15 +18199,7 @@
                             <a:srgbClr val="002060"/>
                           </a:solidFill>
                         </a:rPr>
-                        <a:t>5, </a:t>
-                      </a:r>
-                      <a:r>
-                        <a:rPr lang="en-US" altLang="ko-KR" sz="1600" dirty="0" smtClean="0">
-                          <a:solidFill>
-                            <a:srgbClr val="002060"/>
-                          </a:solidFill>
-                        </a:rPr>
-                        <a:t>1</a:t>
+                        <a:t>5, 1</a:t>
                       </a:r>
                       <a:endParaRPr lang="ko-KR" altLang="en-US" sz="1600" dirty="0">
                         <a:solidFill>
@@ -16379,11 +18218,7 @@
                       <a:pPr algn="ctr" latinLnBrk="1"/>
                       <a:r>
                         <a:rPr lang="en-US" altLang="ko-KR" sz="1600" dirty="0" smtClean="0"/>
-                        <a:t>5, </a:t>
-                      </a:r>
-                      <a:r>
-                        <a:rPr lang="en-US" altLang="ko-KR" sz="1600" dirty="0" smtClean="0"/>
-                        <a:t>2</a:t>
+                        <a:t>5, 2</a:t>
                       </a:r>
                       <a:endParaRPr lang="ko-KR" altLang="en-US" sz="1600" dirty="0"/>
                     </a:p>
@@ -16398,17 +18233,18 @@
                       <a:pPr algn="ctr" latinLnBrk="1"/>
                       <a:r>
                         <a:rPr lang="en-US" altLang="ko-KR" sz="1600" dirty="0" smtClean="0"/>
-                        <a:t>5, </a:t>
-                      </a:r>
-                      <a:r>
-                        <a:rPr lang="en-US" altLang="ko-KR" sz="1600" dirty="0" smtClean="0"/>
-                        <a:t>3</a:t>
+                        <a:t>5, 3</a:t>
                       </a:r>
                       <a:endParaRPr lang="ko-KR" altLang="en-US" sz="1600" dirty="0"/>
                     </a:p>
                   </a:txBody>
                   <a:tcPr anchor="ctr"/>
                 </a:tc>
+                <a:extLst>
+                  <a:ext uri="{0D108BD9-81ED-4DB2-BD59-A6C34878D82A}">
+                    <a16:rowId xmlns:a16="http://schemas.microsoft.com/office/drawing/2014/main" val="10000"/>
+                  </a:ext>
+                </a:extLst>
               </a:tr>
               <a:tr h="351821">
                 <a:tc>
@@ -16423,15 +18259,7 @@
                             <a:srgbClr val="002060"/>
                           </a:solidFill>
                         </a:rPr>
-                        <a:t>4, </a:t>
-                      </a:r>
-                      <a:r>
-                        <a:rPr lang="en-US" altLang="ko-KR" sz="1600" dirty="0" smtClean="0">
-                          <a:solidFill>
-                            <a:srgbClr val="002060"/>
-                          </a:solidFill>
-                        </a:rPr>
-                        <a:t>1</a:t>
+                        <a:t>4, 1</a:t>
                       </a:r>
                       <a:endParaRPr lang="ko-KR" altLang="en-US" sz="1600" dirty="0">
                         <a:solidFill>
@@ -16450,11 +18278,7 @@
                       <a:pPr algn="ctr" latinLnBrk="1"/>
                       <a:r>
                         <a:rPr lang="en-US" altLang="ko-KR" sz="1600" dirty="0" smtClean="0"/>
-                        <a:t>4, </a:t>
-                      </a:r>
-                      <a:r>
-                        <a:rPr lang="en-US" altLang="ko-KR" sz="1600" dirty="0" smtClean="0"/>
-                        <a:t>2</a:t>
+                        <a:t>4, 2</a:t>
                       </a:r>
                       <a:endParaRPr lang="ko-KR" altLang="en-US" sz="1600" dirty="0"/>
                     </a:p>
@@ -16479,11 +18303,7 @@
                       <a:pPr algn="ctr" latinLnBrk="1"/>
                       <a:r>
                         <a:rPr lang="en-US" altLang="ko-KR" sz="1600" dirty="0" smtClean="0"/>
-                        <a:t>4, </a:t>
-                      </a:r>
-                      <a:r>
-                        <a:rPr lang="en-US" altLang="ko-KR" sz="1600" dirty="0" smtClean="0"/>
-                        <a:t>3</a:t>
+                        <a:t>4, 3</a:t>
                       </a:r>
                       <a:endParaRPr lang="ko-KR" altLang="en-US" sz="1600" dirty="0"/>
                     </a:p>
@@ -16500,6 +18320,11 @@
                     </a:lnB>
                   </a:tcPr>
                 </a:tc>
+                <a:extLst>
+                  <a:ext uri="{0D108BD9-81ED-4DB2-BD59-A6C34878D82A}">
+                    <a16:rowId xmlns:a16="http://schemas.microsoft.com/office/drawing/2014/main" val="10001"/>
+                  </a:ext>
+                </a:extLst>
               </a:tr>
               <a:tr h="351821">
                 <a:tc>
@@ -16629,6 +18454,11 @@
                     </a:lnBlToTr>
                   </a:tcPr>
                 </a:tc>
+                <a:extLst>
+                  <a:ext uri="{0D108BD9-81ED-4DB2-BD59-A6C34878D82A}">
+                    <a16:rowId xmlns:a16="http://schemas.microsoft.com/office/drawing/2014/main" val="10002"/>
+                  </a:ext>
+                </a:extLst>
               </a:tr>
               <a:tr h="351821">
                 <a:tc>
@@ -16643,15 +18473,7 @@
                             <a:srgbClr val="002060"/>
                           </a:solidFill>
                         </a:rPr>
-                        <a:t>2, </a:t>
-                      </a:r>
-                      <a:r>
-                        <a:rPr lang="en-US" altLang="ko-KR" sz="1600" dirty="0" smtClean="0">
-                          <a:solidFill>
-                            <a:srgbClr val="002060"/>
-                          </a:solidFill>
-                        </a:rPr>
-                        <a:t>1</a:t>
+                        <a:t>2, 1</a:t>
                       </a:r>
                       <a:endParaRPr lang="ko-KR" altLang="en-US" sz="1600" dirty="0">
                         <a:solidFill>
@@ -16670,11 +18492,7 @@
                       <a:pPr algn="ctr" latinLnBrk="1"/>
                       <a:r>
                         <a:rPr lang="en-US" altLang="ko-KR" sz="1600" dirty="0" smtClean="0"/>
-                        <a:t>2, </a:t>
-                      </a:r>
-                      <a:r>
-                        <a:rPr lang="en-US" altLang="ko-KR" sz="1600" dirty="0" smtClean="0"/>
-                        <a:t>2</a:t>
+                        <a:t>2, 2</a:t>
                       </a:r>
                       <a:endParaRPr lang="ko-KR" altLang="en-US" sz="1600" dirty="0"/>
                     </a:p>
@@ -16699,11 +18517,7 @@
                       <a:pPr algn="ctr" latinLnBrk="1"/>
                       <a:r>
                         <a:rPr lang="en-US" altLang="ko-KR" sz="1600" dirty="0" smtClean="0"/>
-                        <a:t>2, </a:t>
-                      </a:r>
-                      <a:r>
-                        <a:rPr lang="en-US" altLang="ko-KR" sz="1600" dirty="0" smtClean="0"/>
-                        <a:t>3</a:t>
+                        <a:t>2, 3</a:t>
                       </a:r>
                       <a:endParaRPr lang="ko-KR" altLang="en-US" sz="1600" dirty="0"/>
                     </a:p>
@@ -16720,6 +18534,11 @@
                     </a:lnT>
                   </a:tcPr>
                 </a:tc>
+                <a:extLst>
+                  <a:ext uri="{0D108BD9-81ED-4DB2-BD59-A6C34878D82A}">
+                    <a16:rowId xmlns:a16="http://schemas.microsoft.com/office/drawing/2014/main" val="10003"/>
+                  </a:ext>
+                </a:extLst>
               </a:tr>
               <a:tr h="351821">
                 <a:tc>
@@ -16734,15 +18553,7 @@
                             <a:srgbClr val="002060"/>
                           </a:solidFill>
                         </a:rPr>
-                        <a:t>1, </a:t>
-                      </a:r>
-                      <a:r>
-                        <a:rPr lang="en-US" altLang="ko-KR" sz="1600" dirty="0" smtClean="0">
-                          <a:solidFill>
-                            <a:srgbClr val="002060"/>
-                          </a:solidFill>
-                        </a:rPr>
-                        <a:t>1</a:t>
+                        <a:t>1, 1</a:t>
                       </a:r>
                       <a:endParaRPr lang="ko-KR" altLang="en-US" sz="1600" dirty="0">
                         <a:solidFill>
@@ -16761,11 +18572,7 @@
                       <a:pPr algn="ctr" latinLnBrk="1"/>
                       <a:r>
                         <a:rPr lang="en-US" altLang="ko-KR" sz="1600" dirty="0" smtClean="0"/>
-                        <a:t>1, </a:t>
-                      </a:r>
-                      <a:r>
-                        <a:rPr lang="en-US" altLang="ko-KR" sz="1600" dirty="0" smtClean="0"/>
-                        <a:t>2</a:t>
+                        <a:t>1, 2</a:t>
                       </a:r>
                       <a:endParaRPr lang="ko-KR" altLang="en-US" sz="1600" dirty="0"/>
                     </a:p>
@@ -16780,17 +18587,18 @@
                       <a:pPr algn="ctr" latinLnBrk="1"/>
                       <a:r>
                         <a:rPr lang="en-US" altLang="ko-KR" sz="1600" dirty="0" smtClean="0"/>
-                        <a:t>1, </a:t>
-                      </a:r>
-                      <a:r>
-                        <a:rPr lang="en-US" altLang="ko-KR" sz="1600" dirty="0" smtClean="0"/>
-                        <a:t>3</a:t>
+                        <a:t>1, 3</a:t>
                       </a:r>
                       <a:endParaRPr lang="ko-KR" altLang="en-US" sz="1600" dirty="0"/>
                     </a:p>
                   </a:txBody>
                   <a:tcPr anchor="ctr"/>
                 </a:tc>
+                <a:extLst>
+                  <a:ext uri="{0D108BD9-81ED-4DB2-BD59-A6C34878D82A}">
+                    <a16:rowId xmlns:a16="http://schemas.microsoft.com/office/drawing/2014/main" val="10004"/>
+                  </a:ext>
+                </a:extLst>
               </a:tr>
             </a:tbl>
           </a:graphicData>
@@ -16853,7 +18661,7 @@
 </p:sld>
 </file>
 
-<file path=ppt/slides/slide3.xml><?xml version="1.0" encoding="utf-8"?>
+<file path=ppt/slides/slide31.xml><?xml version="1.0" encoding="utf-8"?>
 <p:sld xmlns:a="http://schemas.openxmlformats.org/drawingml/2006/main" xmlns:r="http://schemas.openxmlformats.org/officeDocument/2006/relationships" xmlns:p="http://schemas.openxmlformats.org/presentationml/2006/main">
   <p:cSld>
     <p:spTree>
@@ -16891,7 +18699,7 @@
             </a:r>
             <a:r>
               <a:rPr lang="ko-KR" altLang="en-US" dirty="0" smtClean="0"/>
-              <a:t>배열 사용하기</a:t>
+              <a:t>다차원 배열</a:t>
             </a:r>
             <a:endParaRPr lang="ko-KR" altLang="en-US" dirty="0"/>
           </a:p>
@@ -16914,1218 +18722,7 @@
           <a:p>
             <a:fld id="{1BDE3FE7-3AEA-4B05-AC5A-802D1816ACF0}" type="slidenum">
               <a:rPr lang="ko-KR" altLang="en-US" smtClean="0"/>
-              <a:t>3</a:t>
-            </a:fld>
-            <a:endParaRPr lang="ko-KR" altLang="en-US"/>
-          </a:p>
-        </p:txBody>
-      </p:sp>
-      <p:sp>
-        <p:nvSpPr>
-          <p:cNvPr id="7" name="내용 개체 틀 2">
-            <a:extLst>
-              <a:ext uri="{FF2B5EF4-FFF2-40B4-BE49-F238E27FC236}">
-                <a16:creationId xmlns="" xmlns:a16="http://schemas.microsoft.com/office/drawing/2014/main" id="{98AF3A4E-7D90-4241-89FE-799D6F9D5A94}"/>
-              </a:ext>
-            </a:extLst>
-          </p:cNvPr>
-          <p:cNvSpPr txBox="1">
-            <a:spLocks/>
-          </p:cNvSpPr>
-          <p:nvPr/>
-        </p:nvSpPr>
-        <p:spPr>
-          <a:xfrm>
-            <a:off x="945480" y="1127064"/>
-            <a:ext cx="6239768" cy="573744"/>
-          </a:xfrm>
-          <a:prstGeom prst="rect">
-            <a:avLst/>
-          </a:prstGeom>
-        </p:spPr>
-        <p:txBody>
-          <a:bodyPr/>
-          <a:lstStyle>
-            <a:lvl1pPr marL="228600" indent="-228600" algn="l" defTabSz="914400" rtl="0" eaLnBrk="1" latinLnBrk="1" hangingPunct="1">
-              <a:lnSpc>
-                <a:spcPct val="90000"/>
-              </a:lnSpc>
-              <a:spcBef>
-                <a:spcPts val="1000"/>
-              </a:spcBef>
-              <a:buFont typeface="Arial" panose="020B0604020202020204" pitchFamily="34" charset="0"/>
-              <a:buChar char="•"/>
-              <a:defRPr sz="2800" kern="1200">
-                <a:solidFill>
-                  <a:schemeClr val="tx1"/>
-                </a:solidFill>
-                <a:latin typeface="+mn-lt"/>
-                <a:ea typeface="+mn-ea"/>
-                <a:cs typeface="+mn-cs"/>
-              </a:defRPr>
-            </a:lvl1pPr>
-            <a:lvl2pPr marL="685800" indent="-228600" algn="l" defTabSz="914400" rtl="0" eaLnBrk="1" latinLnBrk="1" hangingPunct="1">
-              <a:lnSpc>
-                <a:spcPct val="90000"/>
-              </a:lnSpc>
-              <a:spcBef>
-                <a:spcPts val="500"/>
-              </a:spcBef>
-              <a:buFont typeface="Arial" panose="020B0604020202020204" pitchFamily="34" charset="0"/>
-              <a:buChar char="•"/>
-              <a:defRPr sz="2400" kern="1200">
-                <a:solidFill>
-                  <a:schemeClr val="tx1"/>
-                </a:solidFill>
-                <a:latin typeface="+mn-lt"/>
-                <a:ea typeface="+mn-ea"/>
-                <a:cs typeface="+mn-cs"/>
-              </a:defRPr>
-            </a:lvl2pPr>
-            <a:lvl3pPr marL="1143000" indent="-228600" algn="l" defTabSz="914400" rtl="0" eaLnBrk="1" latinLnBrk="1" hangingPunct="1">
-              <a:lnSpc>
-                <a:spcPct val="90000"/>
-              </a:lnSpc>
-              <a:spcBef>
-                <a:spcPts val="500"/>
-              </a:spcBef>
-              <a:buFont typeface="Arial" panose="020B0604020202020204" pitchFamily="34" charset="0"/>
-              <a:buChar char="•"/>
-              <a:defRPr sz="2000" kern="1200">
-                <a:solidFill>
-                  <a:schemeClr val="tx1"/>
-                </a:solidFill>
-                <a:latin typeface="+mn-lt"/>
-                <a:ea typeface="+mn-ea"/>
-                <a:cs typeface="+mn-cs"/>
-              </a:defRPr>
-            </a:lvl3pPr>
-            <a:lvl4pPr marL="1600200" indent="-228600" algn="l" defTabSz="914400" rtl="0" eaLnBrk="1" latinLnBrk="1" hangingPunct="1">
-              <a:lnSpc>
-                <a:spcPct val="90000"/>
-              </a:lnSpc>
-              <a:spcBef>
-                <a:spcPts val="500"/>
-              </a:spcBef>
-              <a:buFont typeface="Arial" panose="020B0604020202020204" pitchFamily="34" charset="0"/>
-              <a:buChar char="•"/>
-              <a:defRPr sz="1800" kern="1200">
-                <a:solidFill>
-                  <a:schemeClr val="tx1"/>
-                </a:solidFill>
-                <a:latin typeface="+mn-lt"/>
-                <a:ea typeface="+mn-ea"/>
-                <a:cs typeface="+mn-cs"/>
-              </a:defRPr>
-            </a:lvl4pPr>
-            <a:lvl5pPr marL="2057400" indent="-228600" algn="l" defTabSz="914400" rtl="0" eaLnBrk="1" latinLnBrk="1" hangingPunct="1">
-              <a:lnSpc>
-                <a:spcPct val="90000"/>
-              </a:lnSpc>
-              <a:spcBef>
-                <a:spcPts val="500"/>
-              </a:spcBef>
-              <a:buFont typeface="Arial" panose="020B0604020202020204" pitchFamily="34" charset="0"/>
-              <a:buChar char="•"/>
-              <a:defRPr sz="1800" kern="1200">
-                <a:solidFill>
-                  <a:schemeClr val="tx1"/>
-                </a:solidFill>
-                <a:latin typeface="+mn-lt"/>
-                <a:ea typeface="+mn-ea"/>
-                <a:cs typeface="+mn-cs"/>
-              </a:defRPr>
-            </a:lvl5pPr>
-            <a:lvl6pPr marL="2514600" indent="-228600" algn="l" defTabSz="914400" rtl="0" eaLnBrk="1" latinLnBrk="1" hangingPunct="1">
-              <a:lnSpc>
-                <a:spcPct val="90000"/>
-              </a:lnSpc>
-              <a:spcBef>
-                <a:spcPts val="500"/>
-              </a:spcBef>
-              <a:buFont typeface="Arial" panose="020B0604020202020204" pitchFamily="34" charset="0"/>
-              <a:buChar char="•"/>
-              <a:defRPr sz="1800" kern="1200">
-                <a:solidFill>
-                  <a:schemeClr val="tx1"/>
-                </a:solidFill>
-                <a:latin typeface="+mn-lt"/>
-                <a:ea typeface="+mn-ea"/>
-                <a:cs typeface="+mn-cs"/>
-              </a:defRPr>
-            </a:lvl6pPr>
-            <a:lvl7pPr marL="2971800" indent="-228600" algn="l" defTabSz="914400" rtl="0" eaLnBrk="1" latinLnBrk="1" hangingPunct="1">
-              <a:lnSpc>
-                <a:spcPct val="90000"/>
-              </a:lnSpc>
-              <a:spcBef>
-                <a:spcPts val="500"/>
-              </a:spcBef>
-              <a:buFont typeface="Arial" panose="020B0604020202020204" pitchFamily="34" charset="0"/>
-              <a:buChar char="•"/>
-              <a:defRPr sz="1800" kern="1200">
-                <a:solidFill>
-                  <a:schemeClr val="tx1"/>
-                </a:solidFill>
-                <a:latin typeface="+mn-lt"/>
-                <a:ea typeface="+mn-ea"/>
-                <a:cs typeface="+mn-cs"/>
-              </a:defRPr>
-            </a:lvl7pPr>
-            <a:lvl8pPr marL="3429000" indent="-228600" algn="l" defTabSz="914400" rtl="0" eaLnBrk="1" latinLnBrk="1" hangingPunct="1">
-              <a:lnSpc>
-                <a:spcPct val="90000"/>
-              </a:lnSpc>
-              <a:spcBef>
-                <a:spcPts val="500"/>
-              </a:spcBef>
-              <a:buFont typeface="Arial" panose="020B0604020202020204" pitchFamily="34" charset="0"/>
-              <a:buChar char="•"/>
-              <a:defRPr sz="1800" kern="1200">
-                <a:solidFill>
-                  <a:schemeClr val="tx1"/>
-                </a:solidFill>
-                <a:latin typeface="+mn-lt"/>
-                <a:ea typeface="+mn-ea"/>
-                <a:cs typeface="+mn-cs"/>
-              </a:defRPr>
-            </a:lvl8pPr>
-            <a:lvl9pPr marL="3886200" indent="-228600" algn="l" defTabSz="914400" rtl="0" eaLnBrk="1" latinLnBrk="1" hangingPunct="1">
-              <a:lnSpc>
-                <a:spcPct val="90000"/>
-              </a:lnSpc>
-              <a:spcBef>
-                <a:spcPts val="500"/>
-              </a:spcBef>
-              <a:buFont typeface="Arial" panose="020B0604020202020204" pitchFamily="34" charset="0"/>
-              <a:buChar char="•"/>
-              <a:defRPr sz="1800" kern="1200">
-                <a:solidFill>
-                  <a:schemeClr val="tx1"/>
-                </a:solidFill>
-                <a:latin typeface="+mn-lt"/>
-                <a:ea typeface="+mn-ea"/>
-                <a:cs typeface="+mn-cs"/>
-              </a:defRPr>
-            </a:lvl9pPr>
-          </a:lstStyle>
-          <a:p>
-            <a:pPr>
-              <a:lnSpc>
-                <a:spcPct val="150000"/>
-              </a:lnSpc>
-              <a:buFont typeface="Wingdings" panose="05000000000000000000" pitchFamily="2" charset="2"/>
-              <a:buChar char="l"/>
-            </a:pPr>
-            <a:r>
-              <a:rPr lang="ko-KR" altLang="en-US" sz="2000" b="1" dirty="0" smtClean="0">
-                <a:solidFill>
-                  <a:srgbClr val="C00000"/>
-                </a:solidFill>
-              </a:rPr>
-              <a:t> 배열 선언 및 자료 저장</a:t>
-            </a:r>
-            <a:endParaRPr lang="en-US" altLang="ko-KR" sz="2000" b="1" dirty="0">
-              <a:solidFill>
-                <a:srgbClr val="C00000"/>
-              </a:solidFill>
-            </a:endParaRPr>
-          </a:p>
-          <a:p>
-            <a:pPr marL="457200" lvl="1" indent="0">
-              <a:lnSpc>
-                <a:spcPct val="150000"/>
-              </a:lnSpc>
-              <a:buNone/>
-            </a:pPr>
-            <a:r>
-              <a:rPr lang="ko-KR" altLang="en-US" sz="1800" b="1" dirty="0" smtClean="0">
-                <a:solidFill>
-                  <a:srgbClr val="002060"/>
-                </a:solidFill>
-              </a:rPr>
-              <a:t> ① </a:t>
-            </a:r>
-            <a:r>
-              <a:rPr lang="ko-KR" altLang="en-US" sz="1800" b="1" dirty="0" err="1" smtClean="0">
-                <a:solidFill>
-                  <a:srgbClr val="002060"/>
-                </a:solidFill>
-              </a:rPr>
-              <a:t>자료형</a:t>
-            </a:r>
-            <a:r>
-              <a:rPr lang="en-US" altLang="ko-KR" sz="1800" b="1" dirty="0" smtClean="0">
-                <a:solidFill>
-                  <a:srgbClr val="002060"/>
-                </a:solidFill>
-              </a:rPr>
-              <a:t>[ ] </a:t>
-            </a:r>
-            <a:r>
-              <a:rPr lang="ko-KR" altLang="en-US" sz="1800" dirty="0" smtClean="0">
-                <a:solidFill>
-                  <a:srgbClr val="002060"/>
-                </a:solidFill>
-              </a:rPr>
-              <a:t>배열 이름 </a:t>
-            </a:r>
-            <a:r>
-              <a:rPr lang="en-US" altLang="ko-KR" sz="1800" dirty="0" smtClean="0">
-                <a:solidFill>
-                  <a:srgbClr val="002060"/>
-                </a:solidFill>
-              </a:rPr>
-              <a:t>= </a:t>
-            </a:r>
-            <a:r>
-              <a:rPr lang="en-US" altLang="ko-KR" sz="1800" b="1" dirty="0" smtClean="0">
-                <a:solidFill>
-                  <a:srgbClr val="C00000"/>
-                </a:solidFill>
-              </a:rPr>
-              <a:t>new</a:t>
-            </a:r>
-            <a:r>
-              <a:rPr lang="en-US" altLang="ko-KR" sz="1800" dirty="0">
-                <a:solidFill>
-                  <a:srgbClr val="002060"/>
-                </a:solidFill>
-              </a:rPr>
-              <a:t> </a:t>
-            </a:r>
-            <a:r>
-              <a:rPr lang="ko-KR" altLang="en-US" sz="1800" b="1" dirty="0" err="1" smtClean="0">
-                <a:solidFill>
-                  <a:srgbClr val="002060"/>
-                </a:solidFill>
-              </a:rPr>
-              <a:t>자료형</a:t>
-            </a:r>
-            <a:r>
-              <a:rPr lang="en-US" altLang="ko-KR" sz="1800" b="1" dirty="0" smtClean="0">
-                <a:solidFill>
-                  <a:srgbClr val="002060"/>
-                </a:solidFill>
-              </a:rPr>
-              <a:t>[</a:t>
-            </a:r>
-            <a:r>
-              <a:rPr lang="ko-KR" altLang="en-US" sz="1800" b="1" dirty="0" smtClean="0">
-                <a:solidFill>
-                  <a:srgbClr val="002060"/>
-                </a:solidFill>
-              </a:rPr>
-              <a:t>개수</a:t>
-            </a:r>
-            <a:r>
-              <a:rPr lang="en-US" altLang="ko-KR" sz="1800" b="1" dirty="0" smtClean="0">
-                <a:solidFill>
-                  <a:srgbClr val="002060"/>
-                </a:solidFill>
-              </a:rPr>
-              <a:t>]</a:t>
-            </a:r>
-          </a:p>
-          <a:p>
-            <a:pPr marL="457200" lvl="1" indent="0">
-              <a:lnSpc>
-                <a:spcPct val="150000"/>
-              </a:lnSpc>
-              <a:buNone/>
-            </a:pPr>
-            <a:r>
-              <a:rPr lang="en-US" altLang="ko-KR" sz="1800" dirty="0" smtClean="0">
-                <a:solidFill>
-                  <a:srgbClr val="002060"/>
-                </a:solidFill>
-              </a:rPr>
-              <a:t> </a:t>
-            </a:r>
-            <a:r>
-              <a:rPr lang="ko-KR" altLang="en-US" sz="1800" b="1" dirty="0" smtClean="0">
-                <a:solidFill>
-                  <a:srgbClr val="002060"/>
-                </a:solidFill>
-              </a:rPr>
-              <a:t>②</a:t>
-            </a:r>
-            <a:r>
-              <a:rPr lang="ko-KR" altLang="en-US" sz="1800" dirty="0" smtClean="0">
-                <a:solidFill>
-                  <a:srgbClr val="002060"/>
-                </a:solidFill>
-              </a:rPr>
-              <a:t> </a:t>
-            </a:r>
-            <a:r>
-              <a:rPr lang="ko-KR" altLang="en-US" sz="1800" b="1" dirty="0" err="1" smtClean="0">
-                <a:solidFill>
-                  <a:srgbClr val="002060"/>
-                </a:solidFill>
-              </a:rPr>
-              <a:t>자료형</a:t>
-            </a:r>
-            <a:r>
-              <a:rPr lang="en-US" altLang="ko-KR" sz="1800" b="1" dirty="0" smtClean="0">
-                <a:solidFill>
-                  <a:srgbClr val="002060"/>
-                </a:solidFill>
-              </a:rPr>
-              <a:t>  </a:t>
-            </a:r>
-            <a:r>
-              <a:rPr lang="ko-KR" altLang="en-US" sz="1800" dirty="0" smtClean="0">
-                <a:solidFill>
-                  <a:srgbClr val="002060"/>
-                </a:solidFill>
-              </a:rPr>
-              <a:t>배열 이름</a:t>
-            </a:r>
-            <a:r>
-              <a:rPr lang="en-US" altLang="ko-KR" sz="1800" dirty="0" smtClean="0">
-                <a:solidFill>
-                  <a:srgbClr val="002060"/>
-                </a:solidFill>
-              </a:rPr>
-              <a:t>[ ]</a:t>
-            </a:r>
-            <a:r>
-              <a:rPr lang="ko-KR" altLang="en-US" sz="1800" dirty="0" smtClean="0">
-                <a:solidFill>
-                  <a:srgbClr val="002060"/>
-                </a:solidFill>
-              </a:rPr>
-              <a:t> </a:t>
-            </a:r>
-            <a:r>
-              <a:rPr lang="en-US" altLang="ko-KR" sz="1800" dirty="0">
-                <a:solidFill>
-                  <a:srgbClr val="002060"/>
-                </a:solidFill>
-              </a:rPr>
-              <a:t>= </a:t>
-            </a:r>
-            <a:r>
-              <a:rPr lang="en-US" altLang="ko-KR" sz="1800" b="1" dirty="0">
-                <a:solidFill>
-                  <a:srgbClr val="C00000"/>
-                </a:solidFill>
-              </a:rPr>
-              <a:t>new</a:t>
-            </a:r>
-            <a:r>
-              <a:rPr lang="en-US" altLang="ko-KR" sz="1800" dirty="0">
-                <a:solidFill>
-                  <a:srgbClr val="002060"/>
-                </a:solidFill>
-              </a:rPr>
-              <a:t> </a:t>
-            </a:r>
-            <a:r>
-              <a:rPr lang="ko-KR" altLang="en-US" sz="1800" b="1" dirty="0" err="1">
-                <a:solidFill>
-                  <a:srgbClr val="002060"/>
-                </a:solidFill>
-              </a:rPr>
-              <a:t>자료형</a:t>
-            </a:r>
-            <a:r>
-              <a:rPr lang="en-US" altLang="ko-KR" sz="1800" b="1" dirty="0">
-                <a:solidFill>
-                  <a:srgbClr val="002060"/>
-                </a:solidFill>
-              </a:rPr>
-              <a:t>[</a:t>
-            </a:r>
-            <a:r>
-              <a:rPr lang="ko-KR" altLang="en-US" sz="1800" b="1" dirty="0">
-                <a:solidFill>
-                  <a:srgbClr val="002060"/>
-                </a:solidFill>
-              </a:rPr>
-              <a:t>개수</a:t>
-            </a:r>
-            <a:r>
-              <a:rPr lang="en-US" altLang="ko-KR" sz="1800" b="1" dirty="0">
-                <a:solidFill>
-                  <a:srgbClr val="002060"/>
-                </a:solidFill>
-              </a:rPr>
-              <a:t>]</a:t>
-            </a:r>
-            <a:r>
-              <a:rPr lang="en-US" altLang="ko-KR" sz="1800" dirty="0" smtClean="0">
-                <a:solidFill>
-                  <a:srgbClr val="002060"/>
-                </a:solidFill>
-              </a:rPr>
-              <a:t> </a:t>
-            </a:r>
-            <a:endParaRPr lang="en-US" altLang="ko-KR" sz="1800" dirty="0">
-              <a:solidFill>
-                <a:srgbClr val="002060"/>
-              </a:solidFill>
-            </a:endParaRPr>
-          </a:p>
-          <a:p>
-            <a:pPr marL="457200" lvl="1" indent="0">
-              <a:lnSpc>
-                <a:spcPct val="150000"/>
-              </a:lnSpc>
-              <a:buNone/>
-            </a:pPr>
-            <a:endParaRPr lang="en-US" altLang="ko-KR" sz="1800" dirty="0">
-              <a:solidFill>
-                <a:srgbClr val="002060"/>
-              </a:solidFill>
-            </a:endParaRPr>
-          </a:p>
-          <a:p>
-            <a:pPr marL="457200" lvl="1" indent="0">
-              <a:lnSpc>
-                <a:spcPct val="150000"/>
-              </a:lnSpc>
-              <a:buNone/>
-            </a:pPr>
-            <a:endParaRPr lang="en-US" altLang="ko-KR" sz="1800" dirty="0" smtClean="0">
-              <a:solidFill>
-                <a:srgbClr val="002060"/>
-              </a:solidFill>
-            </a:endParaRPr>
-          </a:p>
-          <a:p>
-            <a:pPr lvl="1">
-              <a:lnSpc>
-                <a:spcPct val="150000"/>
-              </a:lnSpc>
-              <a:buFont typeface="Wingdings" panose="05000000000000000000" pitchFamily="2" charset="2"/>
-              <a:buChar char="§"/>
-            </a:pPr>
-            <a:r>
-              <a:rPr lang="ko-KR" altLang="en-US" sz="1800" dirty="0"/>
-              <a:t>배열 길이</a:t>
-            </a:r>
-            <a:r>
-              <a:rPr lang="en-US" altLang="ko-KR" sz="1800" dirty="0"/>
-              <a:t>(length</a:t>
-            </a:r>
-            <a:r>
-              <a:rPr lang="en-US" altLang="ko-KR" sz="1800" dirty="0" smtClean="0"/>
-              <a:t>) - 10</a:t>
-            </a:r>
-            <a:r>
-              <a:rPr lang="ko-KR" altLang="en-US" sz="1800" dirty="0" smtClean="0"/>
-              <a:t>개</a:t>
-            </a:r>
-            <a:endParaRPr lang="en-US" altLang="ko-KR" sz="1800" dirty="0" smtClean="0">
-              <a:solidFill>
-                <a:srgbClr val="002060"/>
-              </a:solidFill>
-            </a:endParaRPr>
-          </a:p>
-          <a:p>
-            <a:pPr lvl="1">
-              <a:lnSpc>
-                <a:spcPct val="150000"/>
-              </a:lnSpc>
-              <a:buFont typeface="Wingdings" panose="05000000000000000000" pitchFamily="2" charset="2"/>
-              <a:buChar char="§"/>
-            </a:pPr>
-            <a:endParaRPr lang="en-US" altLang="ko-KR" sz="1800" dirty="0">
-              <a:solidFill>
-                <a:srgbClr val="002060"/>
-              </a:solidFill>
-            </a:endParaRPr>
-          </a:p>
-          <a:p>
-            <a:pPr marL="457200" lvl="1" indent="0">
-              <a:lnSpc>
-                <a:spcPct val="150000"/>
-              </a:lnSpc>
-              <a:buNone/>
-            </a:pPr>
-            <a:endParaRPr lang="en-US" altLang="ko-KR" sz="1800" dirty="0" smtClean="0">
-              <a:solidFill>
-                <a:srgbClr val="002060"/>
-              </a:solidFill>
-            </a:endParaRPr>
-          </a:p>
-          <a:p>
-            <a:pPr lvl="1">
-              <a:lnSpc>
-                <a:spcPct val="150000"/>
-              </a:lnSpc>
-              <a:buFont typeface="Wingdings" panose="05000000000000000000" pitchFamily="2" charset="2"/>
-              <a:buChar char="§"/>
-            </a:pPr>
-            <a:endParaRPr lang="en-US" altLang="ko-KR" sz="1800" dirty="0" smtClean="0">
-              <a:solidFill>
-                <a:srgbClr val="002060"/>
-              </a:solidFill>
-            </a:endParaRPr>
-          </a:p>
-          <a:p>
-            <a:pPr lvl="1">
-              <a:lnSpc>
-                <a:spcPct val="150000"/>
-              </a:lnSpc>
-              <a:buFont typeface="Wingdings" panose="05000000000000000000" pitchFamily="2" charset="2"/>
-              <a:buChar char="§"/>
-            </a:pPr>
-            <a:r>
-              <a:rPr lang="ko-KR" altLang="en-US" sz="1800" dirty="0" smtClean="0">
-                <a:solidFill>
-                  <a:srgbClr val="002060"/>
-                </a:solidFill>
-              </a:rPr>
-              <a:t>배열의 길이 </a:t>
-            </a:r>
-            <a:r>
-              <a:rPr lang="en-US" altLang="ko-KR" sz="1800" dirty="0" smtClean="0">
-                <a:solidFill>
-                  <a:srgbClr val="002060"/>
-                </a:solidFill>
-              </a:rPr>
-              <a:t>- </a:t>
-            </a:r>
-            <a:r>
-              <a:rPr lang="en-US" altLang="ko-KR" sz="1800" b="1" dirty="0" err="1" smtClean="0">
-                <a:solidFill>
-                  <a:srgbClr val="002060"/>
-                </a:solidFill>
-              </a:rPr>
-              <a:t>numbers.length</a:t>
-            </a:r>
-            <a:endParaRPr lang="en-US" altLang="ko-KR" sz="1800" dirty="0" smtClean="0">
-              <a:solidFill>
-                <a:srgbClr val="002060"/>
-              </a:solidFill>
-            </a:endParaRPr>
-          </a:p>
-          <a:p>
-            <a:pPr marL="457200" lvl="1" indent="0">
-              <a:lnSpc>
-                <a:spcPct val="150000"/>
-              </a:lnSpc>
-              <a:buNone/>
-            </a:pPr>
-            <a:r>
-              <a:rPr lang="en-US" altLang="ko-KR" sz="1800" b="1" dirty="0">
-                <a:solidFill>
-                  <a:srgbClr val="002060"/>
-                </a:solidFill>
-              </a:rPr>
-              <a:t> </a:t>
-            </a:r>
-            <a:r>
-              <a:rPr lang="en-US" altLang="ko-KR" sz="1800" b="1" dirty="0" smtClean="0">
-                <a:solidFill>
-                  <a:srgbClr val="002060"/>
-                </a:solidFill>
-              </a:rPr>
-              <a:t>  </a:t>
-            </a:r>
-            <a:endParaRPr lang="en-US" altLang="ko-KR" sz="1800" b="1" dirty="0">
-              <a:solidFill>
-                <a:srgbClr val="002060"/>
-              </a:solidFill>
-            </a:endParaRPr>
-          </a:p>
-        </p:txBody>
-      </p:sp>
-      <p:graphicFrame>
-        <p:nvGraphicFramePr>
-          <p:cNvPr id="19" name="표 18"/>
-          <p:cNvGraphicFramePr>
-            <a:graphicFrameLocks noGrp="1"/>
-          </p:cNvGraphicFramePr>
-          <p:nvPr>
-            <p:extLst>
-              <p:ext uri="{D42A27DB-BD31-4B8C-83A1-F6EECF244321}">
-                <p14:modId xmlns:p14="http://schemas.microsoft.com/office/powerpoint/2010/main" val="550507317"/>
-              </p:ext>
-            </p:extLst>
-          </p:nvPr>
-        </p:nvGraphicFramePr>
-        <p:xfrm>
-          <a:off x="1934727" y="4149080"/>
-          <a:ext cx="5511210" cy="396912"/>
-        </p:xfrm>
-        <a:graphic>
-          <a:graphicData uri="http://schemas.openxmlformats.org/drawingml/2006/table">
-            <a:tbl>
-              <a:tblPr firstRow="1" bandRow="1">
-                <a:tableStyleId>{5940675A-B579-460E-94D1-54222C63F5DA}</a:tableStyleId>
-              </a:tblPr>
-              <a:tblGrid>
-                <a:gridCol w="551121"/>
-                <a:gridCol w="551121"/>
-                <a:gridCol w="551121"/>
-                <a:gridCol w="551121"/>
-                <a:gridCol w="551121"/>
-                <a:gridCol w="551121"/>
-                <a:gridCol w="551121"/>
-                <a:gridCol w="551121"/>
-                <a:gridCol w="551121"/>
-                <a:gridCol w="551121"/>
-              </a:tblGrid>
-              <a:tr h="396912">
-                <a:tc>
-                  <a:txBody>
-                    <a:bodyPr/>
-                    <a:lstStyle/>
-                    <a:p>
-                      <a:pPr algn="ctr" latinLnBrk="1"/>
-                      <a:endParaRPr lang="ko-KR" altLang="en-US" dirty="0">
-                        <a:solidFill>
-                          <a:srgbClr val="C00000"/>
-                        </a:solidFill>
-                      </a:endParaRPr>
-                    </a:p>
-                  </a:txBody>
-                  <a:tcPr anchor="ctr"/>
-                </a:tc>
-                <a:tc>
-                  <a:txBody>
-                    <a:bodyPr/>
-                    <a:lstStyle/>
-                    <a:p>
-                      <a:pPr algn="ctr" latinLnBrk="1"/>
-                      <a:endParaRPr lang="ko-KR" altLang="en-US" dirty="0">
-                        <a:solidFill>
-                          <a:srgbClr val="C00000"/>
-                        </a:solidFill>
-                      </a:endParaRPr>
-                    </a:p>
-                  </a:txBody>
-                  <a:tcPr anchor="ctr"/>
-                </a:tc>
-                <a:tc>
-                  <a:txBody>
-                    <a:bodyPr/>
-                    <a:lstStyle/>
-                    <a:p>
-                      <a:pPr algn="ctr" latinLnBrk="1"/>
-                      <a:endParaRPr lang="ko-KR" altLang="en-US" dirty="0"/>
-                    </a:p>
-                  </a:txBody>
-                  <a:tcPr anchor="ctr"/>
-                </a:tc>
-                <a:tc>
-                  <a:txBody>
-                    <a:bodyPr/>
-                    <a:lstStyle/>
-                    <a:p>
-                      <a:pPr algn="ctr" latinLnBrk="1"/>
-                      <a:endParaRPr lang="ko-KR" altLang="en-US" dirty="0"/>
-                    </a:p>
-                  </a:txBody>
-                  <a:tcPr anchor="ctr"/>
-                </a:tc>
-                <a:tc>
-                  <a:txBody>
-                    <a:bodyPr/>
-                    <a:lstStyle/>
-                    <a:p>
-                      <a:pPr algn="ctr" latinLnBrk="1"/>
-                      <a:endParaRPr lang="ko-KR" altLang="en-US" dirty="0"/>
-                    </a:p>
-                  </a:txBody>
-                  <a:tcPr anchor="ctr"/>
-                </a:tc>
-                <a:tc>
-                  <a:txBody>
-                    <a:bodyPr/>
-                    <a:lstStyle/>
-                    <a:p>
-                      <a:pPr algn="ctr" latinLnBrk="1"/>
-                      <a:endParaRPr lang="ko-KR" altLang="en-US" dirty="0"/>
-                    </a:p>
-                  </a:txBody>
-                  <a:tcPr anchor="ctr"/>
-                </a:tc>
-                <a:tc>
-                  <a:txBody>
-                    <a:bodyPr/>
-                    <a:lstStyle/>
-                    <a:p>
-                      <a:pPr algn="ctr" latinLnBrk="1"/>
-                      <a:endParaRPr lang="ko-KR" altLang="en-US" dirty="0"/>
-                    </a:p>
-                  </a:txBody>
-                  <a:tcPr anchor="ctr"/>
-                </a:tc>
-                <a:tc>
-                  <a:txBody>
-                    <a:bodyPr/>
-                    <a:lstStyle/>
-                    <a:p>
-                      <a:pPr algn="ctr" latinLnBrk="1"/>
-                      <a:endParaRPr lang="ko-KR" altLang="en-US" dirty="0"/>
-                    </a:p>
-                  </a:txBody>
-                  <a:tcPr anchor="ctr"/>
-                </a:tc>
-                <a:tc>
-                  <a:txBody>
-                    <a:bodyPr/>
-                    <a:lstStyle/>
-                    <a:p>
-                      <a:pPr algn="ctr" latinLnBrk="1"/>
-                      <a:endParaRPr lang="ko-KR" altLang="en-US" dirty="0"/>
-                    </a:p>
-                  </a:txBody>
-                  <a:tcPr anchor="ctr"/>
-                </a:tc>
-                <a:tc>
-                  <a:txBody>
-                    <a:bodyPr/>
-                    <a:lstStyle/>
-                    <a:p>
-                      <a:pPr algn="ctr" latinLnBrk="1"/>
-                      <a:endParaRPr lang="ko-KR" altLang="en-US" dirty="0"/>
-                    </a:p>
-                  </a:txBody>
-                  <a:tcPr anchor="ctr"/>
-                </a:tc>
-              </a:tr>
-            </a:tbl>
-          </a:graphicData>
-        </a:graphic>
-      </p:graphicFrame>
-      <p:cxnSp>
-        <p:nvCxnSpPr>
-          <p:cNvPr id="8" name="직선 연결선 7"/>
-          <p:cNvCxnSpPr/>
-          <p:nvPr/>
-        </p:nvCxnSpPr>
-        <p:spPr>
-          <a:xfrm>
-            <a:off x="1934727" y="4581128"/>
-            <a:ext cx="0" cy="648072"/>
-          </a:xfrm>
-          <a:prstGeom prst="line">
-            <a:avLst/>
-          </a:prstGeom>
-        </p:spPr>
-        <p:style>
-          <a:lnRef idx="1">
-            <a:schemeClr val="accent1"/>
-          </a:lnRef>
-          <a:fillRef idx="0">
-            <a:schemeClr val="accent1"/>
-          </a:fillRef>
-          <a:effectRef idx="0">
-            <a:schemeClr val="accent1"/>
-          </a:effectRef>
-          <a:fontRef idx="minor">
-            <a:schemeClr val="tx1"/>
-          </a:fontRef>
-        </p:style>
-      </p:cxnSp>
-      <p:cxnSp>
-        <p:nvCxnSpPr>
-          <p:cNvPr id="21" name="직선 연결선 20"/>
-          <p:cNvCxnSpPr/>
-          <p:nvPr/>
-        </p:nvCxnSpPr>
-        <p:spPr>
-          <a:xfrm>
-            <a:off x="7445937" y="4581128"/>
-            <a:ext cx="0" cy="648072"/>
-          </a:xfrm>
-          <a:prstGeom prst="line">
-            <a:avLst/>
-          </a:prstGeom>
-        </p:spPr>
-        <p:style>
-          <a:lnRef idx="1">
-            <a:schemeClr val="accent1"/>
-          </a:lnRef>
-          <a:fillRef idx="0">
-            <a:schemeClr val="accent1"/>
-          </a:fillRef>
-          <a:effectRef idx="0">
-            <a:schemeClr val="accent1"/>
-          </a:effectRef>
-          <a:fontRef idx="minor">
-            <a:schemeClr val="tx1"/>
-          </a:fontRef>
-        </p:style>
-      </p:cxnSp>
-      <p:cxnSp>
-        <p:nvCxnSpPr>
-          <p:cNvPr id="10" name="직선 연결선 9"/>
-          <p:cNvCxnSpPr/>
-          <p:nvPr/>
-        </p:nvCxnSpPr>
-        <p:spPr>
-          <a:xfrm>
-            <a:off x="1934727" y="5013176"/>
-            <a:ext cx="5511210" cy="0"/>
-          </a:xfrm>
-          <a:prstGeom prst="line">
-            <a:avLst/>
-          </a:prstGeom>
-          <a:ln>
-            <a:headEnd type="triangle" w="med" len="med"/>
-            <a:tailEnd type="triangle" w="med" len="med"/>
-          </a:ln>
-        </p:spPr>
-        <p:style>
-          <a:lnRef idx="1">
-            <a:schemeClr val="accent1"/>
-          </a:lnRef>
-          <a:fillRef idx="0">
-            <a:schemeClr val="accent1"/>
-          </a:fillRef>
-          <a:effectRef idx="0">
-            <a:schemeClr val="accent1"/>
-          </a:effectRef>
-          <a:fontRef idx="minor">
-            <a:schemeClr val="tx1"/>
-          </a:fontRef>
-        </p:style>
-      </p:cxnSp>
-      <p:sp>
-        <p:nvSpPr>
-          <p:cNvPr id="23" name="TextBox 22"/>
-          <p:cNvSpPr txBox="1"/>
-          <p:nvPr/>
-        </p:nvSpPr>
-        <p:spPr>
-          <a:xfrm>
-            <a:off x="4168178" y="4687900"/>
-            <a:ext cx="1006909" cy="307777"/>
-          </a:xfrm>
-          <a:prstGeom prst="rect">
-            <a:avLst/>
-          </a:prstGeom>
-          <a:noFill/>
-        </p:spPr>
-        <p:txBody>
-          <a:bodyPr wrap="square" rtlCol="0">
-            <a:spAutoFit/>
-          </a:bodyPr>
-          <a:lstStyle/>
-          <a:p>
-            <a:pPr algn="ctr"/>
-            <a:r>
-              <a:rPr lang="en-US" altLang="ko-KR" sz="1400" dirty="0" smtClean="0"/>
-              <a:t>40 </a:t>
-            </a:r>
-            <a:r>
-              <a:rPr lang="ko-KR" altLang="en-US" sz="1400" dirty="0" smtClean="0"/>
-              <a:t>바이트</a:t>
-            </a:r>
-            <a:endParaRPr lang="ko-KR" altLang="en-US" sz="1400" dirty="0"/>
-          </a:p>
-        </p:txBody>
-      </p:sp>
-      <p:cxnSp>
-        <p:nvCxnSpPr>
-          <p:cNvPr id="12" name="직선 연결선 11"/>
-          <p:cNvCxnSpPr/>
-          <p:nvPr/>
-        </p:nvCxnSpPr>
-        <p:spPr>
-          <a:xfrm>
-            <a:off x="2493373" y="4581128"/>
-            <a:ext cx="0" cy="260660"/>
-          </a:xfrm>
-          <a:prstGeom prst="line">
-            <a:avLst/>
-          </a:prstGeom>
-        </p:spPr>
-        <p:style>
-          <a:lnRef idx="1">
-            <a:schemeClr val="accent1"/>
-          </a:lnRef>
-          <a:fillRef idx="0">
-            <a:schemeClr val="accent1"/>
-          </a:fillRef>
-          <a:effectRef idx="0">
-            <a:schemeClr val="accent1"/>
-          </a:effectRef>
-          <a:fontRef idx="minor">
-            <a:schemeClr val="tx1"/>
-          </a:fontRef>
-        </p:style>
-      </p:cxnSp>
-      <p:sp>
-        <p:nvSpPr>
-          <p:cNvPr id="30" name="TextBox 29"/>
-          <p:cNvSpPr txBox="1"/>
-          <p:nvPr/>
-        </p:nvSpPr>
-        <p:spPr>
-          <a:xfrm>
-            <a:off x="1790711" y="4659523"/>
-            <a:ext cx="883103" cy="307777"/>
-          </a:xfrm>
-          <a:prstGeom prst="rect">
-            <a:avLst/>
-          </a:prstGeom>
-          <a:noFill/>
-        </p:spPr>
-        <p:txBody>
-          <a:bodyPr wrap="square" rtlCol="0">
-            <a:spAutoFit/>
-          </a:bodyPr>
-          <a:lstStyle/>
-          <a:p>
-            <a:pPr algn="ctr"/>
-            <a:r>
-              <a:rPr lang="en-US" altLang="ko-KR" sz="1400" dirty="0" smtClean="0"/>
-              <a:t>4</a:t>
-            </a:r>
-            <a:r>
-              <a:rPr lang="ko-KR" altLang="en-US" sz="1400" dirty="0" smtClean="0"/>
-              <a:t>바이트</a:t>
-            </a:r>
-            <a:endParaRPr lang="ko-KR" altLang="en-US" sz="1400" dirty="0"/>
-          </a:p>
-        </p:txBody>
-      </p:sp>
-      <p:sp>
-        <p:nvSpPr>
-          <p:cNvPr id="2" name="모서리가 둥근 직사각형 1"/>
-          <p:cNvSpPr/>
-          <p:nvPr/>
-        </p:nvSpPr>
-        <p:spPr>
-          <a:xfrm>
-            <a:off x="1934727" y="2708920"/>
-            <a:ext cx="4386425" cy="576064"/>
-          </a:xfrm>
-          <a:prstGeom prst="roundRect">
-            <a:avLst/>
-          </a:prstGeom>
-          <a:ln w="19050"/>
-        </p:spPr>
-        <p:style>
-          <a:lnRef idx="2">
-            <a:schemeClr val="accent5"/>
-          </a:lnRef>
-          <a:fillRef idx="1">
-            <a:schemeClr val="lt1"/>
-          </a:fillRef>
-          <a:effectRef idx="0">
-            <a:schemeClr val="accent5"/>
-          </a:effectRef>
-          <a:fontRef idx="minor">
-            <a:schemeClr val="dk1"/>
-          </a:fontRef>
-        </p:style>
-        <p:txBody>
-          <a:bodyPr rtlCol="0" anchor="ctr"/>
-          <a:lstStyle/>
-          <a:p>
-            <a:pPr lvl="1">
-              <a:lnSpc>
-                <a:spcPct val="150000"/>
-              </a:lnSpc>
-            </a:pPr>
-            <a:r>
-              <a:rPr lang="en-US" altLang="ko-KR" b="1" dirty="0" err="1">
-                <a:solidFill>
-                  <a:srgbClr val="002060"/>
-                </a:solidFill>
-              </a:rPr>
-              <a:t>int</a:t>
-            </a:r>
-            <a:r>
-              <a:rPr lang="en-US" altLang="ko-KR" b="1" dirty="0">
-                <a:solidFill>
-                  <a:srgbClr val="002060"/>
-                </a:solidFill>
-              </a:rPr>
-              <a:t>[ ] </a:t>
-            </a:r>
-            <a:r>
-              <a:rPr lang="en-US" altLang="ko-KR" b="1" dirty="0" smtClean="0">
-                <a:solidFill>
-                  <a:srgbClr val="002060"/>
-                </a:solidFill>
-              </a:rPr>
-              <a:t>numbers </a:t>
-            </a:r>
-            <a:r>
-              <a:rPr lang="en-US" altLang="ko-KR" b="1" dirty="0">
-                <a:solidFill>
-                  <a:srgbClr val="002060"/>
-                </a:solidFill>
-              </a:rPr>
-              <a:t>= </a:t>
-            </a:r>
-            <a:r>
-              <a:rPr lang="en-US" altLang="ko-KR" b="1" dirty="0">
-                <a:solidFill>
-                  <a:srgbClr val="C00000"/>
-                </a:solidFill>
-              </a:rPr>
-              <a:t>new</a:t>
-            </a:r>
-            <a:r>
-              <a:rPr lang="en-US" altLang="ko-KR" b="1" dirty="0">
-                <a:solidFill>
-                  <a:srgbClr val="002060"/>
-                </a:solidFill>
-              </a:rPr>
-              <a:t> </a:t>
-            </a:r>
-            <a:r>
-              <a:rPr lang="en-US" altLang="ko-KR" b="1" dirty="0" err="1" smtClean="0">
-                <a:solidFill>
-                  <a:srgbClr val="002060"/>
-                </a:solidFill>
-              </a:rPr>
-              <a:t>int</a:t>
-            </a:r>
-            <a:r>
-              <a:rPr lang="en-US" altLang="ko-KR" b="1" dirty="0" smtClean="0">
-                <a:solidFill>
-                  <a:srgbClr val="002060"/>
-                </a:solidFill>
-              </a:rPr>
-              <a:t>[10]</a:t>
-            </a:r>
-          </a:p>
-        </p:txBody>
-      </p:sp>
-      <p:sp>
-        <p:nvSpPr>
-          <p:cNvPr id="22" name="TextBox 21"/>
-          <p:cNvSpPr txBox="1"/>
-          <p:nvPr/>
-        </p:nvSpPr>
-        <p:spPr>
-          <a:xfrm>
-            <a:off x="6268019" y="3668449"/>
-            <a:ext cx="1205261" cy="408623"/>
-          </a:xfrm>
-          <a:prstGeom prst="roundRect">
-            <a:avLst/>
-          </a:prstGeom>
-          <a:ln>
-            <a:noFill/>
-          </a:ln>
-        </p:spPr>
-        <p:style>
-          <a:lnRef idx="2">
-            <a:schemeClr val="accent5"/>
-          </a:lnRef>
-          <a:fillRef idx="1">
-            <a:schemeClr val="lt1"/>
-          </a:fillRef>
-          <a:effectRef idx="0">
-            <a:schemeClr val="accent5"/>
-          </a:effectRef>
-          <a:fontRef idx="minor">
-            <a:schemeClr val="dk1"/>
-          </a:fontRef>
-        </p:style>
-        <p:txBody>
-          <a:bodyPr wrap="square" rtlCol="0">
-            <a:spAutoFit/>
-          </a:bodyPr>
-          <a:lstStyle/>
-          <a:p>
-            <a:r>
-              <a:rPr lang="en-US" altLang="ko-KR" b="1" dirty="0" smtClean="0">
-                <a:solidFill>
-                  <a:srgbClr val="002060"/>
-                </a:solidFill>
-              </a:rPr>
-              <a:t>numbers</a:t>
-            </a:r>
-            <a:endParaRPr lang="ko-KR" altLang="en-US" dirty="0"/>
-          </a:p>
-        </p:txBody>
-      </p:sp>
-    </p:spTree>
-    <p:extLst>
-      <p:ext uri="{BB962C8B-B14F-4D97-AF65-F5344CB8AC3E}">
-        <p14:creationId xmlns:p14="http://schemas.microsoft.com/office/powerpoint/2010/main" val="1624335099"/>
-      </p:ext>
-    </p:extLst>
-  </p:cSld>
-  <p:clrMapOvr>
-    <a:masterClrMapping/>
-  </p:clrMapOvr>
-  <p:timing>
-    <p:tnLst>
-      <p:par>
-        <p:cTn id="1" dur="indefinite" restart="never" nodeType="tmRoot"/>
-      </p:par>
-    </p:tnLst>
-  </p:timing>
-</p:sld>
-</file>
-
-<file path=ppt/slides/slide30.xml><?xml version="1.0" encoding="utf-8"?>
-<p:sld xmlns:a="http://schemas.openxmlformats.org/drawingml/2006/main" xmlns:r="http://schemas.openxmlformats.org/officeDocument/2006/relationships" xmlns:p="http://schemas.openxmlformats.org/presentationml/2006/main">
-  <p:cSld>
-    <p:spTree>
-      <p:nvGrpSpPr>
-        <p:cNvPr id="1" name=""/>
-        <p:cNvGrpSpPr/>
-        <p:nvPr/>
-      </p:nvGrpSpPr>
-      <p:grpSpPr>
-        <a:xfrm>
-          <a:off x="0" y="0"/>
-          <a:ext cx="0" cy="0"/>
-          <a:chOff x="0" y="0"/>
-          <a:chExt cx="0" cy="0"/>
-        </a:xfrm>
-      </p:grpSpPr>
-      <p:sp>
-        <p:nvSpPr>
-          <p:cNvPr id="6" name="제목 5"/>
-          <p:cNvSpPr>
-            <a:spLocks noGrp="1"/>
-          </p:cNvSpPr>
-          <p:nvPr>
-            <p:ph type="title"/>
-          </p:nvPr>
-        </p:nvSpPr>
-        <p:spPr/>
-        <p:txBody>
-          <a:bodyPr/>
-          <a:lstStyle/>
-          <a:p>
-            <a:r>
-              <a:rPr lang="en-US" altLang="ko-KR" dirty="0" smtClean="0"/>
-              <a:t> </a:t>
-            </a:r>
-            <a:r>
-              <a:rPr lang="ko-KR" altLang="en-US" dirty="0" smtClean="0"/>
-              <a:t>다차원 배열</a:t>
-            </a:r>
-            <a:endParaRPr lang="ko-KR" altLang="en-US" dirty="0"/>
-          </a:p>
-        </p:txBody>
-      </p:sp>
-      <p:sp>
-        <p:nvSpPr>
-          <p:cNvPr id="5" name="슬라이드 번호 개체 틀 4"/>
-          <p:cNvSpPr>
-            <a:spLocks noGrp="1"/>
-          </p:cNvSpPr>
-          <p:nvPr>
-            <p:ph type="sldNum" sz="quarter" idx="12"/>
-          </p:nvPr>
-        </p:nvSpPr>
-        <p:spPr/>
-        <p:txBody>
-          <a:bodyPr/>
-          <a:lstStyle/>
-          <a:p>
-            <a:fld id="{1BDE3FE7-3AEA-4B05-AC5A-802D1816ACF0}" type="slidenum">
-              <a:rPr lang="ko-KR" altLang="en-US" smtClean="0"/>
-              <a:t>30</a:t>
+              <a:t>31</a:t>
             </a:fld>
             <a:endParaRPr lang="ko-KR" altLang="en-US"/>
           </a:p>
@@ -18188,7 +18785,7 @@
 </p:sld>
 </file>
 
-<file path=ppt/slides/slide31.xml><?xml version="1.0" encoding="utf-8"?>
+<file path=ppt/slides/slide32.xml><?xml version="1.0" encoding="utf-8"?>
 <p:sld xmlns:a="http://schemas.openxmlformats.org/drawingml/2006/main" xmlns:r="http://schemas.openxmlformats.org/officeDocument/2006/relationships" xmlns:p="http://schemas.openxmlformats.org/presentationml/2006/main">
   <p:cSld>
     <p:spTree>
@@ -18249,7 +18846,7 @@
           <a:p>
             <a:fld id="{1BDE3FE7-3AEA-4B05-AC5A-802D1816ACF0}" type="slidenum">
               <a:rPr lang="ko-KR" altLang="en-US" smtClean="0"/>
-              <a:t>31</a:t>
+              <a:t>32</a:t>
             </a:fld>
             <a:endParaRPr lang="ko-KR" altLang="en-US"/>
           </a:p>
@@ -18260,7 +18857,7 @@
           <p:cNvPr id="12" name="내용 개체 틀 2">
             <a:extLst>
               <a:ext uri="{FF2B5EF4-FFF2-40B4-BE49-F238E27FC236}">
-                <a16:creationId xmlns:a16="http://schemas.microsoft.com/office/drawing/2014/main" xmlns="" id="{98AF3A4E-7D90-4241-89FE-799D6F9D5A94}"/>
+                <a16:creationId xmlns:a16="http://schemas.microsoft.com/office/drawing/2014/main" id="{98AF3A4E-7D90-4241-89FE-799D6F9D5A94}"/>
               </a:ext>
             </a:extLst>
           </p:cNvPr>
@@ -18570,7 +19167,7 @@
 </p:sld>
 </file>
 
-<file path=ppt/slides/slide32.xml><?xml version="1.0" encoding="utf-8"?>
+<file path=ppt/slides/slide33.xml><?xml version="1.0" encoding="utf-8"?>
 <p:sld xmlns:a="http://schemas.openxmlformats.org/drawingml/2006/main" xmlns:r="http://schemas.openxmlformats.org/officeDocument/2006/relationships" xmlns:p="http://schemas.openxmlformats.org/presentationml/2006/main">
   <p:cSld>
     <p:spTree>
@@ -18631,7 +19228,7 @@
           <a:p>
             <a:fld id="{1BDE3FE7-3AEA-4B05-AC5A-802D1816ACF0}" type="slidenum">
               <a:rPr lang="ko-KR" altLang="en-US" smtClean="0"/>
-              <a:t>32</a:t>
+              <a:t>33</a:t>
             </a:fld>
             <a:endParaRPr lang="ko-KR" altLang="en-US"/>
           </a:p>
@@ -18642,7 +19239,7 @@
           <p:cNvPr id="8" name="내용 개체 틀 2">
             <a:extLst>
               <a:ext uri="{FF2B5EF4-FFF2-40B4-BE49-F238E27FC236}">
-                <a16:creationId xmlns:a16="http://schemas.microsoft.com/office/drawing/2014/main" xmlns="" id="{98AF3A4E-7D90-4241-89FE-799D6F9D5A94}"/>
+                <a16:creationId xmlns:a16="http://schemas.microsoft.com/office/drawing/2014/main" id="{98AF3A4E-7D90-4241-89FE-799D6F9D5A94}"/>
               </a:ext>
             </a:extLst>
           </p:cNvPr>
@@ -18987,7 +19584,7 @@
 </p:sld>
 </file>
 
-<file path=ppt/slides/slide33.xml><?xml version="1.0" encoding="utf-8"?>
+<file path=ppt/slides/slide34.xml><?xml version="1.0" encoding="utf-8"?>
 <p:sld xmlns:a="http://schemas.openxmlformats.org/drawingml/2006/main" xmlns:r="http://schemas.openxmlformats.org/officeDocument/2006/relationships" xmlns:p="http://schemas.openxmlformats.org/presentationml/2006/main">
   <p:cSld>
     <p:spTree>
@@ -19048,7 +19645,7 @@
           <a:p>
             <a:fld id="{1BDE3FE7-3AEA-4B05-AC5A-802D1816ACF0}" type="slidenum">
               <a:rPr lang="ko-KR" altLang="en-US" smtClean="0"/>
-              <a:t>33</a:t>
+              <a:t>34</a:t>
             </a:fld>
             <a:endParaRPr lang="ko-KR" altLang="en-US"/>
           </a:p>
@@ -19059,7 +19656,7 @@
           <p:cNvPr id="7" name="내용 개체 틀 2">
             <a:extLst>
               <a:ext uri="{FF2B5EF4-FFF2-40B4-BE49-F238E27FC236}">
-                <a16:creationId xmlns:a16="http://schemas.microsoft.com/office/drawing/2014/main" xmlns="" id="{98AF3A4E-7D90-4241-89FE-799D6F9D5A94}"/>
+                <a16:creationId xmlns:a16="http://schemas.microsoft.com/office/drawing/2014/main" id="{98AF3A4E-7D90-4241-89FE-799D6F9D5A94}"/>
               </a:ext>
             </a:extLst>
           </p:cNvPr>
@@ -19312,7 +19909,7 @@
 </p:sld>
 </file>
 
-<file path=ppt/slides/slide34.xml><?xml version="1.0" encoding="utf-8"?>
+<file path=ppt/slides/slide35.xml><?xml version="1.0" encoding="utf-8"?>
 <p:sld xmlns:a="http://schemas.openxmlformats.org/drawingml/2006/main" xmlns:r="http://schemas.openxmlformats.org/officeDocument/2006/relationships" xmlns:p="http://schemas.openxmlformats.org/presentationml/2006/main">
   <p:cSld>
     <p:spTree>
@@ -19373,7 +19970,7 @@
           <a:p>
             <a:fld id="{1BDE3FE7-3AEA-4B05-AC5A-802D1816ACF0}" type="slidenum">
               <a:rPr lang="ko-KR" altLang="en-US" smtClean="0"/>
-              <a:t>34</a:t>
+              <a:t>35</a:t>
             </a:fld>
             <a:endParaRPr lang="ko-KR" altLang="en-US"/>
           </a:p>
@@ -19384,7 +19981,7 @@
           <p:cNvPr id="7" name="내용 개체 틀 2">
             <a:extLst>
               <a:ext uri="{FF2B5EF4-FFF2-40B4-BE49-F238E27FC236}">
-                <a16:creationId xmlns:a16="http://schemas.microsoft.com/office/drawing/2014/main" xmlns="" id="{98AF3A4E-7D90-4241-89FE-799D6F9D5A94}"/>
+                <a16:creationId xmlns:a16="http://schemas.microsoft.com/office/drawing/2014/main" id="{98AF3A4E-7D90-4241-89FE-799D6F9D5A94}"/>
               </a:ext>
             </a:extLst>
           </p:cNvPr>
@@ -19637,7 +20234,7 @@
 </p:sld>
 </file>
 
-<file path=ppt/slides/slide35.xml><?xml version="1.0" encoding="utf-8"?>
+<file path=ppt/slides/slide36.xml><?xml version="1.0" encoding="utf-8"?>
 <p:sld xmlns:a="http://schemas.openxmlformats.org/drawingml/2006/main" xmlns:r="http://schemas.openxmlformats.org/officeDocument/2006/relationships" xmlns:p="http://schemas.openxmlformats.org/presentationml/2006/main">
   <p:cSld>
     <p:spTree>
@@ -19698,7 +20295,7 @@
           <a:p>
             <a:fld id="{1BDE3FE7-3AEA-4B05-AC5A-802D1816ACF0}" type="slidenum">
               <a:rPr lang="ko-KR" altLang="en-US" smtClean="0"/>
-              <a:t>35</a:t>
+              <a:t>36</a:t>
             </a:fld>
             <a:endParaRPr lang="ko-KR" altLang="en-US"/>
           </a:p>
@@ -19709,7 +20306,7 @@
           <p:cNvPr id="8" name="내용 개체 틀 2">
             <a:extLst>
               <a:ext uri="{FF2B5EF4-FFF2-40B4-BE49-F238E27FC236}">
-                <a16:creationId xmlns:a16="http://schemas.microsoft.com/office/drawing/2014/main" xmlns="" id="{98AF3A4E-7D90-4241-89FE-799D6F9D5A94}"/>
+                <a16:creationId xmlns:a16="http://schemas.microsoft.com/office/drawing/2014/main" id="{98AF3A4E-7D90-4241-89FE-799D6F9D5A94}"/>
               </a:ext>
             </a:extLst>
           </p:cNvPr>
@@ -20057,7 +20654,7 @@
 </p:sld>
 </file>
 
-<file path=ppt/slides/slide36.xml><?xml version="1.0" encoding="utf-8"?>
+<file path=ppt/slides/slide37.xml><?xml version="1.0" encoding="utf-8"?>
 <p:sld xmlns:a="http://schemas.openxmlformats.org/drawingml/2006/main" xmlns:r="http://schemas.openxmlformats.org/officeDocument/2006/relationships" xmlns:p="http://schemas.openxmlformats.org/presentationml/2006/main">
   <p:cSld>
     <p:spTree>
@@ -20118,7 +20715,7 @@
           <a:p>
             <a:fld id="{1BDE3FE7-3AEA-4B05-AC5A-802D1816ACF0}" type="slidenum">
               <a:rPr lang="ko-KR" altLang="en-US" smtClean="0"/>
-              <a:t>36</a:t>
+              <a:t>37</a:t>
             </a:fld>
             <a:endParaRPr lang="ko-KR" altLang="en-US"/>
           </a:p>
@@ -20181,7 +20778,7 @@
 </p:sld>
 </file>
 
-<file path=ppt/slides/slide37.xml><?xml version="1.0" encoding="utf-8"?>
+<file path=ppt/slides/slide38.xml><?xml version="1.0" encoding="utf-8"?>
 <p:sld xmlns:a="http://schemas.openxmlformats.org/drawingml/2006/main" xmlns:r="http://schemas.openxmlformats.org/officeDocument/2006/relationships" xmlns:p="http://schemas.openxmlformats.org/presentationml/2006/main">
   <p:cSld>
     <p:spTree>
@@ -20242,7 +20839,7 @@
           <a:p>
             <a:fld id="{1BDE3FE7-3AEA-4B05-AC5A-802D1816ACF0}" type="slidenum">
               <a:rPr lang="ko-KR" altLang="en-US" smtClean="0"/>
-              <a:t>37</a:t>
+              <a:t>38</a:t>
             </a:fld>
             <a:endParaRPr lang="ko-KR" altLang="en-US"/>
           </a:p>
@@ -20381,7 +20978,7 @@
           <p:cNvPr id="7" name="내용 개체 틀 2">
             <a:extLst>
               <a:ext uri="{FF2B5EF4-FFF2-40B4-BE49-F238E27FC236}">
-                <a16:creationId xmlns="" xmlns:a16="http://schemas.microsoft.com/office/drawing/2014/main" id="{98AF3A4E-7D90-4241-89FE-799D6F9D5A94}"/>
+                <a16:creationId xmlns:a16="http://schemas.microsoft.com/office/drawing/2014/main" id="{98AF3A4E-7D90-4241-89FE-799D6F9D5A94}"/>
               </a:ext>
             </a:extLst>
           </p:cNvPr>
@@ -20722,7 +21319,7 @@
           <p:cNvPr id="7" name="내용 개체 틀 2">
             <a:extLst>
               <a:ext uri="{FF2B5EF4-FFF2-40B4-BE49-F238E27FC236}">
-                <a16:creationId xmlns="" xmlns:a16="http://schemas.microsoft.com/office/drawing/2014/main" id="{98AF3A4E-7D90-4241-89FE-799D6F9D5A94}"/>
+                <a16:creationId xmlns:a16="http://schemas.microsoft.com/office/drawing/2014/main" id="{98AF3A4E-7D90-4241-89FE-799D6F9D5A94}"/>
               </a:ext>
             </a:extLst>
           </p:cNvPr>
@@ -21099,7 +21696,7 @@
           <p:cNvPr id="7" name="내용 개체 틀 2">
             <a:extLst>
               <a:ext uri="{FF2B5EF4-FFF2-40B4-BE49-F238E27FC236}">
-                <a16:creationId xmlns="" xmlns:a16="http://schemas.microsoft.com/office/drawing/2014/main" id="{98AF3A4E-7D90-4241-89FE-799D6F9D5A94}"/>
+                <a16:creationId xmlns:a16="http://schemas.microsoft.com/office/drawing/2014/main" id="{98AF3A4E-7D90-4241-89FE-799D6F9D5A94}"/>
               </a:ext>
             </a:extLst>
           </p:cNvPr>
@@ -21870,7 +22467,7 @@
           <p:cNvPr id="7" name="내용 개체 틀 2">
             <a:extLst>
               <a:ext uri="{FF2B5EF4-FFF2-40B4-BE49-F238E27FC236}">
-                <a16:creationId xmlns="" xmlns:a16="http://schemas.microsoft.com/office/drawing/2014/main" id="{98AF3A4E-7D90-4241-89FE-799D6F9D5A94}"/>
+                <a16:creationId xmlns:a16="http://schemas.microsoft.com/office/drawing/2014/main" id="{98AF3A4E-7D90-4241-89FE-799D6F9D5A94}"/>
               </a:ext>
             </a:extLst>
           </p:cNvPr>
@@ -22388,7 +22985,7 @@
           <p:cNvPr id="7" name="내용 개체 틀 2">
             <a:extLst>
               <a:ext uri="{FF2B5EF4-FFF2-40B4-BE49-F238E27FC236}">
-                <a16:creationId xmlns="" xmlns:a16="http://schemas.microsoft.com/office/drawing/2014/main" id="{98AF3A4E-7D90-4241-89FE-799D6F9D5A94}"/>
+                <a16:creationId xmlns:a16="http://schemas.microsoft.com/office/drawing/2014/main" id="{98AF3A4E-7D90-4241-89FE-799D6F9D5A94}"/>
               </a:ext>
             </a:extLst>
           </p:cNvPr>
@@ -23282,7 +23879,7 @@
           <p:cNvPr id="7" name="내용 개체 틀 2">
             <a:extLst>
               <a:ext uri="{FF2B5EF4-FFF2-40B4-BE49-F238E27FC236}">
-                <a16:creationId xmlns="" xmlns:a16="http://schemas.microsoft.com/office/drawing/2014/main" id="{98AF3A4E-7D90-4241-89FE-799D6F9D5A94}"/>
+                <a16:creationId xmlns:a16="http://schemas.microsoft.com/office/drawing/2014/main" id="{98AF3A4E-7D90-4241-89FE-799D6F9D5A94}"/>
               </a:ext>
             </a:extLst>
           </p:cNvPr>

--- a/javaWorks/자료/java_ppt/5장.배열(Array).pptx
+++ b/javaWorks/자료/java_ppt/5장.배열(Array).pptx
@@ -5,7 +5,7 @@
     <p:sldMasterId id="2147483648" r:id="rId1"/>
   </p:sldMasterIdLst>
   <p:notesMasterIdLst>
-    <p:notesMasterId r:id="rId40"/>
+    <p:notesMasterId r:id="rId39"/>
   </p:notesMasterIdLst>
   <p:sldIdLst>
     <p:sldId id="256" r:id="rId2"/>
@@ -17,35 +17,34 @@
     <p:sldId id="394" r:id="rId8"/>
     <p:sldId id="389" r:id="rId9"/>
     <p:sldId id="395" r:id="rId10"/>
-    <p:sldId id="351" r:id="rId11"/>
-    <p:sldId id="426" r:id="rId12"/>
-    <p:sldId id="326" r:id="rId13"/>
-    <p:sldId id="393" r:id="rId14"/>
-    <p:sldId id="392" r:id="rId15"/>
-    <p:sldId id="353" r:id="rId16"/>
-    <p:sldId id="396" r:id="rId17"/>
-    <p:sldId id="422" r:id="rId18"/>
-    <p:sldId id="410" r:id="rId19"/>
-    <p:sldId id="412" r:id="rId20"/>
-    <p:sldId id="413" r:id="rId21"/>
-    <p:sldId id="414" r:id="rId22"/>
-    <p:sldId id="419" r:id="rId23"/>
-    <p:sldId id="415" r:id="rId24"/>
-    <p:sldId id="416" r:id="rId25"/>
-    <p:sldId id="417" r:id="rId26"/>
-    <p:sldId id="418" r:id="rId27"/>
-    <p:sldId id="368" r:id="rId28"/>
-    <p:sldId id="370" r:id="rId29"/>
-    <p:sldId id="397" r:id="rId30"/>
-    <p:sldId id="371" r:id="rId31"/>
-    <p:sldId id="423" r:id="rId32"/>
-    <p:sldId id="409" r:id="rId33"/>
-    <p:sldId id="372" r:id="rId34"/>
-    <p:sldId id="390" r:id="rId35"/>
-    <p:sldId id="424" r:id="rId36"/>
-    <p:sldId id="404" r:id="rId37"/>
-    <p:sldId id="406" r:id="rId38"/>
-    <p:sldId id="425" r:id="rId39"/>
+    <p:sldId id="426" r:id="rId11"/>
+    <p:sldId id="326" r:id="rId12"/>
+    <p:sldId id="393" r:id="rId13"/>
+    <p:sldId id="392" r:id="rId14"/>
+    <p:sldId id="353" r:id="rId15"/>
+    <p:sldId id="396" r:id="rId16"/>
+    <p:sldId id="422" r:id="rId17"/>
+    <p:sldId id="410" r:id="rId18"/>
+    <p:sldId id="412" r:id="rId19"/>
+    <p:sldId id="413" r:id="rId20"/>
+    <p:sldId id="414" r:id="rId21"/>
+    <p:sldId id="419" r:id="rId22"/>
+    <p:sldId id="415" r:id="rId23"/>
+    <p:sldId id="416" r:id="rId24"/>
+    <p:sldId id="417" r:id="rId25"/>
+    <p:sldId id="418" r:id="rId26"/>
+    <p:sldId id="368" r:id="rId27"/>
+    <p:sldId id="370" r:id="rId28"/>
+    <p:sldId id="397" r:id="rId29"/>
+    <p:sldId id="371" r:id="rId30"/>
+    <p:sldId id="423" r:id="rId31"/>
+    <p:sldId id="409" r:id="rId32"/>
+    <p:sldId id="372" r:id="rId33"/>
+    <p:sldId id="390" r:id="rId34"/>
+    <p:sldId id="424" r:id="rId35"/>
+    <p:sldId id="404" r:id="rId36"/>
+    <p:sldId id="406" r:id="rId37"/>
+    <p:sldId id="425" r:id="rId38"/>
   </p:sldIdLst>
   <p:sldSz cx="9906000" cy="6858000" type="A4"/>
   <p:notesSz cx="6858000" cy="9144000"/>
@@ -245,7 +244,7 @@
           <a:p>
             <a:fld id="{7665CDAC-D627-4E87-877A-1B781DD4CADC}" type="datetimeFigureOut">
               <a:rPr lang="ko-KR" altLang="en-US" smtClean="0"/>
-              <a:t>2023-05-17</a:t>
+              <a:t>2023-05-18</a:t>
             </a:fld>
             <a:endParaRPr lang="ko-KR" altLang="en-US"/>
           </a:p>
@@ -783,7 +782,7 @@
           <a:p>
             <a:fld id="{F4AC81B4-D91A-4578-85B3-829E63FCFE17}" type="datetime1">
               <a:rPr lang="ko-KR" altLang="en-US" smtClean="0"/>
-              <a:t>2023-05-17</a:t>
+              <a:t>2023-05-18</a:t>
             </a:fld>
             <a:endParaRPr lang="ko-KR" altLang="en-US"/>
           </a:p>
@@ -1158,7 +1157,7 @@
           <a:p>
             <a:fld id="{F5B77542-37E5-48F2-BAE7-80CC6B0EB6A3}" type="datetime1">
               <a:rPr lang="ko-KR" altLang="en-US" smtClean="0"/>
-              <a:t>2023-05-17</a:t>
+              <a:t>2023-05-18</a:t>
             </a:fld>
             <a:endParaRPr lang="ko-KR" altLang="en-US"/>
           </a:p>
@@ -1338,7 +1337,7 @@
           <a:p>
             <a:fld id="{227CF174-B5AC-4A98-B673-0BE8126D3F27}" type="datetime1">
               <a:rPr lang="ko-KR" altLang="en-US" smtClean="0"/>
-              <a:t>2023-05-17</a:t>
+              <a:t>2023-05-18</a:t>
             </a:fld>
             <a:endParaRPr lang="ko-KR" altLang="en-US"/>
           </a:p>
@@ -1512,7 +1511,7 @@
           <a:p>
             <a:fld id="{E20FDEC8-1339-42E8-9704-2977280C2FD3}" type="datetime1">
               <a:rPr lang="ko-KR" altLang="en-US" smtClean="0"/>
-              <a:t>2023-05-17</a:t>
+              <a:t>2023-05-18</a:t>
             </a:fld>
             <a:endParaRPr lang="ko-KR" altLang="en-US"/>
           </a:p>
@@ -1758,7 +1757,7 @@
           <a:p>
             <a:fld id="{4D18DC76-A282-4817-B790-197F054E1215}" type="datetime1">
               <a:rPr lang="ko-KR" altLang="en-US" smtClean="0"/>
-              <a:t>2023-05-17</a:t>
+              <a:t>2023-05-18</a:t>
             </a:fld>
             <a:endParaRPr lang="ko-KR" altLang="en-US"/>
           </a:p>
@@ -2046,7 +2045,7 @@
           <a:p>
             <a:fld id="{6680AA6C-13D8-43E4-90F0-E6C88A2B9F16}" type="datetime1">
               <a:rPr lang="ko-KR" altLang="en-US" smtClean="0"/>
-              <a:t>2023-05-17</a:t>
+              <a:t>2023-05-18</a:t>
             </a:fld>
             <a:endParaRPr lang="ko-KR" altLang="en-US"/>
           </a:p>
@@ -2468,7 +2467,7 @@
           <a:p>
             <a:fld id="{3EF5B03B-20CC-436E-8601-C933C6C1F4A6}" type="datetime1">
               <a:rPr lang="ko-KR" altLang="en-US" smtClean="0"/>
-              <a:t>2023-05-17</a:t>
+              <a:t>2023-05-18</a:t>
             </a:fld>
             <a:endParaRPr lang="ko-KR" altLang="en-US"/>
           </a:p>
@@ -2586,7 +2585,7 @@
           <a:p>
             <a:fld id="{87B5A15D-8B08-482F-AB47-E416EC355EB6}" type="datetime1">
               <a:rPr lang="ko-KR" altLang="en-US" smtClean="0"/>
-              <a:t>2023-05-17</a:t>
+              <a:t>2023-05-18</a:t>
             </a:fld>
             <a:endParaRPr lang="ko-KR" altLang="en-US"/>
           </a:p>
@@ -2681,7 +2680,7 @@
           <a:p>
             <a:fld id="{A877D7F8-7B64-44F8-A411-CBD22F28CBFF}" type="datetime1">
               <a:rPr lang="ko-KR" altLang="en-US" smtClean="0"/>
-              <a:t>2023-05-17</a:t>
+              <a:t>2023-05-18</a:t>
             </a:fld>
             <a:endParaRPr lang="ko-KR" altLang="en-US"/>
           </a:p>
@@ -2958,7 +2957,7 @@
           <a:p>
             <a:fld id="{E12DBD9B-2BB6-4D1F-BCB4-1E48829C93C3}" type="datetime1">
               <a:rPr lang="ko-KR" altLang="en-US" smtClean="0"/>
-              <a:t>2023-05-17</a:t>
+              <a:t>2023-05-18</a:t>
             </a:fld>
             <a:endParaRPr lang="ko-KR" altLang="en-US"/>
           </a:p>
@@ -3211,7 +3210,7 @@
           <a:p>
             <a:fld id="{17564C48-0CD7-40EB-BE64-BBF4DB8C56AF}" type="datetime1">
               <a:rPr lang="ko-KR" altLang="en-US" smtClean="0"/>
-              <a:t>2023-05-17</a:t>
+              <a:t>2023-05-18</a:t>
             </a:fld>
             <a:endParaRPr lang="ko-KR" altLang="en-US"/>
           </a:p>
@@ -3391,7 +3390,7 @@
           <a:p>
             <a:fld id="{C116BCB4-B68B-4638-8167-F4BDC0A30DA1}" type="datetime1">
               <a:rPr lang="ko-KR" altLang="en-US" smtClean="0"/>
-              <a:t>2023-05-17</a:t>
+              <a:t>2023-05-18</a:t>
             </a:fld>
             <a:endParaRPr lang="ko-KR" altLang="en-US"/>
           </a:p>
@@ -4546,7 +4545,7 @@
     </p:spTree>
     <p:extLst>
       <p:ext uri="{BB962C8B-B14F-4D97-AF65-F5344CB8AC3E}">
-        <p14:creationId xmlns:p14="http://schemas.microsoft.com/office/powerpoint/2010/main" val="672026997"/>
+        <p14:creationId xmlns:p14="http://schemas.microsoft.com/office/powerpoint/2010/main" val="3721623233"/>
       </p:ext>
     </p:extLst>
   </p:cSld>
@@ -4629,400 +4628,6 @@
             <a:fld id="{1BDE3FE7-3AEA-4B05-AC5A-802D1816ACF0}" type="slidenum">
               <a:rPr lang="ko-KR" altLang="en-US" smtClean="0"/>
               <a:t>11</a:t>
-            </a:fld>
-            <a:endParaRPr lang="ko-KR" altLang="en-US"/>
-          </a:p>
-        </p:txBody>
-      </p:sp>
-      <p:sp>
-        <p:nvSpPr>
-          <p:cNvPr id="7" name="내용 개체 틀 2">
-            <a:extLst>
-              <a:ext uri="{FF2B5EF4-FFF2-40B4-BE49-F238E27FC236}">
-                <a16:creationId xmlns:a16="http://schemas.microsoft.com/office/drawing/2014/main" id="{98AF3A4E-7D90-4241-89FE-799D6F9D5A94}"/>
-              </a:ext>
-            </a:extLst>
-          </p:cNvPr>
-          <p:cNvSpPr txBox="1">
-            <a:spLocks/>
-          </p:cNvSpPr>
-          <p:nvPr/>
-        </p:nvSpPr>
-        <p:spPr>
-          <a:xfrm>
-            <a:off x="1136575" y="1124744"/>
-            <a:ext cx="5294379" cy="648072"/>
-          </a:xfrm>
-          <a:prstGeom prst="rect">
-            <a:avLst/>
-          </a:prstGeom>
-        </p:spPr>
-        <p:txBody>
-          <a:bodyPr/>
-          <a:lstStyle>
-            <a:lvl1pPr marL="228600" indent="-228600" algn="l" defTabSz="914400" rtl="0" eaLnBrk="1" latinLnBrk="1" hangingPunct="1">
-              <a:lnSpc>
-                <a:spcPct val="90000"/>
-              </a:lnSpc>
-              <a:spcBef>
-                <a:spcPts val="1000"/>
-              </a:spcBef>
-              <a:buFont typeface="Arial" panose="020B0604020202020204" pitchFamily="34" charset="0"/>
-              <a:buChar char="•"/>
-              <a:defRPr sz="2800" kern="1200">
-                <a:solidFill>
-                  <a:schemeClr val="tx1"/>
-                </a:solidFill>
-                <a:latin typeface="+mn-lt"/>
-                <a:ea typeface="+mn-ea"/>
-                <a:cs typeface="+mn-cs"/>
-              </a:defRPr>
-            </a:lvl1pPr>
-            <a:lvl2pPr marL="685800" indent="-228600" algn="l" defTabSz="914400" rtl="0" eaLnBrk="1" latinLnBrk="1" hangingPunct="1">
-              <a:lnSpc>
-                <a:spcPct val="90000"/>
-              </a:lnSpc>
-              <a:spcBef>
-                <a:spcPts val="500"/>
-              </a:spcBef>
-              <a:buFont typeface="Arial" panose="020B0604020202020204" pitchFamily="34" charset="0"/>
-              <a:buChar char="•"/>
-              <a:defRPr sz="2400" kern="1200">
-                <a:solidFill>
-                  <a:schemeClr val="tx1"/>
-                </a:solidFill>
-                <a:latin typeface="+mn-lt"/>
-                <a:ea typeface="+mn-ea"/>
-                <a:cs typeface="+mn-cs"/>
-              </a:defRPr>
-            </a:lvl2pPr>
-            <a:lvl3pPr marL="1143000" indent="-228600" algn="l" defTabSz="914400" rtl="0" eaLnBrk="1" latinLnBrk="1" hangingPunct="1">
-              <a:lnSpc>
-                <a:spcPct val="90000"/>
-              </a:lnSpc>
-              <a:spcBef>
-                <a:spcPts val="500"/>
-              </a:spcBef>
-              <a:buFont typeface="Arial" panose="020B0604020202020204" pitchFamily="34" charset="0"/>
-              <a:buChar char="•"/>
-              <a:defRPr sz="2000" kern="1200">
-                <a:solidFill>
-                  <a:schemeClr val="tx1"/>
-                </a:solidFill>
-                <a:latin typeface="+mn-lt"/>
-                <a:ea typeface="+mn-ea"/>
-                <a:cs typeface="+mn-cs"/>
-              </a:defRPr>
-            </a:lvl3pPr>
-            <a:lvl4pPr marL="1600200" indent="-228600" algn="l" defTabSz="914400" rtl="0" eaLnBrk="1" latinLnBrk="1" hangingPunct="1">
-              <a:lnSpc>
-                <a:spcPct val="90000"/>
-              </a:lnSpc>
-              <a:spcBef>
-                <a:spcPts val="500"/>
-              </a:spcBef>
-              <a:buFont typeface="Arial" panose="020B0604020202020204" pitchFamily="34" charset="0"/>
-              <a:buChar char="•"/>
-              <a:defRPr sz="1800" kern="1200">
-                <a:solidFill>
-                  <a:schemeClr val="tx1"/>
-                </a:solidFill>
-                <a:latin typeface="+mn-lt"/>
-                <a:ea typeface="+mn-ea"/>
-                <a:cs typeface="+mn-cs"/>
-              </a:defRPr>
-            </a:lvl4pPr>
-            <a:lvl5pPr marL="2057400" indent="-228600" algn="l" defTabSz="914400" rtl="0" eaLnBrk="1" latinLnBrk="1" hangingPunct="1">
-              <a:lnSpc>
-                <a:spcPct val="90000"/>
-              </a:lnSpc>
-              <a:spcBef>
-                <a:spcPts val="500"/>
-              </a:spcBef>
-              <a:buFont typeface="Arial" panose="020B0604020202020204" pitchFamily="34" charset="0"/>
-              <a:buChar char="•"/>
-              <a:defRPr sz="1800" kern="1200">
-                <a:solidFill>
-                  <a:schemeClr val="tx1"/>
-                </a:solidFill>
-                <a:latin typeface="+mn-lt"/>
-                <a:ea typeface="+mn-ea"/>
-                <a:cs typeface="+mn-cs"/>
-              </a:defRPr>
-            </a:lvl5pPr>
-            <a:lvl6pPr marL="2514600" indent="-228600" algn="l" defTabSz="914400" rtl="0" eaLnBrk="1" latinLnBrk="1" hangingPunct="1">
-              <a:lnSpc>
-                <a:spcPct val="90000"/>
-              </a:lnSpc>
-              <a:spcBef>
-                <a:spcPts val="500"/>
-              </a:spcBef>
-              <a:buFont typeface="Arial" panose="020B0604020202020204" pitchFamily="34" charset="0"/>
-              <a:buChar char="•"/>
-              <a:defRPr sz="1800" kern="1200">
-                <a:solidFill>
-                  <a:schemeClr val="tx1"/>
-                </a:solidFill>
-                <a:latin typeface="+mn-lt"/>
-                <a:ea typeface="+mn-ea"/>
-                <a:cs typeface="+mn-cs"/>
-              </a:defRPr>
-            </a:lvl6pPr>
-            <a:lvl7pPr marL="2971800" indent="-228600" algn="l" defTabSz="914400" rtl="0" eaLnBrk="1" latinLnBrk="1" hangingPunct="1">
-              <a:lnSpc>
-                <a:spcPct val="90000"/>
-              </a:lnSpc>
-              <a:spcBef>
-                <a:spcPts val="500"/>
-              </a:spcBef>
-              <a:buFont typeface="Arial" panose="020B0604020202020204" pitchFamily="34" charset="0"/>
-              <a:buChar char="•"/>
-              <a:defRPr sz="1800" kern="1200">
-                <a:solidFill>
-                  <a:schemeClr val="tx1"/>
-                </a:solidFill>
-                <a:latin typeface="+mn-lt"/>
-                <a:ea typeface="+mn-ea"/>
-                <a:cs typeface="+mn-cs"/>
-              </a:defRPr>
-            </a:lvl7pPr>
-            <a:lvl8pPr marL="3429000" indent="-228600" algn="l" defTabSz="914400" rtl="0" eaLnBrk="1" latinLnBrk="1" hangingPunct="1">
-              <a:lnSpc>
-                <a:spcPct val="90000"/>
-              </a:lnSpc>
-              <a:spcBef>
-                <a:spcPts val="500"/>
-              </a:spcBef>
-              <a:buFont typeface="Arial" panose="020B0604020202020204" pitchFamily="34" charset="0"/>
-              <a:buChar char="•"/>
-              <a:defRPr sz="1800" kern="1200">
-                <a:solidFill>
-                  <a:schemeClr val="tx1"/>
-                </a:solidFill>
-                <a:latin typeface="+mn-lt"/>
-                <a:ea typeface="+mn-ea"/>
-                <a:cs typeface="+mn-cs"/>
-              </a:defRPr>
-            </a:lvl8pPr>
-            <a:lvl9pPr marL="3886200" indent="-228600" algn="l" defTabSz="914400" rtl="0" eaLnBrk="1" latinLnBrk="1" hangingPunct="1">
-              <a:lnSpc>
-                <a:spcPct val="90000"/>
-              </a:lnSpc>
-              <a:spcBef>
-                <a:spcPts val="500"/>
-              </a:spcBef>
-              <a:buFont typeface="Arial" panose="020B0604020202020204" pitchFamily="34" charset="0"/>
-              <a:buChar char="•"/>
-              <a:defRPr sz="1800" kern="1200">
-                <a:solidFill>
-                  <a:schemeClr val="tx1"/>
-                </a:solidFill>
-                <a:latin typeface="+mn-lt"/>
-                <a:ea typeface="+mn-ea"/>
-                <a:cs typeface="+mn-cs"/>
-              </a:defRPr>
-            </a:lvl9pPr>
-          </a:lstStyle>
-          <a:p>
-            <a:pPr>
-              <a:lnSpc>
-                <a:spcPct val="150000"/>
-              </a:lnSpc>
-              <a:buFont typeface="Wingdings" panose="05000000000000000000" pitchFamily="2" charset="2"/>
-              <a:buChar char="§"/>
-            </a:pPr>
-            <a:r>
-              <a:rPr lang="ko-KR" altLang="en-US" sz="2000" b="1" dirty="0" smtClean="0">
-                <a:solidFill>
-                  <a:srgbClr val="C00000"/>
-                </a:solidFill>
-              </a:rPr>
-              <a:t>배열의 유효한 </a:t>
-            </a:r>
-            <a:r>
-              <a:rPr lang="ko-KR" altLang="en-US" sz="2000" b="1" dirty="0" err="1" smtClean="0">
-                <a:solidFill>
-                  <a:srgbClr val="C00000"/>
-                </a:solidFill>
-              </a:rPr>
-              <a:t>요소값</a:t>
-            </a:r>
-            <a:r>
-              <a:rPr lang="ko-KR" altLang="en-US" sz="2000" b="1" dirty="0" smtClean="0">
-                <a:solidFill>
-                  <a:srgbClr val="C00000"/>
-                </a:solidFill>
-              </a:rPr>
-              <a:t> 출력하기 </a:t>
-            </a:r>
-            <a:endParaRPr lang="en-US" altLang="ko-KR" sz="2000" b="1" dirty="0">
-              <a:solidFill>
-                <a:srgbClr val="C00000"/>
-              </a:solidFill>
-            </a:endParaRPr>
-          </a:p>
-        </p:txBody>
-      </p:sp>
-      <p:pic>
-        <p:nvPicPr>
-          <p:cNvPr id="4" name="그림 3"/>
-          <p:cNvPicPr>
-            <a:picLocks noChangeAspect="1"/>
-          </p:cNvPicPr>
-          <p:nvPr/>
-        </p:nvPicPr>
-        <p:blipFill>
-          <a:blip r:embed="rId2">
-            <a:extLst>
-              <a:ext uri="{28A0092B-C50C-407E-A947-70E740481C1C}">
-                <a14:useLocalDpi xmlns:a14="http://schemas.microsoft.com/office/drawing/2010/main" val="0"/>
-              </a:ext>
-            </a:extLst>
-          </a:blip>
-          <a:stretch>
-            <a:fillRect/>
-          </a:stretch>
-        </p:blipFill>
-        <p:spPr>
-          <a:xfrm>
-            <a:off x="1657599" y="1772816"/>
-            <a:ext cx="4252329" cy="3901778"/>
-          </a:xfrm>
-          <a:prstGeom prst="rect">
-            <a:avLst/>
-          </a:prstGeom>
-          <a:ln>
-            <a:solidFill>
-              <a:schemeClr val="bg1">
-                <a:lumMod val="85000"/>
-              </a:schemeClr>
-            </a:solidFill>
-          </a:ln>
-        </p:spPr>
-      </p:pic>
-      <p:pic>
-        <p:nvPicPr>
-          <p:cNvPr id="8" name="그림 7"/>
-          <p:cNvPicPr>
-            <a:picLocks noChangeAspect="1"/>
-          </p:cNvPicPr>
-          <p:nvPr/>
-        </p:nvPicPr>
-        <p:blipFill>
-          <a:blip r:embed="rId3">
-            <a:extLst>
-              <a:ext uri="{28A0092B-C50C-407E-A947-70E740481C1C}">
-                <a14:useLocalDpi xmlns:a14="http://schemas.microsoft.com/office/drawing/2010/main" val="0"/>
-              </a:ext>
-            </a:extLst>
-          </a:blip>
-          <a:stretch>
-            <a:fillRect/>
-          </a:stretch>
-        </p:blipFill>
-        <p:spPr>
-          <a:xfrm>
-            <a:off x="6609184" y="4581128"/>
-            <a:ext cx="693480" cy="754445"/>
-          </a:xfrm>
-          <a:prstGeom prst="rect">
-            <a:avLst/>
-          </a:prstGeom>
-          <a:ln>
-            <a:solidFill>
-              <a:schemeClr val="bg1">
-                <a:lumMod val="85000"/>
-              </a:schemeClr>
-            </a:solidFill>
-          </a:ln>
-        </p:spPr>
-      </p:pic>
-    </p:spTree>
-    <p:extLst>
-      <p:ext uri="{BB962C8B-B14F-4D97-AF65-F5344CB8AC3E}">
-        <p14:creationId xmlns:p14="http://schemas.microsoft.com/office/powerpoint/2010/main" val="3721623233"/>
-      </p:ext>
-    </p:extLst>
-  </p:cSld>
-  <p:clrMapOvr>
-    <a:masterClrMapping/>
-  </p:clrMapOvr>
-  <p:timing>
-    <p:tnLst>
-      <p:par>
-        <p:cTn id="1" dur="indefinite" restart="never" nodeType="tmRoot"/>
-      </p:par>
-    </p:tnLst>
-  </p:timing>
-</p:sld>
-</file>
-
-<file path=ppt/slides/slide12.xml><?xml version="1.0" encoding="utf-8"?>
-<p:sld xmlns:a="http://schemas.openxmlformats.org/drawingml/2006/main" xmlns:r="http://schemas.openxmlformats.org/officeDocument/2006/relationships" xmlns:p="http://schemas.openxmlformats.org/presentationml/2006/main">
-  <p:cSld>
-    <p:spTree>
-      <p:nvGrpSpPr>
-        <p:cNvPr id="1" name=""/>
-        <p:cNvGrpSpPr/>
-        <p:nvPr/>
-      </p:nvGrpSpPr>
-      <p:grpSpPr>
-        <a:xfrm>
-          <a:off x="0" y="0"/>
-          <a:ext cx="0" cy="0"/>
-          <a:chOff x="0" y="0"/>
-          <a:chExt cx="0" cy="0"/>
-        </a:xfrm>
-      </p:grpSpPr>
-      <p:sp>
-        <p:nvSpPr>
-          <p:cNvPr id="6" name="제목 5"/>
-          <p:cNvSpPr>
-            <a:spLocks noGrp="1"/>
-          </p:cNvSpPr>
-          <p:nvPr>
-            <p:ph type="title"/>
-          </p:nvPr>
-        </p:nvSpPr>
-        <p:spPr/>
-        <p:txBody>
-          <a:bodyPr/>
-          <a:lstStyle/>
-          <a:p>
-            <a:r>
-              <a:rPr lang="en-US" altLang="ko-KR" dirty="0" smtClean="0"/>
-              <a:t> </a:t>
-            </a:r>
-            <a:r>
-              <a:rPr lang="ko-KR" altLang="en-US" dirty="0" smtClean="0"/>
-              <a:t>배열</a:t>
-            </a:r>
-            <a:r>
-              <a:rPr lang="en-US" altLang="ko-KR" dirty="0"/>
-              <a:t>(Array]</a:t>
-            </a:r>
-            <a:endParaRPr lang="ko-KR" altLang="en-US" dirty="0"/>
-          </a:p>
-        </p:txBody>
-      </p:sp>
-      <p:sp>
-        <p:nvSpPr>
-          <p:cNvPr id="5" name="슬라이드 번호 개체 틀 4"/>
-          <p:cNvSpPr>
-            <a:spLocks noGrp="1"/>
-          </p:cNvSpPr>
-          <p:nvPr>
-            <p:ph type="sldNum" sz="quarter" idx="12"/>
-          </p:nvPr>
-        </p:nvSpPr>
-        <p:spPr/>
-        <p:txBody>
-          <a:bodyPr/>
-          <a:lstStyle/>
-          <a:p>
-            <a:fld id="{1BDE3FE7-3AEA-4B05-AC5A-802D1816ACF0}" type="slidenum">
-              <a:rPr lang="ko-KR" altLang="en-US" smtClean="0"/>
-              <a:t>12</a:t>
             </a:fld>
             <a:endParaRPr lang="ko-KR" altLang="en-US"/>
           </a:p>
@@ -5465,7 +5070,7 @@
 </p:sld>
 </file>
 
-<file path=ppt/slides/slide13.xml><?xml version="1.0" encoding="utf-8"?>
+<file path=ppt/slides/slide12.xml><?xml version="1.0" encoding="utf-8"?>
 <p:sld xmlns:a="http://schemas.openxmlformats.org/drawingml/2006/main" xmlns:r="http://schemas.openxmlformats.org/officeDocument/2006/relationships" xmlns:p="http://schemas.openxmlformats.org/presentationml/2006/main">
   <p:cSld>
     <p:spTree>
@@ -5526,7 +5131,7 @@
           <a:p>
             <a:fld id="{1BDE3FE7-3AEA-4B05-AC5A-802D1816ACF0}" type="slidenum">
               <a:rPr lang="ko-KR" altLang="en-US" smtClean="0"/>
-              <a:t>13</a:t>
+              <a:t>12</a:t>
             </a:fld>
             <a:endParaRPr lang="ko-KR" altLang="en-US"/>
           </a:p>
@@ -5934,7 +5539,7 @@
 </p:sld>
 </file>
 
-<file path=ppt/slides/slide14.xml><?xml version="1.0" encoding="utf-8"?>
+<file path=ppt/slides/slide13.xml><?xml version="1.0" encoding="utf-8"?>
 <p:sld xmlns:a="http://schemas.openxmlformats.org/drawingml/2006/main" xmlns:r="http://schemas.openxmlformats.org/officeDocument/2006/relationships" xmlns:p="http://schemas.openxmlformats.org/presentationml/2006/main">
   <p:cSld>
     <p:spTree>
@@ -5995,7 +5600,7 @@
           <a:p>
             <a:fld id="{1BDE3FE7-3AEA-4B05-AC5A-802D1816ACF0}" type="slidenum">
               <a:rPr lang="ko-KR" altLang="en-US" smtClean="0"/>
-              <a:t>14</a:t>
+              <a:t>13</a:t>
             </a:fld>
             <a:endParaRPr lang="ko-KR" altLang="en-US"/>
           </a:p>
@@ -6625,7 +6230,7 @@
 </p:sld>
 </file>
 
-<file path=ppt/slides/slide15.xml><?xml version="1.0" encoding="utf-8"?>
+<file path=ppt/slides/slide14.xml><?xml version="1.0" encoding="utf-8"?>
 <p:sld xmlns:a="http://schemas.openxmlformats.org/drawingml/2006/main" xmlns:r="http://schemas.openxmlformats.org/officeDocument/2006/relationships" xmlns:p="http://schemas.openxmlformats.org/presentationml/2006/main">
   <p:cSld>
     <p:spTree>
@@ -6686,7 +6291,7 @@
           <a:p>
             <a:fld id="{1BDE3FE7-3AEA-4B05-AC5A-802D1816ACF0}" type="slidenum">
               <a:rPr lang="ko-KR" altLang="en-US" smtClean="0"/>
-              <a:t>15</a:t>
+              <a:t>14</a:t>
             </a:fld>
             <a:endParaRPr lang="ko-KR" altLang="en-US"/>
           </a:p>
@@ -7387,7 +6992,7 @@
 </p:sld>
 </file>
 
-<file path=ppt/slides/slide16.xml><?xml version="1.0" encoding="utf-8"?>
+<file path=ppt/slides/slide15.xml><?xml version="1.0" encoding="utf-8"?>
 <p:sld xmlns:a="http://schemas.openxmlformats.org/drawingml/2006/main" xmlns:r="http://schemas.openxmlformats.org/officeDocument/2006/relationships" xmlns:p="http://schemas.openxmlformats.org/presentationml/2006/main">
   <p:cSld>
     <p:spTree>
@@ -7448,7 +7053,7 @@
           <a:p>
             <a:fld id="{1BDE3FE7-3AEA-4B05-AC5A-802D1816ACF0}" type="slidenum">
               <a:rPr lang="ko-KR" altLang="en-US" smtClean="0"/>
-              <a:t>16</a:t>
+              <a:t>15</a:t>
             </a:fld>
             <a:endParaRPr lang="ko-KR" altLang="en-US"/>
           </a:p>
@@ -7782,7 +7387,7 @@
 </p:sld>
 </file>
 
-<file path=ppt/slides/slide17.xml><?xml version="1.0" encoding="utf-8"?>
+<file path=ppt/slides/slide16.xml><?xml version="1.0" encoding="utf-8"?>
 <p:sld xmlns:a="http://schemas.openxmlformats.org/drawingml/2006/main" xmlns:r="http://schemas.openxmlformats.org/officeDocument/2006/relationships" xmlns:p="http://schemas.openxmlformats.org/presentationml/2006/main">
   <p:cSld>
     <p:spTree>
@@ -7888,7 +7493,7 @@
           <a:p>
             <a:fld id="{1BDE3FE7-3AEA-4B05-AC5A-802D1816ACF0}" type="slidenum">
               <a:rPr lang="ko-KR" altLang="en-US" smtClean="0"/>
-              <a:t>17</a:t>
+              <a:t>16</a:t>
             </a:fld>
             <a:endParaRPr lang="ko-KR" altLang="en-US"/>
           </a:p>
@@ -8420,7 +8025,7 @@
 </p:sld>
 </file>
 
-<file path=ppt/slides/slide18.xml><?xml version="1.0" encoding="utf-8"?>
+<file path=ppt/slides/slide17.xml><?xml version="1.0" encoding="utf-8"?>
 <p:sld xmlns:a="http://schemas.openxmlformats.org/drawingml/2006/main" xmlns:r="http://schemas.openxmlformats.org/officeDocument/2006/relationships" xmlns:p="http://schemas.openxmlformats.org/presentationml/2006/main">
   <p:cSld>
     <p:spTree>
@@ -8481,7 +8086,7 @@
           <a:p>
             <a:fld id="{1BDE3FE7-3AEA-4B05-AC5A-802D1816ACF0}" type="slidenum">
               <a:rPr lang="ko-KR" altLang="en-US" smtClean="0"/>
-              <a:t>18</a:t>
+              <a:t>17</a:t>
             </a:fld>
             <a:endParaRPr lang="ko-KR" altLang="en-US"/>
           </a:p>
@@ -9019,7 +8624,7 @@
 </p:sld>
 </file>
 
-<file path=ppt/slides/slide19.xml><?xml version="1.0" encoding="utf-8"?>
+<file path=ppt/slides/slide18.xml><?xml version="1.0" encoding="utf-8"?>
 <p:sld xmlns:a="http://schemas.openxmlformats.org/drawingml/2006/main" xmlns:r="http://schemas.openxmlformats.org/officeDocument/2006/relationships" xmlns:p="http://schemas.openxmlformats.org/presentationml/2006/main">
   <p:cSld>
     <p:spTree>
@@ -9082,7 +8687,7 @@
           <a:p>
             <a:fld id="{1BDE3FE7-3AEA-4B05-AC5A-802D1816ACF0}" type="slidenum">
               <a:rPr lang="ko-KR" altLang="en-US" smtClean="0"/>
-              <a:t>19</a:t>
+              <a:t>18</a:t>
             </a:fld>
             <a:endParaRPr lang="ko-KR" altLang="en-US"/>
           </a:p>
@@ -9610,6 +9215,333 @@
     <p:extLst>
       <p:ext uri="{BB962C8B-B14F-4D97-AF65-F5344CB8AC3E}">
         <p14:creationId xmlns:p14="http://schemas.microsoft.com/office/powerpoint/2010/main" val="2596311078"/>
+      </p:ext>
+    </p:extLst>
+  </p:cSld>
+  <p:clrMapOvr>
+    <a:masterClrMapping/>
+  </p:clrMapOvr>
+  <p:timing>
+    <p:tnLst>
+      <p:par>
+        <p:cTn id="1" dur="indefinite" restart="never" nodeType="tmRoot"/>
+      </p:par>
+    </p:tnLst>
+  </p:timing>
+</p:sld>
+</file>
+
+<file path=ppt/slides/slide19.xml><?xml version="1.0" encoding="utf-8"?>
+<p:sld xmlns:a="http://schemas.openxmlformats.org/drawingml/2006/main" xmlns:r="http://schemas.openxmlformats.org/officeDocument/2006/relationships" xmlns:p="http://schemas.openxmlformats.org/presentationml/2006/main">
+  <p:cSld>
+    <p:spTree>
+      <p:nvGrpSpPr>
+        <p:cNvPr id="1" name=""/>
+        <p:cNvGrpSpPr/>
+        <p:nvPr/>
+      </p:nvGrpSpPr>
+      <p:grpSpPr>
+        <a:xfrm>
+          <a:off x="0" y="0"/>
+          <a:ext cx="0" cy="0"/>
+          <a:chOff x="0" y="0"/>
+          <a:chExt cx="0" cy="0"/>
+        </a:xfrm>
+      </p:grpSpPr>
+      <p:sp>
+        <p:nvSpPr>
+          <p:cNvPr id="6" name="제목 5"/>
+          <p:cNvSpPr>
+            <a:spLocks noGrp="1"/>
+          </p:cNvSpPr>
+          <p:nvPr>
+            <p:ph type="title"/>
+          </p:nvPr>
+        </p:nvSpPr>
+        <p:spPr/>
+        <p:txBody>
+          <a:bodyPr>
+            <a:normAutofit fontScale="90000"/>
+          </a:bodyPr>
+          <a:lstStyle/>
+          <a:p>
+            <a:r>
+              <a:rPr lang="en-US" altLang="ko-KR" dirty="0" smtClean="0"/>
+              <a:t>  </a:t>
+            </a:r>
+            <a:r>
+              <a:rPr lang="ko-KR" altLang="en-US" dirty="0" smtClean="0"/>
+              <a:t>배열을 이용한 성적 처리 프로그램</a:t>
+            </a:r>
+            <a:endParaRPr lang="ko-KR" altLang="en-US" dirty="0"/>
+          </a:p>
+        </p:txBody>
+      </p:sp>
+      <p:sp>
+        <p:nvSpPr>
+          <p:cNvPr id="5" name="슬라이드 번호 개체 틀 4"/>
+          <p:cNvSpPr>
+            <a:spLocks noGrp="1"/>
+          </p:cNvSpPr>
+          <p:nvPr>
+            <p:ph type="sldNum" sz="quarter" idx="12"/>
+          </p:nvPr>
+        </p:nvSpPr>
+        <p:spPr/>
+        <p:txBody>
+          <a:bodyPr/>
+          <a:lstStyle/>
+          <a:p>
+            <a:fld id="{1BDE3FE7-3AEA-4B05-AC5A-802D1816ACF0}" type="slidenum">
+              <a:rPr lang="ko-KR" altLang="en-US" smtClean="0"/>
+              <a:t>19</a:t>
+            </a:fld>
+            <a:endParaRPr lang="ko-KR" altLang="en-US"/>
+          </a:p>
+        </p:txBody>
+      </p:sp>
+      <p:sp>
+        <p:nvSpPr>
+          <p:cNvPr id="7" name="내용 개체 틀 2">
+            <a:extLst>
+              <a:ext uri="{FF2B5EF4-FFF2-40B4-BE49-F238E27FC236}">
+                <a16:creationId xmlns:a16="http://schemas.microsoft.com/office/drawing/2014/main" id="{98AF3A4E-7D90-4241-89FE-799D6F9D5A94}"/>
+              </a:ext>
+            </a:extLst>
+          </p:cNvPr>
+          <p:cNvSpPr txBox="1">
+            <a:spLocks/>
+          </p:cNvSpPr>
+          <p:nvPr/>
+        </p:nvSpPr>
+        <p:spPr>
+          <a:xfrm>
+            <a:off x="344488" y="1772816"/>
+            <a:ext cx="4248472" cy="419274"/>
+          </a:xfrm>
+          <a:prstGeom prst="rect">
+            <a:avLst/>
+          </a:prstGeom>
+        </p:spPr>
+        <p:txBody>
+          <a:bodyPr/>
+          <a:lstStyle>
+            <a:lvl1pPr marL="228600" indent="-228600" algn="l" defTabSz="914400" rtl="0" eaLnBrk="1" latinLnBrk="1" hangingPunct="1">
+              <a:lnSpc>
+                <a:spcPct val="90000"/>
+              </a:lnSpc>
+              <a:spcBef>
+                <a:spcPts val="1000"/>
+              </a:spcBef>
+              <a:buFont typeface="Arial" panose="020B0604020202020204" pitchFamily="34" charset="0"/>
+              <a:buChar char="•"/>
+              <a:defRPr sz="2800" kern="1200">
+                <a:solidFill>
+                  <a:schemeClr val="tx1"/>
+                </a:solidFill>
+                <a:latin typeface="+mn-lt"/>
+                <a:ea typeface="+mn-ea"/>
+                <a:cs typeface="+mn-cs"/>
+              </a:defRPr>
+            </a:lvl1pPr>
+            <a:lvl2pPr marL="685800" indent="-228600" algn="l" defTabSz="914400" rtl="0" eaLnBrk="1" latinLnBrk="1" hangingPunct="1">
+              <a:lnSpc>
+                <a:spcPct val="90000"/>
+              </a:lnSpc>
+              <a:spcBef>
+                <a:spcPts val="500"/>
+              </a:spcBef>
+              <a:buFont typeface="Arial" panose="020B0604020202020204" pitchFamily="34" charset="0"/>
+              <a:buChar char="•"/>
+              <a:defRPr sz="2400" kern="1200">
+                <a:solidFill>
+                  <a:schemeClr val="tx1"/>
+                </a:solidFill>
+                <a:latin typeface="+mn-lt"/>
+                <a:ea typeface="+mn-ea"/>
+                <a:cs typeface="+mn-cs"/>
+              </a:defRPr>
+            </a:lvl2pPr>
+            <a:lvl3pPr marL="1143000" indent="-228600" algn="l" defTabSz="914400" rtl="0" eaLnBrk="1" latinLnBrk="1" hangingPunct="1">
+              <a:lnSpc>
+                <a:spcPct val="90000"/>
+              </a:lnSpc>
+              <a:spcBef>
+                <a:spcPts val="500"/>
+              </a:spcBef>
+              <a:buFont typeface="Arial" panose="020B0604020202020204" pitchFamily="34" charset="0"/>
+              <a:buChar char="•"/>
+              <a:defRPr sz="2000" kern="1200">
+                <a:solidFill>
+                  <a:schemeClr val="tx1"/>
+                </a:solidFill>
+                <a:latin typeface="+mn-lt"/>
+                <a:ea typeface="+mn-ea"/>
+                <a:cs typeface="+mn-cs"/>
+              </a:defRPr>
+            </a:lvl3pPr>
+            <a:lvl4pPr marL="1600200" indent="-228600" algn="l" defTabSz="914400" rtl="0" eaLnBrk="1" latinLnBrk="1" hangingPunct="1">
+              <a:lnSpc>
+                <a:spcPct val="90000"/>
+              </a:lnSpc>
+              <a:spcBef>
+                <a:spcPts val="500"/>
+              </a:spcBef>
+              <a:buFont typeface="Arial" panose="020B0604020202020204" pitchFamily="34" charset="0"/>
+              <a:buChar char="•"/>
+              <a:defRPr sz="1800" kern="1200">
+                <a:solidFill>
+                  <a:schemeClr val="tx1"/>
+                </a:solidFill>
+                <a:latin typeface="+mn-lt"/>
+                <a:ea typeface="+mn-ea"/>
+                <a:cs typeface="+mn-cs"/>
+              </a:defRPr>
+            </a:lvl4pPr>
+            <a:lvl5pPr marL="2057400" indent="-228600" algn="l" defTabSz="914400" rtl="0" eaLnBrk="1" latinLnBrk="1" hangingPunct="1">
+              <a:lnSpc>
+                <a:spcPct val="90000"/>
+              </a:lnSpc>
+              <a:spcBef>
+                <a:spcPts val="500"/>
+              </a:spcBef>
+              <a:buFont typeface="Arial" panose="020B0604020202020204" pitchFamily="34" charset="0"/>
+              <a:buChar char="•"/>
+              <a:defRPr sz="1800" kern="1200">
+                <a:solidFill>
+                  <a:schemeClr val="tx1"/>
+                </a:solidFill>
+                <a:latin typeface="+mn-lt"/>
+                <a:ea typeface="+mn-ea"/>
+                <a:cs typeface="+mn-cs"/>
+              </a:defRPr>
+            </a:lvl5pPr>
+            <a:lvl6pPr marL="2514600" indent="-228600" algn="l" defTabSz="914400" rtl="0" eaLnBrk="1" latinLnBrk="1" hangingPunct="1">
+              <a:lnSpc>
+                <a:spcPct val="90000"/>
+              </a:lnSpc>
+              <a:spcBef>
+                <a:spcPts val="500"/>
+              </a:spcBef>
+              <a:buFont typeface="Arial" panose="020B0604020202020204" pitchFamily="34" charset="0"/>
+              <a:buChar char="•"/>
+              <a:defRPr sz="1800" kern="1200">
+                <a:solidFill>
+                  <a:schemeClr val="tx1"/>
+                </a:solidFill>
+                <a:latin typeface="+mn-lt"/>
+                <a:ea typeface="+mn-ea"/>
+                <a:cs typeface="+mn-cs"/>
+              </a:defRPr>
+            </a:lvl6pPr>
+            <a:lvl7pPr marL="2971800" indent="-228600" algn="l" defTabSz="914400" rtl="0" eaLnBrk="1" latinLnBrk="1" hangingPunct="1">
+              <a:lnSpc>
+                <a:spcPct val="90000"/>
+              </a:lnSpc>
+              <a:spcBef>
+                <a:spcPts val="500"/>
+              </a:spcBef>
+              <a:buFont typeface="Arial" panose="020B0604020202020204" pitchFamily="34" charset="0"/>
+              <a:buChar char="•"/>
+              <a:defRPr sz="1800" kern="1200">
+                <a:solidFill>
+                  <a:schemeClr val="tx1"/>
+                </a:solidFill>
+                <a:latin typeface="+mn-lt"/>
+                <a:ea typeface="+mn-ea"/>
+                <a:cs typeface="+mn-cs"/>
+              </a:defRPr>
+            </a:lvl7pPr>
+            <a:lvl8pPr marL="3429000" indent="-228600" algn="l" defTabSz="914400" rtl="0" eaLnBrk="1" latinLnBrk="1" hangingPunct="1">
+              <a:lnSpc>
+                <a:spcPct val="90000"/>
+              </a:lnSpc>
+              <a:spcBef>
+                <a:spcPts val="500"/>
+              </a:spcBef>
+              <a:buFont typeface="Arial" panose="020B0604020202020204" pitchFamily="34" charset="0"/>
+              <a:buChar char="•"/>
+              <a:defRPr sz="1800" kern="1200">
+                <a:solidFill>
+                  <a:schemeClr val="tx1"/>
+                </a:solidFill>
+                <a:latin typeface="+mn-lt"/>
+                <a:ea typeface="+mn-ea"/>
+                <a:cs typeface="+mn-cs"/>
+              </a:defRPr>
+            </a:lvl8pPr>
+            <a:lvl9pPr marL="3886200" indent="-228600" algn="l" defTabSz="914400" rtl="0" eaLnBrk="1" latinLnBrk="1" hangingPunct="1">
+              <a:lnSpc>
+                <a:spcPct val="90000"/>
+              </a:lnSpc>
+              <a:spcBef>
+                <a:spcPts val="500"/>
+              </a:spcBef>
+              <a:buFont typeface="Arial" panose="020B0604020202020204" pitchFamily="34" charset="0"/>
+              <a:buChar char="•"/>
+              <a:defRPr sz="1800" kern="1200">
+                <a:solidFill>
+                  <a:schemeClr val="tx1"/>
+                </a:solidFill>
+                <a:latin typeface="+mn-lt"/>
+                <a:ea typeface="+mn-ea"/>
+                <a:cs typeface="+mn-cs"/>
+              </a:defRPr>
+            </a:lvl9pPr>
+          </a:lstStyle>
+          <a:p>
+            <a:pPr marL="0" indent="0">
+              <a:buNone/>
+            </a:pPr>
+            <a:r>
+              <a:rPr lang="ko-KR" altLang="en-US" sz="1800" dirty="0" smtClean="0"/>
+              <a:t>       </a:t>
+            </a:r>
+            <a:endParaRPr lang="en-US" altLang="ko-KR" sz="1800" dirty="0"/>
+          </a:p>
+        </p:txBody>
+      </p:sp>
+      <p:pic>
+        <p:nvPicPr>
+          <p:cNvPr id="4" name="그림 3"/>
+          <p:cNvPicPr>
+            <a:picLocks noChangeAspect="1"/>
+          </p:cNvPicPr>
+          <p:nvPr/>
+        </p:nvPicPr>
+        <p:blipFill>
+          <a:blip r:embed="rId2">
+            <a:extLst>
+              <a:ext uri="{28A0092B-C50C-407E-A947-70E740481C1C}">
+                <a14:useLocalDpi xmlns:a14="http://schemas.microsoft.com/office/drawing/2010/main" val="0"/>
+              </a:ext>
+            </a:extLst>
+          </a:blip>
+          <a:stretch>
+            <a:fillRect/>
+          </a:stretch>
+        </p:blipFill>
+        <p:spPr>
+          <a:xfrm>
+            <a:off x="1136576" y="980728"/>
+            <a:ext cx="7124912" cy="5277479"/>
+          </a:xfrm>
+          <a:prstGeom prst="rect">
+            <a:avLst/>
+          </a:prstGeom>
+          <a:ln>
+            <a:solidFill>
+              <a:schemeClr val="bg1">
+                <a:lumMod val="85000"/>
+              </a:schemeClr>
+            </a:solidFill>
+          </a:ln>
+        </p:spPr>
+      </p:pic>
+    </p:spTree>
+    <p:extLst>
+      <p:ext uri="{BB962C8B-B14F-4D97-AF65-F5344CB8AC3E}">
+        <p14:creationId xmlns:p14="http://schemas.microsoft.com/office/powerpoint/2010/main" val="4033488185"/>
       </p:ext>
     </p:extLst>
   </p:cSld>
@@ -11220,333 +11152,6 @@
       </p:sp>
       <p:pic>
         <p:nvPicPr>
-          <p:cNvPr id="4" name="그림 3"/>
-          <p:cNvPicPr>
-            <a:picLocks noChangeAspect="1"/>
-          </p:cNvPicPr>
-          <p:nvPr/>
-        </p:nvPicPr>
-        <p:blipFill>
-          <a:blip r:embed="rId2">
-            <a:extLst>
-              <a:ext uri="{28A0092B-C50C-407E-A947-70E740481C1C}">
-                <a14:useLocalDpi xmlns:a14="http://schemas.microsoft.com/office/drawing/2010/main" val="0"/>
-              </a:ext>
-            </a:extLst>
-          </a:blip>
-          <a:stretch>
-            <a:fillRect/>
-          </a:stretch>
-        </p:blipFill>
-        <p:spPr>
-          <a:xfrm>
-            <a:off x="1136576" y="980728"/>
-            <a:ext cx="7124912" cy="5277479"/>
-          </a:xfrm>
-          <a:prstGeom prst="rect">
-            <a:avLst/>
-          </a:prstGeom>
-          <a:ln>
-            <a:solidFill>
-              <a:schemeClr val="bg1">
-                <a:lumMod val="85000"/>
-              </a:schemeClr>
-            </a:solidFill>
-          </a:ln>
-        </p:spPr>
-      </p:pic>
-    </p:spTree>
-    <p:extLst>
-      <p:ext uri="{BB962C8B-B14F-4D97-AF65-F5344CB8AC3E}">
-        <p14:creationId xmlns:p14="http://schemas.microsoft.com/office/powerpoint/2010/main" val="4033488185"/>
-      </p:ext>
-    </p:extLst>
-  </p:cSld>
-  <p:clrMapOvr>
-    <a:masterClrMapping/>
-  </p:clrMapOvr>
-  <p:timing>
-    <p:tnLst>
-      <p:par>
-        <p:cTn id="1" dur="indefinite" restart="never" nodeType="tmRoot"/>
-      </p:par>
-    </p:tnLst>
-  </p:timing>
-</p:sld>
-</file>
-
-<file path=ppt/slides/slide21.xml><?xml version="1.0" encoding="utf-8"?>
-<p:sld xmlns:a="http://schemas.openxmlformats.org/drawingml/2006/main" xmlns:r="http://schemas.openxmlformats.org/officeDocument/2006/relationships" xmlns:p="http://schemas.openxmlformats.org/presentationml/2006/main">
-  <p:cSld>
-    <p:spTree>
-      <p:nvGrpSpPr>
-        <p:cNvPr id="1" name=""/>
-        <p:cNvGrpSpPr/>
-        <p:nvPr/>
-      </p:nvGrpSpPr>
-      <p:grpSpPr>
-        <a:xfrm>
-          <a:off x="0" y="0"/>
-          <a:ext cx="0" cy="0"/>
-          <a:chOff x="0" y="0"/>
-          <a:chExt cx="0" cy="0"/>
-        </a:xfrm>
-      </p:grpSpPr>
-      <p:sp>
-        <p:nvSpPr>
-          <p:cNvPr id="6" name="제목 5"/>
-          <p:cNvSpPr>
-            <a:spLocks noGrp="1"/>
-          </p:cNvSpPr>
-          <p:nvPr>
-            <p:ph type="title"/>
-          </p:nvPr>
-        </p:nvSpPr>
-        <p:spPr/>
-        <p:txBody>
-          <a:bodyPr>
-            <a:normAutofit fontScale="90000"/>
-          </a:bodyPr>
-          <a:lstStyle/>
-          <a:p>
-            <a:r>
-              <a:rPr lang="en-US" altLang="ko-KR" dirty="0" smtClean="0"/>
-              <a:t>  </a:t>
-            </a:r>
-            <a:r>
-              <a:rPr lang="ko-KR" altLang="en-US" dirty="0" smtClean="0"/>
-              <a:t>배열을 이용한 성적 처리 프로그램</a:t>
-            </a:r>
-            <a:endParaRPr lang="ko-KR" altLang="en-US" dirty="0"/>
-          </a:p>
-        </p:txBody>
-      </p:sp>
-      <p:sp>
-        <p:nvSpPr>
-          <p:cNvPr id="5" name="슬라이드 번호 개체 틀 4"/>
-          <p:cNvSpPr>
-            <a:spLocks noGrp="1"/>
-          </p:cNvSpPr>
-          <p:nvPr>
-            <p:ph type="sldNum" sz="quarter" idx="12"/>
-          </p:nvPr>
-        </p:nvSpPr>
-        <p:spPr/>
-        <p:txBody>
-          <a:bodyPr/>
-          <a:lstStyle/>
-          <a:p>
-            <a:fld id="{1BDE3FE7-3AEA-4B05-AC5A-802D1816ACF0}" type="slidenum">
-              <a:rPr lang="ko-KR" altLang="en-US" smtClean="0"/>
-              <a:t>21</a:t>
-            </a:fld>
-            <a:endParaRPr lang="ko-KR" altLang="en-US"/>
-          </a:p>
-        </p:txBody>
-      </p:sp>
-      <p:sp>
-        <p:nvSpPr>
-          <p:cNvPr id="7" name="내용 개체 틀 2">
-            <a:extLst>
-              <a:ext uri="{FF2B5EF4-FFF2-40B4-BE49-F238E27FC236}">
-                <a16:creationId xmlns:a16="http://schemas.microsoft.com/office/drawing/2014/main" id="{98AF3A4E-7D90-4241-89FE-799D6F9D5A94}"/>
-              </a:ext>
-            </a:extLst>
-          </p:cNvPr>
-          <p:cNvSpPr txBox="1">
-            <a:spLocks/>
-          </p:cNvSpPr>
-          <p:nvPr/>
-        </p:nvSpPr>
-        <p:spPr>
-          <a:xfrm>
-            <a:off x="344488" y="1772816"/>
-            <a:ext cx="4248472" cy="419274"/>
-          </a:xfrm>
-          <a:prstGeom prst="rect">
-            <a:avLst/>
-          </a:prstGeom>
-        </p:spPr>
-        <p:txBody>
-          <a:bodyPr/>
-          <a:lstStyle>
-            <a:lvl1pPr marL="228600" indent="-228600" algn="l" defTabSz="914400" rtl="0" eaLnBrk="1" latinLnBrk="1" hangingPunct="1">
-              <a:lnSpc>
-                <a:spcPct val="90000"/>
-              </a:lnSpc>
-              <a:spcBef>
-                <a:spcPts val="1000"/>
-              </a:spcBef>
-              <a:buFont typeface="Arial" panose="020B0604020202020204" pitchFamily="34" charset="0"/>
-              <a:buChar char="•"/>
-              <a:defRPr sz="2800" kern="1200">
-                <a:solidFill>
-                  <a:schemeClr val="tx1"/>
-                </a:solidFill>
-                <a:latin typeface="+mn-lt"/>
-                <a:ea typeface="+mn-ea"/>
-                <a:cs typeface="+mn-cs"/>
-              </a:defRPr>
-            </a:lvl1pPr>
-            <a:lvl2pPr marL="685800" indent="-228600" algn="l" defTabSz="914400" rtl="0" eaLnBrk="1" latinLnBrk="1" hangingPunct="1">
-              <a:lnSpc>
-                <a:spcPct val="90000"/>
-              </a:lnSpc>
-              <a:spcBef>
-                <a:spcPts val="500"/>
-              </a:spcBef>
-              <a:buFont typeface="Arial" panose="020B0604020202020204" pitchFamily="34" charset="0"/>
-              <a:buChar char="•"/>
-              <a:defRPr sz="2400" kern="1200">
-                <a:solidFill>
-                  <a:schemeClr val="tx1"/>
-                </a:solidFill>
-                <a:latin typeface="+mn-lt"/>
-                <a:ea typeface="+mn-ea"/>
-                <a:cs typeface="+mn-cs"/>
-              </a:defRPr>
-            </a:lvl2pPr>
-            <a:lvl3pPr marL="1143000" indent="-228600" algn="l" defTabSz="914400" rtl="0" eaLnBrk="1" latinLnBrk="1" hangingPunct="1">
-              <a:lnSpc>
-                <a:spcPct val="90000"/>
-              </a:lnSpc>
-              <a:spcBef>
-                <a:spcPts val="500"/>
-              </a:spcBef>
-              <a:buFont typeface="Arial" panose="020B0604020202020204" pitchFamily="34" charset="0"/>
-              <a:buChar char="•"/>
-              <a:defRPr sz="2000" kern="1200">
-                <a:solidFill>
-                  <a:schemeClr val="tx1"/>
-                </a:solidFill>
-                <a:latin typeface="+mn-lt"/>
-                <a:ea typeface="+mn-ea"/>
-                <a:cs typeface="+mn-cs"/>
-              </a:defRPr>
-            </a:lvl3pPr>
-            <a:lvl4pPr marL="1600200" indent="-228600" algn="l" defTabSz="914400" rtl="0" eaLnBrk="1" latinLnBrk="1" hangingPunct="1">
-              <a:lnSpc>
-                <a:spcPct val="90000"/>
-              </a:lnSpc>
-              <a:spcBef>
-                <a:spcPts val="500"/>
-              </a:spcBef>
-              <a:buFont typeface="Arial" panose="020B0604020202020204" pitchFamily="34" charset="0"/>
-              <a:buChar char="•"/>
-              <a:defRPr sz="1800" kern="1200">
-                <a:solidFill>
-                  <a:schemeClr val="tx1"/>
-                </a:solidFill>
-                <a:latin typeface="+mn-lt"/>
-                <a:ea typeface="+mn-ea"/>
-                <a:cs typeface="+mn-cs"/>
-              </a:defRPr>
-            </a:lvl4pPr>
-            <a:lvl5pPr marL="2057400" indent="-228600" algn="l" defTabSz="914400" rtl="0" eaLnBrk="1" latinLnBrk="1" hangingPunct="1">
-              <a:lnSpc>
-                <a:spcPct val="90000"/>
-              </a:lnSpc>
-              <a:spcBef>
-                <a:spcPts val="500"/>
-              </a:spcBef>
-              <a:buFont typeface="Arial" panose="020B0604020202020204" pitchFamily="34" charset="0"/>
-              <a:buChar char="•"/>
-              <a:defRPr sz="1800" kern="1200">
-                <a:solidFill>
-                  <a:schemeClr val="tx1"/>
-                </a:solidFill>
-                <a:latin typeface="+mn-lt"/>
-                <a:ea typeface="+mn-ea"/>
-                <a:cs typeface="+mn-cs"/>
-              </a:defRPr>
-            </a:lvl5pPr>
-            <a:lvl6pPr marL="2514600" indent="-228600" algn="l" defTabSz="914400" rtl="0" eaLnBrk="1" latinLnBrk="1" hangingPunct="1">
-              <a:lnSpc>
-                <a:spcPct val="90000"/>
-              </a:lnSpc>
-              <a:spcBef>
-                <a:spcPts val="500"/>
-              </a:spcBef>
-              <a:buFont typeface="Arial" panose="020B0604020202020204" pitchFamily="34" charset="0"/>
-              <a:buChar char="•"/>
-              <a:defRPr sz="1800" kern="1200">
-                <a:solidFill>
-                  <a:schemeClr val="tx1"/>
-                </a:solidFill>
-                <a:latin typeface="+mn-lt"/>
-                <a:ea typeface="+mn-ea"/>
-                <a:cs typeface="+mn-cs"/>
-              </a:defRPr>
-            </a:lvl6pPr>
-            <a:lvl7pPr marL="2971800" indent="-228600" algn="l" defTabSz="914400" rtl="0" eaLnBrk="1" latinLnBrk="1" hangingPunct="1">
-              <a:lnSpc>
-                <a:spcPct val="90000"/>
-              </a:lnSpc>
-              <a:spcBef>
-                <a:spcPts val="500"/>
-              </a:spcBef>
-              <a:buFont typeface="Arial" panose="020B0604020202020204" pitchFamily="34" charset="0"/>
-              <a:buChar char="•"/>
-              <a:defRPr sz="1800" kern="1200">
-                <a:solidFill>
-                  <a:schemeClr val="tx1"/>
-                </a:solidFill>
-                <a:latin typeface="+mn-lt"/>
-                <a:ea typeface="+mn-ea"/>
-                <a:cs typeface="+mn-cs"/>
-              </a:defRPr>
-            </a:lvl7pPr>
-            <a:lvl8pPr marL="3429000" indent="-228600" algn="l" defTabSz="914400" rtl="0" eaLnBrk="1" latinLnBrk="1" hangingPunct="1">
-              <a:lnSpc>
-                <a:spcPct val="90000"/>
-              </a:lnSpc>
-              <a:spcBef>
-                <a:spcPts val="500"/>
-              </a:spcBef>
-              <a:buFont typeface="Arial" panose="020B0604020202020204" pitchFamily="34" charset="0"/>
-              <a:buChar char="•"/>
-              <a:defRPr sz="1800" kern="1200">
-                <a:solidFill>
-                  <a:schemeClr val="tx1"/>
-                </a:solidFill>
-                <a:latin typeface="+mn-lt"/>
-                <a:ea typeface="+mn-ea"/>
-                <a:cs typeface="+mn-cs"/>
-              </a:defRPr>
-            </a:lvl8pPr>
-            <a:lvl9pPr marL="3886200" indent="-228600" algn="l" defTabSz="914400" rtl="0" eaLnBrk="1" latinLnBrk="1" hangingPunct="1">
-              <a:lnSpc>
-                <a:spcPct val="90000"/>
-              </a:lnSpc>
-              <a:spcBef>
-                <a:spcPts val="500"/>
-              </a:spcBef>
-              <a:buFont typeface="Arial" panose="020B0604020202020204" pitchFamily="34" charset="0"/>
-              <a:buChar char="•"/>
-              <a:defRPr sz="1800" kern="1200">
-                <a:solidFill>
-                  <a:schemeClr val="tx1"/>
-                </a:solidFill>
-                <a:latin typeface="+mn-lt"/>
-                <a:ea typeface="+mn-ea"/>
-                <a:cs typeface="+mn-cs"/>
-              </a:defRPr>
-            </a:lvl9pPr>
-          </a:lstStyle>
-          <a:p>
-            <a:pPr marL="0" indent="0">
-              <a:buNone/>
-            </a:pPr>
-            <a:r>
-              <a:rPr lang="ko-KR" altLang="en-US" sz="1800" dirty="0" smtClean="0"/>
-              <a:t>       </a:t>
-            </a:r>
-            <a:endParaRPr lang="en-US" altLang="ko-KR" sz="1800" dirty="0"/>
-          </a:p>
-        </p:txBody>
-      </p:sp>
-      <p:pic>
-        <p:nvPicPr>
           <p:cNvPr id="2" name="그림 1"/>
           <p:cNvPicPr>
             <a:picLocks noChangeAspect="1"/>
@@ -11602,7 +11207,7 @@
 </p:sld>
 </file>
 
-<file path=ppt/slides/slide22.xml><?xml version="1.0" encoding="utf-8"?>
+<file path=ppt/slides/slide21.xml><?xml version="1.0" encoding="utf-8"?>
 <p:sld xmlns:a="http://schemas.openxmlformats.org/drawingml/2006/main" xmlns:r="http://schemas.openxmlformats.org/officeDocument/2006/relationships" xmlns:p="http://schemas.openxmlformats.org/presentationml/2006/main">
   <p:cSld>
     <p:spTree>
@@ -11671,7 +11276,7 @@
           <a:p>
             <a:fld id="{1BDE3FE7-3AEA-4B05-AC5A-802D1816ACF0}" type="slidenum">
               <a:rPr lang="ko-KR" altLang="en-US" smtClean="0"/>
-              <a:t>22</a:t>
+              <a:t>21</a:t>
             </a:fld>
             <a:endParaRPr lang="ko-KR" altLang="en-US"/>
           </a:p>
@@ -12254,7 +11859,7 @@
 </p:sld>
 </file>
 
-<file path=ppt/slides/slide23.xml><?xml version="1.0" encoding="utf-8"?>
+<file path=ppt/slides/slide22.xml><?xml version="1.0" encoding="utf-8"?>
 <p:sld xmlns:a="http://schemas.openxmlformats.org/drawingml/2006/main" xmlns:r="http://schemas.openxmlformats.org/officeDocument/2006/relationships" xmlns:p="http://schemas.openxmlformats.org/presentationml/2006/main">
   <p:cSld>
     <p:spTree>
@@ -12356,7 +11961,7 @@
           <a:p>
             <a:fld id="{1BDE3FE7-3AEA-4B05-AC5A-802D1816ACF0}" type="slidenum">
               <a:rPr lang="ko-KR" altLang="en-US" smtClean="0"/>
-              <a:t>23</a:t>
+              <a:t>22</a:t>
             </a:fld>
             <a:endParaRPr lang="ko-KR" altLang="en-US"/>
           </a:p>
@@ -12956,7 +12561,7 @@
 </p:sld>
 </file>
 
-<file path=ppt/slides/slide24.xml><?xml version="1.0" encoding="utf-8"?>
+<file path=ppt/slides/slide23.xml><?xml version="1.0" encoding="utf-8"?>
 <p:sld xmlns:a="http://schemas.openxmlformats.org/drawingml/2006/main" xmlns:r="http://schemas.openxmlformats.org/officeDocument/2006/relationships" xmlns:p="http://schemas.openxmlformats.org/presentationml/2006/main">
   <p:cSld>
     <p:spTree>
@@ -13021,7 +12626,7 @@
           <a:p>
             <a:fld id="{1BDE3FE7-3AEA-4B05-AC5A-802D1816ACF0}" type="slidenum">
               <a:rPr lang="ko-KR" altLang="en-US" smtClean="0"/>
-              <a:t>24</a:t>
+              <a:t>23</a:t>
             </a:fld>
             <a:endParaRPr lang="ko-KR" altLang="en-US"/>
           </a:p>
@@ -13440,7 +13045,7 @@
 </p:sld>
 </file>
 
-<file path=ppt/slides/slide25.xml><?xml version="1.0" encoding="utf-8"?>
+<file path=ppt/slides/slide24.xml><?xml version="1.0" encoding="utf-8"?>
 <p:sld xmlns:a="http://schemas.openxmlformats.org/drawingml/2006/main" xmlns:r="http://schemas.openxmlformats.org/officeDocument/2006/relationships" xmlns:p="http://schemas.openxmlformats.org/presentationml/2006/main">
   <p:cSld>
     <p:spTree>
@@ -13505,7 +13110,7 @@
           <a:p>
             <a:fld id="{1BDE3FE7-3AEA-4B05-AC5A-802D1816ACF0}" type="slidenum">
               <a:rPr lang="ko-KR" altLang="en-US" smtClean="0"/>
-              <a:t>25</a:t>
+              <a:t>24</a:t>
             </a:fld>
             <a:endParaRPr lang="ko-KR" altLang="en-US"/>
           </a:p>
@@ -13928,7 +13533,7 @@
 </p:sld>
 </file>
 
-<file path=ppt/slides/slide26.xml><?xml version="1.0" encoding="utf-8"?>
+<file path=ppt/slides/slide25.xml><?xml version="1.0" encoding="utf-8"?>
 <p:sld xmlns:a="http://schemas.openxmlformats.org/drawingml/2006/main" xmlns:r="http://schemas.openxmlformats.org/officeDocument/2006/relationships" xmlns:p="http://schemas.openxmlformats.org/presentationml/2006/main">
   <p:cSld>
     <p:spTree>
@@ -13993,7 +13598,7 @@
           <a:p>
             <a:fld id="{1BDE3FE7-3AEA-4B05-AC5A-802D1816ACF0}" type="slidenum">
               <a:rPr lang="ko-KR" altLang="en-US" smtClean="0"/>
-              <a:t>26</a:t>
+              <a:t>25</a:t>
             </a:fld>
             <a:endParaRPr lang="ko-KR" altLang="en-US"/>
           </a:p>
@@ -14413,7 +14018,7 @@
 </p:sld>
 </file>
 
-<file path=ppt/slides/slide27.xml><?xml version="1.0" encoding="utf-8"?>
+<file path=ppt/slides/slide26.xml><?xml version="1.0" encoding="utf-8"?>
 <p:sld xmlns:a="http://schemas.openxmlformats.org/drawingml/2006/main" xmlns:r="http://schemas.openxmlformats.org/officeDocument/2006/relationships" xmlns:p="http://schemas.openxmlformats.org/presentationml/2006/main">
   <p:cSld>
     <p:spTree>
@@ -14474,7 +14079,7 @@
           <a:p>
             <a:fld id="{1BDE3FE7-3AEA-4B05-AC5A-802D1816ACF0}" type="slidenum">
               <a:rPr lang="ko-KR" altLang="en-US" smtClean="0"/>
-              <a:t>27</a:t>
+              <a:t>26</a:t>
             </a:fld>
             <a:endParaRPr lang="ko-KR" altLang="en-US"/>
           </a:p>
@@ -15826,7 +15431,7 @@
 </p:sld>
 </file>
 
-<file path=ppt/slides/slide28.xml><?xml version="1.0" encoding="utf-8"?>
+<file path=ppt/slides/slide27.xml><?xml version="1.0" encoding="utf-8"?>
 <p:sld xmlns:a="http://schemas.openxmlformats.org/drawingml/2006/main" xmlns:r="http://schemas.openxmlformats.org/officeDocument/2006/relationships" xmlns:p="http://schemas.openxmlformats.org/presentationml/2006/main">
   <p:cSld>
     <p:spTree>
@@ -15887,7 +15492,7 @@
           <a:p>
             <a:fld id="{1BDE3FE7-3AEA-4B05-AC5A-802D1816ACF0}" type="slidenum">
               <a:rPr lang="ko-KR" altLang="en-US" smtClean="0"/>
-              <a:t>28</a:t>
+              <a:t>27</a:t>
             </a:fld>
             <a:endParaRPr lang="ko-KR" altLang="en-US"/>
           </a:p>
@@ -16206,7 +15811,7 @@
 </p:sld>
 </file>
 
-<file path=ppt/slides/slide29.xml><?xml version="1.0" encoding="utf-8"?>
+<file path=ppt/slides/slide28.xml><?xml version="1.0" encoding="utf-8"?>
 <p:sld xmlns:a="http://schemas.openxmlformats.org/drawingml/2006/main" xmlns:r="http://schemas.openxmlformats.org/officeDocument/2006/relationships" xmlns:p="http://schemas.openxmlformats.org/presentationml/2006/main">
   <p:cSld>
     <p:spTree>
@@ -16267,7 +15872,7 @@
           <a:p>
             <a:fld id="{1BDE3FE7-3AEA-4B05-AC5A-802D1816ACF0}" type="slidenum">
               <a:rPr lang="ko-KR" altLang="en-US" smtClean="0"/>
-              <a:t>29</a:t>
+              <a:t>28</a:t>
             </a:fld>
             <a:endParaRPr lang="ko-KR" altLang="en-US"/>
           </a:p>
@@ -16583,7 +16188,7 @@
 </p:sld>
 </file>
 
-<file path=ppt/slides/slide3.xml><?xml version="1.0" encoding="utf-8"?>
+<file path=ppt/slides/slide29.xml><?xml version="1.0" encoding="utf-8"?>
 <p:sld xmlns:a="http://schemas.openxmlformats.org/drawingml/2006/main" xmlns:r="http://schemas.openxmlformats.org/officeDocument/2006/relationships" xmlns:p="http://schemas.openxmlformats.org/presentationml/2006/main">
   <p:cSld>
     <p:spTree>
@@ -16621,7 +16226,7 @@
             </a:r>
             <a:r>
               <a:rPr lang="ko-KR" altLang="en-US" dirty="0" smtClean="0"/>
-              <a:t>배열 사용하기</a:t>
+              <a:t>다차원 배열</a:t>
             </a:r>
             <a:endParaRPr lang="ko-KR" altLang="en-US" dirty="0"/>
           </a:p>
@@ -16644,1283 +16249,7 @@
           <a:p>
             <a:fld id="{1BDE3FE7-3AEA-4B05-AC5A-802D1816ACF0}" type="slidenum">
               <a:rPr lang="ko-KR" altLang="en-US" smtClean="0"/>
-              <a:t>3</a:t>
-            </a:fld>
-            <a:endParaRPr lang="ko-KR" altLang="en-US"/>
-          </a:p>
-        </p:txBody>
-      </p:sp>
-      <p:sp>
-        <p:nvSpPr>
-          <p:cNvPr id="7" name="내용 개체 틀 2">
-            <a:extLst>
-              <a:ext uri="{FF2B5EF4-FFF2-40B4-BE49-F238E27FC236}">
-                <a16:creationId xmlns:a16="http://schemas.microsoft.com/office/drawing/2014/main" id="{98AF3A4E-7D90-4241-89FE-799D6F9D5A94}"/>
-              </a:ext>
-            </a:extLst>
-          </p:cNvPr>
-          <p:cNvSpPr txBox="1">
-            <a:spLocks/>
-          </p:cNvSpPr>
-          <p:nvPr/>
-        </p:nvSpPr>
-        <p:spPr>
-          <a:xfrm>
-            <a:off x="945480" y="1127064"/>
-            <a:ext cx="6239768" cy="573744"/>
-          </a:xfrm>
-          <a:prstGeom prst="rect">
-            <a:avLst/>
-          </a:prstGeom>
-        </p:spPr>
-        <p:txBody>
-          <a:bodyPr/>
-          <a:lstStyle>
-            <a:lvl1pPr marL="228600" indent="-228600" algn="l" defTabSz="914400" rtl="0" eaLnBrk="1" latinLnBrk="1" hangingPunct="1">
-              <a:lnSpc>
-                <a:spcPct val="90000"/>
-              </a:lnSpc>
-              <a:spcBef>
-                <a:spcPts val="1000"/>
-              </a:spcBef>
-              <a:buFont typeface="Arial" panose="020B0604020202020204" pitchFamily="34" charset="0"/>
-              <a:buChar char="•"/>
-              <a:defRPr sz="2800" kern="1200">
-                <a:solidFill>
-                  <a:schemeClr val="tx1"/>
-                </a:solidFill>
-                <a:latin typeface="+mn-lt"/>
-                <a:ea typeface="+mn-ea"/>
-                <a:cs typeface="+mn-cs"/>
-              </a:defRPr>
-            </a:lvl1pPr>
-            <a:lvl2pPr marL="685800" indent="-228600" algn="l" defTabSz="914400" rtl="0" eaLnBrk="1" latinLnBrk="1" hangingPunct="1">
-              <a:lnSpc>
-                <a:spcPct val="90000"/>
-              </a:lnSpc>
-              <a:spcBef>
-                <a:spcPts val="500"/>
-              </a:spcBef>
-              <a:buFont typeface="Arial" panose="020B0604020202020204" pitchFamily="34" charset="0"/>
-              <a:buChar char="•"/>
-              <a:defRPr sz="2400" kern="1200">
-                <a:solidFill>
-                  <a:schemeClr val="tx1"/>
-                </a:solidFill>
-                <a:latin typeface="+mn-lt"/>
-                <a:ea typeface="+mn-ea"/>
-                <a:cs typeface="+mn-cs"/>
-              </a:defRPr>
-            </a:lvl2pPr>
-            <a:lvl3pPr marL="1143000" indent="-228600" algn="l" defTabSz="914400" rtl="0" eaLnBrk="1" latinLnBrk="1" hangingPunct="1">
-              <a:lnSpc>
-                <a:spcPct val="90000"/>
-              </a:lnSpc>
-              <a:spcBef>
-                <a:spcPts val="500"/>
-              </a:spcBef>
-              <a:buFont typeface="Arial" panose="020B0604020202020204" pitchFamily="34" charset="0"/>
-              <a:buChar char="•"/>
-              <a:defRPr sz="2000" kern="1200">
-                <a:solidFill>
-                  <a:schemeClr val="tx1"/>
-                </a:solidFill>
-                <a:latin typeface="+mn-lt"/>
-                <a:ea typeface="+mn-ea"/>
-                <a:cs typeface="+mn-cs"/>
-              </a:defRPr>
-            </a:lvl3pPr>
-            <a:lvl4pPr marL="1600200" indent="-228600" algn="l" defTabSz="914400" rtl="0" eaLnBrk="1" latinLnBrk="1" hangingPunct="1">
-              <a:lnSpc>
-                <a:spcPct val="90000"/>
-              </a:lnSpc>
-              <a:spcBef>
-                <a:spcPts val="500"/>
-              </a:spcBef>
-              <a:buFont typeface="Arial" panose="020B0604020202020204" pitchFamily="34" charset="0"/>
-              <a:buChar char="•"/>
-              <a:defRPr sz="1800" kern="1200">
-                <a:solidFill>
-                  <a:schemeClr val="tx1"/>
-                </a:solidFill>
-                <a:latin typeface="+mn-lt"/>
-                <a:ea typeface="+mn-ea"/>
-                <a:cs typeface="+mn-cs"/>
-              </a:defRPr>
-            </a:lvl4pPr>
-            <a:lvl5pPr marL="2057400" indent="-228600" algn="l" defTabSz="914400" rtl="0" eaLnBrk="1" latinLnBrk="1" hangingPunct="1">
-              <a:lnSpc>
-                <a:spcPct val="90000"/>
-              </a:lnSpc>
-              <a:spcBef>
-                <a:spcPts val="500"/>
-              </a:spcBef>
-              <a:buFont typeface="Arial" panose="020B0604020202020204" pitchFamily="34" charset="0"/>
-              <a:buChar char="•"/>
-              <a:defRPr sz="1800" kern="1200">
-                <a:solidFill>
-                  <a:schemeClr val="tx1"/>
-                </a:solidFill>
-                <a:latin typeface="+mn-lt"/>
-                <a:ea typeface="+mn-ea"/>
-                <a:cs typeface="+mn-cs"/>
-              </a:defRPr>
-            </a:lvl5pPr>
-            <a:lvl6pPr marL="2514600" indent="-228600" algn="l" defTabSz="914400" rtl="0" eaLnBrk="1" latinLnBrk="1" hangingPunct="1">
-              <a:lnSpc>
-                <a:spcPct val="90000"/>
-              </a:lnSpc>
-              <a:spcBef>
-                <a:spcPts val="500"/>
-              </a:spcBef>
-              <a:buFont typeface="Arial" panose="020B0604020202020204" pitchFamily="34" charset="0"/>
-              <a:buChar char="•"/>
-              <a:defRPr sz="1800" kern="1200">
-                <a:solidFill>
-                  <a:schemeClr val="tx1"/>
-                </a:solidFill>
-                <a:latin typeface="+mn-lt"/>
-                <a:ea typeface="+mn-ea"/>
-                <a:cs typeface="+mn-cs"/>
-              </a:defRPr>
-            </a:lvl6pPr>
-            <a:lvl7pPr marL="2971800" indent="-228600" algn="l" defTabSz="914400" rtl="0" eaLnBrk="1" latinLnBrk="1" hangingPunct="1">
-              <a:lnSpc>
-                <a:spcPct val="90000"/>
-              </a:lnSpc>
-              <a:spcBef>
-                <a:spcPts val="500"/>
-              </a:spcBef>
-              <a:buFont typeface="Arial" panose="020B0604020202020204" pitchFamily="34" charset="0"/>
-              <a:buChar char="•"/>
-              <a:defRPr sz="1800" kern="1200">
-                <a:solidFill>
-                  <a:schemeClr val="tx1"/>
-                </a:solidFill>
-                <a:latin typeface="+mn-lt"/>
-                <a:ea typeface="+mn-ea"/>
-                <a:cs typeface="+mn-cs"/>
-              </a:defRPr>
-            </a:lvl7pPr>
-            <a:lvl8pPr marL="3429000" indent="-228600" algn="l" defTabSz="914400" rtl="0" eaLnBrk="1" latinLnBrk="1" hangingPunct="1">
-              <a:lnSpc>
-                <a:spcPct val="90000"/>
-              </a:lnSpc>
-              <a:spcBef>
-                <a:spcPts val="500"/>
-              </a:spcBef>
-              <a:buFont typeface="Arial" panose="020B0604020202020204" pitchFamily="34" charset="0"/>
-              <a:buChar char="•"/>
-              <a:defRPr sz="1800" kern="1200">
-                <a:solidFill>
-                  <a:schemeClr val="tx1"/>
-                </a:solidFill>
-                <a:latin typeface="+mn-lt"/>
-                <a:ea typeface="+mn-ea"/>
-                <a:cs typeface="+mn-cs"/>
-              </a:defRPr>
-            </a:lvl8pPr>
-            <a:lvl9pPr marL="3886200" indent="-228600" algn="l" defTabSz="914400" rtl="0" eaLnBrk="1" latinLnBrk="1" hangingPunct="1">
-              <a:lnSpc>
-                <a:spcPct val="90000"/>
-              </a:lnSpc>
-              <a:spcBef>
-                <a:spcPts val="500"/>
-              </a:spcBef>
-              <a:buFont typeface="Arial" panose="020B0604020202020204" pitchFamily="34" charset="0"/>
-              <a:buChar char="•"/>
-              <a:defRPr sz="1800" kern="1200">
-                <a:solidFill>
-                  <a:schemeClr val="tx1"/>
-                </a:solidFill>
-                <a:latin typeface="+mn-lt"/>
-                <a:ea typeface="+mn-ea"/>
-                <a:cs typeface="+mn-cs"/>
-              </a:defRPr>
-            </a:lvl9pPr>
-          </a:lstStyle>
-          <a:p>
-            <a:pPr>
-              <a:lnSpc>
-                <a:spcPct val="150000"/>
-              </a:lnSpc>
-              <a:buFont typeface="Wingdings" panose="05000000000000000000" pitchFamily="2" charset="2"/>
-              <a:buChar char="l"/>
-            </a:pPr>
-            <a:r>
-              <a:rPr lang="ko-KR" altLang="en-US" sz="2000" b="1" dirty="0" smtClean="0">
-                <a:solidFill>
-                  <a:srgbClr val="C00000"/>
-                </a:solidFill>
-              </a:rPr>
-              <a:t> 배열 선언 및 자료 저장</a:t>
-            </a:r>
-            <a:endParaRPr lang="en-US" altLang="ko-KR" sz="2000" b="1" dirty="0">
-              <a:solidFill>
-                <a:srgbClr val="C00000"/>
-              </a:solidFill>
-            </a:endParaRPr>
-          </a:p>
-          <a:p>
-            <a:pPr marL="457200" lvl="1" indent="0">
-              <a:lnSpc>
-                <a:spcPct val="150000"/>
-              </a:lnSpc>
-              <a:buNone/>
-            </a:pPr>
-            <a:r>
-              <a:rPr lang="ko-KR" altLang="en-US" sz="1800" b="1" dirty="0" smtClean="0">
-                <a:solidFill>
-                  <a:srgbClr val="002060"/>
-                </a:solidFill>
-              </a:rPr>
-              <a:t> ① </a:t>
-            </a:r>
-            <a:r>
-              <a:rPr lang="ko-KR" altLang="en-US" sz="1800" b="1" dirty="0" err="1" smtClean="0">
-                <a:solidFill>
-                  <a:srgbClr val="002060"/>
-                </a:solidFill>
-              </a:rPr>
-              <a:t>자료형</a:t>
-            </a:r>
-            <a:r>
-              <a:rPr lang="en-US" altLang="ko-KR" sz="1800" b="1" dirty="0" smtClean="0">
-                <a:solidFill>
-                  <a:srgbClr val="002060"/>
-                </a:solidFill>
-              </a:rPr>
-              <a:t>[ ] </a:t>
-            </a:r>
-            <a:r>
-              <a:rPr lang="ko-KR" altLang="en-US" sz="1800" dirty="0" smtClean="0">
-                <a:solidFill>
-                  <a:srgbClr val="002060"/>
-                </a:solidFill>
-              </a:rPr>
-              <a:t>배열 이름 </a:t>
-            </a:r>
-            <a:r>
-              <a:rPr lang="en-US" altLang="ko-KR" sz="1800" dirty="0" smtClean="0">
-                <a:solidFill>
-                  <a:srgbClr val="002060"/>
-                </a:solidFill>
-              </a:rPr>
-              <a:t>= </a:t>
-            </a:r>
-            <a:r>
-              <a:rPr lang="en-US" altLang="ko-KR" sz="1800" b="1" dirty="0" smtClean="0">
-                <a:solidFill>
-                  <a:srgbClr val="C00000"/>
-                </a:solidFill>
-              </a:rPr>
-              <a:t>new</a:t>
-            </a:r>
-            <a:r>
-              <a:rPr lang="en-US" altLang="ko-KR" sz="1800" dirty="0">
-                <a:solidFill>
-                  <a:srgbClr val="002060"/>
-                </a:solidFill>
-              </a:rPr>
-              <a:t> </a:t>
-            </a:r>
-            <a:r>
-              <a:rPr lang="ko-KR" altLang="en-US" sz="1800" b="1" dirty="0" err="1" smtClean="0">
-                <a:solidFill>
-                  <a:srgbClr val="002060"/>
-                </a:solidFill>
-              </a:rPr>
-              <a:t>자료형</a:t>
-            </a:r>
-            <a:r>
-              <a:rPr lang="en-US" altLang="ko-KR" sz="1800" b="1" dirty="0" smtClean="0">
-                <a:solidFill>
-                  <a:srgbClr val="002060"/>
-                </a:solidFill>
-              </a:rPr>
-              <a:t>[</a:t>
-            </a:r>
-            <a:r>
-              <a:rPr lang="ko-KR" altLang="en-US" sz="1800" b="1" dirty="0" smtClean="0">
-                <a:solidFill>
-                  <a:srgbClr val="002060"/>
-                </a:solidFill>
-              </a:rPr>
-              <a:t>개수</a:t>
-            </a:r>
-            <a:r>
-              <a:rPr lang="en-US" altLang="ko-KR" sz="1800" b="1" dirty="0" smtClean="0">
-                <a:solidFill>
-                  <a:srgbClr val="002060"/>
-                </a:solidFill>
-              </a:rPr>
-              <a:t>]</a:t>
-            </a:r>
-          </a:p>
-          <a:p>
-            <a:pPr marL="457200" lvl="1" indent="0">
-              <a:lnSpc>
-                <a:spcPct val="150000"/>
-              </a:lnSpc>
-              <a:buNone/>
-            </a:pPr>
-            <a:r>
-              <a:rPr lang="en-US" altLang="ko-KR" sz="1800" dirty="0" smtClean="0">
-                <a:solidFill>
-                  <a:srgbClr val="002060"/>
-                </a:solidFill>
-              </a:rPr>
-              <a:t> </a:t>
-            </a:r>
-            <a:r>
-              <a:rPr lang="ko-KR" altLang="en-US" sz="1800" b="1" dirty="0" smtClean="0">
-                <a:solidFill>
-                  <a:srgbClr val="002060"/>
-                </a:solidFill>
-              </a:rPr>
-              <a:t>②</a:t>
-            </a:r>
-            <a:r>
-              <a:rPr lang="ko-KR" altLang="en-US" sz="1800" dirty="0" smtClean="0">
-                <a:solidFill>
-                  <a:srgbClr val="002060"/>
-                </a:solidFill>
-              </a:rPr>
-              <a:t> </a:t>
-            </a:r>
-            <a:r>
-              <a:rPr lang="ko-KR" altLang="en-US" sz="1800" b="1" dirty="0" err="1" smtClean="0">
-                <a:solidFill>
-                  <a:srgbClr val="002060"/>
-                </a:solidFill>
-              </a:rPr>
-              <a:t>자료형</a:t>
-            </a:r>
-            <a:r>
-              <a:rPr lang="en-US" altLang="ko-KR" sz="1800" b="1" dirty="0" smtClean="0">
-                <a:solidFill>
-                  <a:srgbClr val="002060"/>
-                </a:solidFill>
-              </a:rPr>
-              <a:t>  </a:t>
-            </a:r>
-            <a:r>
-              <a:rPr lang="ko-KR" altLang="en-US" sz="1800" dirty="0" smtClean="0">
-                <a:solidFill>
-                  <a:srgbClr val="002060"/>
-                </a:solidFill>
-              </a:rPr>
-              <a:t>배열 이름</a:t>
-            </a:r>
-            <a:r>
-              <a:rPr lang="en-US" altLang="ko-KR" sz="1800" dirty="0" smtClean="0">
-                <a:solidFill>
-                  <a:srgbClr val="002060"/>
-                </a:solidFill>
-              </a:rPr>
-              <a:t>[ ]</a:t>
-            </a:r>
-            <a:r>
-              <a:rPr lang="ko-KR" altLang="en-US" sz="1800" dirty="0" smtClean="0">
-                <a:solidFill>
-                  <a:srgbClr val="002060"/>
-                </a:solidFill>
-              </a:rPr>
-              <a:t> </a:t>
-            </a:r>
-            <a:r>
-              <a:rPr lang="en-US" altLang="ko-KR" sz="1800" dirty="0">
-                <a:solidFill>
-                  <a:srgbClr val="002060"/>
-                </a:solidFill>
-              </a:rPr>
-              <a:t>= </a:t>
-            </a:r>
-            <a:r>
-              <a:rPr lang="en-US" altLang="ko-KR" sz="1800" b="1" dirty="0">
-                <a:solidFill>
-                  <a:srgbClr val="C00000"/>
-                </a:solidFill>
-              </a:rPr>
-              <a:t>new</a:t>
-            </a:r>
-            <a:r>
-              <a:rPr lang="en-US" altLang="ko-KR" sz="1800" dirty="0">
-                <a:solidFill>
-                  <a:srgbClr val="002060"/>
-                </a:solidFill>
-              </a:rPr>
-              <a:t> </a:t>
-            </a:r>
-            <a:r>
-              <a:rPr lang="ko-KR" altLang="en-US" sz="1800" b="1" dirty="0" err="1">
-                <a:solidFill>
-                  <a:srgbClr val="002060"/>
-                </a:solidFill>
-              </a:rPr>
-              <a:t>자료형</a:t>
-            </a:r>
-            <a:r>
-              <a:rPr lang="en-US" altLang="ko-KR" sz="1800" b="1" dirty="0">
-                <a:solidFill>
-                  <a:srgbClr val="002060"/>
-                </a:solidFill>
-              </a:rPr>
-              <a:t>[</a:t>
-            </a:r>
-            <a:r>
-              <a:rPr lang="ko-KR" altLang="en-US" sz="1800" b="1" dirty="0">
-                <a:solidFill>
-                  <a:srgbClr val="002060"/>
-                </a:solidFill>
-              </a:rPr>
-              <a:t>개수</a:t>
-            </a:r>
-            <a:r>
-              <a:rPr lang="en-US" altLang="ko-KR" sz="1800" b="1" dirty="0">
-                <a:solidFill>
-                  <a:srgbClr val="002060"/>
-                </a:solidFill>
-              </a:rPr>
-              <a:t>]</a:t>
-            </a:r>
-            <a:r>
-              <a:rPr lang="en-US" altLang="ko-KR" sz="1800" dirty="0" smtClean="0">
-                <a:solidFill>
-                  <a:srgbClr val="002060"/>
-                </a:solidFill>
-              </a:rPr>
-              <a:t> </a:t>
-            </a:r>
-            <a:endParaRPr lang="en-US" altLang="ko-KR" sz="1800" dirty="0">
-              <a:solidFill>
-                <a:srgbClr val="002060"/>
-              </a:solidFill>
-            </a:endParaRPr>
-          </a:p>
-          <a:p>
-            <a:pPr marL="457200" lvl="1" indent="0">
-              <a:lnSpc>
-                <a:spcPct val="150000"/>
-              </a:lnSpc>
-              <a:buNone/>
-            </a:pPr>
-            <a:endParaRPr lang="en-US" altLang="ko-KR" sz="1800" dirty="0">
-              <a:solidFill>
-                <a:srgbClr val="002060"/>
-              </a:solidFill>
-            </a:endParaRPr>
-          </a:p>
-          <a:p>
-            <a:pPr marL="457200" lvl="1" indent="0">
-              <a:lnSpc>
-                <a:spcPct val="150000"/>
-              </a:lnSpc>
-              <a:buNone/>
-            </a:pPr>
-            <a:endParaRPr lang="en-US" altLang="ko-KR" sz="1800" dirty="0" smtClean="0">
-              <a:solidFill>
-                <a:srgbClr val="002060"/>
-              </a:solidFill>
-            </a:endParaRPr>
-          </a:p>
-          <a:p>
-            <a:pPr lvl="1">
-              <a:lnSpc>
-                <a:spcPct val="150000"/>
-              </a:lnSpc>
-              <a:buFont typeface="Wingdings" panose="05000000000000000000" pitchFamily="2" charset="2"/>
-              <a:buChar char="§"/>
-            </a:pPr>
-            <a:r>
-              <a:rPr lang="ko-KR" altLang="en-US" sz="1800" dirty="0"/>
-              <a:t>배열 길이</a:t>
-            </a:r>
-            <a:r>
-              <a:rPr lang="en-US" altLang="ko-KR" sz="1800" dirty="0"/>
-              <a:t>(length</a:t>
-            </a:r>
-            <a:r>
-              <a:rPr lang="en-US" altLang="ko-KR" sz="1800" dirty="0" smtClean="0"/>
-              <a:t>) - 10</a:t>
-            </a:r>
-            <a:r>
-              <a:rPr lang="ko-KR" altLang="en-US" sz="1800" dirty="0" smtClean="0"/>
-              <a:t>개</a:t>
-            </a:r>
-            <a:endParaRPr lang="en-US" altLang="ko-KR" sz="1800" dirty="0" smtClean="0">
-              <a:solidFill>
-                <a:srgbClr val="002060"/>
-              </a:solidFill>
-            </a:endParaRPr>
-          </a:p>
-          <a:p>
-            <a:pPr lvl="1">
-              <a:lnSpc>
-                <a:spcPct val="150000"/>
-              </a:lnSpc>
-              <a:buFont typeface="Wingdings" panose="05000000000000000000" pitchFamily="2" charset="2"/>
-              <a:buChar char="§"/>
-            </a:pPr>
-            <a:endParaRPr lang="en-US" altLang="ko-KR" sz="1800" dirty="0">
-              <a:solidFill>
-                <a:srgbClr val="002060"/>
-              </a:solidFill>
-            </a:endParaRPr>
-          </a:p>
-          <a:p>
-            <a:pPr marL="457200" lvl="1" indent="0">
-              <a:lnSpc>
-                <a:spcPct val="150000"/>
-              </a:lnSpc>
-              <a:buNone/>
-            </a:pPr>
-            <a:endParaRPr lang="en-US" altLang="ko-KR" sz="1800" dirty="0" smtClean="0">
-              <a:solidFill>
-                <a:srgbClr val="002060"/>
-              </a:solidFill>
-            </a:endParaRPr>
-          </a:p>
-          <a:p>
-            <a:pPr lvl="1">
-              <a:lnSpc>
-                <a:spcPct val="150000"/>
-              </a:lnSpc>
-              <a:buFont typeface="Wingdings" panose="05000000000000000000" pitchFamily="2" charset="2"/>
-              <a:buChar char="§"/>
-            </a:pPr>
-            <a:endParaRPr lang="en-US" altLang="ko-KR" sz="1800" dirty="0" smtClean="0">
-              <a:solidFill>
-                <a:srgbClr val="002060"/>
-              </a:solidFill>
-            </a:endParaRPr>
-          </a:p>
-          <a:p>
-            <a:pPr lvl="1">
-              <a:lnSpc>
-                <a:spcPct val="150000"/>
-              </a:lnSpc>
-              <a:buFont typeface="Wingdings" panose="05000000000000000000" pitchFamily="2" charset="2"/>
-              <a:buChar char="§"/>
-            </a:pPr>
-            <a:r>
-              <a:rPr lang="ko-KR" altLang="en-US" sz="1800" dirty="0" smtClean="0">
-                <a:solidFill>
-                  <a:srgbClr val="002060"/>
-                </a:solidFill>
-              </a:rPr>
-              <a:t>배열의 길이 </a:t>
-            </a:r>
-            <a:r>
-              <a:rPr lang="en-US" altLang="ko-KR" sz="1800" dirty="0" smtClean="0">
-                <a:solidFill>
-                  <a:srgbClr val="002060"/>
-                </a:solidFill>
-              </a:rPr>
-              <a:t>- </a:t>
-            </a:r>
-            <a:r>
-              <a:rPr lang="en-US" altLang="ko-KR" sz="1800" b="1" dirty="0" err="1" smtClean="0">
-                <a:solidFill>
-                  <a:srgbClr val="002060"/>
-                </a:solidFill>
-              </a:rPr>
-              <a:t>numbers.length</a:t>
-            </a:r>
-            <a:endParaRPr lang="en-US" altLang="ko-KR" sz="1800" dirty="0" smtClean="0">
-              <a:solidFill>
-                <a:srgbClr val="002060"/>
-              </a:solidFill>
-            </a:endParaRPr>
-          </a:p>
-          <a:p>
-            <a:pPr marL="457200" lvl="1" indent="0">
-              <a:lnSpc>
-                <a:spcPct val="150000"/>
-              </a:lnSpc>
-              <a:buNone/>
-            </a:pPr>
-            <a:r>
-              <a:rPr lang="en-US" altLang="ko-KR" sz="1800" b="1" dirty="0">
-                <a:solidFill>
-                  <a:srgbClr val="002060"/>
-                </a:solidFill>
-              </a:rPr>
-              <a:t> </a:t>
-            </a:r>
-            <a:r>
-              <a:rPr lang="en-US" altLang="ko-KR" sz="1800" b="1" dirty="0" smtClean="0">
-                <a:solidFill>
-                  <a:srgbClr val="002060"/>
-                </a:solidFill>
-              </a:rPr>
-              <a:t>  </a:t>
-            </a:r>
-            <a:endParaRPr lang="en-US" altLang="ko-KR" sz="1800" b="1" dirty="0">
-              <a:solidFill>
-                <a:srgbClr val="002060"/>
-              </a:solidFill>
-            </a:endParaRPr>
-          </a:p>
-        </p:txBody>
-      </p:sp>
-      <p:graphicFrame>
-        <p:nvGraphicFramePr>
-          <p:cNvPr id="19" name="표 18"/>
-          <p:cNvGraphicFramePr>
-            <a:graphicFrameLocks noGrp="1"/>
-          </p:cNvGraphicFramePr>
-          <p:nvPr>
-            <p:extLst>
-              <p:ext uri="{D42A27DB-BD31-4B8C-83A1-F6EECF244321}">
-                <p14:modId xmlns:p14="http://schemas.microsoft.com/office/powerpoint/2010/main" val="550507317"/>
-              </p:ext>
-            </p:extLst>
-          </p:nvPr>
-        </p:nvGraphicFramePr>
-        <p:xfrm>
-          <a:off x="1934727" y="4149080"/>
-          <a:ext cx="5511210" cy="396912"/>
-        </p:xfrm>
-        <a:graphic>
-          <a:graphicData uri="http://schemas.openxmlformats.org/drawingml/2006/table">
-            <a:tbl>
-              <a:tblPr firstRow="1" bandRow="1">
-                <a:tableStyleId>{5940675A-B579-460E-94D1-54222C63F5DA}</a:tableStyleId>
-              </a:tblPr>
-              <a:tblGrid>
-                <a:gridCol w="551121">
-                  <a:extLst>
-                    <a:ext uri="{9D8B030D-6E8A-4147-A177-3AD203B41FA5}">
-                      <a16:colId xmlns:a16="http://schemas.microsoft.com/office/drawing/2014/main" val="20000"/>
-                    </a:ext>
-                  </a:extLst>
-                </a:gridCol>
-                <a:gridCol w="551121">
-                  <a:extLst>
-                    <a:ext uri="{9D8B030D-6E8A-4147-A177-3AD203B41FA5}">
-                      <a16:colId xmlns:a16="http://schemas.microsoft.com/office/drawing/2014/main" val="20001"/>
-                    </a:ext>
-                  </a:extLst>
-                </a:gridCol>
-                <a:gridCol w="551121">
-                  <a:extLst>
-                    <a:ext uri="{9D8B030D-6E8A-4147-A177-3AD203B41FA5}">
-                      <a16:colId xmlns:a16="http://schemas.microsoft.com/office/drawing/2014/main" val="20002"/>
-                    </a:ext>
-                  </a:extLst>
-                </a:gridCol>
-                <a:gridCol w="551121">
-                  <a:extLst>
-                    <a:ext uri="{9D8B030D-6E8A-4147-A177-3AD203B41FA5}">
-                      <a16:colId xmlns:a16="http://schemas.microsoft.com/office/drawing/2014/main" val="20003"/>
-                    </a:ext>
-                  </a:extLst>
-                </a:gridCol>
-                <a:gridCol w="551121">
-                  <a:extLst>
-                    <a:ext uri="{9D8B030D-6E8A-4147-A177-3AD203B41FA5}">
-                      <a16:colId xmlns:a16="http://schemas.microsoft.com/office/drawing/2014/main" val="20004"/>
-                    </a:ext>
-                  </a:extLst>
-                </a:gridCol>
-                <a:gridCol w="551121">
-                  <a:extLst>
-                    <a:ext uri="{9D8B030D-6E8A-4147-A177-3AD203B41FA5}">
-                      <a16:colId xmlns:a16="http://schemas.microsoft.com/office/drawing/2014/main" val="20005"/>
-                    </a:ext>
-                  </a:extLst>
-                </a:gridCol>
-                <a:gridCol w="551121">
-                  <a:extLst>
-                    <a:ext uri="{9D8B030D-6E8A-4147-A177-3AD203B41FA5}">
-                      <a16:colId xmlns:a16="http://schemas.microsoft.com/office/drawing/2014/main" val="20006"/>
-                    </a:ext>
-                  </a:extLst>
-                </a:gridCol>
-                <a:gridCol w="551121">
-                  <a:extLst>
-                    <a:ext uri="{9D8B030D-6E8A-4147-A177-3AD203B41FA5}">
-                      <a16:colId xmlns:a16="http://schemas.microsoft.com/office/drawing/2014/main" val="20007"/>
-                    </a:ext>
-                  </a:extLst>
-                </a:gridCol>
-                <a:gridCol w="551121">
-                  <a:extLst>
-                    <a:ext uri="{9D8B030D-6E8A-4147-A177-3AD203B41FA5}">
-                      <a16:colId xmlns:a16="http://schemas.microsoft.com/office/drawing/2014/main" val="20008"/>
-                    </a:ext>
-                  </a:extLst>
-                </a:gridCol>
-                <a:gridCol w="551121">
-                  <a:extLst>
-                    <a:ext uri="{9D8B030D-6E8A-4147-A177-3AD203B41FA5}">
-                      <a16:colId xmlns:a16="http://schemas.microsoft.com/office/drawing/2014/main" val="20009"/>
-                    </a:ext>
-                  </a:extLst>
-                </a:gridCol>
-              </a:tblGrid>
-              <a:tr h="396912">
-                <a:tc>
-                  <a:txBody>
-                    <a:bodyPr/>
-                    <a:lstStyle/>
-                    <a:p>
-                      <a:pPr algn="ctr" latinLnBrk="1"/>
-                      <a:endParaRPr lang="ko-KR" altLang="en-US" dirty="0">
-                        <a:solidFill>
-                          <a:srgbClr val="C00000"/>
-                        </a:solidFill>
-                      </a:endParaRPr>
-                    </a:p>
-                  </a:txBody>
-                  <a:tcPr anchor="ctr"/>
-                </a:tc>
-                <a:tc>
-                  <a:txBody>
-                    <a:bodyPr/>
-                    <a:lstStyle/>
-                    <a:p>
-                      <a:pPr algn="ctr" latinLnBrk="1"/>
-                      <a:endParaRPr lang="ko-KR" altLang="en-US" dirty="0">
-                        <a:solidFill>
-                          <a:srgbClr val="C00000"/>
-                        </a:solidFill>
-                      </a:endParaRPr>
-                    </a:p>
-                  </a:txBody>
-                  <a:tcPr anchor="ctr"/>
-                </a:tc>
-                <a:tc>
-                  <a:txBody>
-                    <a:bodyPr/>
-                    <a:lstStyle/>
-                    <a:p>
-                      <a:pPr algn="ctr" latinLnBrk="1"/>
-                      <a:endParaRPr lang="ko-KR" altLang="en-US" dirty="0"/>
-                    </a:p>
-                  </a:txBody>
-                  <a:tcPr anchor="ctr"/>
-                </a:tc>
-                <a:tc>
-                  <a:txBody>
-                    <a:bodyPr/>
-                    <a:lstStyle/>
-                    <a:p>
-                      <a:pPr algn="ctr" latinLnBrk="1"/>
-                      <a:endParaRPr lang="ko-KR" altLang="en-US" dirty="0"/>
-                    </a:p>
-                  </a:txBody>
-                  <a:tcPr anchor="ctr"/>
-                </a:tc>
-                <a:tc>
-                  <a:txBody>
-                    <a:bodyPr/>
-                    <a:lstStyle/>
-                    <a:p>
-                      <a:pPr algn="ctr" latinLnBrk="1"/>
-                      <a:endParaRPr lang="ko-KR" altLang="en-US" dirty="0"/>
-                    </a:p>
-                  </a:txBody>
-                  <a:tcPr anchor="ctr"/>
-                </a:tc>
-                <a:tc>
-                  <a:txBody>
-                    <a:bodyPr/>
-                    <a:lstStyle/>
-                    <a:p>
-                      <a:pPr algn="ctr" latinLnBrk="1"/>
-                      <a:endParaRPr lang="ko-KR" altLang="en-US" dirty="0"/>
-                    </a:p>
-                  </a:txBody>
-                  <a:tcPr anchor="ctr"/>
-                </a:tc>
-                <a:tc>
-                  <a:txBody>
-                    <a:bodyPr/>
-                    <a:lstStyle/>
-                    <a:p>
-                      <a:pPr algn="ctr" latinLnBrk="1"/>
-                      <a:endParaRPr lang="ko-KR" altLang="en-US" dirty="0"/>
-                    </a:p>
-                  </a:txBody>
-                  <a:tcPr anchor="ctr"/>
-                </a:tc>
-                <a:tc>
-                  <a:txBody>
-                    <a:bodyPr/>
-                    <a:lstStyle/>
-                    <a:p>
-                      <a:pPr algn="ctr" latinLnBrk="1"/>
-                      <a:endParaRPr lang="ko-KR" altLang="en-US" dirty="0"/>
-                    </a:p>
-                  </a:txBody>
-                  <a:tcPr anchor="ctr"/>
-                </a:tc>
-                <a:tc>
-                  <a:txBody>
-                    <a:bodyPr/>
-                    <a:lstStyle/>
-                    <a:p>
-                      <a:pPr algn="ctr" latinLnBrk="1"/>
-                      <a:endParaRPr lang="ko-KR" altLang="en-US" dirty="0"/>
-                    </a:p>
-                  </a:txBody>
-                  <a:tcPr anchor="ctr"/>
-                </a:tc>
-                <a:tc>
-                  <a:txBody>
-                    <a:bodyPr/>
-                    <a:lstStyle/>
-                    <a:p>
-                      <a:pPr algn="ctr" latinLnBrk="1"/>
-                      <a:endParaRPr lang="ko-KR" altLang="en-US" dirty="0"/>
-                    </a:p>
-                  </a:txBody>
-                  <a:tcPr anchor="ctr"/>
-                </a:tc>
-                <a:extLst>
-                  <a:ext uri="{0D108BD9-81ED-4DB2-BD59-A6C34878D82A}">
-                    <a16:rowId xmlns:a16="http://schemas.microsoft.com/office/drawing/2014/main" val="10000"/>
-                  </a:ext>
-                </a:extLst>
-              </a:tr>
-            </a:tbl>
-          </a:graphicData>
-        </a:graphic>
-      </p:graphicFrame>
-      <p:cxnSp>
-        <p:nvCxnSpPr>
-          <p:cNvPr id="8" name="직선 연결선 7"/>
-          <p:cNvCxnSpPr/>
-          <p:nvPr/>
-        </p:nvCxnSpPr>
-        <p:spPr>
-          <a:xfrm>
-            <a:off x="1934727" y="4581128"/>
-            <a:ext cx="0" cy="648072"/>
-          </a:xfrm>
-          <a:prstGeom prst="line">
-            <a:avLst/>
-          </a:prstGeom>
-        </p:spPr>
-        <p:style>
-          <a:lnRef idx="1">
-            <a:schemeClr val="accent1"/>
-          </a:lnRef>
-          <a:fillRef idx="0">
-            <a:schemeClr val="accent1"/>
-          </a:fillRef>
-          <a:effectRef idx="0">
-            <a:schemeClr val="accent1"/>
-          </a:effectRef>
-          <a:fontRef idx="minor">
-            <a:schemeClr val="tx1"/>
-          </a:fontRef>
-        </p:style>
-      </p:cxnSp>
-      <p:cxnSp>
-        <p:nvCxnSpPr>
-          <p:cNvPr id="21" name="직선 연결선 20"/>
-          <p:cNvCxnSpPr/>
-          <p:nvPr/>
-        </p:nvCxnSpPr>
-        <p:spPr>
-          <a:xfrm>
-            <a:off x="7445937" y="4581128"/>
-            <a:ext cx="0" cy="648072"/>
-          </a:xfrm>
-          <a:prstGeom prst="line">
-            <a:avLst/>
-          </a:prstGeom>
-        </p:spPr>
-        <p:style>
-          <a:lnRef idx="1">
-            <a:schemeClr val="accent1"/>
-          </a:lnRef>
-          <a:fillRef idx="0">
-            <a:schemeClr val="accent1"/>
-          </a:fillRef>
-          <a:effectRef idx="0">
-            <a:schemeClr val="accent1"/>
-          </a:effectRef>
-          <a:fontRef idx="minor">
-            <a:schemeClr val="tx1"/>
-          </a:fontRef>
-        </p:style>
-      </p:cxnSp>
-      <p:cxnSp>
-        <p:nvCxnSpPr>
-          <p:cNvPr id="10" name="직선 연결선 9"/>
-          <p:cNvCxnSpPr/>
-          <p:nvPr/>
-        </p:nvCxnSpPr>
-        <p:spPr>
-          <a:xfrm>
-            <a:off x="1934727" y="5013176"/>
-            <a:ext cx="5511210" cy="0"/>
-          </a:xfrm>
-          <a:prstGeom prst="line">
-            <a:avLst/>
-          </a:prstGeom>
-          <a:ln>
-            <a:headEnd type="triangle" w="med" len="med"/>
-            <a:tailEnd type="triangle" w="med" len="med"/>
-          </a:ln>
-        </p:spPr>
-        <p:style>
-          <a:lnRef idx="1">
-            <a:schemeClr val="accent1"/>
-          </a:lnRef>
-          <a:fillRef idx="0">
-            <a:schemeClr val="accent1"/>
-          </a:fillRef>
-          <a:effectRef idx="0">
-            <a:schemeClr val="accent1"/>
-          </a:effectRef>
-          <a:fontRef idx="minor">
-            <a:schemeClr val="tx1"/>
-          </a:fontRef>
-        </p:style>
-      </p:cxnSp>
-      <p:sp>
-        <p:nvSpPr>
-          <p:cNvPr id="23" name="TextBox 22"/>
-          <p:cNvSpPr txBox="1"/>
-          <p:nvPr/>
-        </p:nvSpPr>
-        <p:spPr>
-          <a:xfrm>
-            <a:off x="4168178" y="4687900"/>
-            <a:ext cx="1006909" cy="307777"/>
-          </a:xfrm>
-          <a:prstGeom prst="rect">
-            <a:avLst/>
-          </a:prstGeom>
-          <a:noFill/>
-        </p:spPr>
-        <p:txBody>
-          <a:bodyPr wrap="square" rtlCol="0">
-            <a:spAutoFit/>
-          </a:bodyPr>
-          <a:lstStyle/>
-          <a:p>
-            <a:pPr algn="ctr"/>
-            <a:r>
-              <a:rPr lang="en-US" altLang="ko-KR" sz="1400" dirty="0" smtClean="0"/>
-              <a:t>40 </a:t>
-            </a:r>
-            <a:r>
-              <a:rPr lang="ko-KR" altLang="en-US" sz="1400" dirty="0" smtClean="0"/>
-              <a:t>바이트</a:t>
-            </a:r>
-            <a:endParaRPr lang="ko-KR" altLang="en-US" sz="1400" dirty="0"/>
-          </a:p>
-        </p:txBody>
-      </p:sp>
-      <p:cxnSp>
-        <p:nvCxnSpPr>
-          <p:cNvPr id="12" name="직선 연결선 11"/>
-          <p:cNvCxnSpPr/>
-          <p:nvPr/>
-        </p:nvCxnSpPr>
-        <p:spPr>
-          <a:xfrm>
-            <a:off x="2493373" y="4581128"/>
-            <a:ext cx="0" cy="260660"/>
-          </a:xfrm>
-          <a:prstGeom prst="line">
-            <a:avLst/>
-          </a:prstGeom>
-        </p:spPr>
-        <p:style>
-          <a:lnRef idx="1">
-            <a:schemeClr val="accent1"/>
-          </a:lnRef>
-          <a:fillRef idx="0">
-            <a:schemeClr val="accent1"/>
-          </a:fillRef>
-          <a:effectRef idx="0">
-            <a:schemeClr val="accent1"/>
-          </a:effectRef>
-          <a:fontRef idx="minor">
-            <a:schemeClr val="tx1"/>
-          </a:fontRef>
-        </p:style>
-      </p:cxnSp>
-      <p:sp>
-        <p:nvSpPr>
-          <p:cNvPr id="30" name="TextBox 29"/>
-          <p:cNvSpPr txBox="1"/>
-          <p:nvPr/>
-        </p:nvSpPr>
-        <p:spPr>
-          <a:xfrm>
-            <a:off x="1790711" y="4659523"/>
-            <a:ext cx="883103" cy="307777"/>
-          </a:xfrm>
-          <a:prstGeom prst="rect">
-            <a:avLst/>
-          </a:prstGeom>
-          <a:noFill/>
-        </p:spPr>
-        <p:txBody>
-          <a:bodyPr wrap="square" rtlCol="0">
-            <a:spAutoFit/>
-          </a:bodyPr>
-          <a:lstStyle/>
-          <a:p>
-            <a:pPr algn="ctr"/>
-            <a:r>
-              <a:rPr lang="en-US" altLang="ko-KR" sz="1400" dirty="0" smtClean="0"/>
-              <a:t>4</a:t>
-            </a:r>
-            <a:r>
-              <a:rPr lang="ko-KR" altLang="en-US" sz="1400" dirty="0" smtClean="0"/>
-              <a:t>바이트</a:t>
-            </a:r>
-            <a:endParaRPr lang="ko-KR" altLang="en-US" sz="1400" dirty="0"/>
-          </a:p>
-        </p:txBody>
-      </p:sp>
-      <p:sp>
-        <p:nvSpPr>
-          <p:cNvPr id="2" name="모서리가 둥근 직사각형 1"/>
-          <p:cNvSpPr/>
-          <p:nvPr/>
-        </p:nvSpPr>
-        <p:spPr>
-          <a:xfrm>
-            <a:off x="1934727" y="2708920"/>
-            <a:ext cx="4386425" cy="576064"/>
-          </a:xfrm>
-          <a:prstGeom prst="roundRect">
-            <a:avLst/>
-          </a:prstGeom>
-          <a:ln w="19050"/>
-        </p:spPr>
-        <p:style>
-          <a:lnRef idx="2">
-            <a:schemeClr val="accent5"/>
-          </a:lnRef>
-          <a:fillRef idx="1">
-            <a:schemeClr val="lt1"/>
-          </a:fillRef>
-          <a:effectRef idx="0">
-            <a:schemeClr val="accent5"/>
-          </a:effectRef>
-          <a:fontRef idx="minor">
-            <a:schemeClr val="dk1"/>
-          </a:fontRef>
-        </p:style>
-        <p:txBody>
-          <a:bodyPr rtlCol="0" anchor="ctr"/>
-          <a:lstStyle/>
-          <a:p>
-            <a:pPr lvl="1">
-              <a:lnSpc>
-                <a:spcPct val="150000"/>
-              </a:lnSpc>
-            </a:pPr>
-            <a:r>
-              <a:rPr lang="en-US" altLang="ko-KR" b="1" dirty="0" err="1">
-                <a:solidFill>
-                  <a:srgbClr val="002060"/>
-                </a:solidFill>
-              </a:rPr>
-              <a:t>int</a:t>
-            </a:r>
-            <a:r>
-              <a:rPr lang="en-US" altLang="ko-KR" b="1" dirty="0">
-                <a:solidFill>
-                  <a:srgbClr val="002060"/>
-                </a:solidFill>
-              </a:rPr>
-              <a:t>[ ] </a:t>
-            </a:r>
-            <a:r>
-              <a:rPr lang="en-US" altLang="ko-KR" b="1" dirty="0" smtClean="0">
-                <a:solidFill>
-                  <a:srgbClr val="002060"/>
-                </a:solidFill>
-              </a:rPr>
-              <a:t>numbers </a:t>
-            </a:r>
-            <a:r>
-              <a:rPr lang="en-US" altLang="ko-KR" b="1" dirty="0">
-                <a:solidFill>
-                  <a:srgbClr val="002060"/>
-                </a:solidFill>
-              </a:rPr>
-              <a:t>= </a:t>
-            </a:r>
-            <a:r>
-              <a:rPr lang="en-US" altLang="ko-KR" b="1" dirty="0">
-                <a:solidFill>
-                  <a:srgbClr val="C00000"/>
-                </a:solidFill>
-              </a:rPr>
-              <a:t>new</a:t>
-            </a:r>
-            <a:r>
-              <a:rPr lang="en-US" altLang="ko-KR" b="1" dirty="0">
-                <a:solidFill>
-                  <a:srgbClr val="002060"/>
-                </a:solidFill>
-              </a:rPr>
-              <a:t> </a:t>
-            </a:r>
-            <a:r>
-              <a:rPr lang="en-US" altLang="ko-KR" b="1" dirty="0" err="1" smtClean="0">
-                <a:solidFill>
-                  <a:srgbClr val="002060"/>
-                </a:solidFill>
-              </a:rPr>
-              <a:t>int</a:t>
-            </a:r>
-            <a:r>
-              <a:rPr lang="en-US" altLang="ko-KR" b="1" dirty="0" smtClean="0">
-                <a:solidFill>
-                  <a:srgbClr val="002060"/>
-                </a:solidFill>
-              </a:rPr>
-              <a:t>[10]</a:t>
-            </a:r>
-          </a:p>
-        </p:txBody>
-      </p:sp>
-      <p:sp>
-        <p:nvSpPr>
-          <p:cNvPr id="22" name="TextBox 21"/>
-          <p:cNvSpPr txBox="1"/>
-          <p:nvPr/>
-        </p:nvSpPr>
-        <p:spPr>
-          <a:xfrm>
-            <a:off x="6268019" y="3668449"/>
-            <a:ext cx="1205261" cy="408623"/>
-          </a:xfrm>
-          <a:prstGeom prst="roundRect">
-            <a:avLst/>
-          </a:prstGeom>
-          <a:ln>
-            <a:noFill/>
-          </a:ln>
-        </p:spPr>
-        <p:style>
-          <a:lnRef idx="2">
-            <a:schemeClr val="accent5"/>
-          </a:lnRef>
-          <a:fillRef idx="1">
-            <a:schemeClr val="lt1"/>
-          </a:fillRef>
-          <a:effectRef idx="0">
-            <a:schemeClr val="accent5"/>
-          </a:effectRef>
-          <a:fontRef idx="minor">
-            <a:schemeClr val="dk1"/>
-          </a:fontRef>
-        </p:style>
-        <p:txBody>
-          <a:bodyPr wrap="square" rtlCol="0">
-            <a:spAutoFit/>
-          </a:bodyPr>
-          <a:lstStyle/>
-          <a:p>
-            <a:r>
-              <a:rPr lang="en-US" altLang="ko-KR" b="1" dirty="0" smtClean="0">
-                <a:solidFill>
-                  <a:srgbClr val="002060"/>
-                </a:solidFill>
-              </a:rPr>
-              <a:t>numbers</a:t>
-            </a:r>
-            <a:endParaRPr lang="ko-KR" altLang="en-US" dirty="0"/>
-          </a:p>
-        </p:txBody>
-      </p:sp>
-    </p:spTree>
-    <p:extLst>
-      <p:ext uri="{BB962C8B-B14F-4D97-AF65-F5344CB8AC3E}">
-        <p14:creationId xmlns:p14="http://schemas.microsoft.com/office/powerpoint/2010/main" val="1624335099"/>
-      </p:ext>
-    </p:extLst>
-  </p:cSld>
-  <p:clrMapOvr>
-    <a:masterClrMapping/>
-  </p:clrMapOvr>
-  <p:timing>
-    <p:tnLst>
-      <p:par>
-        <p:cTn id="1" dur="indefinite" restart="never" nodeType="tmRoot"/>
-      </p:par>
-    </p:tnLst>
-  </p:timing>
-</p:sld>
-</file>
-
-<file path=ppt/slides/slide30.xml><?xml version="1.0" encoding="utf-8"?>
-<p:sld xmlns:a="http://schemas.openxmlformats.org/drawingml/2006/main" xmlns:r="http://schemas.openxmlformats.org/officeDocument/2006/relationships" xmlns:p="http://schemas.openxmlformats.org/presentationml/2006/main">
-  <p:cSld>
-    <p:spTree>
-      <p:nvGrpSpPr>
-        <p:cNvPr id="1" name=""/>
-        <p:cNvGrpSpPr/>
-        <p:nvPr/>
-      </p:nvGrpSpPr>
-      <p:grpSpPr>
-        <a:xfrm>
-          <a:off x="0" y="0"/>
-          <a:ext cx="0" cy="0"/>
-          <a:chOff x="0" y="0"/>
-          <a:chExt cx="0" cy="0"/>
-        </a:xfrm>
-      </p:grpSpPr>
-      <p:sp>
-        <p:nvSpPr>
-          <p:cNvPr id="6" name="제목 5"/>
-          <p:cNvSpPr>
-            <a:spLocks noGrp="1"/>
-          </p:cNvSpPr>
-          <p:nvPr>
-            <p:ph type="title"/>
-          </p:nvPr>
-        </p:nvSpPr>
-        <p:spPr/>
-        <p:txBody>
-          <a:bodyPr/>
-          <a:lstStyle/>
-          <a:p>
-            <a:r>
-              <a:rPr lang="en-US" altLang="ko-KR" dirty="0" smtClean="0"/>
-              <a:t> </a:t>
-            </a:r>
-            <a:r>
-              <a:rPr lang="ko-KR" altLang="en-US" dirty="0" smtClean="0"/>
-              <a:t>다차원 배열</a:t>
-            </a:r>
-            <a:endParaRPr lang="ko-KR" altLang="en-US" dirty="0"/>
-          </a:p>
-        </p:txBody>
-      </p:sp>
-      <p:sp>
-        <p:nvSpPr>
-          <p:cNvPr id="5" name="슬라이드 번호 개체 틀 4"/>
-          <p:cNvSpPr>
-            <a:spLocks noGrp="1"/>
-          </p:cNvSpPr>
-          <p:nvPr>
-            <p:ph type="sldNum" sz="quarter" idx="12"/>
-          </p:nvPr>
-        </p:nvSpPr>
-        <p:spPr/>
-        <p:txBody>
-          <a:bodyPr/>
-          <a:lstStyle/>
-          <a:p>
-            <a:fld id="{1BDE3FE7-3AEA-4B05-AC5A-802D1816ACF0}" type="slidenum">
-              <a:rPr lang="ko-KR" altLang="en-US" smtClean="0"/>
-              <a:t>30</a:t>
+              <a:t>29</a:t>
             </a:fld>
             <a:endParaRPr lang="ko-KR" altLang="en-US"/>
           </a:p>
@@ -18661,7 +16990,7 @@
 </p:sld>
 </file>
 
-<file path=ppt/slides/slide31.xml><?xml version="1.0" encoding="utf-8"?>
+<file path=ppt/slides/slide3.xml><?xml version="1.0" encoding="utf-8"?>
 <p:sld xmlns:a="http://schemas.openxmlformats.org/drawingml/2006/main" xmlns:r="http://schemas.openxmlformats.org/officeDocument/2006/relationships" xmlns:p="http://schemas.openxmlformats.org/presentationml/2006/main">
   <p:cSld>
     <p:spTree>
@@ -18699,7 +17028,7 @@
             </a:r>
             <a:r>
               <a:rPr lang="ko-KR" altLang="en-US" dirty="0" smtClean="0"/>
-              <a:t>다차원 배열</a:t>
+              <a:t>배열 사용하기</a:t>
             </a:r>
             <a:endParaRPr lang="ko-KR" altLang="en-US" dirty="0"/>
           </a:p>
@@ -18722,7 +17051,1283 @@
           <a:p>
             <a:fld id="{1BDE3FE7-3AEA-4B05-AC5A-802D1816ACF0}" type="slidenum">
               <a:rPr lang="ko-KR" altLang="en-US" smtClean="0"/>
-              <a:t>31</a:t>
+              <a:t>3</a:t>
+            </a:fld>
+            <a:endParaRPr lang="ko-KR" altLang="en-US"/>
+          </a:p>
+        </p:txBody>
+      </p:sp>
+      <p:sp>
+        <p:nvSpPr>
+          <p:cNvPr id="7" name="내용 개체 틀 2">
+            <a:extLst>
+              <a:ext uri="{FF2B5EF4-FFF2-40B4-BE49-F238E27FC236}">
+                <a16:creationId xmlns:a16="http://schemas.microsoft.com/office/drawing/2014/main" id="{98AF3A4E-7D90-4241-89FE-799D6F9D5A94}"/>
+              </a:ext>
+            </a:extLst>
+          </p:cNvPr>
+          <p:cNvSpPr txBox="1">
+            <a:spLocks/>
+          </p:cNvSpPr>
+          <p:nvPr/>
+        </p:nvSpPr>
+        <p:spPr>
+          <a:xfrm>
+            <a:off x="945480" y="1127064"/>
+            <a:ext cx="6239768" cy="573744"/>
+          </a:xfrm>
+          <a:prstGeom prst="rect">
+            <a:avLst/>
+          </a:prstGeom>
+        </p:spPr>
+        <p:txBody>
+          <a:bodyPr/>
+          <a:lstStyle>
+            <a:lvl1pPr marL="228600" indent="-228600" algn="l" defTabSz="914400" rtl="0" eaLnBrk="1" latinLnBrk="1" hangingPunct="1">
+              <a:lnSpc>
+                <a:spcPct val="90000"/>
+              </a:lnSpc>
+              <a:spcBef>
+                <a:spcPts val="1000"/>
+              </a:spcBef>
+              <a:buFont typeface="Arial" panose="020B0604020202020204" pitchFamily="34" charset="0"/>
+              <a:buChar char="•"/>
+              <a:defRPr sz="2800" kern="1200">
+                <a:solidFill>
+                  <a:schemeClr val="tx1"/>
+                </a:solidFill>
+                <a:latin typeface="+mn-lt"/>
+                <a:ea typeface="+mn-ea"/>
+                <a:cs typeface="+mn-cs"/>
+              </a:defRPr>
+            </a:lvl1pPr>
+            <a:lvl2pPr marL="685800" indent="-228600" algn="l" defTabSz="914400" rtl="0" eaLnBrk="1" latinLnBrk="1" hangingPunct="1">
+              <a:lnSpc>
+                <a:spcPct val="90000"/>
+              </a:lnSpc>
+              <a:spcBef>
+                <a:spcPts val="500"/>
+              </a:spcBef>
+              <a:buFont typeface="Arial" panose="020B0604020202020204" pitchFamily="34" charset="0"/>
+              <a:buChar char="•"/>
+              <a:defRPr sz="2400" kern="1200">
+                <a:solidFill>
+                  <a:schemeClr val="tx1"/>
+                </a:solidFill>
+                <a:latin typeface="+mn-lt"/>
+                <a:ea typeface="+mn-ea"/>
+                <a:cs typeface="+mn-cs"/>
+              </a:defRPr>
+            </a:lvl2pPr>
+            <a:lvl3pPr marL="1143000" indent="-228600" algn="l" defTabSz="914400" rtl="0" eaLnBrk="1" latinLnBrk="1" hangingPunct="1">
+              <a:lnSpc>
+                <a:spcPct val="90000"/>
+              </a:lnSpc>
+              <a:spcBef>
+                <a:spcPts val="500"/>
+              </a:spcBef>
+              <a:buFont typeface="Arial" panose="020B0604020202020204" pitchFamily="34" charset="0"/>
+              <a:buChar char="•"/>
+              <a:defRPr sz="2000" kern="1200">
+                <a:solidFill>
+                  <a:schemeClr val="tx1"/>
+                </a:solidFill>
+                <a:latin typeface="+mn-lt"/>
+                <a:ea typeface="+mn-ea"/>
+                <a:cs typeface="+mn-cs"/>
+              </a:defRPr>
+            </a:lvl3pPr>
+            <a:lvl4pPr marL="1600200" indent="-228600" algn="l" defTabSz="914400" rtl="0" eaLnBrk="1" latinLnBrk="1" hangingPunct="1">
+              <a:lnSpc>
+                <a:spcPct val="90000"/>
+              </a:lnSpc>
+              <a:spcBef>
+                <a:spcPts val="500"/>
+              </a:spcBef>
+              <a:buFont typeface="Arial" panose="020B0604020202020204" pitchFamily="34" charset="0"/>
+              <a:buChar char="•"/>
+              <a:defRPr sz="1800" kern="1200">
+                <a:solidFill>
+                  <a:schemeClr val="tx1"/>
+                </a:solidFill>
+                <a:latin typeface="+mn-lt"/>
+                <a:ea typeface="+mn-ea"/>
+                <a:cs typeface="+mn-cs"/>
+              </a:defRPr>
+            </a:lvl4pPr>
+            <a:lvl5pPr marL="2057400" indent="-228600" algn="l" defTabSz="914400" rtl="0" eaLnBrk="1" latinLnBrk="1" hangingPunct="1">
+              <a:lnSpc>
+                <a:spcPct val="90000"/>
+              </a:lnSpc>
+              <a:spcBef>
+                <a:spcPts val="500"/>
+              </a:spcBef>
+              <a:buFont typeface="Arial" panose="020B0604020202020204" pitchFamily="34" charset="0"/>
+              <a:buChar char="•"/>
+              <a:defRPr sz="1800" kern="1200">
+                <a:solidFill>
+                  <a:schemeClr val="tx1"/>
+                </a:solidFill>
+                <a:latin typeface="+mn-lt"/>
+                <a:ea typeface="+mn-ea"/>
+                <a:cs typeface="+mn-cs"/>
+              </a:defRPr>
+            </a:lvl5pPr>
+            <a:lvl6pPr marL="2514600" indent="-228600" algn="l" defTabSz="914400" rtl="0" eaLnBrk="1" latinLnBrk="1" hangingPunct="1">
+              <a:lnSpc>
+                <a:spcPct val="90000"/>
+              </a:lnSpc>
+              <a:spcBef>
+                <a:spcPts val="500"/>
+              </a:spcBef>
+              <a:buFont typeface="Arial" panose="020B0604020202020204" pitchFamily="34" charset="0"/>
+              <a:buChar char="•"/>
+              <a:defRPr sz="1800" kern="1200">
+                <a:solidFill>
+                  <a:schemeClr val="tx1"/>
+                </a:solidFill>
+                <a:latin typeface="+mn-lt"/>
+                <a:ea typeface="+mn-ea"/>
+                <a:cs typeface="+mn-cs"/>
+              </a:defRPr>
+            </a:lvl6pPr>
+            <a:lvl7pPr marL="2971800" indent="-228600" algn="l" defTabSz="914400" rtl="0" eaLnBrk="1" latinLnBrk="1" hangingPunct="1">
+              <a:lnSpc>
+                <a:spcPct val="90000"/>
+              </a:lnSpc>
+              <a:spcBef>
+                <a:spcPts val="500"/>
+              </a:spcBef>
+              <a:buFont typeface="Arial" panose="020B0604020202020204" pitchFamily="34" charset="0"/>
+              <a:buChar char="•"/>
+              <a:defRPr sz="1800" kern="1200">
+                <a:solidFill>
+                  <a:schemeClr val="tx1"/>
+                </a:solidFill>
+                <a:latin typeface="+mn-lt"/>
+                <a:ea typeface="+mn-ea"/>
+                <a:cs typeface="+mn-cs"/>
+              </a:defRPr>
+            </a:lvl7pPr>
+            <a:lvl8pPr marL="3429000" indent="-228600" algn="l" defTabSz="914400" rtl="0" eaLnBrk="1" latinLnBrk="1" hangingPunct="1">
+              <a:lnSpc>
+                <a:spcPct val="90000"/>
+              </a:lnSpc>
+              <a:spcBef>
+                <a:spcPts val="500"/>
+              </a:spcBef>
+              <a:buFont typeface="Arial" panose="020B0604020202020204" pitchFamily="34" charset="0"/>
+              <a:buChar char="•"/>
+              <a:defRPr sz="1800" kern="1200">
+                <a:solidFill>
+                  <a:schemeClr val="tx1"/>
+                </a:solidFill>
+                <a:latin typeface="+mn-lt"/>
+                <a:ea typeface="+mn-ea"/>
+                <a:cs typeface="+mn-cs"/>
+              </a:defRPr>
+            </a:lvl8pPr>
+            <a:lvl9pPr marL="3886200" indent="-228600" algn="l" defTabSz="914400" rtl="0" eaLnBrk="1" latinLnBrk="1" hangingPunct="1">
+              <a:lnSpc>
+                <a:spcPct val="90000"/>
+              </a:lnSpc>
+              <a:spcBef>
+                <a:spcPts val="500"/>
+              </a:spcBef>
+              <a:buFont typeface="Arial" panose="020B0604020202020204" pitchFamily="34" charset="0"/>
+              <a:buChar char="•"/>
+              <a:defRPr sz="1800" kern="1200">
+                <a:solidFill>
+                  <a:schemeClr val="tx1"/>
+                </a:solidFill>
+                <a:latin typeface="+mn-lt"/>
+                <a:ea typeface="+mn-ea"/>
+                <a:cs typeface="+mn-cs"/>
+              </a:defRPr>
+            </a:lvl9pPr>
+          </a:lstStyle>
+          <a:p>
+            <a:pPr>
+              <a:lnSpc>
+                <a:spcPct val="150000"/>
+              </a:lnSpc>
+              <a:buFont typeface="Wingdings" panose="05000000000000000000" pitchFamily="2" charset="2"/>
+              <a:buChar char="l"/>
+            </a:pPr>
+            <a:r>
+              <a:rPr lang="ko-KR" altLang="en-US" sz="2000" b="1" dirty="0" smtClean="0">
+                <a:solidFill>
+                  <a:srgbClr val="C00000"/>
+                </a:solidFill>
+              </a:rPr>
+              <a:t> 배열 선언 및 자료 저장</a:t>
+            </a:r>
+            <a:endParaRPr lang="en-US" altLang="ko-KR" sz="2000" b="1" dirty="0">
+              <a:solidFill>
+                <a:srgbClr val="C00000"/>
+              </a:solidFill>
+            </a:endParaRPr>
+          </a:p>
+          <a:p>
+            <a:pPr marL="457200" lvl="1" indent="0">
+              <a:lnSpc>
+                <a:spcPct val="150000"/>
+              </a:lnSpc>
+              <a:buNone/>
+            </a:pPr>
+            <a:r>
+              <a:rPr lang="ko-KR" altLang="en-US" sz="1800" b="1" dirty="0" smtClean="0">
+                <a:solidFill>
+                  <a:srgbClr val="002060"/>
+                </a:solidFill>
+              </a:rPr>
+              <a:t> ① </a:t>
+            </a:r>
+            <a:r>
+              <a:rPr lang="ko-KR" altLang="en-US" sz="1800" b="1" dirty="0" err="1" smtClean="0">
+                <a:solidFill>
+                  <a:srgbClr val="002060"/>
+                </a:solidFill>
+              </a:rPr>
+              <a:t>자료형</a:t>
+            </a:r>
+            <a:r>
+              <a:rPr lang="en-US" altLang="ko-KR" sz="1800" b="1" dirty="0" smtClean="0">
+                <a:solidFill>
+                  <a:srgbClr val="002060"/>
+                </a:solidFill>
+              </a:rPr>
+              <a:t>[ ] </a:t>
+            </a:r>
+            <a:r>
+              <a:rPr lang="ko-KR" altLang="en-US" sz="1800" dirty="0" smtClean="0">
+                <a:solidFill>
+                  <a:srgbClr val="002060"/>
+                </a:solidFill>
+              </a:rPr>
+              <a:t>배열 이름 </a:t>
+            </a:r>
+            <a:r>
+              <a:rPr lang="en-US" altLang="ko-KR" sz="1800" dirty="0" smtClean="0">
+                <a:solidFill>
+                  <a:srgbClr val="002060"/>
+                </a:solidFill>
+              </a:rPr>
+              <a:t>= </a:t>
+            </a:r>
+            <a:r>
+              <a:rPr lang="en-US" altLang="ko-KR" sz="1800" b="1" dirty="0" smtClean="0">
+                <a:solidFill>
+                  <a:srgbClr val="C00000"/>
+                </a:solidFill>
+              </a:rPr>
+              <a:t>new</a:t>
+            </a:r>
+            <a:r>
+              <a:rPr lang="en-US" altLang="ko-KR" sz="1800" dirty="0">
+                <a:solidFill>
+                  <a:srgbClr val="002060"/>
+                </a:solidFill>
+              </a:rPr>
+              <a:t> </a:t>
+            </a:r>
+            <a:r>
+              <a:rPr lang="ko-KR" altLang="en-US" sz="1800" b="1" dirty="0" err="1" smtClean="0">
+                <a:solidFill>
+                  <a:srgbClr val="002060"/>
+                </a:solidFill>
+              </a:rPr>
+              <a:t>자료형</a:t>
+            </a:r>
+            <a:r>
+              <a:rPr lang="en-US" altLang="ko-KR" sz="1800" b="1" dirty="0" smtClean="0">
+                <a:solidFill>
+                  <a:srgbClr val="002060"/>
+                </a:solidFill>
+              </a:rPr>
+              <a:t>[</a:t>
+            </a:r>
+            <a:r>
+              <a:rPr lang="ko-KR" altLang="en-US" sz="1800" b="1" dirty="0" smtClean="0">
+                <a:solidFill>
+                  <a:srgbClr val="002060"/>
+                </a:solidFill>
+              </a:rPr>
+              <a:t>개수</a:t>
+            </a:r>
+            <a:r>
+              <a:rPr lang="en-US" altLang="ko-KR" sz="1800" b="1" dirty="0" smtClean="0">
+                <a:solidFill>
+                  <a:srgbClr val="002060"/>
+                </a:solidFill>
+              </a:rPr>
+              <a:t>]</a:t>
+            </a:r>
+          </a:p>
+          <a:p>
+            <a:pPr marL="457200" lvl="1" indent="0">
+              <a:lnSpc>
+                <a:spcPct val="150000"/>
+              </a:lnSpc>
+              <a:buNone/>
+            </a:pPr>
+            <a:r>
+              <a:rPr lang="en-US" altLang="ko-KR" sz="1800" dirty="0" smtClean="0">
+                <a:solidFill>
+                  <a:srgbClr val="002060"/>
+                </a:solidFill>
+              </a:rPr>
+              <a:t> </a:t>
+            </a:r>
+            <a:r>
+              <a:rPr lang="ko-KR" altLang="en-US" sz="1800" b="1" dirty="0" smtClean="0">
+                <a:solidFill>
+                  <a:srgbClr val="002060"/>
+                </a:solidFill>
+              </a:rPr>
+              <a:t>②</a:t>
+            </a:r>
+            <a:r>
+              <a:rPr lang="ko-KR" altLang="en-US" sz="1800" dirty="0" smtClean="0">
+                <a:solidFill>
+                  <a:srgbClr val="002060"/>
+                </a:solidFill>
+              </a:rPr>
+              <a:t> </a:t>
+            </a:r>
+            <a:r>
+              <a:rPr lang="ko-KR" altLang="en-US" sz="1800" b="1" dirty="0" err="1" smtClean="0">
+                <a:solidFill>
+                  <a:srgbClr val="002060"/>
+                </a:solidFill>
+              </a:rPr>
+              <a:t>자료형</a:t>
+            </a:r>
+            <a:r>
+              <a:rPr lang="en-US" altLang="ko-KR" sz="1800" b="1" dirty="0" smtClean="0">
+                <a:solidFill>
+                  <a:srgbClr val="002060"/>
+                </a:solidFill>
+              </a:rPr>
+              <a:t>  </a:t>
+            </a:r>
+            <a:r>
+              <a:rPr lang="ko-KR" altLang="en-US" sz="1800" dirty="0" smtClean="0">
+                <a:solidFill>
+                  <a:srgbClr val="002060"/>
+                </a:solidFill>
+              </a:rPr>
+              <a:t>배열 이름</a:t>
+            </a:r>
+            <a:r>
+              <a:rPr lang="en-US" altLang="ko-KR" sz="1800" dirty="0" smtClean="0">
+                <a:solidFill>
+                  <a:srgbClr val="002060"/>
+                </a:solidFill>
+              </a:rPr>
+              <a:t>[ ]</a:t>
+            </a:r>
+            <a:r>
+              <a:rPr lang="ko-KR" altLang="en-US" sz="1800" dirty="0" smtClean="0">
+                <a:solidFill>
+                  <a:srgbClr val="002060"/>
+                </a:solidFill>
+              </a:rPr>
+              <a:t> </a:t>
+            </a:r>
+            <a:r>
+              <a:rPr lang="en-US" altLang="ko-KR" sz="1800" dirty="0">
+                <a:solidFill>
+                  <a:srgbClr val="002060"/>
+                </a:solidFill>
+              </a:rPr>
+              <a:t>= </a:t>
+            </a:r>
+            <a:r>
+              <a:rPr lang="en-US" altLang="ko-KR" sz="1800" b="1" dirty="0">
+                <a:solidFill>
+                  <a:srgbClr val="C00000"/>
+                </a:solidFill>
+              </a:rPr>
+              <a:t>new</a:t>
+            </a:r>
+            <a:r>
+              <a:rPr lang="en-US" altLang="ko-KR" sz="1800" dirty="0">
+                <a:solidFill>
+                  <a:srgbClr val="002060"/>
+                </a:solidFill>
+              </a:rPr>
+              <a:t> </a:t>
+            </a:r>
+            <a:r>
+              <a:rPr lang="ko-KR" altLang="en-US" sz="1800" b="1" dirty="0" err="1">
+                <a:solidFill>
+                  <a:srgbClr val="002060"/>
+                </a:solidFill>
+              </a:rPr>
+              <a:t>자료형</a:t>
+            </a:r>
+            <a:r>
+              <a:rPr lang="en-US" altLang="ko-KR" sz="1800" b="1" dirty="0">
+                <a:solidFill>
+                  <a:srgbClr val="002060"/>
+                </a:solidFill>
+              </a:rPr>
+              <a:t>[</a:t>
+            </a:r>
+            <a:r>
+              <a:rPr lang="ko-KR" altLang="en-US" sz="1800" b="1" dirty="0">
+                <a:solidFill>
+                  <a:srgbClr val="002060"/>
+                </a:solidFill>
+              </a:rPr>
+              <a:t>개수</a:t>
+            </a:r>
+            <a:r>
+              <a:rPr lang="en-US" altLang="ko-KR" sz="1800" b="1" dirty="0">
+                <a:solidFill>
+                  <a:srgbClr val="002060"/>
+                </a:solidFill>
+              </a:rPr>
+              <a:t>]</a:t>
+            </a:r>
+            <a:r>
+              <a:rPr lang="en-US" altLang="ko-KR" sz="1800" dirty="0" smtClean="0">
+                <a:solidFill>
+                  <a:srgbClr val="002060"/>
+                </a:solidFill>
+              </a:rPr>
+              <a:t> </a:t>
+            </a:r>
+            <a:endParaRPr lang="en-US" altLang="ko-KR" sz="1800" dirty="0">
+              <a:solidFill>
+                <a:srgbClr val="002060"/>
+              </a:solidFill>
+            </a:endParaRPr>
+          </a:p>
+          <a:p>
+            <a:pPr marL="457200" lvl="1" indent="0">
+              <a:lnSpc>
+                <a:spcPct val="150000"/>
+              </a:lnSpc>
+              <a:buNone/>
+            </a:pPr>
+            <a:endParaRPr lang="en-US" altLang="ko-KR" sz="1800" dirty="0">
+              <a:solidFill>
+                <a:srgbClr val="002060"/>
+              </a:solidFill>
+            </a:endParaRPr>
+          </a:p>
+          <a:p>
+            <a:pPr marL="457200" lvl="1" indent="0">
+              <a:lnSpc>
+                <a:spcPct val="150000"/>
+              </a:lnSpc>
+              <a:buNone/>
+            </a:pPr>
+            <a:endParaRPr lang="en-US" altLang="ko-KR" sz="1800" dirty="0" smtClean="0">
+              <a:solidFill>
+                <a:srgbClr val="002060"/>
+              </a:solidFill>
+            </a:endParaRPr>
+          </a:p>
+          <a:p>
+            <a:pPr lvl="1">
+              <a:lnSpc>
+                <a:spcPct val="150000"/>
+              </a:lnSpc>
+              <a:buFont typeface="Wingdings" panose="05000000000000000000" pitchFamily="2" charset="2"/>
+              <a:buChar char="§"/>
+            </a:pPr>
+            <a:r>
+              <a:rPr lang="ko-KR" altLang="en-US" sz="1800" dirty="0"/>
+              <a:t>배열 길이</a:t>
+            </a:r>
+            <a:r>
+              <a:rPr lang="en-US" altLang="ko-KR" sz="1800" dirty="0"/>
+              <a:t>(length</a:t>
+            </a:r>
+            <a:r>
+              <a:rPr lang="en-US" altLang="ko-KR" sz="1800" dirty="0" smtClean="0"/>
+              <a:t>) - 10</a:t>
+            </a:r>
+            <a:r>
+              <a:rPr lang="ko-KR" altLang="en-US" sz="1800" dirty="0" smtClean="0"/>
+              <a:t>개</a:t>
+            </a:r>
+            <a:endParaRPr lang="en-US" altLang="ko-KR" sz="1800" dirty="0" smtClean="0">
+              <a:solidFill>
+                <a:srgbClr val="002060"/>
+              </a:solidFill>
+            </a:endParaRPr>
+          </a:p>
+          <a:p>
+            <a:pPr lvl="1">
+              <a:lnSpc>
+                <a:spcPct val="150000"/>
+              </a:lnSpc>
+              <a:buFont typeface="Wingdings" panose="05000000000000000000" pitchFamily="2" charset="2"/>
+              <a:buChar char="§"/>
+            </a:pPr>
+            <a:endParaRPr lang="en-US" altLang="ko-KR" sz="1800" dirty="0">
+              <a:solidFill>
+                <a:srgbClr val="002060"/>
+              </a:solidFill>
+            </a:endParaRPr>
+          </a:p>
+          <a:p>
+            <a:pPr marL="457200" lvl="1" indent="0">
+              <a:lnSpc>
+                <a:spcPct val="150000"/>
+              </a:lnSpc>
+              <a:buNone/>
+            </a:pPr>
+            <a:endParaRPr lang="en-US" altLang="ko-KR" sz="1800" dirty="0" smtClean="0">
+              <a:solidFill>
+                <a:srgbClr val="002060"/>
+              </a:solidFill>
+            </a:endParaRPr>
+          </a:p>
+          <a:p>
+            <a:pPr lvl="1">
+              <a:lnSpc>
+                <a:spcPct val="150000"/>
+              </a:lnSpc>
+              <a:buFont typeface="Wingdings" panose="05000000000000000000" pitchFamily="2" charset="2"/>
+              <a:buChar char="§"/>
+            </a:pPr>
+            <a:endParaRPr lang="en-US" altLang="ko-KR" sz="1800" dirty="0" smtClean="0">
+              <a:solidFill>
+                <a:srgbClr val="002060"/>
+              </a:solidFill>
+            </a:endParaRPr>
+          </a:p>
+          <a:p>
+            <a:pPr lvl="1">
+              <a:lnSpc>
+                <a:spcPct val="150000"/>
+              </a:lnSpc>
+              <a:buFont typeface="Wingdings" panose="05000000000000000000" pitchFamily="2" charset="2"/>
+              <a:buChar char="§"/>
+            </a:pPr>
+            <a:r>
+              <a:rPr lang="ko-KR" altLang="en-US" sz="1800" dirty="0" smtClean="0">
+                <a:solidFill>
+                  <a:srgbClr val="002060"/>
+                </a:solidFill>
+              </a:rPr>
+              <a:t>배열의 길이 </a:t>
+            </a:r>
+            <a:r>
+              <a:rPr lang="en-US" altLang="ko-KR" sz="1800" dirty="0" smtClean="0">
+                <a:solidFill>
+                  <a:srgbClr val="002060"/>
+                </a:solidFill>
+              </a:rPr>
+              <a:t>- </a:t>
+            </a:r>
+            <a:r>
+              <a:rPr lang="en-US" altLang="ko-KR" sz="1800" b="1" dirty="0" err="1" smtClean="0">
+                <a:solidFill>
+                  <a:srgbClr val="002060"/>
+                </a:solidFill>
+              </a:rPr>
+              <a:t>numbers.length</a:t>
+            </a:r>
+            <a:endParaRPr lang="en-US" altLang="ko-KR" sz="1800" dirty="0" smtClean="0">
+              <a:solidFill>
+                <a:srgbClr val="002060"/>
+              </a:solidFill>
+            </a:endParaRPr>
+          </a:p>
+          <a:p>
+            <a:pPr marL="457200" lvl="1" indent="0">
+              <a:lnSpc>
+                <a:spcPct val="150000"/>
+              </a:lnSpc>
+              <a:buNone/>
+            </a:pPr>
+            <a:r>
+              <a:rPr lang="en-US" altLang="ko-KR" sz="1800" b="1" dirty="0">
+                <a:solidFill>
+                  <a:srgbClr val="002060"/>
+                </a:solidFill>
+              </a:rPr>
+              <a:t> </a:t>
+            </a:r>
+            <a:r>
+              <a:rPr lang="en-US" altLang="ko-KR" sz="1800" b="1" dirty="0" smtClean="0">
+                <a:solidFill>
+                  <a:srgbClr val="002060"/>
+                </a:solidFill>
+              </a:rPr>
+              <a:t>  </a:t>
+            </a:r>
+            <a:endParaRPr lang="en-US" altLang="ko-KR" sz="1800" b="1" dirty="0">
+              <a:solidFill>
+                <a:srgbClr val="002060"/>
+              </a:solidFill>
+            </a:endParaRPr>
+          </a:p>
+        </p:txBody>
+      </p:sp>
+      <p:graphicFrame>
+        <p:nvGraphicFramePr>
+          <p:cNvPr id="19" name="표 18"/>
+          <p:cNvGraphicFramePr>
+            <a:graphicFrameLocks noGrp="1"/>
+          </p:cNvGraphicFramePr>
+          <p:nvPr>
+            <p:extLst>
+              <p:ext uri="{D42A27DB-BD31-4B8C-83A1-F6EECF244321}">
+                <p14:modId xmlns:p14="http://schemas.microsoft.com/office/powerpoint/2010/main" val="550507317"/>
+              </p:ext>
+            </p:extLst>
+          </p:nvPr>
+        </p:nvGraphicFramePr>
+        <p:xfrm>
+          <a:off x="1934727" y="4149080"/>
+          <a:ext cx="5511210" cy="396912"/>
+        </p:xfrm>
+        <a:graphic>
+          <a:graphicData uri="http://schemas.openxmlformats.org/drawingml/2006/table">
+            <a:tbl>
+              <a:tblPr firstRow="1" bandRow="1">
+                <a:tableStyleId>{5940675A-B579-460E-94D1-54222C63F5DA}</a:tableStyleId>
+              </a:tblPr>
+              <a:tblGrid>
+                <a:gridCol w="551121">
+                  <a:extLst>
+                    <a:ext uri="{9D8B030D-6E8A-4147-A177-3AD203B41FA5}">
+                      <a16:colId xmlns:a16="http://schemas.microsoft.com/office/drawing/2014/main" val="20000"/>
+                    </a:ext>
+                  </a:extLst>
+                </a:gridCol>
+                <a:gridCol w="551121">
+                  <a:extLst>
+                    <a:ext uri="{9D8B030D-6E8A-4147-A177-3AD203B41FA5}">
+                      <a16:colId xmlns:a16="http://schemas.microsoft.com/office/drawing/2014/main" val="20001"/>
+                    </a:ext>
+                  </a:extLst>
+                </a:gridCol>
+                <a:gridCol w="551121">
+                  <a:extLst>
+                    <a:ext uri="{9D8B030D-6E8A-4147-A177-3AD203B41FA5}">
+                      <a16:colId xmlns:a16="http://schemas.microsoft.com/office/drawing/2014/main" val="20002"/>
+                    </a:ext>
+                  </a:extLst>
+                </a:gridCol>
+                <a:gridCol w="551121">
+                  <a:extLst>
+                    <a:ext uri="{9D8B030D-6E8A-4147-A177-3AD203B41FA5}">
+                      <a16:colId xmlns:a16="http://schemas.microsoft.com/office/drawing/2014/main" val="20003"/>
+                    </a:ext>
+                  </a:extLst>
+                </a:gridCol>
+                <a:gridCol w="551121">
+                  <a:extLst>
+                    <a:ext uri="{9D8B030D-6E8A-4147-A177-3AD203B41FA5}">
+                      <a16:colId xmlns:a16="http://schemas.microsoft.com/office/drawing/2014/main" val="20004"/>
+                    </a:ext>
+                  </a:extLst>
+                </a:gridCol>
+                <a:gridCol w="551121">
+                  <a:extLst>
+                    <a:ext uri="{9D8B030D-6E8A-4147-A177-3AD203B41FA5}">
+                      <a16:colId xmlns:a16="http://schemas.microsoft.com/office/drawing/2014/main" val="20005"/>
+                    </a:ext>
+                  </a:extLst>
+                </a:gridCol>
+                <a:gridCol w="551121">
+                  <a:extLst>
+                    <a:ext uri="{9D8B030D-6E8A-4147-A177-3AD203B41FA5}">
+                      <a16:colId xmlns:a16="http://schemas.microsoft.com/office/drawing/2014/main" val="20006"/>
+                    </a:ext>
+                  </a:extLst>
+                </a:gridCol>
+                <a:gridCol w="551121">
+                  <a:extLst>
+                    <a:ext uri="{9D8B030D-6E8A-4147-A177-3AD203B41FA5}">
+                      <a16:colId xmlns:a16="http://schemas.microsoft.com/office/drawing/2014/main" val="20007"/>
+                    </a:ext>
+                  </a:extLst>
+                </a:gridCol>
+                <a:gridCol w="551121">
+                  <a:extLst>
+                    <a:ext uri="{9D8B030D-6E8A-4147-A177-3AD203B41FA5}">
+                      <a16:colId xmlns:a16="http://schemas.microsoft.com/office/drawing/2014/main" val="20008"/>
+                    </a:ext>
+                  </a:extLst>
+                </a:gridCol>
+                <a:gridCol w="551121">
+                  <a:extLst>
+                    <a:ext uri="{9D8B030D-6E8A-4147-A177-3AD203B41FA5}">
+                      <a16:colId xmlns:a16="http://schemas.microsoft.com/office/drawing/2014/main" val="20009"/>
+                    </a:ext>
+                  </a:extLst>
+                </a:gridCol>
+              </a:tblGrid>
+              <a:tr h="396912">
+                <a:tc>
+                  <a:txBody>
+                    <a:bodyPr/>
+                    <a:lstStyle/>
+                    <a:p>
+                      <a:pPr algn="ctr" latinLnBrk="1"/>
+                      <a:endParaRPr lang="ko-KR" altLang="en-US" dirty="0">
+                        <a:solidFill>
+                          <a:srgbClr val="C00000"/>
+                        </a:solidFill>
+                      </a:endParaRPr>
+                    </a:p>
+                  </a:txBody>
+                  <a:tcPr anchor="ctr"/>
+                </a:tc>
+                <a:tc>
+                  <a:txBody>
+                    <a:bodyPr/>
+                    <a:lstStyle/>
+                    <a:p>
+                      <a:pPr algn="ctr" latinLnBrk="1"/>
+                      <a:endParaRPr lang="ko-KR" altLang="en-US" dirty="0">
+                        <a:solidFill>
+                          <a:srgbClr val="C00000"/>
+                        </a:solidFill>
+                      </a:endParaRPr>
+                    </a:p>
+                  </a:txBody>
+                  <a:tcPr anchor="ctr"/>
+                </a:tc>
+                <a:tc>
+                  <a:txBody>
+                    <a:bodyPr/>
+                    <a:lstStyle/>
+                    <a:p>
+                      <a:pPr algn="ctr" latinLnBrk="1"/>
+                      <a:endParaRPr lang="ko-KR" altLang="en-US" dirty="0"/>
+                    </a:p>
+                  </a:txBody>
+                  <a:tcPr anchor="ctr"/>
+                </a:tc>
+                <a:tc>
+                  <a:txBody>
+                    <a:bodyPr/>
+                    <a:lstStyle/>
+                    <a:p>
+                      <a:pPr algn="ctr" latinLnBrk="1"/>
+                      <a:endParaRPr lang="ko-KR" altLang="en-US" dirty="0"/>
+                    </a:p>
+                  </a:txBody>
+                  <a:tcPr anchor="ctr"/>
+                </a:tc>
+                <a:tc>
+                  <a:txBody>
+                    <a:bodyPr/>
+                    <a:lstStyle/>
+                    <a:p>
+                      <a:pPr algn="ctr" latinLnBrk="1"/>
+                      <a:endParaRPr lang="ko-KR" altLang="en-US" dirty="0"/>
+                    </a:p>
+                  </a:txBody>
+                  <a:tcPr anchor="ctr"/>
+                </a:tc>
+                <a:tc>
+                  <a:txBody>
+                    <a:bodyPr/>
+                    <a:lstStyle/>
+                    <a:p>
+                      <a:pPr algn="ctr" latinLnBrk="1"/>
+                      <a:endParaRPr lang="ko-KR" altLang="en-US" dirty="0"/>
+                    </a:p>
+                  </a:txBody>
+                  <a:tcPr anchor="ctr"/>
+                </a:tc>
+                <a:tc>
+                  <a:txBody>
+                    <a:bodyPr/>
+                    <a:lstStyle/>
+                    <a:p>
+                      <a:pPr algn="ctr" latinLnBrk="1"/>
+                      <a:endParaRPr lang="ko-KR" altLang="en-US" dirty="0"/>
+                    </a:p>
+                  </a:txBody>
+                  <a:tcPr anchor="ctr"/>
+                </a:tc>
+                <a:tc>
+                  <a:txBody>
+                    <a:bodyPr/>
+                    <a:lstStyle/>
+                    <a:p>
+                      <a:pPr algn="ctr" latinLnBrk="1"/>
+                      <a:endParaRPr lang="ko-KR" altLang="en-US" dirty="0"/>
+                    </a:p>
+                  </a:txBody>
+                  <a:tcPr anchor="ctr"/>
+                </a:tc>
+                <a:tc>
+                  <a:txBody>
+                    <a:bodyPr/>
+                    <a:lstStyle/>
+                    <a:p>
+                      <a:pPr algn="ctr" latinLnBrk="1"/>
+                      <a:endParaRPr lang="ko-KR" altLang="en-US" dirty="0"/>
+                    </a:p>
+                  </a:txBody>
+                  <a:tcPr anchor="ctr"/>
+                </a:tc>
+                <a:tc>
+                  <a:txBody>
+                    <a:bodyPr/>
+                    <a:lstStyle/>
+                    <a:p>
+                      <a:pPr algn="ctr" latinLnBrk="1"/>
+                      <a:endParaRPr lang="ko-KR" altLang="en-US" dirty="0"/>
+                    </a:p>
+                  </a:txBody>
+                  <a:tcPr anchor="ctr"/>
+                </a:tc>
+                <a:extLst>
+                  <a:ext uri="{0D108BD9-81ED-4DB2-BD59-A6C34878D82A}">
+                    <a16:rowId xmlns:a16="http://schemas.microsoft.com/office/drawing/2014/main" val="10000"/>
+                  </a:ext>
+                </a:extLst>
+              </a:tr>
+            </a:tbl>
+          </a:graphicData>
+        </a:graphic>
+      </p:graphicFrame>
+      <p:cxnSp>
+        <p:nvCxnSpPr>
+          <p:cNvPr id="8" name="직선 연결선 7"/>
+          <p:cNvCxnSpPr/>
+          <p:nvPr/>
+        </p:nvCxnSpPr>
+        <p:spPr>
+          <a:xfrm>
+            <a:off x="1934727" y="4581128"/>
+            <a:ext cx="0" cy="648072"/>
+          </a:xfrm>
+          <a:prstGeom prst="line">
+            <a:avLst/>
+          </a:prstGeom>
+        </p:spPr>
+        <p:style>
+          <a:lnRef idx="1">
+            <a:schemeClr val="accent1"/>
+          </a:lnRef>
+          <a:fillRef idx="0">
+            <a:schemeClr val="accent1"/>
+          </a:fillRef>
+          <a:effectRef idx="0">
+            <a:schemeClr val="accent1"/>
+          </a:effectRef>
+          <a:fontRef idx="minor">
+            <a:schemeClr val="tx1"/>
+          </a:fontRef>
+        </p:style>
+      </p:cxnSp>
+      <p:cxnSp>
+        <p:nvCxnSpPr>
+          <p:cNvPr id="21" name="직선 연결선 20"/>
+          <p:cNvCxnSpPr/>
+          <p:nvPr/>
+        </p:nvCxnSpPr>
+        <p:spPr>
+          <a:xfrm>
+            <a:off x="7445937" y="4581128"/>
+            <a:ext cx="0" cy="648072"/>
+          </a:xfrm>
+          <a:prstGeom prst="line">
+            <a:avLst/>
+          </a:prstGeom>
+        </p:spPr>
+        <p:style>
+          <a:lnRef idx="1">
+            <a:schemeClr val="accent1"/>
+          </a:lnRef>
+          <a:fillRef idx="0">
+            <a:schemeClr val="accent1"/>
+          </a:fillRef>
+          <a:effectRef idx="0">
+            <a:schemeClr val="accent1"/>
+          </a:effectRef>
+          <a:fontRef idx="minor">
+            <a:schemeClr val="tx1"/>
+          </a:fontRef>
+        </p:style>
+      </p:cxnSp>
+      <p:cxnSp>
+        <p:nvCxnSpPr>
+          <p:cNvPr id="10" name="직선 연결선 9"/>
+          <p:cNvCxnSpPr/>
+          <p:nvPr/>
+        </p:nvCxnSpPr>
+        <p:spPr>
+          <a:xfrm>
+            <a:off x="1934727" y="5013176"/>
+            <a:ext cx="5511210" cy="0"/>
+          </a:xfrm>
+          <a:prstGeom prst="line">
+            <a:avLst/>
+          </a:prstGeom>
+          <a:ln>
+            <a:headEnd type="triangle" w="med" len="med"/>
+            <a:tailEnd type="triangle" w="med" len="med"/>
+          </a:ln>
+        </p:spPr>
+        <p:style>
+          <a:lnRef idx="1">
+            <a:schemeClr val="accent1"/>
+          </a:lnRef>
+          <a:fillRef idx="0">
+            <a:schemeClr val="accent1"/>
+          </a:fillRef>
+          <a:effectRef idx="0">
+            <a:schemeClr val="accent1"/>
+          </a:effectRef>
+          <a:fontRef idx="minor">
+            <a:schemeClr val="tx1"/>
+          </a:fontRef>
+        </p:style>
+      </p:cxnSp>
+      <p:sp>
+        <p:nvSpPr>
+          <p:cNvPr id="23" name="TextBox 22"/>
+          <p:cNvSpPr txBox="1"/>
+          <p:nvPr/>
+        </p:nvSpPr>
+        <p:spPr>
+          <a:xfrm>
+            <a:off x="4168178" y="4687900"/>
+            <a:ext cx="1006909" cy="307777"/>
+          </a:xfrm>
+          <a:prstGeom prst="rect">
+            <a:avLst/>
+          </a:prstGeom>
+          <a:noFill/>
+        </p:spPr>
+        <p:txBody>
+          <a:bodyPr wrap="square" rtlCol="0">
+            <a:spAutoFit/>
+          </a:bodyPr>
+          <a:lstStyle/>
+          <a:p>
+            <a:pPr algn="ctr"/>
+            <a:r>
+              <a:rPr lang="en-US" altLang="ko-KR" sz="1400" dirty="0" smtClean="0"/>
+              <a:t>40 </a:t>
+            </a:r>
+            <a:r>
+              <a:rPr lang="ko-KR" altLang="en-US" sz="1400" dirty="0" smtClean="0"/>
+              <a:t>바이트</a:t>
+            </a:r>
+            <a:endParaRPr lang="ko-KR" altLang="en-US" sz="1400" dirty="0"/>
+          </a:p>
+        </p:txBody>
+      </p:sp>
+      <p:cxnSp>
+        <p:nvCxnSpPr>
+          <p:cNvPr id="12" name="직선 연결선 11"/>
+          <p:cNvCxnSpPr/>
+          <p:nvPr/>
+        </p:nvCxnSpPr>
+        <p:spPr>
+          <a:xfrm>
+            <a:off x="2493373" y="4581128"/>
+            <a:ext cx="0" cy="260660"/>
+          </a:xfrm>
+          <a:prstGeom prst="line">
+            <a:avLst/>
+          </a:prstGeom>
+        </p:spPr>
+        <p:style>
+          <a:lnRef idx="1">
+            <a:schemeClr val="accent1"/>
+          </a:lnRef>
+          <a:fillRef idx="0">
+            <a:schemeClr val="accent1"/>
+          </a:fillRef>
+          <a:effectRef idx="0">
+            <a:schemeClr val="accent1"/>
+          </a:effectRef>
+          <a:fontRef idx="minor">
+            <a:schemeClr val="tx1"/>
+          </a:fontRef>
+        </p:style>
+      </p:cxnSp>
+      <p:sp>
+        <p:nvSpPr>
+          <p:cNvPr id="30" name="TextBox 29"/>
+          <p:cNvSpPr txBox="1"/>
+          <p:nvPr/>
+        </p:nvSpPr>
+        <p:spPr>
+          <a:xfrm>
+            <a:off x="1790711" y="4659523"/>
+            <a:ext cx="883103" cy="307777"/>
+          </a:xfrm>
+          <a:prstGeom prst="rect">
+            <a:avLst/>
+          </a:prstGeom>
+          <a:noFill/>
+        </p:spPr>
+        <p:txBody>
+          <a:bodyPr wrap="square" rtlCol="0">
+            <a:spAutoFit/>
+          </a:bodyPr>
+          <a:lstStyle/>
+          <a:p>
+            <a:pPr algn="ctr"/>
+            <a:r>
+              <a:rPr lang="en-US" altLang="ko-KR" sz="1400" dirty="0" smtClean="0"/>
+              <a:t>4</a:t>
+            </a:r>
+            <a:r>
+              <a:rPr lang="ko-KR" altLang="en-US" sz="1400" dirty="0" smtClean="0"/>
+              <a:t>바이트</a:t>
+            </a:r>
+            <a:endParaRPr lang="ko-KR" altLang="en-US" sz="1400" dirty="0"/>
+          </a:p>
+        </p:txBody>
+      </p:sp>
+      <p:sp>
+        <p:nvSpPr>
+          <p:cNvPr id="2" name="모서리가 둥근 직사각형 1"/>
+          <p:cNvSpPr/>
+          <p:nvPr/>
+        </p:nvSpPr>
+        <p:spPr>
+          <a:xfrm>
+            <a:off x="1934727" y="2708920"/>
+            <a:ext cx="4386425" cy="576064"/>
+          </a:xfrm>
+          <a:prstGeom prst="roundRect">
+            <a:avLst/>
+          </a:prstGeom>
+          <a:ln w="19050"/>
+        </p:spPr>
+        <p:style>
+          <a:lnRef idx="2">
+            <a:schemeClr val="accent5"/>
+          </a:lnRef>
+          <a:fillRef idx="1">
+            <a:schemeClr val="lt1"/>
+          </a:fillRef>
+          <a:effectRef idx="0">
+            <a:schemeClr val="accent5"/>
+          </a:effectRef>
+          <a:fontRef idx="minor">
+            <a:schemeClr val="dk1"/>
+          </a:fontRef>
+        </p:style>
+        <p:txBody>
+          <a:bodyPr rtlCol="0" anchor="ctr"/>
+          <a:lstStyle/>
+          <a:p>
+            <a:pPr lvl="1">
+              <a:lnSpc>
+                <a:spcPct val="150000"/>
+              </a:lnSpc>
+            </a:pPr>
+            <a:r>
+              <a:rPr lang="en-US" altLang="ko-KR" b="1" dirty="0" err="1">
+                <a:solidFill>
+                  <a:srgbClr val="002060"/>
+                </a:solidFill>
+              </a:rPr>
+              <a:t>int</a:t>
+            </a:r>
+            <a:r>
+              <a:rPr lang="en-US" altLang="ko-KR" b="1" dirty="0">
+                <a:solidFill>
+                  <a:srgbClr val="002060"/>
+                </a:solidFill>
+              </a:rPr>
+              <a:t>[ ] </a:t>
+            </a:r>
+            <a:r>
+              <a:rPr lang="en-US" altLang="ko-KR" b="1" dirty="0" smtClean="0">
+                <a:solidFill>
+                  <a:srgbClr val="002060"/>
+                </a:solidFill>
+              </a:rPr>
+              <a:t>numbers </a:t>
+            </a:r>
+            <a:r>
+              <a:rPr lang="en-US" altLang="ko-KR" b="1" dirty="0">
+                <a:solidFill>
+                  <a:srgbClr val="002060"/>
+                </a:solidFill>
+              </a:rPr>
+              <a:t>= </a:t>
+            </a:r>
+            <a:r>
+              <a:rPr lang="en-US" altLang="ko-KR" b="1" dirty="0">
+                <a:solidFill>
+                  <a:srgbClr val="C00000"/>
+                </a:solidFill>
+              </a:rPr>
+              <a:t>new</a:t>
+            </a:r>
+            <a:r>
+              <a:rPr lang="en-US" altLang="ko-KR" b="1" dirty="0">
+                <a:solidFill>
+                  <a:srgbClr val="002060"/>
+                </a:solidFill>
+              </a:rPr>
+              <a:t> </a:t>
+            </a:r>
+            <a:r>
+              <a:rPr lang="en-US" altLang="ko-KR" b="1" dirty="0" err="1" smtClean="0">
+                <a:solidFill>
+                  <a:srgbClr val="002060"/>
+                </a:solidFill>
+              </a:rPr>
+              <a:t>int</a:t>
+            </a:r>
+            <a:r>
+              <a:rPr lang="en-US" altLang="ko-KR" b="1" dirty="0" smtClean="0">
+                <a:solidFill>
+                  <a:srgbClr val="002060"/>
+                </a:solidFill>
+              </a:rPr>
+              <a:t>[10]</a:t>
+            </a:r>
+          </a:p>
+        </p:txBody>
+      </p:sp>
+      <p:sp>
+        <p:nvSpPr>
+          <p:cNvPr id="22" name="TextBox 21"/>
+          <p:cNvSpPr txBox="1"/>
+          <p:nvPr/>
+        </p:nvSpPr>
+        <p:spPr>
+          <a:xfrm>
+            <a:off x="6268019" y="3668449"/>
+            <a:ext cx="1205261" cy="408623"/>
+          </a:xfrm>
+          <a:prstGeom prst="roundRect">
+            <a:avLst/>
+          </a:prstGeom>
+          <a:ln>
+            <a:noFill/>
+          </a:ln>
+        </p:spPr>
+        <p:style>
+          <a:lnRef idx="2">
+            <a:schemeClr val="accent5"/>
+          </a:lnRef>
+          <a:fillRef idx="1">
+            <a:schemeClr val="lt1"/>
+          </a:fillRef>
+          <a:effectRef idx="0">
+            <a:schemeClr val="accent5"/>
+          </a:effectRef>
+          <a:fontRef idx="minor">
+            <a:schemeClr val="dk1"/>
+          </a:fontRef>
+        </p:style>
+        <p:txBody>
+          <a:bodyPr wrap="square" rtlCol="0">
+            <a:spAutoFit/>
+          </a:bodyPr>
+          <a:lstStyle/>
+          <a:p>
+            <a:r>
+              <a:rPr lang="en-US" altLang="ko-KR" b="1" dirty="0" smtClean="0">
+                <a:solidFill>
+                  <a:srgbClr val="002060"/>
+                </a:solidFill>
+              </a:rPr>
+              <a:t>numbers</a:t>
+            </a:r>
+            <a:endParaRPr lang="ko-KR" altLang="en-US" dirty="0"/>
+          </a:p>
+        </p:txBody>
+      </p:sp>
+    </p:spTree>
+    <p:extLst>
+      <p:ext uri="{BB962C8B-B14F-4D97-AF65-F5344CB8AC3E}">
+        <p14:creationId xmlns:p14="http://schemas.microsoft.com/office/powerpoint/2010/main" val="1624335099"/>
+      </p:ext>
+    </p:extLst>
+  </p:cSld>
+  <p:clrMapOvr>
+    <a:masterClrMapping/>
+  </p:clrMapOvr>
+  <p:timing>
+    <p:tnLst>
+      <p:par>
+        <p:cTn id="1" dur="indefinite" restart="never" nodeType="tmRoot"/>
+      </p:par>
+    </p:tnLst>
+  </p:timing>
+</p:sld>
+</file>
+
+<file path=ppt/slides/slide30.xml><?xml version="1.0" encoding="utf-8"?>
+<p:sld xmlns:a="http://schemas.openxmlformats.org/drawingml/2006/main" xmlns:r="http://schemas.openxmlformats.org/officeDocument/2006/relationships" xmlns:p="http://schemas.openxmlformats.org/presentationml/2006/main">
+  <p:cSld>
+    <p:spTree>
+      <p:nvGrpSpPr>
+        <p:cNvPr id="1" name=""/>
+        <p:cNvGrpSpPr/>
+        <p:nvPr/>
+      </p:nvGrpSpPr>
+      <p:grpSpPr>
+        <a:xfrm>
+          <a:off x="0" y="0"/>
+          <a:ext cx="0" cy="0"/>
+          <a:chOff x="0" y="0"/>
+          <a:chExt cx="0" cy="0"/>
+        </a:xfrm>
+      </p:grpSpPr>
+      <p:sp>
+        <p:nvSpPr>
+          <p:cNvPr id="6" name="제목 5"/>
+          <p:cNvSpPr>
+            <a:spLocks noGrp="1"/>
+          </p:cNvSpPr>
+          <p:nvPr>
+            <p:ph type="title"/>
+          </p:nvPr>
+        </p:nvSpPr>
+        <p:spPr/>
+        <p:txBody>
+          <a:bodyPr/>
+          <a:lstStyle/>
+          <a:p>
+            <a:r>
+              <a:rPr lang="en-US" altLang="ko-KR" dirty="0" smtClean="0"/>
+              <a:t> </a:t>
+            </a:r>
+            <a:r>
+              <a:rPr lang="ko-KR" altLang="en-US" dirty="0" smtClean="0"/>
+              <a:t>다차원 배열</a:t>
+            </a:r>
+            <a:endParaRPr lang="ko-KR" altLang="en-US" dirty="0"/>
+          </a:p>
+        </p:txBody>
+      </p:sp>
+      <p:sp>
+        <p:nvSpPr>
+          <p:cNvPr id="5" name="슬라이드 번호 개체 틀 4"/>
+          <p:cNvSpPr>
+            <a:spLocks noGrp="1"/>
+          </p:cNvSpPr>
+          <p:nvPr>
+            <p:ph type="sldNum" sz="quarter" idx="12"/>
+          </p:nvPr>
+        </p:nvSpPr>
+        <p:spPr/>
+        <p:txBody>
+          <a:bodyPr/>
+          <a:lstStyle/>
+          <a:p>
+            <a:fld id="{1BDE3FE7-3AEA-4B05-AC5A-802D1816ACF0}" type="slidenum">
+              <a:rPr lang="ko-KR" altLang="en-US" smtClean="0"/>
+              <a:t>30</a:t>
             </a:fld>
             <a:endParaRPr lang="ko-KR" altLang="en-US"/>
           </a:p>
@@ -18785,7 +18390,7 @@
 </p:sld>
 </file>
 
-<file path=ppt/slides/slide32.xml><?xml version="1.0" encoding="utf-8"?>
+<file path=ppt/slides/slide31.xml><?xml version="1.0" encoding="utf-8"?>
 <p:sld xmlns:a="http://schemas.openxmlformats.org/drawingml/2006/main" xmlns:r="http://schemas.openxmlformats.org/officeDocument/2006/relationships" xmlns:p="http://schemas.openxmlformats.org/presentationml/2006/main">
   <p:cSld>
     <p:spTree>
@@ -18846,7 +18451,7 @@
           <a:p>
             <a:fld id="{1BDE3FE7-3AEA-4B05-AC5A-802D1816ACF0}" type="slidenum">
               <a:rPr lang="ko-KR" altLang="en-US" smtClean="0"/>
-              <a:t>32</a:t>
+              <a:t>31</a:t>
             </a:fld>
             <a:endParaRPr lang="ko-KR" altLang="en-US"/>
           </a:p>
@@ -19167,7 +18772,7 @@
 </p:sld>
 </file>
 
-<file path=ppt/slides/slide33.xml><?xml version="1.0" encoding="utf-8"?>
+<file path=ppt/slides/slide32.xml><?xml version="1.0" encoding="utf-8"?>
 <p:sld xmlns:a="http://schemas.openxmlformats.org/drawingml/2006/main" xmlns:r="http://schemas.openxmlformats.org/officeDocument/2006/relationships" xmlns:p="http://schemas.openxmlformats.org/presentationml/2006/main">
   <p:cSld>
     <p:spTree>
@@ -19228,7 +18833,7 @@
           <a:p>
             <a:fld id="{1BDE3FE7-3AEA-4B05-AC5A-802D1816ACF0}" type="slidenum">
               <a:rPr lang="ko-KR" altLang="en-US" smtClean="0"/>
-              <a:t>33</a:t>
+              <a:t>32</a:t>
             </a:fld>
             <a:endParaRPr lang="ko-KR" altLang="en-US"/>
           </a:p>
@@ -19584,7 +19189,7 @@
 </p:sld>
 </file>
 
-<file path=ppt/slides/slide34.xml><?xml version="1.0" encoding="utf-8"?>
+<file path=ppt/slides/slide33.xml><?xml version="1.0" encoding="utf-8"?>
 <p:sld xmlns:a="http://schemas.openxmlformats.org/drawingml/2006/main" xmlns:r="http://schemas.openxmlformats.org/officeDocument/2006/relationships" xmlns:p="http://schemas.openxmlformats.org/presentationml/2006/main">
   <p:cSld>
     <p:spTree>
@@ -19645,7 +19250,7 @@
           <a:p>
             <a:fld id="{1BDE3FE7-3AEA-4B05-AC5A-802D1816ACF0}" type="slidenum">
               <a:rPr lang="ko-KR" altLang="en-US" smtClean="0"/>
-              <a:t>34</a:t>
+              <a:t>33</a:t>
             </a:fld>
             <a:endParaRPr lang="ko-KR" altLang="en-US"/>
           </a:p>
@@ -19909,7 +19514,7 @@
 </p:sld>
 </file>
 
-<file path=ppt/slides/slide35.xml><?xml version="1.0" encoding="utf-8"?>
+<file path=ppt/slides/slide34.xml><?xml version="1.0" encoding="utf-8"?>
 <p:sld xmlns:a="http://schemas.openxmlformats.org/drawingml/2006/main" xmlns:r="http://schemas.openxmlformats.org/officeDocument/2006/relationships" xmlns:p="http://schemas.openxmlformats.org/presentationml/2006/main">
   <p:cSld>
     <p:spTree>
@@ -19970,7 +19575,7 @@
           <a:p>
             <a:fld id="{1BDE3FE7-3AEA-4B05-AC5A-802D1816ACF0}" type="slidenum">
               <a:rPr lang="ko-KR" altLang="en-US" smtClean="0"/>
-              <a:t>35</a:t>
+              <a:t>34</a:t>
             </a:fld>
             <a:endParaRPr lang="ko-KR" altLang="en-US"/>
           </a:p>
@@ -20234,7 +19839,7 @@
 </p:sld>
 </file>
 
-<file path=ppt/slides/slide36.xml><?xml version="1.0" encoding="utf-8"?>
+<file path=ppt/slides/slide35.xml><?xml version="1.0" encoding="utf-8"?>
 <p:sld xmlns:a="http://schemas.openxmlformats.org/drawingml/2006/main" xmlns:r="http://schemas.openxmlformats.org/officeDocument/2006/relationships" xmlns:p="http://schemas.openxmlformats.org/presentationml/2006/main">
   <p:cSld>
     <p:spTree>
@@ -20295,7 +19900,7 @@
           <a:p>
             <a:fld id="{1BDE3FE7-3AEA-4B05-AC5A-802D1816ACF0}" type="slidenum">
               <a:rPr lang="ko-KR" altLang="en-US" smtClean="0"/>
-              <a:t>36</a:t>
+              <a:t>35</a:t>
             </a:fld>
             <a:endParaRPr lang="ko-KR" altLang="en-US"/>
           </a:p>
@@ -20654,7 +20259,7 @@
 </p:sld>
 </file>
 
-<file path=ppt/slides/slide37.xml><?xml version="1.0" encoding="utf-8"?>
+<file path=ppt/slides/slide36.xml><?xml version="1.0" encoding="utf-8"?>
 <p:sld xmlns:a="http://schemas.openxmlformats.org/drawingml/2006/main" xmlns:r="http://schemas.openxmlformats.org/officeDocument/2006/relationships" xmlns:p="http://schemas.openxmlformats.org/presentationml/2006/main">
   <p:cSld>
     <p:spTree>
@@ -20715,7 +20320,7 @@
           <a:p>
             <a:fld id="{1BDE3FE7-3AEA-4B05-AC5A-802D1816ACF0}" type="slidenum">
               <a:rPr lang="ko-KR" altLang="en-US" smtClean="0"/>
-              <a:t>37</a:t>
+              <a:t>36</a:t>
             </a:fld>
             <a:endParaRPr lang="ko-KR" altLang="en-US"/>
           </a:p>
@@ -20778,7 +20383,7 @@
 </p:sld>
 </file>
 
-<file path=ppt/slides/slide38.xml><?xml version="1.0" encoding="utf-8"?>
+<file path=ppt/slides/slide37.xml><?xml version="1.0" encoding="utf-8"?>
 <p:sld xmlns:a="http://schemas.openxmlformats.org/drawingml/2006/main" xmlns:r="http://schemas.openxmlformats.org/officeDocument/2006/relationships" xmlns:p="http://schemas.openxmlformats.org/presentationml/2006/main">
   <p:cSld>
     <p:spTree>
@@ -20839,7 +20444,7 @@
           <a:p>
             <a:fld id="{1BDE3FE7-3AEA-4B05-AC5A-802D1816ACF0}" type="slidenum">
               <a:rPr lang="ko-KR" altLang="en-US" smtClean="0"/>
-              <a:t>38</a:t>
+              <a:t>37</a:t>
             </a:fld>
             <a:endParaRPr lang="ko-KR" altLang="en-US"/>
           </a:p>

--- a/javaWorks/자료/java_ppt/5장.배열(Array).pptx
+++ b/javaWorks/자료/java_ppt/5장.배열(Array).pptx
@@ -5,7 +5,7 @@
     <p:sldMasterId id="2147483648" r:id="rId1"/>
   </p:sldMasterIdLst>
   <p:notesMasterIdLst>
-    <p:notesMasterId r:id="rId39"/>
+    <p:notesMasterId r:id="rId41"/>
   </p:notesMasterIdLst>
   <p:sldIdLst>
     <p:sldId id="256" r:id="rId2"/>
@@ -37,14 +37,16 @@
     <p:sldId id="370" r:id="rId28"/>
     <p:sldId id="397" r:id="rId29"/>
     <p:sldId id="371" r:id="rId30"/>
-    <p:sldId id="423" r:id="rId31"/>
-    <p:sldId id="409" r:id="rId32"/>
-    <p:sldId id="372" r:id="rId33"/>
-    <p:sldId id="390" r:id="rId34"/>
-    <p:sldId id="424" r:id="rId35"/>
-    <p:sldId id="404" r:id="rId36"/>
-    <p:sldId id="406" r:id="rId37"/>
-    <p:sldId id="425" r:id="rId38"/>
+    <p:sldId id="428" r:id="rId31"/>
+    <p:sldId id="423" r:id="rId32"/>
+    <p:sldId id="427" r:id="rId33"/>
+    <p:sldId id="409" r:id="rId34"/>
+    <p:sldId id="372" r:id="rId35"/>
+    <p:sldId id="390" r:id="rId36"/>
+    <p:sldId id="424" r:id="rId37"/>
+    <p:sldId id="404" r:id="rId38"/>
+    <p:sldId id="406" r:id="rId39"/>
+    <p:sldId id="425" r:id="rId40"/>
   </p:sldIdLst>
   <p:sldSz cx="9906000" cy="6858000" type="A4"/>
   <p:notesSz cx="6858000" cy="9144000"/>
@@ -244,7 +246,7 @@
           <a:p>
             <a:fld id="{7665CDAC-D627-4E87-877A-1B781DD4CADC}" type="datetimeFigureOut">
               <a:rPr lang="ko-KR" altLang="en-US" smtClean="0"/>
-              <a:t>2023-05-18</a:t>
+              <a:t>2023-05-19</a:t>
             </a:fld>
             <a:endParaRPr lang="ko-KR" altLang="en-US"/>
           </a:p>
@@ -782,7 +784,7 @@
           <a:p>
             <a:fld id="{F4AC81B4-D91A-4578-85B3-829E63FCFE17}" type="datetime1">
               <a:rPr lang="ko-KR" altLang="en-US" smtClean="0"/>
-              <a:t>2023-05-18</a:t>
+              <a:t>2023-05-19</a:t>
             </a:fld>
             <a:endParaRPr lang="ko-KR" altLang="en-US"/>
           </a:p>
@@ -1157,7 +1159,7 @@
           <a:p>
             <a:fld id="{F5B77542-37E5-48F2-BAE7-80CC6B0EB6A3}" type="datetime1">
               <a:rPr lang="ko-KR" altLang="en-US" smtClean="0"/>
-              <a:t>2023-05-18</a:t>
+              <a:t>2023-05-19</a:t>
             </a:fld>
             <a:endParaRPr lang="ko-KR" altLang="en-US"/>
           </a:p>
@@ -1337,7 +1339,7 @@
           <a:p>
             <a:fld id="{227CF174-B5AC-4A98-B673-0BE8126D3F27}" type="datetime1">
               <a:rPr lang="ko-KR" altLang="en-US" smtClean="0"/>
-              <a:t>2023-05-18</a:t>
+              <a:t>2023-05-19</a:t>
             </a:fld>
             <a:endParaRPr lang="ko-KR" altLang="en-US"/>
           </a:p>
@@ -1511,7 +1513,7 @@
           <a:p>
             <a:fld id="{E20FDEC8-1339-42E8-9704-2977280C2FD3}" type="datetime1">
               <a:rPr lang="ko-KR" altLang="en-US" smtClean="0"/>
-              <a:t>2023-05-18</a:t>
+              <a:t>2023-05-19</a:t>
             </a:fld>
             <a:endParaRPr lang="ko-KR" altLang="en-US"/>
           </a:p>
@@ -1757,7 +1759,7 @@
           <a:p>
             <a:fld id="{4D18DC76-A282-4817-B790-197F054E1215}" type="datetime1">
               <a:rPr lang="ko-KR" altLang="en-US" smtClean="0"/>
-              <a:t>2023-05-18</a:t>
+              <a:t>2023-05-19</a:t>
             </a:fld>
             <a:endParaRPr lang="ko-KR" altLang="en-US"/>
           </a:p>
@@ -2045,7 +2047,7 @@
           <a:p>
             <a:fld id="{6680AA6C-13D8-43E4-90F0-E6C88A2B9F16}" type="datetime1">
               <a:rPr lang="ko-KR" altLang="en-US" smtClean="0"/>
-              <a:t>2023-05-18</a:t>
+              <a:t>2023-05-19</a:t>
             </a:fld>
             <a:endParaRPr lang="ko-KR" altLang="en-US"/>
           </a:p>
@@ -2467,7 +2469,7 @@
           <a:p>
             <a:fld id="{3EF5B03B-20CC-436E-8601-C933C6C1F4A6}" type="datetime1">
               <a:rPr lang="ko-KR" altLang="en-US" smtClean="0"/>
-              <a:t>2023-05-18</a:t>
+              <a:t>2023-05-19</a:t>
             </a:fld>
             <a:endParaRPr lang="ko-KR" altLang="en-US"/>
           </a:p>
@@ -2585,7 +2587,7 @@
           <a:p>
             <a:fld id="{87B5A15D-8B08-482F-AB47-E416EC355EB6}" type="datetime1">
               <a:rPr lang="ko-KR" altLang="en-US" smtClean="0"/>
-              <a:t>2023-05-18</a:t>
+              <a:t>2023-05-19</a:t>
             </a:fld>
             <a:endParaRPr lang="ko-KR" altLang="en-US"/>
           </a:p>
@@ -2680,7 +2682,7 @@
           <a:p>
             <a:fld id="{A877D7F8-7B64-44F8-A411-CBD22F28CBFF}" type="datetime1">
               <a:rPr lang="ko-KR" altLang="en-US" smtClean="0"/>
-              <a:t>2023-05-18</a:t>
+              <a:t>2023-05-19</a:t>
             </a:fld>
             <a:endParaRPr lang="ko-KR" altLang="en-US"/>
           </a:p>
@@ -2957,7 +2959,7 @@
           <a:p>
             <a:fld id="{E12DBD9B-2BB6-4D1F-BCB4-1E48829C93C3}" type="datetime1">
               <a:rPr lang="ko-KR" altLang="en-US" smtClean="0"/>
-              <a:t>2023-05-18</a:t>
+              <a:t>2023-05-19</a:t>
             </a:fld>
             <a:endParaRPr lang="ko-KR" altLang="en-US"/>
           </a:p>
@@ -3210,7 +3212,7 @@
           <a:p>
             <a:fld id="{17564C48-0CD7-40EB-BE64-BBF4DB8C56AF}" type="datetime1">
               <a:rPr lang="ko-KR" altLang="en-US" smtClean="0"/>
-              <a:t>2023-05-18</a:t>
+              <a:t>2023-05-19</a:t>
             </a:fld>
             <a:endParaRPr lang="ko-KR" altLang="en-US"/>
           </a:p>
@@ -3390,7 +3392,7 @@
           <a:p>
             <a:fld id="{C116BCB4-B68B-4638-8167-F4BDC0A30DA1}" type="datetime1">
               <a:rPr lang="ko-KR" altLang="en-US" smtClean="0"/>
-              <a:t>2023-05-18</a:t>
+              <a:t>2023-05-19</a:t>
             </a:fld>
             <a:endParaRPr lang="ko-KR" altLang="en-US"/>
           </a:p>
@@ -18335,6 +18337,284 @@
       </p:sp>
       <p:pic>
         <p:nvPicPr>
+          <p:cNvPr id="3" name="그림 2"/>
+          <p:cNvPicPr>
+            <a:picLocks noChangeAspect="1"/>
+          </p:cNvPicPr>
+          <p:nvPr/>
+        </p:nvPicPr>
+        <p:blipFill>
+          <a:blip r:embed="rId2">
+            <a:extLst>
+              <a:ext uri="{28A0092B-C50C-407E-A947-70E740481C1C}">
+                <a14:useLocalDpi xmlns:a14="http://schemas.microsoft.com/office/drawing/2010/main" val="0"/>
+              </a:ext>
+            </a:extLst>
+          </a:blip>
+          <a:stretch>
+            <a:fillRect/>
+          </a:stretch>
+        </p:blipFill>
+        <p:spPr>
+          <a:xfrm>
+            <a:off x="1280592" y="1988840"/>
+            <a:ext cx="5764357" cy="3384376"/>
+          </a:xfrm>
+          <a:prstGeom prst="rect">
+            <a:avLst/>
+          </a:prstGeom>
+          <a:ln>
+            <a:solidFill>
+              <a:schemeClr val="bg1">
+                <a:lumMod val="85000"/>
+              </a:schemeClr>
+            </a:solidFill>
+          </a:ln>
+        </p:spPr>
+      </p:pic>
+      <p:pic>
+        <p:nvPicPr>
+          <p:cNvPr id="2" name="그림 1"/>
+          <p:cNvPicPr>
+            <a:picLocks noChangeAspect="1"/>
+          </p:cNvPicPr>
+          <p:nvPr/>
+        </p:nvPicPr>
+        <p:blipFill>
+          <a:blip r:embed="rId3">
+            <a:extLst>
+              <a:ext uri="{28A0092B-C50C-407E-A947-70E740481C1C}">
+                <a14:useLocalDpi xmlns:a14="http://schemas.microsoft.com/office/drawing/2010/main" val="0"/>
+              </a:ext>
+            </a:extLst>
+          </a:blip>
+          <a:stretch>
+            <a:fillRect/>
+          </a:stretch>
+        </p:blipFill>
+        <p:spPr>
+          <a:xfrm>
+            <a:off x="7465065" y="2780928"/>
+            <a:ext cx="1368152" cy="1434200"/>
+          </a:xfrm>
+          <a:prstGeom prst="rect">
+            <a:avLst/>
+          </a:prstGeom>
+        </p:spPr>
+      </p:pic>
+    </p:spTree>
+    <p:extLst>
+      <p:ext uri="{BB962C8B-B14F-4D97-AF65-F5344CB8AC3E}">
+        <p14:creationId xmlns:p14="http://schemas.microsoft.com/office/powerpoint/2010/main" val="239467550"/>
+      </p:ext>
+    </p:extLst>
+  </p:cSld>
+  <p:clrMapOvr>
+    <a:masterClrMapping/>
+  </p:clrMapOvr>
+  <p:timing>
+    <p:tnLst>
+      <p:par>
+        <p:cTn id="1" dur="indefinite" restart="never" nodeType="tmRoot"/>
+      </p:par>
+    </p:tnLst>
+  </p:timing>
+</p:sld>
+</file>
+
+<file path=ppt/slides/slide31.xml><?xml version="1.0" encoding="utf-8"?>
+<p:sld xmlns:a="http://schemas.openxmlformats.org/drawingml/2006/main" xmlns:r="http://schemas.openxmlformats.org/officeDocument/2006/relationships" xmlns:p="http://schemas.openxmlformats.org/presentationml/2006/main">
+  <p:cSld>
+    <p:spTree>
+      <p:nvGrpSpPr>
+        <p:cNvPr id="1" name=""/>
+        <p:cNvGrpSpPr/>
+        <p:nvPr/>
+      </p:nvGrpSpPr>
+      <p:grpSpPr>
+        <a:xfrm>
+          <a:off x="0" y="0"/>
+          <a:ext cx="0" cy="0"/>
+          <a:chOff x="0" y="0"/>
+          <a:chExt cx="0" cy="0"/>
+        </a:xfrm>
+      </p:grpSpPr>
+      <p:sp>
+        <p:nvSpPr>
+          <p:cNvPr id="6" name="제목 5"/>
+          <p:cNvSpPr>
+            <a:spLocks noGrp="1"/>
+          </p:cNvSpPr>
+          <p:nvPr>
+            <p:ph type="title"/>
+          </p:nvPr>
+        </p:nvSpPr>
+        <p:spPr/>
+        <p:txBody>
+          <a:bodyPr/>
+          <a:lstStyle/>
+          <a:p>
+            <a:r>
+              <a:rPr lang="en-US" altLang="ko-KR" dirty="0" smtClean="0"/>
+              <a:t> </a:t>
+            </a:r>
+            <a:r>
+              <a:rPr lang="ko-KR" altLang="en-US" dirty="0" smtClean="0"/>
+              <a:t>다차원 배열</a:t>
+            </a:r>
+            <a:endParaRPr lang="ko-KR" altLang="en-US" dirty="0"/>
+          </a:p>
+        </p:txBody>
+      </p:sp>
+      <p:sp>
+        <p:nvSpPr>
+          <p:cNvPr id="5" name="슬라이드 번호 개체 틀 4"/>
+          <p:cNvSpPr>
+            <a:spLocks noGrp="1"/>
+          </p:cNvSpPr>
+          <p:nvPr>
+            <p:ph type="sldNum" sz="quarter" idx="12"/>
+          </p:nvPr>
+        </p:nvSpPr>
+        <p:spPr/>
+        <p:txBody>
+          <a:bodyPr/>
+          <a:lstStyle/>
+          <a:p>
+            <a:fld id="{1BDE3FE7-3AEA-4B05-AC5A-802D1816ACF0}" type="slidenum">
+              <a:rPr lang="ko-KR" altLang="en-US" smtClean="0"/>
+              <a:t>31</a:t>
+            </a:fld>
+            <a:endParaRPr lang="ko-KR" altLang="en-US"/>
+          </a:p>
+        </p:txBody>
+      </p:sp>
+      <p:pic>
+        <p:nvPicPr>
+          <p:cNvPr id="4" name="그림 3"/>
+          <p:cNvPicPr>
+            <a:picLocks noChangeAspect="1"/>
+          </p:cNvPicPr>
+          <p:nvPr/>
+        </p:nvPicPr>
+        <p:blipFill>
+          <a:blip r:embed="rId2">
+            <a:extLst>
+              <a:ext uri="{28A0092B-C50C-407E-A947-70E740481C1C}">
+                <a14:useLocalDpi xmlns:a14="http://schemas.microsoft.com/office/drawing/2010/main" val="0"/>
+              </a:ext>
+            </a:extLst>
+          </a:blip>
+          <a:stretch>
+            <a:fillRect/>
+          </a:stretch>
+        </p:blipFill>
+        <p:spPr>
+          <a:xfrm>
+            <a:off x="3728864" y="1628800"/>
+            <a:ext cx="1844200" cy="3932261"/>
+          </a:xfrm>
+          <a:prstGeom prst="rect">
+            <a:avLst/>
+          </a:prstGeom>
+          <a:ln>
+            <a:solidFill>
+              <a:schemeClr val="bg1">
+                <a:lumMod val="85000"/>
+              </a:schemeClr>
+            </a:solidFill>
+          </a:ln>
+        </p:spPr>
+      </p:pic>
+    </p:spTree>
+    <p:extLst>
+      <p:ext uri="{BB962C8B-B14F-4D97-AF65-F5344CB8AC3E}">
+        <p14:creationId xmlns:p14="http://schemas.microsoft.com/office/powerpoint/2010/main" val="2565539743"/>
+      </p:ext>
+    </p:extLst>
+  </p:cSld>
+  <p:clrMapOvr>
+    <a:masterClrMapping/>
+  </p:clrMapOvr>
+  <p:timing>
+    <p:tnLst>
+      <p:par>
+        <p:cTn id="1" dur="indefinite" restart="never" nodeType="tmRoot"/>
+      </p:par>
+    </p:tnLst>
+  </p:timing>
+</p:sld>
+</file>
+
+<file path=ppt/slides/slide32.xml><?xml version="1.0" encoding="utf-8"?>
+<p:sld xmlns:a="http://schemas.openxmlformats.org/drawingml/2006/main" xmlns:r="http://schemas.openxmlformats.org/officeDocument/2006/relationships" xmlns:p="http://schemas.openxmlformats.org/presentationml/2006/main">
+  <p:cSld>
+    <p:spTree>
+      <p:nvGrpSpPr>
+        <p:cNvPr id="1" name=""/>
+        <p:cNvGrpSpPr/>
+        <p:nvPr/>
+      </p:nvGrpSpPr>
+      <p:grpSpPr>
+        <a:xfrm>
+          <a:off x="0" y="0"/>
+          <a:ext cx="0" cy="0"/>
+          <a:chOff x="0" y="0"/>
+          <a:chExt cx="0" cy="0"/>
+        </a:xfrm>
+      </p:grpSpPr>
+      <p:sp>
+        <p:nvSpPr>
+          <p:cNvPr id="6" name="제목 5"/>
+          <p:cNvSpPr>
+            <a:spLocks noGrp="1"/>
+          </p:cNvSpPr>
+          <p:nvPr>
+            <p:ph type="title"/>
+          </p:nvPr>
+        </p:nvSpPr>
+        <p:spPr/>
+        <p:txBody>
+          <a:bodyPr/>
+          <a:lstStyle/>
+          <a:p>
+            <a:r>
+              <a:rPr lang="en-US" altLang="ko-KR" dirty="0" smtClean="0"/>
+              <a:t> </a:t>
+            </a:r>
+            <a:r>
+              <a:rPr lang="ko-KR" altLang="en-US" dirty="0" smtClean="0"/>
+              <a:t>다차원 배열</a:t>
+            </a:r>
+            <a:endParaRPr lang="ko-KR" altLang="en-US" dirty="0"/>
+          </a:p>
+        </p:txBody>
+      </p:sp>
+      <p:sp>
+        <p:nvSpPr>
+          <p:cNvPr id="5" name="슬라이드 번호 개체 틀 4"/>
+          <p:cNvSpPr>
+            <a:spLocks noGrp="1"/>
+          </p:cNvSpPr>
+          <p:nvPr>
+            <p:ph type="sldNum" sz="quarter" idx="12"/>
+          </p:nvPr>
+        </p:nvSpPr>
+        <p:spPr/>
+        <p:txBody>
+          <a:bodyPr/>
+          <a:lstStyle/>
+          <a:p>
+            <a:fld id="{1BDE3FE7-3AEA-4B05-AC5A-802D1816ACF0}" type="slidenum">
+              <a:rPr lang="ko-KR" altLang="en-US" smtClean="0"/>
+              <a:t>32</a:t>
+            </a:fld>
+            <a:endParaRPr lang="ko-KR" altLang="en-US"/>
+          </a:p>
+        </p:txBody>
+      </p:sp>
+      <p:pic>
+        <p:nvPicPr>
           <p:cNvPr id="2" name="그림 1"/>
           <p:cNvPicPr>
             <a:picLocks noChangeAspect="1"/>
@@ -18373,7 +18653,7 @@
     </p:spTree>
     <p:extLst>
       <p:ext uri="{BB962C8B-B14F-4D97-AF65-F5344CB8AC3E}">
-        <p14:creationId xmlns:p14="http://schemas.microsoft.com/office/powerpoint/2010/main" val="2565539743"/>
+        <p14:creationId xmlns:p14="http://schemas.microsoft.com/office/powerpoint/2010/main" val="2564870221"/>
       </p:ext>
     </p:extLst>
   </p:cSld>
@@ -18390,7 +18670,7 @@
 </p:sld>
 </file>
 
-<file path=ppt/slides/slide31.xml><?xml version="1.0" encoding="utf-8"?>
+<file path=ppt/slides/slide33.xml><?xml version="1.0" encoding="utf-8"?>
 <p:sld xmlns:a="http://schemas.openxmlformats.org/drawingml/2006/main" xmlns:r="http://schemas.openxmlformats.org/officeDocument/2006/relationships" xmlns:p="http://schemas.openxmlformats.org/presentationml/2006/main">
   <p:cSld>
     <p:spTree>
@@ -18451,7 +18731,7 @@
           <a:p>
             <a:fld id="{1BDE3FE7-3AEA-4B05-AC5A-802D1816ACF0}" type="slidenum">
               <a:rPr lang="ko-KR" altLang="en-US" smtClean="0"/>
-              <a:t>31</a:t>
+              <a:t>33</a:t>
             </a:fld>
             <a:endParaRPr lang="ko-KR" altLang="en-US"/>
           </a:p>
@@ -18772,7 +19052,7 @@
 </p:sld>
 </file>
 
-<file path=ppt/slides/slide32.xml><?xml version="1.0" encoding="utf-8"?>
+<file path=ppt/slides/slide34.xml><?xml version="1.0" encoding="utf-8"?>
 <p:sld xmlns:a="http://schemas.openxmlformats.org/drawingml/2006/main" xmlns:r="http://schemas.openxmlformats.org/officeDocument/2006/relationships" xmlns:p="http://schemas.openxmlformats.org/presentationml/2006/main">
   <p:cSld>
     <p:spTree>
@@ -18833,7 +19113,7 @@
           <a:p>
             <a:fld id="{1BDE3FE7-3AEA-4B05-AC5A-802D1816ACF0}" type="slidenum">
               <a:rPr lang="ko-KR" altLang="en-US" smtClean="0"/>
-              <a:t>32</a:t>
+              <a:t>34</a:t>
             </a:fld>
             <a:endParaRPr lang="ko-KR" altLang="en-US"/>
           </a:p>
@@ -19189,7 +19469,7 @@
 </p:sld>
 </file>
 
-<file path=ppt/slides/slide33.xml><?xml version="1.0" encoding="utf-8"?>
+<file path=ppt/slides/slide35.xml><?xml version="1.0" encoding="utf-8"?>
 <p:sld xmlns:a="http://schemas.openxmlformats.org/drawingml/2006/main" xmlns:r="http://schemas.openxmlformats.org/officeDocument/2006/relationships" xmlns:p="http://schemas.openxmlformats.org/presentationml/2006/main">
   <p:cSld>
     <p:spTree>
@@ -19250,7 +19530,7 @@
           <a:p>
             <a:fld id="{1BDE3FE7-3AEA-4B05-AC5A-802D1816ACF0}" type="slidenum">
               <a:rPr lang="ko-KR" altLang="en-US" smtClean="0"/>
-              <a:t>33</a:t>
+              <a:t>35</a:t>
             </a:fld>
             <a:endParaRPr lang="ko-KR" altLang="en-US"/>
           </a:p>
@@ -19514,7 +19794,7 @@
 </p:sld>
 </file>
 
-<file path=ppt/slides/slide34.xml><?xml version="1.0" encoding="utf-8"?>
+<file path=ppt/slides/slide36.xml><?xml version="1.0" encoding="utf-8"?>
 <p:sld xmlns:a="http://schemas.openxmlformats.org/drawingml/2006/main" xmlns:r="http://schemas.openxmlformats.org/officeDocument/2006/relationships" xmlns:p="http://schemas.openxmlformats.org/presentationml/2006/main">
   <p:cSld>
     <p:spTree>
@@ -19575,7 +19855,7 @@
           <a:p>
             <a:fld id="{1BDE3FE7-3AEA-4B05-AC5A-802D1816ACF0}" type="slidenum">
               <a:rPr lang="ko-KR" altLang="en-US" smtClean="0"/>
-              <a:t>34</a:t>
+              <a:t>36</a:t>
             </a:fld>
             <a:endParaRPr lang="ko-KR" altLang="en-US"/>
           </a:p>
@@ -19839,7 +20119,7 @@
 </p:sld>
 </file>
 
-<file path=ppt/slides/slide35.xml><?xml version="1.0" encoding="utf-8"?>
+<file path=ppt/slides/slide37.xml><?xml version="1.0" encoding="utf-8"?>
 <p:sld xmlns:a="http://schemas.openxmlformats.org/drawingml/2006/main" xmlns:r="http://schemas.openxmlformats.org/officeDocument/2006/relationships" xmlns:p="http://schemas.openxmlformats.org/presentationml/2006/main">
   <p:cSld>
     <p:spTree>
@@ -19900,7 +20180,7 @@
           <a:p>
             <a:fld id="{1BDE3FE7-3AEA-4B05-AC5A-802D1816ACF0}" type="slidenum">
               <a:rPr lang="ko-KR" altLang="en-US" smtClean="0"/>
-              <a:t>35</a:t>
+              <a:t>37</a:t>
             </a:fld>
             <a:endParaRPr lang="ko-KR" altLang="en-US"/>
           </a:p>
@@ -20259,7 +20539,7 @@
 </p:sld>
 </file>
 
-<file path=ppt/slides/slide36.xml><?xml version="1.0" encoding="utf-8"?>
+<file path=ppt/slides/slide38.xml><?xml version="1.0" encoding="utf-8"?>
 <p:sld xmlns:a="http://schemas.openxmlformats.org/drawingml/2006/main" xmlns:r="http://schemas.openxmlformats.org/officeDocument/2006/relationships" xmlns:p="http://schemas.openxmlformats.org/presentationml/2006/main">
   <p:cSld>
     <p:spTree>
@@ -20320,7 +20600,7 @@
           <a:p>
             <a:fld id="{1BDE3FE7-3AEA-4B05-AC5A-802D1816ACF0}" type="slidenum">
               <a:rPr lang="ko-KR" altLang="en-US" smtClean="0"/>
-              <a:t>36</a:t>
+              <a:t>38</a:t>
             </a:fld>
             <a:endParaRPr lang="ko-KR" altLang="en-US"/>
           </a:p>
@@ -20383,7 +20663,7 @@
 </p:sld>
 </file>
 
-<file path=ppt/slides/slide37.xml><?xml version="1.0" encoding="utf-8"?>
+<file path=ppt/slides/slide39.xml><?xml version="1.0" encoding="utf-8"?>
 <p:sld xmlns:a="http://schemas.openxmlformats.org/drawingml/2006/main" xmlns:r="http://schemas.openxmlformats.org/officeDocument/2006/relationships" xmlns:p="http://schemas.openxmlformats.org/presentationml/2006/main">
   <p:cSld>
     <p:spTree>
@@ -20444,7 +20724,7 @@
           <a:p>
             <a:fld id="{1BDE3FE7-3AEA-4B05-AC5A-802D1816ACF0}" type="slidenum">
               <a:rPr lang="ko-KR" altLang="en-US" smtClean="0"/>
-              <a:t>37</a:t>
+              <a:t>39</a:t>
             </a:fld>
             <a:endParaRPr lang="ko-KR" altLang="en-US"/>
           </a:p>
